--- a/notes/Building model.pptx
+++ b/notes/Building model.pptx
@@ -6,6 +6,7 @@
   </p:sldMasterIdLst>
   <p:sldIdLst>
     <p:sldId id="256" r:id="rId2"/>
+    <p:sldId id="257" r:id="rId3"/>
   </p:sldIdLst>
   <p:sldSz cx="12192000" cy="6858000"/>
   <p:notesSz cx="6858000" cy="9144000"/>
@@ -105,6 +106,16 @@
     </a:lvl9pPr>
   </p:defaultTextStyle>
   <p:extLst>
+    <p:ext uri="{521415D9-36F7-43E2-AB2F-B90AF26B5E84}">
+      <p14:sectionLst xmlns:p14="http://schemas.microsoft.com/office/powerpoint/2010/main">
+        <p14:section name="Untitled Section" id="{1D6593AB-E98B-1649-93C2-6F6F810A64E5}">
+          <p14:sldIdLst>
+            <p14:sldId id="256"/>
+            <p14:sldId id="257"/>
+          </p14:sldIdLst>
+        </p14:section>
+      </p14:sectionLst>
+    </p:ext>
     <p:ext uri="{EFAFB233-063F-42B5-8137-9DF3F51BA10A}">
       <p15:sldGuideLst xmlns:p15="http://schemas.microsoft.com/office/powerpoint/2012/main"/>
     </p:ext>
@@ -3347,43 +3358,8 @@
           <a:chExt cx="0" cy="0"/>
         </a:xfrm>
       </p:grpSpPr>
-      <p:sp>
-        <p:nvSpPr>
-          <p:cNvPr id="4" name="TextBox 3">
-            <a:extLst>
-              <a:ext uri="{FF2B5EF4-FFF2-40B4-BE49-F238E27FC236}">
-                <a16:creationId xmlns:a16="http://schemas.microsoft.com/office/drawing/2014/main" id="{312B6BEE-E6FC-D2D4-BF43-2C53600568F1}"/>
-              </a:ext>
-            </a:extLst>
-          </p:cNvPr>
-          <p:cNvSpPr txBox="1"/>
-          <p:nvPr/>
-        </p:nvSpPr>
-        <p:spPr>
-          <a:xfrm>
-            <a:off x="1262742" y="468086"/>
-            <a:ext cx="2873829" cy="369332"/>
-          </a:xfrm>
-          <a:prstGeom prst="rect">
-            <a:avLst/>
-          </a:prstGeom>
-          <a:noFill/>
-        </p:spPr>
-        <p:txBody>
-          <a:bodyPr wrap="square" rtlCol="0">
-            <a:spAutoFit/>
-          </a:bodyPr>
-          <a:lstStyle/>
-          <a:p>
-            <a:r>
-              <a:rPr lang="en-DE" dirty="0"/>
-              <a:t>Input:</a:t>
-            </a:r>
-          </a:p>
-        </p:txBody>
-      </p:sp>
-      <mc:AlternateContent xmlns:mc="http://schemas.openxmlformats.org/markup-compatibility/2006" xmlns:a14="http://schemas.microsoft.com/office/drawing/2010/main">
-        <mc:Choice Requires="a14">
+      <mc:AlternateContent xmlns:mc="http://schemas.openxmlformats.org/markup-compatibility/2006">
+        <mc:Choice xmlns:a14="http://schemas.microsoft.com/office/drawing/2010/main" Requires="a14">
           <p:sp>
             <p:nvSpPr>
               <p:cNvPr id="6" name="TextBox 5">
@@ -3398,7 +3374,7 @@
             </p:nvSpPr>
             <p:spPr>
               <a:xfrm>
-                <a:off x="0" y="1085019"/>
+                <a:off x="7306126" y="2841057"/>
                 <a:ext cx="3442949" cy="963662"/>
               </a:xfrm>
               <a:prstGeom prst="rect">
@@ -3582,7 +3558,7 @@
             </p:txBody>
           </p:sp>
         </mc:Choice>
-        <mc:Fallback xmlns="">
+        <mc:Fallback>
           <p:sp>
             <p:nvSpPr>
               <p:cNvPr id="6" name="TextBox 5">
@@ -3599,7 +3575,7 @@
             </p:nvSpPr>
             <p:spPr>
               <a:xfrm>
-                <a:off x="0" y="1085019"/>
+                <a:off x="7306126" y="2841057"/>
                 <a:ext cx="3442949" cy="963662"/>
               </a:xfrm>
               <a:prstGeom prst="rect">
@@ -3608,7 +3584,7 @@
               <a:blipFill>
                 <a:blip r:embed="rId2"/>
                 <a:stretch>
-                  <a:fillRect t="-1299" b="-6494"/>
+                  <a:fillRect b="-6494"/>
                 </a:stretch>
               </a:blipFill>
             </p:spPr>
@@ -3641,7 +3617,7 @@
         </p:nvSpPr>
         <p:spPr>
           <a:xfrm>
-            <a:off x="1262742" y="2209196"/>
+            <a:off x="5006027" y="2923428"/>
             <a:ext cx="1295399" cy="369332"/>
           </a:xfrm>
           <a:prstGeom prst="rect">
@@ -3656,11 +3632,7 @@
           <a:lstStyle/>
           <a:p>
             <a:r>
-              <a:rPr lang="en-DE" dirty="0">
-                <a:solidFill>
-                  <a:srgbClr val="FF0000"/>
-                </a:solidFill>
-              </a:rPr>
+              <a:rPr lang="en-DE" dirty="0"/>
               <a:t>A     G   T</a:t>
             </a:r>
           </a:p>
@@ -3668,10 +3640,10 @@
       </p:sp>
       <p:sp>
         <p:nvSpPr>
-          <p:cNvPr id="3" name="TextBox 2">
-            <a:extLst>
-              <a:ext uri="{FF2B5EF4-FFF2-40B4-BE49-F238E27FC236}">
-                <a16:creationId xmlns:a16="http://schemas.microsoft.com/office/drawing/2014/main" id="{710AFB88-7F02-70A3-0E5A-1AE6F1DAAE6E}"/>
+          <p:cNvPr id="5" name="TextBox 4">
+            <a:extLst>
+              <a:ext uri="{FF2B5EF4-FFF2-40B4-BE49-F238E27FC236}">
+                <a16:creationId xmlns:a16="http://schemas.microsoft.com/office/drawing/2014/main" id="{92464F46-07D0-B24C-C9F7-8C241D812DAF}"/>
               </a:ext>
             </a:extLst>
           </p:cNvPr>
@@ -3680,8 +3652,8 @@
         </p:nvSpPr>
         <p:spPr>
           <a:xfrm>
-            <a:off x="2710540" y="468086"/>
-            <a:ext cx="4920345" cy="2308324"/>
+            <a:off x="290484" y="2455173"/>
+            <a:ext cx="1586590" cy="369332"/>
           </a:xfrm>
           <a:prstGeom prst="rect">
             <a:avLst/>
@@ -3695,58 +3667,222 @@
           <a:lstStyle/>
           <a:p>
             <a:r>
+              <a:rPr lang="en-GB" dirty="0"/>
+              <a:t>F</a:t>
+            </a:r>
+            <a:r>
               <a:rPr lang="en-DE" dirty="0"/>
-              <a:t>Which input sequence are we interested in?</a:t>
-            </a:r>
-          </a:p>
-          <a:p>
-            <a:endParaRPr lang="en-DE" dirty="0"/>
-          </a:p>
-          <a:p>
-            <a:pPr marL="285750" indent="-285750">
-              <a:buFont typeface="Wingdings" pitchFamily="2" charset="2"/>
-              <a:buChar char="è"/>
-            </a:pPr>
-            <a:r>
-              <a:rPr lang="en-DE" dirty="0"/>
-              <a:t>Sequence of ATAC peaks </a:t>
-            </a:r>
-          </a:p>
-          <a:p>
-            <a:pPr marL="285750" indent="-285750">
-              <a:buFont typeface="Wingdings" pitchFamily="2" charset="2"/>
-              <a:buChar char="è"/>
-            </a:pPr>
-            <a:r>
-              <a:rPr lang="en-DE" dirty="0"/>
-              <a:t>Random sequences across genome (will we not learn nothing or noise from those? Should not predict tracks or will learn noise)</a:t>
-            </a:r>
-          </a:p>
-          <a:p>
-            <a:pPr marL="285750" indent="-285750">
-              <a:buFont typeface="Wingdings" pitchFamily="2" charset="2"/>
-              <a:buChar char="è"/>
-            </a:pPr>
-            <a:r>
-              <a:rPr lang="en-DE" dirty="0"/>
-              <a:t>Sequence around particular genomic regions</a:t>
-            </a:r>
-          </a:p>
-          <a:p>
-            <a:pPr marL="285750" indent="-285750">
-              <a:buFont typeface="Wingdings" pitchFamily="2" charset="2"/>
-              <a:buChar char="è"/>
-            </a:pPr>
-            <a:endParaRPr lang="en-DE" dirty="0"/>
-          </a:p>
-        </p:txBody>
-      </p:sp>
-      <p:sp>
-        <p:nvSpPr>
-          <p:cNvPr id="5" name="TextBox 4">
-            <a:extLst>
-              <a:ext uri="{FF2B5EF4-FFF2-40B4-BE49-F238E27FC236}">
-                <a16:creationId xmlns:a16="http://schemas.microsoft.com/office/drawing/2014/main" id="{92464F46-07D0-B24C-C9F7-8C241D812DAF}"/>
+              <a:t>or each peak</a:t>
+            </a:r>
+          </a:p>
+        </p:txBody>
+      </p:sp>
+      <mc:AlternateContent xmlns:mc="http://schemas.openxmlformats.org/markup-compatibility/2006">
+        <mc:Choice xmlns:a14="http://schemas.microsoft.com/office/drawing/2010/main" Requires="a14">
+          <p:sp>
+            <p:nvSpPr>
+              <p:cNvPr id="10" name="TextBox 9">
+                <a:extLst>
+                  <a:ext uri="{FF2B5EF4-FFF2-40B4-BE49-F238E27FC236}">
+                    <a16:creationId xmlns:a16="http://schemas.microsoft.com/office/drawing/2014/main" id="{28C36B4C-18B2-29B8-1205-79A060B5F691}"/>
+                  </a:ext>
+                </a:extLst>
+              </p:cNvPr>
+              <p:cNvSpPr txBox="1"/>
+              <p:nvPr/>
+            </p:nvSpPr>
+            <p:spPr>
+              <a:xfrm>
+                <a:off x="962116" y="995975"/>
+                <a:ext cx="2056657" cy="732573"/>
+              </a:xfrm>
+              <a:prstGeom prst="rect">
+                <a:avLst/>
+              </a:prstGeom>
+              <a:noFill/>
+            </p:spPr>
+            <p:txBody>
+              <a:bodyPr wrap="square" lIns="0" tIns="0" rIns="0" bIns="0" rtlCol="0">
+                <a:spAutoFit/>
+              </a:bodyPr>
+              <a:lstStyle/>
+              <a:p>
+                <a14:m>
+                  <m:oMathPara xmlns:m="http://schemas.openxmlformats.org/officeDocument/2006/math">
+                    <m:oMathParaPr>
+                      <m:jc m:val="centerGroup"/>
+                    </m:oMathParaPr>
+                    <m:oMath xmlns:m="http://schemas.openxmlformats.org/officeDocument/2006/math">
+                      <m:d>
+                        <m:dPr>
+                          <m:begChr m:val="["/>
+                          <m:endChr m:val="]"/>
+                          <m:ctrlPr>
+                            <a:rPr lang="en-DE" i="1" smtClean="0">
+                              <a:latin typeface="Cambria Math" panose="02040503050406030204" pitchFamily="18" charset="0"/>
+                            </a:rPr>
+                          </m:ctrlPr>
+                        </m:dPr>
+                        <m:e>
+                          <m:m>
+                            <m:mPr>
+                              <m:mcs>
+                                <m:mc>
+                                  <m:mcPr>
+                                    <m:count m:val="3"/>
+                                    <m:mcJc m:val="center"/>
+                                  </m:mcPr>
+                                </m:mc>
+                              </m:mcs>
+                              <m:ctrlPr>
+                                <a:rPr lang="en-DE" i="1" smtClean="0">
+                                  <a:latin typeface="Cambria Math" panose="02040503050406030204" pitchFamily="18" charset="0"/>
+                                </a:rPr>
+                              </m:ctrlPr>
+                            </m:mPr>
+                            <m:mr>
+                              <m:e>
+                                <m:r>
+                                  <m:rPr>
+                                    <m:brk m:alnAt="7"/>
+                                  </m:rPr>
+                                  <a:rPr lang="en-US" b="0" i="1" smtClean="0">
+                                    <a:latin typeface="Cambria Math" panose="02040503050406030204" pitchFamily="18" charset="0"/>
+                                  </a:rPr>
+                                  <m:t>1</m:t>
+                                </m:r>
+                              </m:e>
+                              <m:e>
+                                <m:r>
+                                  <a:rPr lang="en-DE" i="1" smtClean="0">
+                                    <a:latin typeface="Cambria Math" panose="02040503050406030204" pitchFamily="18" charset="0"/>
+                                  </a:rPr>
+                                  <m:t>⋯</m:t>
+                                </m:r>
+                              </m:e>
+                              <m:e>
+                                <m:r>
+                                  <a:rPr lang="en-US" b="0" i="1" smtClean="0">
+                                    <a:latin typeface="Cambria Math" panose="02040503050406030204" pitchFamily="18" charset="0"/>
+                                  </a:rPr>
+                                  <m:t>0</m:t>
+                                </m:r>
+                              </m:e>
+                            </m:mr>
+                            <m:mr>
+                              <m:e>
+                                <m:r>
+                                  <a:rPr lang="en-DE" i="1" smtClean="0">
+                                    <a:latin typeface="Cambria Math" panose="02040503050406030204" pitchFamily="18" charset="0"/>
+                                  </a:rPr>
+                                  <m:t>⋮</m:t>
+                                </m:r>
+                              </m:e>
+                              <m:e>
+                                <m:r>
+                                  <a:rPr lang="en-DE" i="1" smtClean="0">
+                                    <a:latin typeface="Cambria Math" panose="02040503050406030204" pitchFamily="18" charset="0"/>
+                                  </a:rPr>
+                                  <m:t>⋱</m:t>
+                                </m:r>
+                              </m:e>
+                              <m:e>
+                                <m:r>
+                                  <a:rPr lang="en-DE" i="1" smtClean="0">
+                                    <a:latin typeface="Cambria Math" panose="02040503050406030204" pitchFamily="18" charset="0"/>
+                                  </a:rPr>
+                                  <m:t>⋮</m:t>
+                                </m:r>
+                              </m:e>
+                            </m:mr>
+                            <m:mr>
+                              <m:e>
+                                <m:r>
+                                  <a:rPr lang="en-US" b="0" i="1" smtClean="0">
+                                    <a:latin typeface="Cambria Math" panose="02040503050406030204" pitchFamily="18" charset="0"/>
+                                  </a:rPr>
+                                  <m:t>0</m:t>
+                                </m:r>
+                              </m:e>
+                              <m:e>
+                                <m:r>
+                                  <a:rPr lang="en-DE" i="1" smtClean="0">
+                                    <a:latin typeface="Cambria Math" panose="02040503050406030204" pitchFamily="18" charset="0"/>
+                                  </a:rPr>
+                                  <m:t>⋯</m:t>
+                                </m:r>
+                              </m:e>
+                              <m:e>
+                                <m:r>
+                                  <a:rPr lang="en-US" b="0" i="1" smtClean="0">
+                                    <a:latin typeface="Cambria Math" panose="02040503050406030204" pitchFamily="18" charset="0"/>
+                                  </a:rPr>
+                                  <m:t>0</m:t>
+                                </m:r>
+                              </m:e>
+                            </m:mr>
+                          </m:m>
+                        </m:e>
+                      </m:d>
+                    </m:oMath>
+                  </m:oMathPara>
+                </a14:m>
+                <a:endParaRPr lang="en-DE" dirty="0"/>
+              </a:p>
+            </p:txBody>
+          </p:sp>
+        </mc:Choice>
+        <mc:Fallback>
+          <p:sp>
+            <p:nvSpPr>
+              <p:cNvPr id="10" name="TextBox 9">
+                <a:extLst>
+                  <a:ext uri="{FF2B5EF4-FFF2-40B4-BE49-F238E27FC236}">
+                    <a16:creationId xmlns:a16="http://schemas.microsoft.com/office/drawing/2014/main" id="{28C36B4C-18B2-29B8-1205-79A060B5F691}"/>
+                  </a:ext>
+                </a:extLst>
+              </p:cNvPr>
+              <p:cNvSpPr txBox="1">
+                <a:spLocks noRot="1" noChangeAspect="1" noMove="1" noResize="1" noEditPoints="1" noAdjustHandles="1" noChangeArrowheads="1" noChangeShapeType="1" noTextEdit="1"/>
+              </p:cNvSpPr>
+              <p:nvPr/>
+            </p:nvSpPr>
+            <p:spPr>
+              <a:xfrm>
+                <a:off x="962116" y="995975"/>
+                <a:ext cx="2056657" cy="732573"/>
+              </a:xfrm>
+              <a:prstGeom prst="rect">
+                <a:avLst/>
+              </a:prstGeom>
+              <a:blipFill>
+                <a:blip r:embed="rId3"/>
+                <a:stretch>
+                  <a:fillRect t="-1695" b="-8475"/>
+                </a:stretch>
+              </a:blipFill>
+            </p:spPr>
+            <p:txBody>
+              <a:bodyPr/>
+              <a:lstStyle/>
+              <a:p>
+                <a:r>
+                  <a:rPr lang="en-DE">
+                    <a:noFill/>
+                  </a:rPr>
+                  <a:t> </a:t>
+                </a:r>
+              </a:p>
+            </p:txBody>
+          </p:sp>
+        </mc:Fallback>
+      </mc:AlternateContent>
+      <p:sp>
+        <p:nvSpPr>
+          <p:cNvPr id="11" name="TextBox 10">
+            <a:extLst>
+              <a:ext uri="{FF2B5EF4-FFF2-40B4-BE49-F238E27FC236}">
+                <a16:creationId xmlns:a16="http://schemas.microsoft.com/office/drawing/2014/main" id="{6812D4D8-1C34-F95C-C3D5-5058E8C00B61}"/>
               </a:ext>
             </a:extLst>
           </p:cNvPr>
@@ -3755,7 +3891,7 @@
         </p:nvSpPr>
         <p:spPr>
           <a:xfrm>
-            <a:off x="1262741" y="4450923"/>
+            <a:off x="290484" y="118292"/>
             <a:ext cx="2873829" cy="369332"/>
           </a:xfrm>
           <a:prstGeom prst="rect">
@@ -3771,17 +3907,17 @@
           <a:p>
             <a:r>
               <a:rPr lang="en-DE" dirty="0"/>
-              <a:t>Output:</a:t>
-            </a:r>
-          </a:p>
-        </p:txBody>
-      </p:sp>
-      <p:sp>
-        <p:nvSpPr>
-          <p:cNvPr id="8" name="TextBox 7">
-            <a:extLst>
-              <a:ext uri="{FF2B5EF4-FFF2-40B4-BE49-F238E27FC236}">
-                <a16:creationId xmlns:a16="http://schemas.microsoft.com/office/drawing/2014/main" id="{C9BCBF26-5EFC-9620-B27F-13D7F1D6BF03}"/>
+              <a:t>10x peak count x cell matrix</a:t>
+            </a:r>
+          </a:p>
+        </p:txBody>
+      </p:sp>
+      <p:sp>
+        <p:nvSpPr>
+          <p:cNvPr id="12" name="TextBox 11">
+            <a:extLst>
+              <a:ext uri="{FF2B5EF4-FFF2-40B4-BE49-F238E27FC236}">
+                <a16:creationId xmlns:a16="http://schemas.microsoft.com/office/drawing/2014/main" id="{B40FEFD2-BBF0-3679-1175-D67896D457E0}"/>
               </a:ext>
             </a:extLst>
           </p:cNvPr>
@@ -3790,8 +3926,8 @@
         </p:nvSpPr>
         <p:spPr>
           <a:xfrm>
-            <a:off x="2710540" y="4427817"/>
-            <a:ext cx="4920345" cy="1477328"/>
+            <a:off x="1621223" y="518657"/>
+            <a:ext cx="929314" cy="369332"/>
           </a:xfrm>
           <a:prstGeom prst="rect">
             <a:avLst/>
@@ -3806,47 +3942,17 @@
           <a:p>
             <a:r>
               <a:rPr lang="en-DE" dirty="0"/>
-              <a:t>What do we want to predict? </a:t>
-            </a:r>
-          </a:p>
-          <a:p>
-            <a:endParaRPr lang="en-DE" dirty="0"/>
-          </a:p>
-          <a:p>
-            <a:pPr marL="285750" indent="-285750">
-              <a:buFont typeface="Wingdings" pitchFamily="2" charset="2"/>
-              <a:buChar char="è"/>
-            </a:pPr>
-            <a:r>
-              <a:rPr lang="en-DE" dirty="0"/>
-              <a:t>Tracks of scATAC </a:t>
-            </a:r>
-          </a:p>
-          <a:p>
-            <a:pPr marL="285750" indent="-285750">
-              <a:buFont typeface="Wingdings" pitchFamily="2" charset="2"/>
-              <a:buChar char="è"/>
-            </a:pPr>
-            <a:r>
-              <a:rPr lang="en-DE" dirty="0"/>
-              <a:t>Accesibible or not (binary)</a:t>
-            </a:r>
-          </a:p>
-          <a:p>
-            <a:pPr marL="285750" indent="-285750">
-              <a:buFont typeface="Wingdings" pitchFamily="2" charset="2"/>
-              <a:buChar char="è"/>
-            </a:pPr>
-            <a:endParaRPr lang="en-DE" dirty="0"/>
-          </a:p>
-        </p:txBody>
-      </p:sp>
-      <p:sp>
-        <p:nvSpPr>
-          <p:cNvPr id="9" name="TextBox 8">
-            <a:extLst>
-              <a:ext uri="{FF2B5EF4-FFF2-40B4-BE49-F238E27FC236}">
-                <a16:creationId xmlns:a16="http://schemas.microsoft.com/office/drawing/2014/main" id="{A8F09CB8-6F4E-051A-3638-9BD08CC0CA96}"/>
+              <a:t>Peaks</a:t>
+            </a:r>
+          </a:p>
+        </p:txBody>
+      </p:sp>
+      <p:sp>
+        <p:nvSpPr>
+          <p:cNvPr id="13" name="TextBox 12">
+            <a:extLst>
+              <a:ext uri="{FF2B5EF4-FFF2-40B4-BE49-F238E27FC236}">
+                <a16:creationId xmlns:a16="http://schemas.microsoft.com/office/drawing/2014/main" id="{E2D599E1-1D94-1A5E-45CA-2D57D120B050}"/>
               </a:ext>
             </a:extLst>
           </p:cNvPr>
@@ -3855,8 +3961,8 @@
         </p:nvSpPr>
         <p:spPr>
           <a:xfrm>
-            <a:off x="1210928" y="2709813"/>
-            <a:ext cx="2098964" cy="646331"/>
+            <a:off x="8946" y="995975"/>
+            <a:ext cx="1718453" cy="646331"/>
           </a:xfrm>
           <a:prstGeom prst="rect">
             <a:avLst/>
@@ -3871,8 +3977,924 @@
           <a:p>
             <a:r>
               <a:rPr lang="en-DE" dirty="0"/>
-              <a:t>+ Dataset token + cell type token + ?</a:t>
-            </a:r>
+              <a:t>Cells from all time points</a:t>
+            </a:r>
+          </a:p>
+        </p:txBody>
+      </p:sp>
+      <p:cxnSp>
+        <p:nvCxnSpPr>
+          <p:cNvPr id="15" name="Straight Arrow Connector 14">
+            <a:extLst>
+              <a:ext uri="{FF2B5EF4-FFF2-40B4-BE49-F238E27FC236}">
+                <a16:creationId xmlns:a16="http://schemas.microsoft.com/office/drawing/2014/main" id="{1426D1AE-572C-12C6-9F1A-13A2E0388A45}"/>
+              </a:ext>
+            </a:extLst>
+          </p:cNvPr>
+          <p:cNvCxnSpPr>
+            <a:cxnSpLocks/>
+          </p:cNvCxnSpPr>
+          <p:nvPr/>
+        </p:nvCxnSpPr>
+        <p:spPr>
+          <a:xfrm>
+            <a:off x="2710540" y="1319140"/>
+            <a:ext cx="1860267" cy="0"/>
+          </a:xfrm>
+          <a:prstGeom prst="straightConnector1">
+            <a:avLst/>
+          </a:prstGeom>
+          <a:ln>
+            <a:tailEnd type="triangle"/>
+          </a:ln>
+        </p:spPr>
+        <p:style>
+          <a:lnRef idx="3">
+            <a:schemeClr val="dk1"/>
+          </a:lnRef>
+          <a:fillRef idx="0">
+            <a:schemeClr val="dk1"/>
+          </a:fillRef>
+          <a:effectRef idx="2">
+            <a:schemeClr val="dk1"/>
+          </a:effectRef>
+          <a:fontRef idx="minor">
+            <a:schemeClr val="tx1"/>
+          </a:fontRef>
+        </p:style>
+      </p:cxnSp>
+      <mc:AlternateContent xmlns:mc="http://schemas.openxmlformats.org/markup-compatibility/2006">
+        <mc:Choice xmlns:a14="http://schemas.microsoft.com/office/drawing/2010/main" Requires="a14">
+          <p:sp>
+            <p:nvSpPr>
+              <p:cNvPr id="17" name="TextBox 16">
+                <a:extLst>
+                  <a:ext uri="{FF2B5EF4-FFF2-40B4-BE49-F238E27FC236}">
+                    <a16:creationId xmlns:a16="http://schemas.microsoft.com/office/drawing/2014/main" id="{96394894-37FE-120B-2A08-2DCB0DCCEBFF}"/>
+                  </a:ext>
+                </a:extLst>
+              </p:cNvPr>
+              <p:cNvSpPr txBox="1"/>
+              <p:nvPr/>
+            </p:nvSpPr>
+            <p:spPr>
+              <a:xfrm>
+                <a:off x="4342950" y="991040"/>
+                <a:ext cx="2056657" cy="756426"/>
+              </a:xfrm>
+              <a:prstGeom prst="rect">
+                <a:avLst/>
+              </a:prstGeom>
+              <a:noFill/>
+            </p:spPr>
+            <p:txBody>
+              <a:bodyPr wrap="square" lIns="0" tIns="0" rIns="0" bIns="0" rtlCol="0">
+                <a:spAutoFit/>
+              </a:bodyPr>
+              <a:lstStyle/>
+              <a:p>
+                <a14:m>
+                  <m:oMathPara xmlns:m="http://schemas.openxmlformats.org/officeDocument/2006/math">
+                    <m:oMathParaPr>
+                      <m:jc m:val="centerGroup"/>
+                    </m:oMathParaPr>
+                    <m:oMath xmlns:m="http://schemas.openxmlformats.org/officeDocument/2006/math">
+                      <m:d>
+                        <m:dPr>
+                          <m:begChr m:val="["/>
+                          <m:endChr m:val="]"/>
+                          <m:ctrlPr>
+                            <a:rPr lang="en-DE" i="1" smtClean="0">
+                              <a:latin typeface="Cambria Math" panose="02040503050406030204" pitchFamily="18" charset="0"/>
+                            </a:rPr>
+                          </m:ctrlPr>
+                        </m:dPr>
+                        <m:e>
+                          <m:m>
+                            <m:mPr>
+                              <m:mcs>
+                                <m:mc>
+                                  <m:mcPr>
+                                    <m:count m:val="3"/>
+                                    <m:mcJc m:val="center"/>
+                                  </m:mcPr>
+                                </m:mc>
+                              </m:mcs>
+                              <m:ctrlPr>
+                                <a:rPr lang="en-DE" i="1" smtClean="0">
+                                  <a:latin typeface="Cambria Math" panose="02040503050406030204" pitchFamily="18" charset="0"/>
+                                </a:rPr>
+                              </m:ctrlPr>
+                            </m:mPr>
+                            <m:mr>
+                              <m:e>
+                                <m:r>
+                                  <m:rPr>
+                                    <m:brk m:alnAt="7"/>
+                                  </m:rPr>
+                                  <a:rPr lang="en-US" b="0" i="1" smtClean="0">
+                                    <a:latin typeface="Cambria Math" panose="02040503050406030204" pitchFamily="18" charset="0"/>
+                                  </a:rPr>
+                                  <m:t>5</m:t>
+                                </m:r>
+                              </m:e>
+                              <m:e>
+                                <m:r>
+                                  <a:rPr lang="en-DE" i="1" smtClean="0">
+                                    <a:latin typeface="Cambria Math" panose="02040503050406030204" pitchFamily="18" charset="0"/>
+                                  </a:rPr>
+                                  <m:t>⋯</m:t>
+                                </m:r>
+                              </m:e>
+                              <m:e>
+                                <m:r>
+                                  <a:rPr lang="en-US" b="0" i="1" smtClean="0">
+                                    <a:latin typeface="Cambria Math" panose="02040503050406030204" pitchFamily="18" charset="0"/>
+                                  </a:rPr>
+                                  <m:t>0</m:t>
+                                </m:r>
+                              </m:e>
+                            </m:mr>
+                            <m:mr>
+                              <m:e>
+                                <m:r>
+                                  <a:rPr lang="en-DE" i="1" smtClean="0">
+                                    <a:latin typeface="Cambria Math" panose="02040503050406030204" pitchFamily="18" charset="0"/>
+                                  </a:rPr>
+                                  <m:t>⋮</m:t>
+                                </m:r>
+                              </m:e>
+                              <m:e>
+                                <m:r>
+                                  <a:rPr lang="en-DE" i="1" smtClean="0">
+                                    <a:latin typeface="Cambria Math" panose="02040503050406030204" pitchFamily="18" charset="0"/>
+                                  </a:rPr>
+                                  <m:t>⋱</m:t>
+                                </m:r>
+                              </m:e>
+                              <m:e>
+                                <m:r>
+                                  <a:rPr lang="en-DE" i="1" smtClean="0">
+                                    <a:latin typeface="Cambria Math" panose="02040503050406030204" pitchFamily="18" charset="0"/>
+                                  </a:rPr>
+                                  <m:t>⋮</m:t>
+                                </m:r>
+                              </m:e>
+                            </m:mr>
+                            <m:mr>
+                              <m:e>
+                                <m:r>
+                                  <a:rPr lang="en-US" b="0" i="1" smtClean="0">
+                                    <a:latin typeface="Cambria Math" panose="02040503050406030204" pitchFamily="18" charset="0"/>
+                                  </a:rPr>
+                                  <m:t>0</m:t>
+                                </m:r>
+                              </m:e>
+                              <m:e>
+                                <m:r>
+                                  <a:rPr lang="en-DE" i="1" smtClean="0">
+                                    <a:latin typeface="Cambria Math" panose="02040503050406030204" pitchFamily="18" charset="0"/>
+                                  </a:rPr>
+                                  <m:t>⋯</m:t>
+                                </m:r>
+                              </m:e>
+                              <m:e>
+                                <m:r>
+                                  <a:rPr lang="en-US" b="0" i="1" smtClean="0">
+                                    <a:latin typeface="Cambria Math" panose="02040503050406030204" pitchFamily="18" charset="0"/>
+                                  </a:rPr>
+                                  <m:t>1</m:t>
+                                </m:r>
+                              </m:e>
+                            </m:mr>
+                          </m:m>
+                        </m:e>
+                      </m:d>
+                    </m:oMath>
+                  </m:oMathPara>
+                </a14:m>
+                <a:endParaRPr lang="en-DE" dirty="0"/>
+              </a:p>
+            </p:txBody>
+          </p:sp>
+        </mc:Choice>
+        <mc:Fallback>
+          <p:sp>
+            <p:nvSpPr>
+              <p:cNvPr id="17" name="TextBox 16">
+                <a:extLst>
+                  <a:ext uri="{FF2B5EF4-FFF2-40B4-BE49-F238E27FC236}">
+                    <a16:creationId xmlns:a16="http://schemas.microsoft.com/office/drawing/2014/main" id="{96394894-37FE-120B-2A08-2DCB0DCCEBFF}"/>
+                  </a:ext>
+                </a:extLst>
+              </p:cNvPr>
+              <p:cNvSpPr txBox="1">
+                <a:spLocks noRot="1" noChangeAspect="1" noMove="1" noResize="1" noEditPoints="1" noAdjustHandles="1" noChangeArrowheads="1" noChangeShapeType="1" noTextEdit="1"/>
+              </p:cNvSpPr>
+              <p:nvPr/>
+            </p:nvSpPr>
+            <p:spPr>
+              <a:xfrm>
+                <a:off x="4342950" y="991040"/>
+                <a:ext cx="2056657" cy="756426"/>
+              </a:xfrm>
+              <a:prstGeom prst="rect">
+                <a:avLst/>
+              </a:prstGeom>
+              <a:blipFill>
+                <a:blip r:embed="rId4"/>
+                <a:stretch>
+                  <a:fillRect t="-3333" b="-6667"/>
+                </a:stretch>
+              </a:blipFill>
+            </p:spPr>
+            <p:txBody>
+              <a:bodyPr/>
+              <a:lstStyle/>
+              <a:p>
+                <a:r>
+                  <a:rPr lang="en-DE">
+                    <a:noFill/>
+                  </a:rPr>
+                  <a:t> </a:t>
+                </a:r>
+              </a:p>
+            </p:txBody>
+          </p:sp>
+        </mc:Fallback>
+      </mc:AlternateContent>
+      <p:sp>
+        <p:nvSpPr>
+          <p:cNvPr id="18" name="TextBox 17">
+            <a:extLst>
+              <a:ext uri="{FF2B5EF4-FFF2-40B4-BE49-F238E27FC236}">
+                <a16:creationId xmlns:a16="http://schemas.microsoft.com/office/drawing/2014/main" id="{8B4E516B-F0F0-5A63-2C41-F4C6C5F4B048}"/>
+              </a:ext>
+            </a:extLst>
+          </p:cNvPr>
+          <p:cNvSpPr txBox="1"/>
+          <p:nvPr/>
+        </p:nvSpPr>
+        <p:spPr>
+          <a:xfrm>
+            <a:off x="5020550" y="547536"/>
+            <a:ext cx="929314" cy="369332"/>
+          </a:xfrm>
+          <a:prstGeom prst="rect">
+            <a:avLst/>
+          </a:prstGeom>
+          <a:noFill/>
+        </p:spPr>
+        <p:txBody>
+          <a:bodyPr wrap="square" rtlCol="0">
+            <a:spAutoFit/>
+          </a:bodyPr>
+          <a:lstStyle/>
+          <a:p>
+            <a:r>
+              <a:rPr lang="en-DE" dirty="0"/>
+              <a:t>Peaks</a:t>
+            </a:r>
+          </a:p>
+        </p:txBody>
+      </p:sp>
+      <p:sp>
+        <p:nvSpPr>
+          <p:cNvPr id="19" name="TextBox 18">
+            <a:extLst>
+              <a:ext uri="{FF2B5EF4-FFF2-40B4-BE49-F238E27FC236}">
+                <a16:creationId xmlns:a16="http://schemas.microsoft.com/office/drawing/2014/main" id="{0F7A0982-9F28-A103-956F-1891B3CC56AD}"/>
+              </a:ext>
+            </a:extLst>
+          </p:cNvPr>
+          <p:cNvSpPr txBox="1"/>
+          <p:nvPr/>
+        </p:nvSpPr>
+        <p:spPr>
+          <a:xfrm>
+            <a:off x="2852354" y="574577"/>
+            <a:ext cx="1718453" cy="646331"/>
+          </a:xfrm>
+          <a:prstGeom prst="rect">
+            <a:avLst/>
+          </a:prstGeom>
+          <a:noFill/>
+        </p:spPr>
+        <p:txBody>
+          <a:bodyPr wrap="square" rtlCol="0">
+            <a:spAutoFit/>
+          </a:bodyPr>
+          <a:lstStyle/>
+          <a:p>
+            <a:r>
+              <a:rPr lang="en-DE" dirty="0"/>
+              <a:t>Pseudo bulk by time + cell type</a:t>
+            </a:r>
+          </a:p>
+        </p:txBody>
+      </p:sp>
+      <p:cxnSp>
+        <p:nvCxnSpPr>
+          <p:cNvPr id="24" name="Straight Arrow Connector 23">
+            <a:extLst>
+              <a:ext uri="{FF2B5EF4-FFF2-40B4-BE49-F238E27FC236}">
+                <a16:creationId xmlns:a16="http://schemas.microsoft.com/office/drawing/2014/main" id="{C33DEC7C-5492-C895-2BD4-2D5C1A613629}"/>
+              </a:ext>
+            </a:extLst>
+          </p:cNvPr>
+          <p:cNvCxnSpPr>
+            <a:cxnSpLocks/>
+          </p:cNvCxnSpPr>
+          <p:nvPr/>
+        </p:nvCxnSpPr>
+        <p:spPr>
+          <a:xfrm>
+            <a:off x="6112849" y="1346201"/>
+            <a:ext cx="538472" cy="0"/>
+          </a:xfrm>
+          <a:prstGeom prst="straightConnector1">
+            <a:avLst/>
+          </a:prstGeom>
+          <a:ln>
+            <a:tailEnd type="triangle"/>
+          </a:ln>
+        </p:spPr>
+        <p:style>
+          <a:lnRef idx="3">
+            <a:schemeClr val="dk1"/>
+          </a:lnRef>
+          <a:fillRef idx="0">
+            <a:schemeClr val="dk1"/>
+          </a:fillRef>
+          <a:effectRef idx="2">
+            <a:schemeClr val="dk1"/>
+          </a:effectRef>
+          <a:fontRef idx="minor">
+            <a:schemeClr val="tx1"/>
+          </a:fontRef>
+        </p:style>
+      </p:cxnSp>
+      <p:sp>
+        <p:nvSpPr>
+          <p:cNvPr id="25" name="TextBox 24">
+            <a:extLst>
+              <a:ext uri="{FF2B5EF4-FFF2-40B4-BE49-F238E27FC236}">
+                <a16:creationId xmlns:a16="http://schemas.microsoft.com/office/drawing/2014/main" id="{10708767-F44B-84B9-6034-F2C89B10614F}"/>
+              </a:ext>
+            </a:extLst>
+          </p:cNvPr>
+          <p:cNvSpPr txBox="1"/>
+          <p:nvPr/>
+        </p:nvSpPr>
+        <p:spPr>
+          <a:xfrm>
+            <a:off x="2964169" y="1388426"/>
+            <a:ext cx="1597922" cy="923330"/>
+          </a:xfrm>
+          <a:prstGeom prst="rect">
+            <a:avLst/>
+          </a:prstGeom>
+          <a:noFill/>
+        </p:spPr>
+        <p:txBody>
+          <a:bodyPr wrap="square" rtlCol="0">
+            <a:spAutoFit/>
+          </a:bodyPr>
+          <a:lstStyle/>
+          <a:p>
+            <a:r>
+              <a:rPr lang="en-DE" dirty="0">
+                <a:solidFill>
+                  <a:srgbClr val="FF0000"/>
+                </a:solidFill>
+              </a:rPr>
+              <a:t>Normalization to account for cell number ?</a:t>
+            </a:r>
+          </a:p>
+        </p:txBody>
+      </p:sp>
+      <p:sp>
+        <p:nvSpPr>
+          <p:cNvPr id="29" name="TextBox 28">
+            <a:extLst>
+              <a:ext uri="{FF2B5EF4-FFF2-40B4-BE49-F238E27FC236}">
+                <a16:creationId xmlns:a16="http://schemas.microsoft.com/office/drawing/2014/main" id="{8453E532-96C5-6A1F-94FF-66A2B6CE91D4}"/>
+              </a:ext>
+            </a:extLst>
+          </p:cNvPr>
+          <p:cNvSpPr txBox="1"/>
+          <p:nvPr/>
+        </p:nvSpPr>
+        <p:spPr>
+          <a:xfrm>
+            <a:off x="2964169" y="2508519"/>
+            <a:ext cx="2405615" cy="646331"/>
+          </a:xfrm>
+          <a:prstGeom prst="rect">
+            <a:avLst/>
+          </a:prstGeom>
+          <a:noFill/>
+        </p:spPr>
+        <p:txBody>
+          <a:bodyPr wrap="square" rtlCol="0">
+            <a:spAutoFit/>
+          </a:bodyPr>
+          <a:lstStyle/>
+          <a:p>
+            <a:r>
+              <a:rPr lang="en-US" dirty="0"/>
+              <a:t>Get sequence on reference genome </a:t>
+            </a:r>
+            <a:endParaRPr lang="en-DE" dirty="0"/>
+          </a:p>
+        </p:txBody>
+      </p:sp>
+      <p:sp>
+        <p:nvSpPr>
+          <p:cNvPr id="30" name="TextBox 29">
+            <a:extLst>
+              <a:ext uri="{FF2B5EF4-FFF2-40B4-BE49-F238E27FC236}">
+                <a16:creationId xmlns:a16="http://schemas.microsoft.com/office/drawing/2014/main" id="{CA78B0D8-1F6B-C0CC-9077-4B982F82644E}"/>
+              </a:ext>
+            </a:extLst>
+          </p:cNvPr>
+          <p:cNvSpPr txBox="1"/>
+          <p:nvPr/>
+        </p:nvSpPr>
+        <p:spPr>
+          <a:xfrm>
+            <a:off x="6232281" y="2781632"/>
+            <a:ext cx="2405615" cy="369332"/>
+          </a:xfrm>
+          <a:prstGeom prst="rect">
+            <a:avLst/>
+          </a:prstGeom>
+          <a:noFill/>
+        </p:spPr>
+        <p:txBody>
+          <a:bodyPr wrap="square" rtlCol="0">
+            <a:spAutoFit/>
+          </a:bodyPr>
+          <a:lstStyle/>
+          <a:p>
+            <a:r>
+              <a:rPr lang="en-US" dirty="0"/>
+              <a:t>One hot encode it </a:t>
+            </a:r>
+            <a:endParaRPr lang="en-DE" dirty="0"/>
+          </a:p>
+        </p:txBody>
+      </p:sp>
+      <p:cxnSp>
+        <p:nvCxnSpPr>
+          <p:cNvPr id="31" name="Straight Arrow Connector 30">
+            <a:extLst>
+              <a:ext uri="{FF2B5EF4-FFF2-40B4-BE49-F238E27FC236}">
+                <a16:creationId xmlns:a16="http://schemas.microsoft.com/office/drawing/2014/main" id="{9B4941F9-379C-88A3-BB06-807E3283B9CE}"/>
+              </a:ext>
+            </a:extLst>
+          </p:cNvPr>
+          <p:cNvCxnSpPr>
+            <a:cxnSpLocks/>
+          </p:cNvCxnSpPr>
+          <p:nvPr/>
+        </p:nvCxnSpPr>
+        <p:spPr>
+          <a:xfrm>
+            <a:off x="6263848" y="3258262"/>
+            <a:ext cx="1860267" cy="0"/>
+          </a:xfrm>
+          <a:prstGeom prst="straightConnector1">
+            <a:avLst/>
+          </a:prstGeom>
+          <a:ln>
+            <a:tailEnd type="triangle"/>
+          </a:ln>
+        </p:spPr>
+        <p:style>
+          <a:lnRef idx="3">
+            <a:schemeClr val="dk1"/>
+          </a:lnRef>
+          <a:fillRef idx="0">
+            <a:schemeClr val="dk1"/>
+          </a:fillRef>
+          <a:effectRef idx="2">
+            <a:schemeClr val="dk1"/>
+          </a:effectRef>
+          <a:fontRef idx="minor">
+            <a:schemeClr val="tx1"/>
+          </a:fontRef>
+        </p:style>
+      </p:cxnSp>
+      <p:sp>
+        <p:nvSpPr>
+          <p:cNvPr id="32" name="TextBox 31">
+            <a:extLst>
+              <a:ext uri="{FF2B5EF4-FFF2-40B4-BE49-F238E27FC236}">
+                <a16:creationId xmlns:a16="http://schemas.microsoft.com/office/drawing/2014/main" id="{8BFE0A41-93DD-2E64-61C5-2AA4204F3B0A}"/>
+              </a:ext>
+            </a:extLst>
+          </p:cNvPr>
+          <p:cNvSpPr txBox="1"/>
+          <p:nvPr/>
+        </p:nvSpPr>
+        <p:spPr>
+          <a:xfrm>
+            <a:off x="176719" y="3038869"/>
+            <a:ext cx="2532327" cy="369332"/>
+          </a:xfrm>
+          <a:prstGeom prst="rect">
+            <a:avLst/>
+          </a:prstGeom>
+          <a:noFill/>
+        </p:spPr>
+        <p:txBody>
+          <a:bodyPr wrap="square" rtlCol="0">
+            <a:spAutoFit/>
+          </a:bodyPr>
+          <a:lstStyle/>
+          <a:p>
+            <a:r>
+              <a:rPr lang="en-US" dirty="0"/>
+              <a:t>Chr 10: 902758- 902820</a:t>
+            </a:r>
+            <a:endParaRPr lang="en-DE" dirty="0"/>
+          </a:p>
+        </p:txBody>
+      </p:sp>
+      <p:cxnSp>
+        <p:nvCxnSpPr>
+          <p:cNvPr id="33" name="Straight Arrow Connector 32">
+            <a:extLst>
+              <a:ext uri="{FF2B5EF4-FFF2-40B4-BE49-F238E27FC236}">
+                <a16:creationId xmlns:a16="http://schemas.microsoft.com/office/drawing/2014/main" id="{E433FAF1-A79A-7C1C-370E-6E30210FF251}"/>
+              </a:ext>
+            </a:extLst>
+          </p:cNvPr>
+          <p:cNvCxnSpPr>
+            <a:cxnSpLocks/>
+          </p:cNvCxnSpPr>
+          <p:nvPr/>
+        </p:nvCxnSpPr>
+        <p:spPr>
+          <a:xfrm>
+            <a:off x="2992989" y="3250755"/>
+            <a:ext cx="1860267" cy="0"/>
+          </a:xfrm>
+          <a:prstGeom prst="straightConnector1">
+            <a:avLst/>
+          </a:prstGeom>
+          <a:ln>
+            <a:tailEnd type="triangle"/>
+          </a:ln>
+        </p:spPr>
+        <p:style>
+          <a:lnRef idx="3">
+            <a:schemeClr val="dk1"/>
+          </a:lnRef>
+          <a:fillRef idx="0">
+            <a:schemeClr val="dk1"/>
+          </a:fillRef>
+          <a:effectRef idx="2">
+            <a:schemeClr val="dk1"/>
+          </a:effectRef>
+          <a:fontRef idx="minor">
+            <a:schemeClr val="tx1"/>
+          </a:fontRef>
+        </p:style>
+      </p:cxnSp>
+      <p:sp>
+        <p:nvSpPr>
+          <p:cNvPr id="34" name="TextBox 33">
+            <a:extLst>
+              <a:ext uri="{FF2B5EF4-FFF2-40B4-BE49-F238E27FC236}">
+                <a16:creationId xmlns:a16="http://schemas.microsoft.com/office/drawing/2014/main" id="{F1C2AB30-6C4E-CF40-4A21-987EDB665495}"/>
+              </a:ext>
+            </a:extLst>
+          </p:cNvPr>
+          <p:cNvSpPr txBox="1"/>
+          <p:nvPr/>
+        </p:nvSpPr>
+        <p:spPr>
+          <a:xfrm>
+            <a:off x="2668406" y="3465352"/>
+            <a:ext cx="3818582" cy="1200329"/>
+          </a:xfrm>
+          <a:prstGeom prst="rect">
+            <a:avLst/>
+          </a:prstGeom>
+          <a:noFill/>
+        </p:spPr>
+        <p:txBody>
+          <a:bodyPr wrap="square" rtlCol="0">
+            <a:spAutoFit/>
+          </a:bodyPr>
+          <a:lstStyle/>
+          <a:p>
+            <a:r>
+              <a:rPr lang="en-US" dirty="0">
+                <a:solidFill>
+                  <a:srgbClr val="FF0000"/>
+                </a:solidFill>
+              </a:rPr>
+              <a:t>Which sequence do we use?</a:t>
+            </a:r>
+          </a:p>
+          <a:p>
+            <a:pPr marL="285750" indent="-285750">
+              <a:buFont typeface="Wingdings" pitchFamily="2" charset="2"/>
+              <a:buChar char="è"/>
+            </a:pPr>
+            <a:r>
+              <a:rPr lang="en-US" dirty="0"/>
+              <a:t>Exact peak</a:t>
+            </a:r>
+          </a:p>
+          <a:p>
+            <a:pPr marL="285750" indent="-285750">
+              <a:buFont typeface="Wingdings" pitchFamily="2" charset="2"/>
+              <a:buChar char="è"/>
+            </a:pPr>
+            <a:r>
+              <a:rPr lang="en-US" dirty="0"/>
+              <a:t>Peak with fixed number bp around</a:t>
+            </a:r>
+          </a:p>
+          <a:p>
+            <a:pPr marL="285750" indent="-285750">
+              <a:buFont typeface="Wingdings" pitchFamily="2" charset="2"/>
+              <a:buChar char="è"/>
+            </a:pPr>
+            <a:r>
+              <a:rPr lang="en-US" dirty="0"/>
+              <a:t>Exact length around center peak</a:t>
+            </a:r>
+          </a:p>
+        </p:txBody>
+      </p:sp>
+      <p:sp>
+        <p:nvSpPr>
+          <p:cNvPr id="36" name="TextBox 35">
+            <a:extLst>
+              <a:ext uri="{FF2B5EF4-FFF2-40B4-BE49-F238E27FC236}">
+                <a16:creationId xmlns:a16="http://schemas.microsoft.com/office/drawing/2014/main" id="{7C176929-B274-4F5A-2AB0-0B2BAC47985C}"/>
+              </a:ext>
+            </a:extLst>
+          </p:cNvPr>
+          <p:cNvSpPr txBox="1"/>
+          <p:nvPr/>
+        </p:nvSpPr>
+        <p:spPr>
+          <a:xfrm>
+            <a:off x="7705957" y="3993525"/>
+            <a:ext cx="3442950" cy="646331"/>
+          </a:xfrm>
+          <a:prstGeom prst="rect">
+            <a:avLst/>
+          </a:prstGeom>
+          <a:noFill/>
+        </p:spPr>
+        <p:txBody>
+          <a:bodyPr wrap="square" rtlCol="0">
+            <a:spAutoFit/>
+          </a:bodyPr>
+          <a:lstStyle/>
+          <a:p>
+            <a:r>
+              <a:rPr lang="en-US" dirty="0">
+                <a:solidFill>
+                  <a:srgbClr val="FF0000"/>
+                </a:solidFill>
+              </a:rPr>
+              <a:t>What to do with the N in the sequences?</a:t>
+            </a:r>
+          </a:p>
+        </p:txBody>
+      </p:sp>
+      <p:pic>
+        <p:nvPicPr>
+          <p:cNvPr id="37" name="Picture 36">
+            <a:extLst>
+              <a:ext uri="{FF2B5EF4-FFF2-40B4-BE49-F238E27FC236}">
+                <a16:creationId xmlns:a16="http://schemas.microsoft.com/office/drawing/2014/main" id="{7A940911-23A3-1124-C25B-CF078A9E0E73}"/>
+              </a:ext>
+            </a:extLst>
+          </p:cNvPr>
+          <p:cNvPicPr>
+            <a:picLocks noChangeAspect="1"/>
+          </p:cNvPicPr>
+          <p:nvPr/>
+        </p:nvPicPr>
+        <p:blipFill>
+          <a:blip r:embed="rId5"/>
+          <a:stretch>
+            <a:fillRect/>
+          </a:stretch>
+        </p:blipFill>
+        <p:spPr>
+          <a:xfrm>
+            <a:off x="7306126" y="242340"/>
+            <a:ext cx="3508889" cy="2330206"/>
+          </a:xfrm>
+          <a:prstGeom prst="rect">
+            <a:avLst/>
+          </a:prstGeom>
+        </p:spPr>
+      </p:pic>
+      <p:cxnSp>
+        <p:nvCxnSpPr>
+          <p:cNvPr id="39" name="Straight Arrow Connector 38">
+            <a:extLst>
+              <a:ext uri="{FF2B5EF4-FFF2-40B4-BE49-F238E27FC236}">
+                <a16:creationId xmlns:a16="http://schemas.microsoft.com/office/drawing/2014/main" id="{7D25E796-9430-BA90-1249-048F50AF6D45}"/>
+              </a:ext>
+            </a:extLst>
+          </p:cNvPr>
+          <p:cNvCxnSpPr/>
+          <p:nvPr/>
+        </p:nvCxnSpPr>
+        <p:spPr>
+          <a:xfrm>
+            <a:off x="9732723" y="2311756"/>
+            <a:ext cx="801666" cy="469876"/>
+          </a:xfrm>
+          <a:prstGeom prst="straightConnector1">
+            <a:avLst/>
+          </a:prstGeom>
+          <a:ln>
+            <a:tailEnd type="triangle"/>
+          </a:ln>
+        </p:spPr>
+        <p:style>
+          <a:lnRef idx="3">
+            <a:schemeClr val="accent2"/>
+          </a:lnRef>
+          <a:fillRef idx="0">
+            <a:schemeClr val="accent2"/>
+          </a:fillRef>
+          <a:effectRef idx="2">
+            <a:schemeClr val="accent2"/>
+          </a:effectRef>
+          <a:fontRef idx="minor">
+            <a:schemeClr val="tx1"/>
+          </a:fontRef>
+        </p:style>
+      </p:cxnSp>
+      <p:sp>
+        <p:nvSpPr>
+          <p:cNvPr id="40" name="TextBox 39">
+            <a:extLst>
+              <a:ext uri="{FF2B5EF4-FFF2-40B4-BE49-F238E27FC236}">
+                <a16:creationId xmlns:a16="http://schemas.microsoft.com/office/drawing/2014/main" id="{BF43FC52-1879-9EAB-A2E4-DB8BD656A5E2}"/>
+              </a:ext>
+            </a:extLst>
+          </p:cNvPr>
+          <p:cNvSpPr txBox="1"/>
+          <p:nvPr/>
+        </p:nvSpPr>
+        <p:spPr>
+          <a:xfrm>
+            <a:off x="10599835" y="2669537"/>
+            <a:ext cx="1738302" cy="923330"/>
+          </a:xfrm>
+          <a:prstGeom prst="rect">
+            <a:avLst/>
+          </a:prstGeom>
+          <a:noFill/>
+        </p:spPr>
+        <p:txBody>
+          <a:bodyPr wrap="square" rtlCol="0">
+            <a:spAutoFit/>
+          </a:bodyPr>
+          <a:lstStyle/>
+          <a:p>
+            <a:r>
+              <a:rPr lang="en-DE" dirty="0"/>
+              <a:t>Pseudo bulk ATAC read count</a:t>
+            </a:r>
+          </a:p>
+          <a:p>
+            <a:r>
+              <a:rPr lang="en-DE" dirty="0"/>
+              <a:t>-&gt; discrete</a:t>
+            </a:r>
+          </a:p>
+        </p:txBody>
+      </p:sp>
+      <p:sp>
+        <p:nvSpPr>
+          <p:cNvPr id="41" name="TextBox 40">
+            <a:extLst>
+              <a:ext uri="{FF2B5EF4-FFF2-40B4-BE49-F238E27FC236}">
+                <a16:creationId xmlns:a16="http://schemas.microsoft.com/office/drawing/2014/main" id="{15DF3F34-A618-FC78-9807-035D8256E199}"/>
+              </a:ext>
+            </a:extLst>
+          </p:cNvPr>
+          <p:cNvSpPr txBox="1"/>
+          <p:nvPr/>
+        </p:nvSpPr>
+        <p:spPr>
+          <a:xfrm>
+            <a:off x="290484" y="4891654"/>
+            <a:ext cx="4082335" cy="2031325"/>
+          </a:xfrm>
+          <a:prstGeom prst="rect">
+            <a:avLst/>
+          </a:prstGeom>
+          <a:noFill/>
+        </p:spPr>
+        <p:txBody>
+          <a:bodyPr wrap="square" rtlCol="0">
+            <a:spAutoFit/>
+          </a:bodyPr>
+          <a:lstStyle/>
+          <a:p>
+            <a:r>
+              <a:rPr lang="en-US" dirty="0">
+                <a:solidFill>
+                  <a:srgbClr val="FF0000"/>
+                </a:solidFill>
+              </a:rPr>
+              <a:t>Exclude sex chromosomes? </a:t>
+            </a:r>
+          </a:p>
+          <a:p>
+            <a:endParaRPr lang="en-US" dirty="0">
+              <a:solidFill>
+                <a:srgbClr val="FF0000"/>
+              </a:solidFill>
+            </a:endParaRPr>
+          </a:p>
+          <a:p>
+            <a:r>
+              <a:rPr lang="en-US" dirty="0">
+                <a:solidFill>
+                  <a:srgbClr val="FF0000"/>
+                </a:solidFill>
+              </a:rPr>
+              <a:t>Aggregate for some time + cell type -&gt; very few cells. Do still keep those pseudo bulk? Probably not enough cells to be good estimate of tracks</a:t>
+            </a:r>
+          </a:p>
+          <a:p>
+            <a:endParaRPr lang="en-US" dirty="0">
+              <a:solidFill>
+                <a:srgbClr val="FF0000"/>
+              </a:solidFill>
+            </a:endParaRPr>
+          </a:p>
+        </p:txBody>
+      </p:sp>
+      <p:sp>
+        <p:nvSpPr>
+          <p:cNvPr id="42" name="TextBox 41">
+            <a:extLst>
+              <a:ext uri="{FF2B5EF4-FFF2-40B4-BE49-F238E27FC236}">
+                <a16:creationId xmlns:a16="http://schemas.microsoft.com/office/drawing/2014/main" id="{52B405B1-70C1-43A7-38FE-57517608F61E}"/>
+              </a:ext>
+            </a:extLst>
+          </p:cNvPr>
+          <p:cNvSpPr txBox="1"/>
+          <p:nvPr/>
+        </p:nvSpPr>
+        <p:spPr>
+          <a:xfrm>
+            <a:off x="4844606" y="4872770"/>
+            <a:ext cx="4082335" cy="1477328"/>
+          </a:xfrm>
+          <a:prstGeom prst="rect">
+            <a:avLst/>
+          </a:prstGeom>
+          <a:noFill/>
+        </p:spPr>
+        <p:txBody>
+          <a:bodyPr wrap="square" rtlCol="0">
+            <a:spAutoFit/>
+          </a:bodyPr>
+          <a:lstStyle/>
+          <a:p>
+            <a:r>
+              <a:rPr lang="en-US">
+                <a:solidFill>
+                  <a:srgbClr val="FF0000"/>
+                </a:solidFill>
+              </a:rPr>
+              <a:t>Aggregate </a:t>
+            </a:r>
+            <a:r>
+              <a:rPr lang="en-US" dirty="0">
+                <a:solidFill>
+                  <a:srgbClr val="FF0000"/>
+                </a:solidFill>
+              </a:rPr>
+              <a:t>for some time + cell type -&gt; very few cells. Do still keep those pseudo bulk? Probably not enough cells to be good estimate of tracks</a:t>
+            </a:r>
+          </a:p>
+          <a:p>
+            <a:endParaRPr lang="en-US" dirty="0">
+              <a:solidFill>
+                <a:srgbClr val="FF0000"/>
+              </a:solidFill>
+            </a:endParaRPr>
           </a:p>
         </p:txBody>
       </p:sp>
@@ -3880,6 +4902,74 @@
     <p:extLst>
       <p:ext uri="{BB962C8B-B14F-4D97-AF65-F5344CB8AC3E}">
         <p14:creationId xmlns:p14="http://schemas.microsoft.com/office/powerpoint/2010/main" val="563429381"/>
+      </p:ext>
+    </p:extLst>
+  </p:cSld>
+  <p:clrMapOvr>
+    <a:masterClrMapping/>
+  </p:clrMapOvr>
+</p:sld>
+</file>
+
+<file path=ppt/slides/slide2.xml><?xml version="1.0" encoding="utf-8"?>
+<p:sld xmlns:a="http://schemas.openxmlformats.org/drawingml/2006/main" xmlns:r="http://schemas.openxmlformats.org/officeDocument/2006/relationships" xmlns:p="http://schemas.openxmlformats.org/presentationml/2006/main">
+  <p:cSld>
+    <p:spTree>
+      <p:nvGrpSpPr>
+        <p:cNvPr id="1" name=""/>
+        <p:cNvGrpSpPr/>
+        <p:nvPr/>
+      </p:nvGrpSpPr>
+      <p:grpSpPr>
+        <a:xfrm>
+          <a:off x="0" y="0"/>
+          <a:ext cx="0" cy="0"/>
+          <a:chOff x="0" y="0"/>
+          <a:chExt cx="0" cy="0"/>
+        </a:xfrm>
+      </p:grpSpPr>
+      <p:sp>
+        <p:nvSpPr>
+          <p:cNvPr id="4" name="TextBox 3">
+            <a:extLst>
+              <a:ext uri="{FF2B5EF4-FFF2-40B4-BE49-F238E27FC236}">
+                <a16:creationId xmlns:a16="http://schemas.microsoft.com/office/drawing/2014/main" id="{F0CDDAFA-E6FF-AD5B-FC69-69C4B4E68806}"/>
+              </a:ext>
+            </a:extLst>
+          </p:cNvPr>
+          <p:cNvSpPr txBox="1"/>
+          <p:nvPr/>
+        </p:nvSpPr>
+        <p:spPr>
+          <a:xfrm>
+            <a:off x="363408" y="211153"/>
+            <a:ext cx="4562772" cy="646331"/>
+          </a:xfrm>
+          <a:prstGeom prst="rect">
+            <a:avLst/>
+          </a:prstGeom>
+          <a:noFill/>
+        </p:spPr>
+        <p:txBody>
+          <a:bodyPr wrap="square" rtlCol="0">
+            <a:spAutoFit/>
+          </a:bodyPr>
+          <a:lstStyle/>
+          <a:p>
+            <a:r>
+              <a:rPr lang="en-DE" dirty="0"/>
+              <a:t>Get the countinous track with base resolution</a:t>
+            </a:r>
+          </a:p>
+          <a:p>
+            <a:endParaRPr lang="en-DE" dirty="0"/>
+          </a:p>
+        </p:txBody>
+      </p:sp>
+    </p:spTree>
+    <p:extLst>
+      <p:ext uri="{BB962C8B-B14F-4D97-AF65-F5344CB8AC3E}">
+        <p14:creationId xmlns:p14="http://schemas.microsoft.com/office/powerpoint/2010/main" val="1384667290"/>
       </p:ext>
     </p:extLst>
   </p:cSld>

--- a/notes/Building model.pptx
+++ b/notes/Building model.pptx
@@ -4,9 +4,17 @@
   <p:sldMasterIdLst>
     <p:sldMasterId id="2147483648" r:id="rId1"/>
   </p:sldMasterIdLst>
+  <p:notesMasterIdLst>
+    <p:notesMasterId r:id="rId9"/>
+  </p:notesMasterIdLst>
   <p:sldIdLst>
     <p:sldId id="256" r:id="rId2"/>
-    <p:sldId id="257" r:id="rId3"/>
+    <p:sldId id="259" r:id="rId3"/>
+    <p:sldId id="258" r:id="rId4"/>
+    <p:sldId id="257" r:id="rId5"/>
+    <p:sldId id="260" r:id="rId6"/>
+    <p:sldId id="262" r:id="rId7"/>
+    <p:sldId id="261" r:id="rId8"/>
   </p:sldIdLst>
   <p:sldSz cx="12192000" cy="6858000"/>
   <p:notesSz cx="6858000" cy="9144000"/>
@@ -111,7 +119,12 @@
         <p14:section name="Untitled Section" id="{1D6593AB-E98B-1649-93C2-6F6F810A64E5}">
           <p14:sldIdLst>
             <p14:sldId id="256"/>
+            <p14:sldId id="259"/>
+            <p14:sldId id="258"/>
             <p14:sldId id="257"/>
+            <p14:sldId id="260"/>
+            <p14:sldId id="262"/>
+            <p14:sldId id="261"/>
           </p14:sldIdLst>
         </p14:section>
       </p14:sectionLst>
@@ -121,6 +134,584 @@
     </p:ext>
   </p:extLst>
 </p:presentation>
+</file>
+
+<file path=ppt/notesMasters/notesMaster1.xml><?xml version="1.0" encoding="utf-8"?>
+<p:notesMaster xmlns:a="http://schemas.openxmlformats.org/drawingml/2006/main" xmlns:r="http://schemas.openxmlformats.org/officeDocument/2006/relationships" xmlns:p="http://schemas.openxmlformats.org/presentationml/2006/main">
+  <p:cSld>
+    <p:bg>
+      <p:bgRef idx="1001">
+        <a:schemeClr val="bg1"/>
+      </p:bgRef>
+    </p:bg>
+    <p:spTree>
+      <p:nvGrpSpPr>
+        <p:cNvPr id="1" name=""/>
+        <p:cNvGrpSpPr/>
+        <p:nvPr/>
+      </p:nvGrpSpPr>
+      <p:grpSpPr>
+        <a:xfrm>
+          <a:off x="0" y="0"/>
+          <a:ext cx="0" cy="0"/>
+          <a:chOff x="0" y="0"/>
+          <a:chExt cx="0" cy="0"/>
+        </a:xfrm>
+      </p:grpSpPr>
+      <p:sp>
+        <p:nvSpPr>
+          <p:cNvPr id="2" name="Header Placeholder 1"/>
+          <p:cNvSpPr>
+            <a:spLocks noGrp="1"/>
+          </p:cNvSpPr>
+          <p:nvPr>
+            <p:ph type="hdr" sz="quarter"/>
+          </p:nvPr>
+        </p:nvSpPr>
+        <p:spPr>
+          <a:xfrm>
+            <a:off x="0" y="0"/>
+            <a:ext cx="2971800" cy="458788"/>
+          </a:xfrm>
+          <a:prstGeom prst="rect">
+            <a:avLst/>
+          </a:prstGeom>
+        </p:spPr>
+        <p:txBody>
+          <a:bodyPr vert="horz" lIns="91440" tIns="45720" rIns="91440" bIns="45720" rtlCol="0"/>
+          <a:lstStyle>
+            <a:lvl1pPr algn="l">
+              <a:defRPr sz="1200"/>
+            </a:lvl1pPr>
+          </a:lstStyle>
+          <a:p>
+            <a:endParaRPr lang="en-DE"/>
+          </a:p>
+        </p:txBody>
+      </p:sp>
+      <p:sp>
+        <p:nvSpPr>
+          <p:cNvPr id="3" name="Date Placeholder 2"/>
+          <p:cNvSpPr>
+            <a:spLocks noGrp="1"/>
+          </p:cNvSpPr>
+          <p:nvPr>
+            <p:ph type="dt" idx="1"/>
+          </p:nvPr>
+        </p:nvSpPr>
+        <p:spPr>
+          <a:xfrm>
+            <a:off x="3884613" y="0"/>
+            <a:ext cx="2971800" cy="458788"/>
+          </a:xfrm>
+          <a:prstGeom prst="rect">
+            <a:avLst/>
+          </a:prstGeom>
+        </p:spPr>
+        <p:txBody>
+          <a:bodyPr vert="horz" lIns="91440" tIns="45720" rIns="91440" bIns="45720" rtlCol="0"/>
+          <a:lstStyle>
+            <a:lvl1pPr algn="r">
+              <a:defRPr sz="1200"/>
+            </a:lvl1pPr>
+          </a:lstStyle>
+          <a:p>
+            <a:fld id="{B025AADF-9E9F-D946-AF60-4604AC325027}" type="datetimeFigureOut">
+              <a:rPr lang="en-DE" smtClean="0"/>
+              <a:t>11.04.24</a:t>
+            </a:fld>
+            <a:endParaRPr lang="en-DE"/>
+          </a:p>
+        </p:txBody>
+      </p:sp>
+      <p:sp>
+        <p:nvSpPr>
+          <p:cNvPr id="4" name="Slide Image Placeholder 3"/>
+          <p:cNvSpPr>
+            <a:spLocks noGrp="1" noRot="1" noChangeAspect="1"/>
+          </p:cNvSpPr>
+          <p:nvPr>
+            <p:ph type="sldImg" idx="2"/>
+          </p:nvPr>
+        </p:nvSpPr>
+        <p:spPr>
+          <a:xfrm>
+            <a:off x="685800" y="1143000"/>
+            <a:ext cx="5486400" cy="3086100"/>
+          </a:xfrm>
+          <a:prstGeom prst="rect">
+            <a:avLst/>
+          </a:prstGeom>
+          <a:noFill/>
+          <a:ln w="12700">
+            <a:solidFill>
+              <a:prstClr val="black"/>
+            </a:solidFill>
+          </a:ln>
+        </p:spPr>
+        <p:txBody>
+          <a:bodyPr vert="horz" lIns="91440" tIns="45720" rIns="91440" bIns="45720" rtlCol="0" anchor="ctr"/>
+          <a:lstStyle/>
+          <a:p>
+            <a:endParaRPr lang="en-DE"/>
+          </a:p>
+        </p:txBody>
+      </p:sp>
+      <p:sp>
+        <p:nvSpPr>
+          <p:cNvPr id="5" name="Notes Placeholder 4"/>
+          <p:cNvSpPr>
+            <a:spLocks noGrp="1"/>
+          </p:cNvSpPr>
+          <p:nvPr>
+            <p:ph type="body" sz="quarter" idx="3"/>
+          </p:nvPr>
+        </p:nvSpPr>
+        <p:spPr>
+          <a:xfrm>
+            <a:off x="685800" y="4400550"/>
+            <a:ext cx="5486400" cy="3600450"/>
+          </a:xfrm>
+          <a:prstGeom prst="rect">
+            <a:avLst/>
+          </a:prstGeom>
+        </p:spPr>
+        <p:txBody>
+          <a:bodyPr vert="horz" lIns="91440" tIns="45720" rIns="91440" bIns="45720" rtlCol="0"/>
+          <a:lstStyle/>
+          <a:p>
+            <a:pPr lvl="0"/>
+            <a:r>
+              <a:rPr lang="en-GB"/>
+              <a:t>Click to edit Master text styles</a:t>
+            </a:r>
+          </a:p>
+          <a:p>
+            <a:pPr lvl="1"/>
+            <a:r>
+              <a:rPr lang="en-GB"/>
+              <a:t>Second level</a:t>
+            </a:r>
+          </a:p>
+          <a:p>
+            <a:pPr lvl="2"/>
+            <a:r>
+              <a:rPr lang="en-GB"/>
+              <a:t>Third level</a:t>
+            </a:r>
+          </a:p>
+          <a:p>
+            <a:pPr lvl="3"/>
+            <a:r>
+              <a:rPr lang="en-GB"/>
+              <a:t>Fourth level</a:t>
+            </a:r>
+          </a:p>
+          <a:p>
+            <a:pPr lvl="4"/>
+            <a:r>
+              <a:rPr lang="en-GB"/>
+              <a:t>Fifth level</a:t>
+            </a:r>
+            <a:endParaRPr lang="en-DE"/>
+          </a:p>
+        </p:txBody>
+      </p:sp>
+      <p:sp>
+        <p:nvSpPr>
+          <p:cNvPr id="6" name="Footer Placeholder 5"/>
+          <p:cNvSpPr>
+            <a:spLocks noGrp="1"/>
+          </p:cNvSpPr>
+          <p:nvPr>
+            <p:ph type="ftr" sz="quarter" idx="4"/>
+          </p:nvPr>
+        </p:nvSpPr>
+        <p:spPr>
+          <a:xfrm>
+            <a:off x="0" y="8685213"/>
+            <a:ext cx="2971800" cy="458787"/>
+          </a:xfrm>
+          <a:prstGeom prst="rect">
+            <a:avLst/>
+          </a:prstGeom>
+        </p:spPr>
+        <p:txBody>
+          <a:bodyPr vert="horz" lIns="91440" tIns="45720" rIns="91440" bIns="45720" rtlCol="0" anchor="b"/>
+          <a:lstStyle>
+            <a:lvl1pPr algn="l">
+              <a:defRPr sz="1200"/>
+            </a:lvl1pPr>
+          </a:lstStyle>
+          <a:p>
+            <a:endParaRPr lang="en-DE"/>
+          </a:p>
+        </p:txBody>
+      </p:sp>
+      <p:sp>
+        <p:nvSpPr>
+          <p:cNvPr id="7" name="Slide Number Placeholder 6"/>
+          <p:cNvSpPr>
+            <a:spLocks noGrp="1"/>
+          </p:cNvSpPr>
+          <p:nvPr>
+            <p:ph type="sldNum" sz="quarter" idx="5"/>
+          </p:nvPr>
+        </p:nvSpPr>
+        <p:spPr>
+          <a:xfrm>
+            <a:off x="3884613" y="8685213"/>
+            <a:ext cx="2971800" cy="458787"/>
+          </a:xfrm>
+          <a:prstGeom prst="rect">
+            <a:avLst/>
+          </a:prstGeom>
+        </p:spPr>
+        <p:txBody>
+          <a:bodyPr vert="horz" lIns="91440" tIns="45720" rIns="91440" bIns="45720" rtlCol="0" anchor="b"/>
+          <a:lstStyle>
+            <a:lvl1pPr algn="r">
+              <a:defRPr sz="1200"/>
+            </a:lvl1pPr>
+          </a:lstStyle>
+          <a:p>
+            <a:fld id="{36981517-4442-DC41-AE00-02D7A55D9C50}" type="slidenum">
+              <a:rPr lang="en-DE" smtClean="0"/>
+              <a:t>‹#›</a:t>
+            </a:fld>
+            <a:endParaRPr lang="en-DE"/>
+          </a:p>
+        </p:txBody>
+      </p:sp>
+    </p:spTree>
+    <p:extLst>
+      <p:ext uri="{BB962C8B-B14F-4D97-AF65-F5344CB8AC3E}">
+        <p14:creationId xmlns:p14="http://schemas.microsoft.com/office/powerpoint/2010/main" val="1954306724"/>
+      </p:ext>
+    </p:extLst>
+  </p:cSld>
+  <p:clrMap bg1="lt1" tx1="dk1" bg2="lt2" tx2="dk2" accent1="accent1" accent2="accent2" accent3="accent3" accent4="accent4" accent5="accent5" accent6="accent6" hlink="hlink" folHlink="folHlink"/>
+  <p:notesStyle>
+    <a:lvl1pPr marL="0" algn="l" defTabSz="914400" rtl="0" eaLnBrk="1" latinLnBrk="0" hangingPunct="1">
+      <a:defRPr sz="1200" kern="1200">
+        <a:solidFill>
+          <a:schemeClr val="tx1"/>
+        </a:solidFill>
+        <a:latin typeface="+mn-lt"/>
+        <a:ea typeface="+mn-ea"/>
+        <a:cs typeface="+mn-cs"/>
+      </a:defRPr>
+    </a:lvl1pPr>
+    <a:lvl2pPr marL="457200" algn="l" defTabSz="914400" rtl="0" eaLnBrk="1" latinLnBrk="0" hangingPunct="1">
+      <a:defRPr sz="1200" kern="1200">
+        <a:solidFill>
+          <a:schemeClr val="tx1"/>
+        </a:solidFill>
+        <a:latin typeface="+mn-lt"/>
+        <a:ea typeface="+mn-ea"/>
+        <a:cs typeface="+mn-cs"/>
+      </a:defRPr>
+    </a:lvl2pPr>
+    <a:lvl3pPr marL="914400" algn="l" defTabSz="914400" rtl="0" eaLnBrk="1" latinLnBrk="0" hangingPunct="1">
+      <a:defRPr sz="1200" kern="1200">
+        <a:solidFill>
+          <a:schemeClr val="tx1"/>
+        </a:solidFill>
+        <a:latin typeface="+mn-lt"/>
+        <a:ea typeface="+mn-ea"/>
+        <a:cs typeface="+mn-cs"/>
+      </a:defRPr>
+    </a:lvl3pPr>
+    <a:lvl4pPr marL="1371600" algn="l" defTabSz="914400" rtl="0" eaLnBrk="1" latinLnBrk="0" hangingPunct="1">
+      <a:defRPr sz="1200" kern="1200">
+        <a:solidFill>
+          <a:schemeClr val="tx1"/>
+        </a:solidFill>
+        <a:latin typeface="+mn-lt"/>
+        <a:ea typeface="+mn-ea"/>
+        <a:cs typeface="+mn-cs"/>
+      </a:defRPr>
+    </a:lvl4pPr>
+    <a:lvl5pPr marL="1828800" algn="l" defTabSz="914400" rtl="0" eaLnBrk="1" latinLnBrk="0" hangingPunct="1">
+      <a:defRPr sz="1200" kern="1200">
+        <a:solidFill>
+          <a:schemeClr val="tx1"/>
+        </a:solidFill>
+        <a:latin typeface="+mn-lt"/>
+        <a:ea typeface="+mn-ea"/>
+        <a:cs typeface="+mn-cs"/>
+      </a:defRPr>
+    </a:lvl5pPr>
+    <a:lvl6pPr marL="2286000" algn="l" defTabSz="914400" rtl="0" eaLnBrk="1" latinLnBrk="0" hangingPunct="1">
+      <a:defRPr sz="1200" kern="1200">
+        <a:solidFill>
+          <a:schemeClr val="tx1"/>
+        </a:solidFill>
+        <a:latin typeface="+mn-lt"/>
+        <a:ea typeface="+mn-ea"/>
+        <a:cs typeface="+mn-cs"/>
+      </a:defRPr>
+    </a:lvl6pPr>
+    <a:lvl7pPr marL="2743200" algn="l" defTabSz="914400" rtl="0" eaLnBrk="1" latinLnBrk="0" hangingPunct="1">
+      <a:defRPr sz="1200" kern="1200">
+        <a:solidFill>
+          <a:schemeClr val="tx1"/>
+        </a:solidFill>
+        <a:latin typeface="+mn-lt"/>
+        <a:ea typeface="+mn-ea"/>
+        <a:cs typeface="+mn-cs"/>
+      </a:defRPr>
+    </a:lvl7pPr>
+    <a:lvl8pPr marL="3200400" algn="l" defTabSz="914400" rtl="0" eaLnBrk="1" latinLnBrk="0" hangingPunct="1">
+      <a:defRPr sz="1200" kern="1200">
+        <a:solidFill>
+          <a:schemeClr val="tx1"/>
+        </a:solidFill>
+        <a:latin typeface="+mn-lt"/>
+        <a:ea typeface="+mn-ea"/>
+        <a:cs typeface="+mn-cs"/>
+      </a:defRPr>
+    </a:lvl8pPr>
+    <a:lvl9pPr marL="3657600" algn="l" defTabSz="914400" rtl="0" eaLnBrk="1" latinLnBrk="0" hangingPunct="1">
+      <a:defRPr sz="1200" kern="1200">
+        <a:solidFill>
+          <a:schemeClr val="tx1"/>
+        </a:solidFill>
+        <a:latin typeface="+mn-lt"/>
+        <a:ea typeface="+mn-ea"/>
+        <a:cs typeface="+mn-cs"/>
+      </a:defRPr>
+    </a:lvl9pPr>
+  </p:notesStyle>
+</p:notesMaster>
+</file>
+
+<file path=ppt/notesSlides/notesSlide1.xml><?xml version="1.0" encoding="utf-8"?>
+<p:notes xmlns:a="http://schemas.openxmlformats.org/drawingml/2006/main" xmlns:r="http://schemas.openxmlformats.org/officeDocument/2006/relationships" xmlns:p="http://schemas.openxmlformats.org/presentationml/2006/main">
+  <p:cSld>
+    <p:spTree>
+      <p:nvGrpSpPr>
+        <p:cNvPr id="1" name=""/>
+        <p:cNvGrpSpPr/>
+        <p:nvPr/>
+      </p:nvGrpSpPr>
+      <p:grpSpPr>
+        <a:xfrm>
+          <a:off x="0" y="0"/>
+          <a:ext cx="0" cy="0"/>
+          <a:chOff x="0" y="0"/>
+          <a:chExt cx="0" cy="0"/>
+        </a:xfrm>
+      </p:grpSpPr>
+      <p:sp>
+        <p:nvSpPr>
+          <p:cNvPr id="2" name="Slide Image Placeholder 1"/>
+          <p:cNvSpPr>
+            <a:spLocks noGrp="1" noRot="1" noChangeAspect="1"/>
+          </p:cNvSpPr>
+          <p:nvPr>
+            <p:ph type="sldImg"/>
+          </p:nvPr>
+        </p:nvSpPr>
+        <p:spPr/>
+      </p:sp>
+      <p:sp>
+        <p:nvSpPr>
+          <p:cNvPr id="3" name="Notes Placeholder 2"/>
+          <p:cNvSpPr>
+            <a:spLocks noGrp="1"/>
+          </p:cNvSpPr>
+          <p:nvPr>
+            <p:ph type="body" idx="1"/>
+          </p:nvPr>
+        </p:nvSpPr>
+        <p:spPr/>
+        <p:txBody>
+          <a:bodyPr/>
+          <a:lstStyle/>
+          <a:p>
+            <a:r>
+              <a:rPr lang="en-GB" dirty="0"/>
+              <a:t>https://</a:t>
+            </a:r>
+            <a:r>
+              <a:rPr lang="en-GB" dirty="0" err="1"/>
+              <a:t>github.com</a:t>
+            </a:r>
+            <a:r>
+              <a:rPr lang="en-GB" dirty="0"/>
+              <a:t>/</a:t>
+            </a:r>
+            <a:r>
+              <a:rPr lang="en-GB" dirty="0" err="1"/>
+              <a:t>kundajelab</a:t>
+            </a:r>
+            <a:r>
+              <a:rPr lang="en-GB" dirty="0"/>
+              <a:t>/</a:t>
+            </a:r>
+            <a:r>
+              <a:rPr lang="en-GB" dirty="0" err="1"/>
+              <a:t>chrombpnet</a:t>
+            </a:r>
+            <a:endParaRPr lang="en-GB" dirty="0"/>
+          </a:p>
+          <a:p>
+            <a:endParaRPr lang="en-GB" dirty="0"/>
+          </a:p>
+          <a:p>
+            <a:endParaRPr lang="en-DE" dirty="0"/>
+          </a:p>
+        </p:txBody>
+      </p:sp>
+      <p:sp>
+        <p:nvSpPr>
+          <p:cNvPr id="4" name="Slide Number Placeholder 3"/>
+          <p:cNvSpPr>
+            <a:spLocks noGrp="1"/>
+          </p:cNvSpPr>
+          <p:nvPr>
+            <p:ph type="sldNum" sz="quarter" idx="5"/>
+          </p:nvPr>
+        </p:nvSpPr>
+        <p:spPr/>
+        <p:txBody>
+          <a:bodyPr/>
+          <a:lstStyle/>
+          <a:p>
+            <a:fld id="{36981517-4442-DC41-AE00-02D7A55D9C50}" type="slidenum">
+              <a:rPr lang="en-DE" smtClean="0"/>
+              <a:t>5</a:t>
+            </a:fld>
+            <a:endParaRPr lang="en-DE"/>
+          </a:p>
+        </p:txBody>
+      </p:sp>
+    </p:spTree>
+    <p:extLst>
+      <p:ext uri="{BB962C8B-B14F-4D97-AF65-F5344CB8AC3E}">
+        <p14:creationId xmlns:p14="http://schemas.microsoft.com/office/powerpoint/2010/main" val="1294992810"/>
+      </p:ext>
+    </p:extLst>
+  </p:cSld>
+  <p:clrMapOvr>
+    <a:masterClrMapping/>
+  </p:clrMapOvr>
+</p:notes>
+</file>
+
+<file path=ppt/notesSlides/notesSlide2.xml><?xml version="1.0" encoding="utf-8"?>
+<p:notes xmlns:a="http://schemas.openxmlformats.org/drawingml/2006/main" xmlns:r="http://schemas.openxmlformats.org/officeDocument/2006/relationships" xmlns:p="http://schemas.openxmlformats.org/presentationml/2006/main">
+  <p:cSld>
+    <p:spTree>
+      <p:nvGrpSpPr>
+        <p:cNvPr id="1" name=""/>
+        <p:cNvGrpSpPr/>
+        <p:nvPr/>
+      </p:nvGrpSpPr>
+      <p:grpSpPr>
+        <a:xfrm>
+          <a:off x="0" y="0"/>
+          <a:ext cx="0" cy="0"/>
+          <a:chOff x="0" y="0"/>
+          <a:chExt cx="0" cy="0"/>
+        </a:xfrm>
+      </p:grpSpPr>
+      <p:sp>
+        <p:nvSpPr>
+          <p:cNvPr id="2" name="Slide Image Placeholder 1"/>
+          <p:cNvSpPr>
+            <a:spLocks noGrp="1" noRot="1" noChangeAspect="1"/>
+          </p:cNvSpPr>
+          <p:nvPr>
+            <p:ph type="sldImg"/>
+          </p:nvPr>
+        </p:nvSpPr>
+        <p:spPr/>
+      </p:sp>
+      <p:sp>
+        <p:nvSpPr>
+          <p:cNvPr id="3" name="Notes Placeholder 2"/>
+          <p:cNvSpPr>
+            <a:spLocks noGrp="1"/>
+          </p:cNvSpPr>
+          <p:nvPr>
+            <p:ph type="body" idx="1"/>
+          </p:nvPr>
+        </p:nvSpPr>
+        <p:spPr/>
+        <p:txBody>
+          <a:bodyPr/>
+          <a:lstStyle/>
+          <a:p>
+            <a:r>
+              <a:rPr lang="en-GB" dirty="0"/>
+              <a:t>https://</a:t>
+            </a:r>
+            <a:r>
+              <a:rPr lang="en-GB" dirty="0" err="1"/>
+              <a:t>github.com</a:t>
+            </a:r>
+            <a:r>
+              <a:rPr lang="en-GB" dirty="0"/>
+              <a:t>/</a:t>
+            </a:r>
+            <a:r>
+              <a:rPr lang="en-GB" dirty="0" err="1"/>
+              <a:t>kundajelab</a:t>
+            </a:r>
+            <a:r>
+              <a:rPr lang="en-GB" dirty="0"/>
+              <a:t>/</a:t>
+            </a:r>
+            <a:r>
+              <a:rPr lang="en-GB" dirty="0" err="1"/>
+              <a:t>chrombpnet</a:t>
+            </a:r>
+            <a:endParaRPr lang="en-GB" dirty="0"/>
+          </a:p>
+          <a:p>
+            <a:endParaRPr lang="en-GB" dirty="0"/>
+          </a:p>
+          <a:p>
+            <a:endParaRPr lang="en-DE" dirty="0"/>
+          </a:p>
+        </p:txBody>
+      </p:sp>
+      <p:sp>
+        <p:nvSpPr>
+          <p:cNvPr id="4" name="Slide Number Placeholder 3"/>
+          <p:cNvSpPr>
+            <a:spLocks noGrp="1"/>
+          </p:cNvSpPr>
+          <p:nvPr>
+            <p:ph type="sldNum" sz="quarter" idx="5"/>
+          </p:nvPr>
+        </p:nvSpPr>
+        <p:spPr/>
+        <p:txBody>
+          <a:bodyPr/>
+          <a:lstStyle/>
+          <a:p>
+            <a:fld id="{36981517-4442-DC41-AE00-02D7A55D9C50}" type="slidenum">
+              <a:rPr lang="en-DE" smtClean="0"/>
+              <a:t>6</a:t>
+            </a:fld>
+            <a:endParaRPr lang="en-DE"/>
+          </a:p>
+        </p:txBody>
+      </p:sp>
+    </p:spTree>
+    <p:extLst>
+      <p:ext uri="{BB962C8B-B14F-4D97-AF65-F5344CB8AC3E}">
+        <p14:creationId xmlns:p14="http://schemas.microsoft.com/office/powerpoint/2010/main" val="3177560551"/>
+      </p:ext>
+    </p:extLst>
+  </p:cSld>
+  <p:clrMapOvr>
+    <a:masterClrMapping/>
+  </p:clrMapOvr>
+</p:notes>
 </file>
 
 <file path=ppt/slideLayouts/slideLayout1.xml><?xml version="1.0" encoding="utf-8"?>
@@ -3362,6 +3953,1219 @@
         <mc:Choice xmlns:a14="http://schemas.microsoft.com/office/drawing/2010/main" Requires="a14">
           <p:sp>
             <p:nvSpPr>
+              <p:cNvPr id="10" name="TextBox 9">
+                <a:extLst>
+                  <a:ext uri="{FF2B5EF4-FFF2-40B4-BE49-F238E27FC236}">
+                    <a16:creationId xmlns:a16="http://schemas.microsoft.com/office/drawing/2014/main" id="{28C36B4C-18B2-29B8-1205-79A060B5F691}"/>
+                  </a:ext>
+                </a:extLst>
+              </p:cNvPr>
+              <p:cNvSpPr txBox="1"/>
+              <p:nvPr/>
+            </p:nvSpPr>
+            <p:spPr>
+              <a:xfrm>
+                <a:off x="1067179" y="2574255"/>
+                <a:ext cx="2056657" cy="732573"/>
+              </a:xfrm>
+              <a:prstGeom prst="rect">
+                <a:avLst/>
+              </a:prstGeom>
+              <a:noFill/>
+            </p:spPr>
+            <p:txBody>
+              <a:bodyPr wrap="square" lIns="0" tIns="0" rIns="0" bIns="0" rtlCol="0">
+                <a:spAutoFit/>
+              </a:bodyPr>
+              <a:lstStyle/>
+              <a:p>
+                <a14:m>
+                  <m:oMathPara xmlns:m="http://schemas.openxmlformats.org/officeDocument/2006/math">
+                    <m:oMathParaPr>
+                      <m:jc m:val="centerGroup"/>
+                    </m:oMathParaPr>
+                    <m:oMath xmlns:m="http://schemas.openxmlformats.org/officeDocument/2006/math">
+                      <m:d>
+                        <m:dPr>
+                          <m:begChr m:val="["/>
+                          <m:endChr m:val="]"/>
+                          <m:ctrlPr>
+                            <a:rPr lang="en-DE" i="1" smtClean="0">
+                              <a:latin typeface="Cambria Math" panose="02040503050406030204" pitchFamily="18" charset="0"/>
+                            </a:rPr>
+                          </m:ctrlPr>
+                        </m:dPr>
+                        <m:e>
+                          <m:m>
+                            <m:mPr>
+                              <m:mcs>
+                                <m:mc>
+                                  <m:mcPr>
+                                    <m:count m:val="3"/>
+                                    <m:mcJc m:val="center"/>
+                                  </m:mcPr>
+                                </m:mc>
+                              </m:mcs>
+                              <m:ctrlPr>
+                                <a:rPr lang="en-DE" i="1" smtClean="0">
+                                  <a:latin typeface="Cambria Math" panose="02040503050406030204" pitchFamily="18" charset="0"/>
+                                </a:rPr>
+                              </m:ctrlPr>
+                            </m:mPr>
+                            <m:mr>
+                              <m:e>
+                                <m:r>
+                                  <m:rPr>
+                                    <m:brk m:alnAt="7"/>
+                                  </m:rPr>
+                                  <a:rPr lang="en-US" b="0" i="1" smtClean="0">
+                                    <a:latin typeface="Cambria Math" panose="02040503050406030204" pitchFamily="18" charset="0"/>
+                                  </a:rPr>
+                                  <m:t>1</m:t>
+                                </m:r>
+                              </m:e>
+                              <m:e>
+                                <m:r>
+                                  <a:rPr lang="en-DE" i="1" smtClean="0">
+                                    <a:latin typeface="Cambria Math" panose="02040503050406030204" pitchFamily="18" charset="0"/>
+                                  </a:rPr>
+                                  <m:t>⋯</m:t>
+                                </m:r>
+                              </m:e>
+                              <m:e>
+                                <m:r>
+                                  <a:rPr lang="en-US" b="0" i="1" smtClean="0">
+                                    <a:latin typeface="Cambria Math" panose="02040503050406030204" pitchFamily="18" charset="0"/>
+                                  </a:rPr>
+                                  <m:t>0</m:t>
+                                </m:r>
+                              </m:e>
+                            </m:mr>
+                            <m:mr>
+                              <m:e>
+                                <m:r>
+                                  <a:rPr lang="en-DE" i="1" smtClean="0">
+                                    <a:latin typeface="Cambria Math" panose="02040503050406030204" pitchFamily="18" charset="0"/>
+                                  </a:rPr>
+                                  <m:t>⋮</m:t>
+                                </m:r>
+                              </m:e>
+                              <m:e>
+                                <m:r>
+                                  <a:rPr lang="en-DE" i="1" smtClean="0">
+                                    <a:latin typeface="Cambria Math" panose="02040503050406030204" pitchFamily="18" charset="0"/>
+                                  </a:rPr>
+                                  <m:t>⋱</m:t>
+                                </m:r>
+                              </m:e>
+                              <m:e>
+                                <m:r>
+                                  <a:rPr lang="en-DE" i="1" smtClean="0">
+                                    <a:latin typeface="Cambria Math" panose="02040503050406030204" pitchFamily="18" charset="0"/>
+                                  </a:rPr>
+                                  <m:t>⋮</m:t>
+                                </m:r>
+                              </m:e>
+                            </m:mr>
+                            <m:mr>
+                              <m:e>
+                                <m:r>
+                                  <a:rPr lang="en-US" b="0" i="1" smtClean="0">
+                                    <a:latin typeface="Cambria Math" panose="02040503050406030204" pitchFamily="18" charset="0"/>
+                                  </a:rPr>
+                                  <m:t>0</m:t>
+                                </m:r>
+                              </m:e>
+                              <m:e>
+                                <m:r>
+                                  <a:rPr lang="en-DE" i="1" smtClean="0">
+                                    <a:latin typeface="Cambria Math" panose="02040503050406030204" pitchFamily="18" charset="0"/>
+                                  </a:rPr>
+                                  <m:t>⋯</m:t>
+                                </m:r>
+                              </m:e>
+                              <m:e>
+                                <m:r>
+                                  <a:rPr lang="en-US" b="0" i="1" smtClean="0">
+                                    <a:latin typeface="Cambria Math" panose="02040503050406030204" pitchFamily="18" charset="0"/>
+                                  </a:rPr>
+                                  <m:t>0</m:t>
+                                </m:r>
+                              </m:e>
+                            </m:mr>
+                          </m:m>
+                        </m:e>
+                      </m:d>
+                    </m:oMath>
+                  </m:oMathPara>
+                </a14:m>
+                <a:endParaRPr lang="en-DE" dirty="0"/>
+              </a:p>
+            </p:txBody>
+          </p:sp>
+        </mc:Choice>
+        <mc:Fallback>
+          <p:sp>
+            <p:nvSpPr>
+              <p:cNvPr id="10" name="TextBox 9">
+                <a:extLst>
+                  <a:ext uri="{FF2B5EF4-FFF2-40B4-BE49-F238E27FC236}">
+                    <a16:creationId xmlns:a16="http://schemas.microsoft.com/office/drawing/2014/main" id="{28C36B4C-18B2-29B8-1205-79A060B5F691}"/>
+                  </a:ext>
+                </a:extLst>
+              </p:cNvPr>
+              <p:cNvSpPr txBox="1">
+                <a:spLocks noRot="1" noChangeAspect="1" noMove="1" noResize="1" noEditPoints="1" noAdjustHandles="1" noChangeArrowheads="1" noChangeShapeType="1" noTextEdit="1"/>
+              </p:cNvSpPr>
+              <p:nvPr/>
+            </p:nvSpPr>
+            <p:spPr>
+              <a:xfrm>
+                <a:off x="1067179" y="2574255"/>
+                <a:ext cx="2056657" cy="732573"/>
+              </a:xfrm>
+              <a:prstGeom prst="rect">
+                <a:avLst/>
+              </a:prstGeom>
+              <a:blipFill>
+                <a:blip r:embed="rId2"/>
+                <a:stretch>
+                  <a:fillRect b="-8475"/>
+                </a:stretch>
+              </a:blipFill>
+            </p:spPr>
+            <p:txBody>
+              <a:bodyPr/>
+              <a:lstStyle/>
+              <a:p>
+                <a:r>
+                  <a:rPr lang="en-DE">
+                    <a:noFill/>
+                  </a:rPr>
+                  <a:t> </a:t>
+                </a:r>
+              </a:p>
+            </p:txBody>
+          </p:sp>
+        </mc:Fallback>
+      </mc:AlternateContent>
+      <p:sp>
+        <p:nvSpPr>
+          <p:cNvPr id="11" name="TextBox 10">
+            <a:extLst>
+              <a:ext uri="{FF2B5EF4-FFF2-40B4-BE49-F238E27FC236}">
+                <a16:creationId xmlns:a16="http://schemas.microsoft.com/office/drawing/2014/main" id="{6812D4D8-1C34-F95C-C3D5-5058E8C00B61}"/>
+              </a:ext>
+            </a:extLst>
+          </p:cNvPr>
+          <p:cNvSpPr txBox="1"/>
+          <p:nvPr/>
+        </p:nvSpPr>
+        <p:spPr>
+          <a:xfrm>
+            <a:off x="289371" y="1619619"/>
+            <a:ext cx="2873829" cy="369332"/>
+          </a:xfrm>
+          <a:prstGeom prst="rect">
+            <a:avLst/>
+          </a:prstGeom>
+          <a:noFill/>
+        </p:spPr>
+        <p:txBody>
+          <a:bodyPr wrap="square" rtlCol="0">
+            <a:spAutoFit/>
+          </a:bodyPr>
+          <a:lstStyle/>
+          <a:p>
+            <a:r>
+              <a:rPr lang="en-DE" dirty="0"/>
+              <a:t>10x peak count x cell matrix</a:t>
+            </a:r>
+          </a:p>
+        </p:txBody>
+      </p:sp>
+      <p:sp>
+        <p:nvSpPr>
+          <p:cNvPr id="12" name="TextBox 11">
+            <a:extLst>
+              <a:ext uri="{FF2B5EF4-FFF2-40B4-BE49-F238E27FC236}">
+                <a16:creationId xmlns:a16="http://schemas.microsoft.com/office/drawing/2014/main" id="{B40FEFD2-BBF0-3679-1175-D67896D457E0}"/>
+              </a:ext>
+            </a:extLst>
+          </p:cNvPr>
+          <p:cNvSpPr txBox="1"/>
+          <p:nvPr/>
+        </p:nvSpPr>
+        <p:spPr>
+          <a:xfrm>
+            <a:off x="1726286" y="2096937"/>
+            <a:ext cx="929314" cy="369332"/>
+          </a:xfrm>
+          <a:prstGeom prst="rect">
+            <a:avLst/>
+          </a:prstGeom>
+          <a:noFill/>
+        </p:spPr>
+        <p:txBody>
+          <a:bodyPr wrap="square" rtlCol="0">
+            <a:spAutoFit/>
+          </a:bodyPr>
+          <a:lstStyle/>
+          <a:p>
+            <a:r>
+              <a:rPr lang="en-DE" dirty="0"/>
+              <a:t>Peaks</a:t>
+            </a:r>
+          </a:p>
+        </p:txBody>
+      </p:sp>
+      <p:sp>
+        <p:nvSpPr>
+          <p:cNvPr id="13" name="TextBox 12">
+            <a:extLst>
+              <a:ext uri="{FF2B5EF4-FFF2-40B4-BE49-F238E27FC236}">
+                <a16:creationId xmlns:a16="http://schemas.microsoft.com/office/drawing/2014/main" id="{E2D599E1-1D94-1A5E-45CA-2D57D120B050}"/>
+              </a:ext>
+            </a:extLst>
+          </p:cNvPr>
+          <p:cNvSpPr txBox="1"/>
+          <p:nvPr/>
+        </p:nvSpPr>
+        <p:spPr>
+          <a:xfrm>
+            <a:off x="114009" y="2574255"/>
+            <a:ext cx="1718453" cy="646331"/>
+          </a:xfrm>
+          <a:prstGeom prst="rect">
+            <a:avLst/>
+          </a:prstGeom>
+          <a:noFill/>
+        </p:spPr>
+        <p:txBody>
+          <a:bodyPr wrap="square" rtlCol="0">
+            <a:spAutoFit/>
+          </a:bodyPr>
+          <a:lstStyle/>
+          <a:p>
+            <a:r>
+              <a:rPr lang="en-DE" dirty="0"/>
+              <a:t>Cells from all time points</a:t>
+            </a:r>
+          </a:p>
+        </p:txBody>
+      </p:sp>
+      <p:cxnSp>
+        <p:nvCxnSpPr>
+          <p:cNvPr id="15" name="Straight Arrow Connector 14">
+            <a:extLst>
+              <a:ext uri="{FF2B5EF4-FFF2-40B4-BE49-F238E27FC236}">
+                <a16:creationId xmlns:a16="http://schemas.microsoft.com/office/drawing/2014/main" id="{1426D1AE-572C-12C6-9F1A-13A2E0388A45}"/>
+              </a:ext>
+            </a:extLst>
+          </p:cNvPr>
+          <p:cNvCxnSpPr>
+            <a:cxnSpLocks/>
+          </p:cNvCxnSpPr>
+          <p:nvPr/>
+        </p:nvCxnSpPr>
+        <p:spPr>
+          <a:xfrm>
+            <a:off x="2815603" y="2897420"/>
+            <a:ext cx="1860267" cy="0"/>
+          </a:xfrm>
+          <a:prstGeom prst="straightConnector1">
+            <a:avLst/>
+          </a:prstGeom>
+          <a:ln>
+            <a:tailEnd type="triangle"/>
+          </a:ln>
+        </p:spPr>
+        <p:style>
+          <a:lnRef idx="3">
+            <a:schemeClr val="dk1"/>
+          </a:lnRef>
+          <a:fillRef idx="0">
+            <a:schemeClr val="dk1"/>
+          </a:fillRef>
+          <a:effectRef idx="2">
+            <a:schemeClr val="dk1"/>
+          </a:effectRef>
+          <a:fontRef idx="minor">
+            <a:schemeClr val="tx1"/>
+          </a:fontRef>
+        </p:style>
+      </p:cxnSp>
+      <mc:AlternateContent xmlns:mc="http://schemas.openxmlformats.org/markup-compatibility/2006">
+        <mc:Choice xmlns:a14="http://schemas.microsoft.com/office/drawing/2010/main" Requires="a14">
+          <p:sp>
+            <p:nvSpPr>
+              <p:cNvPr id="17" name="TextBox 16">
+                <a:extLst>
+                  <a:ext uri="{FF2B5EF4-FFF2-40B4-BE49-F238E27FC236}">
+                    <a16:creationId xmlns:a16="http://schemas.microsoft.com/office/drawing/2014/main" id="{96394894-37FE-120B-2A08-2DCB0DCCEBFF}"/>
+                  </a:ext>
+                </a:extLst>
+              </p:cNvPr>
+              <p:cNvSpPr txBox="1"/>
+              <p:nvPr/>
+            </p:nvSpPr>
+            <p:spPr>
+              <a:xfrm>
+                <a:off x="4448013" y="2569320"/>
+                <a:ext cx="2056657" cy="756426"/>
+              </a:xfrm>
+              <a:prstGeom prst="rect">
+                <a:avLst/>
+              </a:prstGeom>
+              <a:noFill/>
+            </p:spPr>
+            <p:txBody>
+              <a:bodyPr wrap="square" lIns="0" tIns="0" rIns="0" bIns="0" rtlCol="0">
+                <a:spAutoFit/>
+              </a:bodyPr>
+              <a:lstStyle/>
+              <a:p>
+                <a14:m>
+                  <m:oMathPara xmlns:m="http://schemas.openxmlformats.org/officeDocument/2006/math">
+                    <m:oMathParaPr>
+                      <m:jc m:val="centerGroup"/>
+                    </m:oMathParaPr>
+                    <m:oMath xmlns:m="http://schemas.openxmlformats.org/officeDocument/2006/math">
+                      <m:d>
+                        <m:dPr>
+                          <m:begChr m:val="["/>
+                          <m:endChr m:val="]"/>
+                          <m:ctrlPr>
+                            <a:rPr lang="en-DE" i="1" smtClean="0">
+                              <a:latin typeface="Cambria Math" panose="02040503050406030204" pitchFamily="18" charset="0"/>
+                            </a:rPr>
+                          </m:ctrlPr>
+                        </m:dPr>
+                        <m:e>
+                          <m:m>
+                            <m:mPr>
+                              <m:mcs>
+                                <m:mc>
+                                  <m:mcPr>
+                                    <m:count m:val="3"/>
+                                    <m:mcJc m:val="center"/>
+                                  </m:mcPr>
+                                </m:mc>
+                              </m:mcs>
+                              <m:ctrlPr>
+                                <a:rPr lang="en-DE" i="1" smtClean="0">
+                                  <a:latin typeface="Cambria Math" panose="02040503050406030204" pitchFamily="18" charset="0"/>
+                                </a:rPr>
+                              </m:ctrlPr>
+                            </m:mPr>
+                            <m:mr>
+                              <m:e>
+                                <m:r>
+                                  <m:rPr>
+                                    <m:brk m:alnAt="7"/>
+                                  </m:rPr>
+                                  <a:rPr lang="en-US" b="0" i="1" smtClean="0">
+                                    <a:latin typeface="Cambria Math" panose="02040503050406030204" pitchFamily="18" charset="0"/>
+                                  </a:rPr>
+                                  <m:t>5</m:t>
+                                </m:r>
+                              </m:e>
+                              <m:e>
+                                <m:r>
+                                  <a:rPr lang="en-DE" i="1" smtClean="0">
+                                    <a:latin typeface="Cambria Math" panose="02040503050406030204" pitchFamily="18" charset="0"/>
+                                  </a:rPr>
+                                  <m:t>⋯</m:t>
+                                </m:r>
+                              </m:e>
+                              <m:e>
+                                <m:r>
+                                  <a:rPr lang="en-US" b="0" i="1" smtClean="0">
+                                    <a:latin typeface="Cambria Math" panose="02040503050406030204" pitchFamily="18" charset="0"/>
+                                  </a:rPr>
+                                  <m:t>0</m:t>
+                                </m:r>
+                              </m:e>
+                            </m:mr>
+                            <m:mr>
+                              <m:e>
+                                <m:r>
+                                  <a:rPr lang="en-DE" i="1" smtClean="0">
+                                    <a:latin typeface="Cambria Math" panose="02040503050406030204" pitchFamily="18" charset="0"/>
+                                  </a:rPr>
+                                  <m:t>⋮</m:t>
+                                </m:r>
+                              </m:e>
+                              <m:e>
+                                <m:r>
+                                  <a:rPr lang="en-DE" i="1" smtClean="0">
+                                    <a:latin typeface="Cambria Math" panose="02040503050406030204" pitchFamily="18" charset="0"/>
+                                  </a:rPr>
+                                  <m:t>⋱</m:t>
+                                </m:r>
+                              </m:e>
+                              <m:e>
+                                <m:r>
+                                  <a:rPr lang="en-DE" i="1" smtClean="0">
+                                    <a:latin typeface="Cambria Math" panose="02040503050406030204" pitchFamily="18" charset="0"/>
+                                  </a:rPr>
+                                  <m:t>⋮</m:t>
+                                </m:r>
+                              </m:e>
+                            </m:mr>
+                            <m:mr>
+                              <m:e>
+                                <m:r>
+                                  <a:rPr lang="en-US" b="0" i="1" smtClean="0">
+                                    <a:latin typeface="Cambria Math" panose="02040503050406030204" pitchFamily="18" charset="0"/>
+                                  </a:rPr>
+                                  <m:t>0</m:t>
+                                </m:r>
+                              </m:e>
+                              <m:e>
+                                <m:r>
+                                  <a:rPr lang="en-DE" i="1" smtClean="0">
+                                    <a:latin typeface="Cambria Math" panose="02040503050406030204" pitchFamily="18" charset="0"/>
+                                  </a:rPr>
+                                  <m:t>⋯</m:t>
+                                </m:r>
+                              </m:e>
+                              <m:e>
+                                <m:r>
+                                  <a:rPr lang="en-US" b="0" i="1" smtClean="0">
+                                    <a:latin typeface="Cambria Math" panose="02040503050406030204" pitchFamily="18" charset="0"/>
+                                  </a:rPr>
+                                  <m:t>1</m:t>
+                                </m:r>
+                              </m:e>
+                            </m:mr>
+                          </m:m>
+                        </m:e>
+                      </m:d>
+                    </m:oMath>
+                  </m:oMathPara>
+                </a14:m>
+                <a:endParaRPr lang="en-DE" dirty="0"/>
+              </a:p>
+            </p:txBody>
+          </p:sp>
+        </mc:Choice>
+        <mc:Fallback>
+          <p:sp>
+            <p:nvSpPr>
+              <p:cNvPr id="17" name="TextBox 16">
+                <a:extLst>
+                  <a:ext uri="{FF2B5EF4-FFF2-40B4-BE49-F238E27FC236}">
+                    <a16:creationId xmlns:a16="http://schemas.microsoft.com/office/drawing/2014/main" id="{96394894-37FE-120B-2A08-2DCB0DCCEBFF}"/>
+                  </a:ext>
+                </a:extLst>
+              </p:cNvPr>
+              <p:cNvSpPr txBox="1">
+                <a:spLocks noRot="1" noChangeAspect="1" noMove="1" noResize="1" noEditPoints="1" noAdjustHandles="1" noChangeArrowheads="1" noChangeShapeType="1" noTextEdit="1"/>
+              </p:cNvSpPr>
+              <p:nvPr/>
+            </p:nvSpPr>
+            <p:spPr>
+              <a:xfrm>
+                <a:off x="4448013" y="2569320"/>
+                <a:ext cx="2056657" cy="756426"/>
+              </a:xfrm>
+              <a:prstGeom prst="rect">
+                <a:avLst/>
+              </a:prstGeom>
+              <a:blipFill>
+                <a:blip r:embed="rId3"/>
+                <a:stretch>
+                  <a:fillRect t="-3279" b="-4918"/>
+                </a:stretch>
+              </a:blipFill>
+            </p:spPr>
+            <p:txBody>
+              <a:bodyPr/>
+              <a:lstStyle/>
+              <a:p>
+                <a:r>
+                  <a:rPr lang="en-DE">
+                    <a:noFill/>
+                  </a:rPr>
+                  <a:t> </a:t>
+                </a:r>
+              </a:p>
+            </p:txBody>
+          </p:sp>
+        </mc:Fallback>
+      </mc:AlternateContent>
+      <p:sp>
+        <p:nvSpPr>
+          <p:cNvPr id="18" name="TextBox 17">
+            <a:extLst>
+              <a:ext uri="{FF2B5EF4-FFF2-40B4-BE49-F238E27FC236}">
+                <a16:creationId xmlns:a16="http://schemas.microsoft.com/office/drawing/2014/main" id="{8B4E516B-F0F0-5A63-2C41-F4C6C5F4B048}"/>
+              </a:ext>
+            </a:extLst>
+          </p:cNvPr>
+          <p:cNvSpPr txBox="1"/>
+          <p:nvPr/>
+        </p:nvSpPr>
+        <p:spPr>
+          <a:xfrm>
+            <a:off x="5125613" y="2125816"/>
+            <a:ext cx="929314" cy="369332"/>
+          </a:xfrm>
+          <a:prstGeom prst="rect">
+            <a:avLst/>
+          </a:prstGeom>
+          <a:noFill/>
+        </p:spPr>
+        <p:txBody>
+          <a:bodyPr wrap="square" rtlCol="0">
+            <a:spAutoFit/>
+          </a:bodyPr>
+          <a:lstStyle/>
+          <a:p>
+            <a:r>
+              <a:rPr lang="en-DE" dirty="0"/>
+              <a:t>Peaks</a:t>
+            </a:r>
+          </a:p>
+        </p:txBody>
+      </p:sp>
+      <p:sp>
+        <p:nvSpPr>
+          <p:cNvPr id="19" name="TextBox 18">
+            <a:extLst>
+              <a:ext uri="{FF2B5EF4-FFF2-40B4-BE49-F238E27FC236}">
+                <a16:creationId xmlns:a16="http://schemas.microsoft.com/office/drawing/2014/main" id="{0F7A0982-9F28-A103-956F-1891B3CC56AD}"/>
+              </a:ext>
+            </a:extLst>
+          </p:cNvPr>
+          <p:cNvSpPr txBox="1"/>
+          <p:nvPr/>
+        </p:nvSpPr>
+        <p:spPr>
+          <a:xfrm>
+            <a:off x="2957417" y="2152857"/>
+            <a:ext cx="1718453" cy="646331"/>
+          </a:xfrm>
+          <a:prstGeom prst="rect">
+            <a:avLst/>
+          </a:prstGeom>
+          <a:noFill/>
+        </p:spPr>
+        <p:txBody>
+          <a:bodyPr wrap="square" rtlCol="0">
+            <a:spAutoFit/>
+          </a:bodyPr>
+          <a:lstStyle/>
+          <a:p>
+            <a:r>
+              <a:rPr lang="en-DE" dirty="0"/>
+              <a:t>Pseudo bulk by time + cell type</a:t>
+            </a:r>
+          </a:p>
+        </p:txBody>
+      </p:sp>
+      <p:cxnSp>
+        <p:nvCxnSpPr>
+          <p:cNvPr id="24" name="Straight Arrow Connector 23">
+            <a:extLst>
+              <a:ext uri="{FF2B5EF4-FFF2-40B4-BE49-F238E27FC236}">
+                <a16:creationId xmlns:a16="http://schemas.microsoft.com/office/drawing/2014/main" id="{C33DEC7C-5492-C895-2BD4-2D5C1A613629}"/>
+              </a:ext>
+            </a:extLst>
+          </p:cNvPr>
+          <p:cNvCxnSpPr>
+            <a:cxnSpLocks/>
+          </p:cNvCxnSpPr>
+          <p:nvPr/>
+        </p:nvCxnSpPr>
+        <p:spPr>
+          <a:xfrm>
+            <a:off x="6217912" y="2924481"/>
+            <a:ext cx="538472" cy="0"/>
+          </a:xfrm>
+          <a:prstGeom prst="straightConnector1">
+            <a:avLst/>
+          </a:prstGeom>
+          <a:ln>
+            <a:tailEnd type="triangle"/>
+          </a:ln>
+        </p:spPr>
+        <p:style>
+          <a:lnRef idx="3">
+            <a:schemeClr val="dk1"/>
+          </a:lnRef>
+          <a:fillRef idx="0">
+            <a:schemeClr val="dk1"/>
+          </a:fillRef>
+          <a:effectRef idx="2">
+            <a:schemeClr val="dk1"/>
+          </a:effectRef>
+          <a:fontRef idx="minor">
+            <a:schemeClr val="tx1"/>
+          </a:fontRef>
+        </p:style>
+      </p:cxnSp>
+      <p:sp>
+        <p:nvSpPr>
+          <p:cNvPr id="25" name="TextBox 24">
+            <a:extLst>
+              <a:ext uri="{FF2B5EF4-FFF2-40B4-BE49-F238E27FC236}">
+                <a16:creationId xmlns:a16="http://schemas.microsoft.com/office/drawing/2014/main" id="{10708767-F44B-84B9-6034-F2C89B10614F}"/>
+              </a:ext>
+            </a:extLst>
+          </p:cNvPr>
+          <p:cNvSpPr txBox="1"/>
+          <p:nvPr/>
+        </p:nvSpPr>
+        <p:spPr>
+          <a:xfrm>
+            <a:off x="3069232" y="2966706"/>
+            <a:ext cx="1597922" cy="923330"/>
+          </a:xfrm>
+          <a:prstGeom prst="rect">
+            <a:avLst/>
+          </a:prstGeom>
+          <a:noFill/>
+        </p:spPr>
+        <p:txBody>
+          <a:bodyPr wrap="square" rtlCol="0">
+            <a:spAutoFit/>
+          </a:bodyPr>
+          <a:lstStyle/>
+          <a:p>
+            <a:r>
+              <a:rPr lang="en-DE" dirty="0">
+                <a:solidFill>
+                  <a:srgbClr val="FF0000"/>
+                </a:solidFill>
+              </a:rPr>
+              <a:t>Normalization to account for cell number ?</a:t>
+            </a:r>
+          </a:p>
+        </p:txBody>
+      </p:sp>
+      <p:pic>
+        <p:nvPicPr>
+          <p:cNvPr id="37" name="Picture 36">
+            <a:extLst>
+              <a:ext uri="{FF2B5EF4-FFF2-40B4-BE49-F238E27FC236}">
+                <a16:creationId xmlns:a16="http://schemas.microsoft.com/office/drawing/2014/main" id="{7A940911-23A3-1124-C25B-CF078A9E0E73}"/>
+              </a:ext>
+            </a:extLst>
+          </p:cNvPr>
+          <p:cNvPicPr>
+            <a:picLocks noChangeAspect="1"/>
+          </p:cNvPicPr>
+          <p:nvPr/>
+        </p:nvPicPr>
+        <p:blipFill>
+          <a:blip r:embed="rId4"/>
+          <a:stretch>
+            <a:fillRect/>
+          </a:stretch>
+        </p:blipFill>
+        <p:spPr>
+          <a:xfrm>
+            <a:off x="6750765" y="1012501"/>
+            <a:ext cx="5328012" cy="3538261"/>
+          </a:xfrm>
+          <a:prstGeom prst="rect">
+            <a:avLst/>
+          </a:prstGeom>
+        </p:spPr>
+      </p:pic>
+      <p:sp>
+        <p:nvSpPr>
+          <p:cNvPr id="40" name="TextBox 39">
+            <a:extLst>
+              <a:ext uri="{FF2B5EF4-FFF2-40B4-BE49-F238E27FC236}">
+                <a16:creationId xmlns:a16="http://schemas.microsoft.com/office/drawing/2014/main" id="{BF43FC52-1879-9EAB-A2E4-DB8BD656A5E2}"/>
+              </a:ext>
+            </a:extLst>
+          </p:cNvPr>
+          <p:cNvSpPr txBox="1"/>
+          <p:nvPr/>
+        </p:nvSpPr>
+        <p:spPr>
+          <a:xfrm>
+            <a:off x="10023638" y="4848497"/>
+            <a:ext cx="1738302" cy="923330"/>
+          </a:xfrm>
+          <a:prstGeom prst="rect">
+            <a:avLst/>
+          </a:prstGeom>
+          <a:noFill/>
+        </p:spPr>
+        <p:txBody>
+          <a:bodyPr wrap="square" rtlCol="0">
+            <a:spAutoFit/>
+          </a:bodyPr>
+          <a:lstStyle/>
+          <a:p>
+            <a:r>
+              <a:rPr lang="en-DE" dirty="0"/>
+              <a:t>Pseudo bulk ATAC read count</a:t>
+            </a:r>
+          </a:p>
+          <a:p>
+            <a:r>
+              <a:rPr lang="en-DE" dirty="0"/>
+              <a:t>-&gt; discrete</a:t>
+            </a:r>
+          </a:p>
+        </p:txBody>
+      </p:sp>
+      <p:cxnSp>
+        <p:nvCxnSpPr>
+          <p:cNvPr id="51" name="Straight Arrow Connector 50">
+            <a:extLst>
+              <a:ext uri="{FF2B5EF4-FFF2-40B4-BE49-F238E27FC236}">
+                <a16:creationId xmlns:a16="http://schemas.microsoft.com/office/drawing/2014/main" id="{38478BE7-C464-68A2-B459-C0EAF2434F61}"/>
+              </a:ext>
+            </a:extLst>
+          </p:cNvPr>
+          <p:cNvCxnSpPr>
+            <a:cxnSpLocks/>
+          </p:cNvCxnSpPr>
+          <p:nvPr/>
+        </p:nvCxnSpPr>
+        <p:spPr>
+          <a:xfrm>
+            <a:off x="10371550" y="4080886"/>
+            <a:ext cx="0" cy="713885"/>
+          </a:xfrm>
+          <a:prstGeom prst="straightConnector1">
+            <a:avLst/>
+          </a:prstGeom>
+          <a:ln>
+            <a:tailEnd type="triangle"/>
+          </a:ln>
+        </p:spPr>
+        <p:style>
+          <a:lnRef idx="3">
+            <a:schemeClr val="accent2"/>
+          </a:lnRef>
+          <a:fillRef idx="0">
+            <a:schemeClr val="accent2"/>
+          </a:fillRef>
+          <a:effectRef idx="2">
+            <a:schemeClr val="accent2"/>
+          </a:effectRef>
+          <a:fontRef idx="minor">
+            <a:schemeClr val="tx1"/>
+          </a:fontRef>
+        </p:style>
+      </p:cxnSp>
+      <p:sp>
+        <p:nvSpPr>
+          <p:cNvPr id="53" name="TextBox 52">
+            <a:extLst>
+              <a:ext uri="{FF2B5EF4-FFF2-40B4-BE49-F238E27FC236}">
+                <a16:creationId xmlns:a16="http://schemas.microsoft.com/office/drawing/2014/main" id="{A01A3595-2736-7D4F-546B-60751D571C73}"/>
+              </a:ext>
+            </a:extLst>
+          </p:cNvPr>
+          <p:cNvSpPr txBox="1"/>
+          <p:nvPr/>
+        </p:nvSpPr>
+        <p:spPr>
+          <a:xfrm>
+            <a:off x="4780997" y="280923"/>
+            <a:ext cx="2873829" cy="369332"/>
+          </a:xfrm>
+          <a:prstGeom prst="rect">
+            <a:avLst/>
+          </a:prstGeom>
+          <a:noFill/>
+        </p:spPr>
+        <p:txBody>
+          <a:bodyPr wrap="square" rtlCol="0">
+            <a:spAutoFit/>
+          </a:bodyPr>
+          <a:lstStyle/>
+          <a:p>
+            <a:r>
+              <a:rPr lang="en-DE" dirty="0"/>
+              <a:t>ATAC pseudo bulk</a:t>
+            </a:r>
+          </a:p>
+        </p:txBody>
+      </p:sp>
+    </p:spTree>
+    <p:extLst>
+      <p:ext uri="{BB962C8B-B14F-4D97-AF65-F5344CB8AC3E}">
+        <p14:creationId xmlns:p14="http://schemas.microsoft.com/office/powerpoint/2010/main" val="563429381"/>
+      </p:ext>
+    </p:extLst>
+  </p:cSld>
+  <p:clrMapOvr>
+    <a:masterClrMapping/>
+  </p:clrMapOvr>
+</p:sld>
+</file>
+
+<file path=ppt/slides/slide2.xml><?xml version="1.0" encoding="utf-8"?>
+<p:sld xmlns:a="http://schemas.openxmlformats.org/drawingml/2006/main" xmlns:r="http://schemas.openxmlformats.org/officeDocument/2006/relationships" xmlns:p="http://schemas.openxmlformats.org/presentationml/2006/main">
+  <p:cSld>
+    <p:spTree>
+      <p:nvGrpSpPr>
+        <p:cNvPr id="1" name=""/>
+        <p:cNvGrpSpPr/>
+        <p:nvPr/>
+      </p:nvGrpSpPr>
+      <p:grpSpPr>
+        <a:xfrm>
+          <a:off x="0" y="0"/>
+          <a:ext cx="0" cy="0"/>
+          <a:chOff x="0" y="0"/>
+          <a:chExt cx="0" cy="0"/>
+        </a:xfrm>
+      </p:grpSpPr>
+      <p:sp>
+        <p:nvSpPr>
+          <p:cNvPr id="42" name="TextBox 41">
+            <a:extLst>
+              <a:ext uri="{FF2B5EF4-FFF2-40B4-BE49-F238E27FC236}">
+                <a16:creationId xmlns:a16="http://schemas.microsoft.com/office/drawing/2014/main" id="{52B405B1-70C1-43A7-38FE-57517608F61E}"/>
+              </a:ext>
+            </a:extLst>
+          </p:cNvPr>
+          <p:cNvSpPr txBox="1"/>
+          <p:nvPr/>
+        </p:nvSpPr>
+        <p:spPr>
+          <a:xfrm>
+            <a:off x="501905" y="313987"/>
+            <a:ext cx="4082335" cy="1477328"/>
+          </a:xfrm>
+          <a:prstGeom prst="rect">
+            <a:avLst/>
+          </a:prstGeom>
+          <a:noFill/>
+        </p:spPr>
+        <p:txBody>
+          <a:bodyPr wrap="square" rtlCol="0">
+            <a:spAutoFit/>
+          </a:bodyPr>
+          <a:lstStyle/>
+          <a:p>
+            <a:r>
+              <a:rPr lang="en-US" dirty="0">
+                <a:solidFill>
+                  <a:srgbClr val="FF0000"/>
+                </a:solidFill>
+              </a:rPr>
+              <a:t>Aggregate for some time + cell type -&gt; very few cells. Do still keep those pseudo bulk? Probably not enough cells to be good estimate of tracks</a:t>
+            </a:r>
+          </a:p>
+          <a:p>
+            <a:endParaRPr lang="en-US" dirty="0">
+              <a:solidFill>
+                <a:srgbClr val="FF0000"/>
+              </a:solidFill>
+            </a:endParaRPr>
+          </a:p>
+        </p:txBody>
+      </p:sp>
+      <p:pic>
+        <p:nvPicPr>
+          <p:cNvPr id="43" name="Picture 42">
+            <a:extLst>
+              <a:ext uri="{FF2B5EF4-FFF2-40B4-BE49-F238E27FC236}">
+                <a16:creationId xmlns:a16="http://schemas.microsoft.com/office/drawing/2014/main" id="{07ACBEA1-61B0-2332-6B01-6B6F7D711644}"/>
+              </a:ext>
+            </a:extLst>
+          </p:cNvPr>
+          <p:cNvPicPr>
+            <a:picLocks noChangeAspect="1"/>
+          </p:cNvPicPr>
+          <p:nvPr/>
+        </p:nvPicPr>
+        <p:blipFill>
+          <a:blip r:embed="rId2"/>
+          <a:stretch>
+            <a:fillRect/>
+          </a:stretch>
+        </p:blipFill>
+        <p:spPr>
+          <a:xfrm>
+            <a:off x="174142" y="2160647"/>
+            <a:ext cx="2857157" cy="3580457"/>
+          </a:xfrm>
+          <a:prstGeom prst="rect">
+            <a:avLst/>
+          </a:prstGeom>
+        </p:spPr>
+      </p:pic>
+      <p:sp>
+        <p:nvSpPr>
+          <p:cNvPr id="44" name="TextBox 43">
+            <a:extLst>
+              <a:ext uri="{FF2B5EF4-FFF2-40B4-BE49-F238E27FC236}">
+                <a16:creationId xmlns:a16="http://schemas.microsoft.com/office/drawing/2014/main" id="{7FF6EB3C-8685-6D34-D21E-CBEF65948F6E}"/>
+              </a:ext>
+            </a:extLst>
+          </p:cNvPr>
+          <p:cNvSpPr txBox="1"/>
+          <p:nvPr/>
+        </p:nvSpPr>
+        <p:spPr>
+          <a:xfrm>
+            <a:off x="1405749" y="1791315"/>
+            <a:ext cx="924728" cy="369332"/>
+          </a:xfrm>
+          <a:prstGeom prst="rect">
+            <a:avLst/>
+          </a:prstGeom>
+          <a:noFill/>
+        </p:spPr>
+        <p:txBody>
+          <a:bodyPr wrap="square" rtlCol="0">
+            <a:spAutoFit/>
+          </a:bodyPr>
+          <a:lstStyle/>
+          <a:p>
+            <a:r>
+              <a:rPr lang="en-US" dirty="0"/>
+              <a:t>Day8_1</a:t>
+            </a:r>
+            <a:endParaRPr lang="en-DE" dirty="0"/>
+          </a:p>
+        </p:txBody>
+      </p:sp>
+      <p:pic>
+        <p:nvPicPr>
+          <p:cNvPr id="45" name="Picture 44">
+            <a:extLst>
+              <a:ext uri="{FF2B5EF4-FFF2-40B4-BE49-F238E27FC236}">
+                <a16:creationId xmlns:a16="http://schemas.microsoft.com/office/drawing/2014/main" id="{92AB9F29-D327-6626-7E80-DEACA0AAAE38}"/>
+              </a:ext>
+            </a:extLst>
+          </p:cNvPr>
+          <p:cNvPicPr>
+            <a:picLocks noChangeAspect="1"/>
+          </p:cNvPicPr>
+          <p:nvPr/>
+        </p:nvPicPr>
+        <p:blipFill>
+          <a:blip r:embed="rId3"/>
+          <a:stretch>
+            <a:fillRect/>
+          </a:stretch>
+        </p:blipFill>
+        <p:spPr>
+          <a:xfrm>
+            <a:off x="6457651" y="2089709"/>
+            <a:ext cx="2861713" cy="3722332"/>
+          </a:xfrm>
+          <a:prstGeom prst="rect">
+            <a:avLst/>
+          </a:prstGeom>
+        </p:spPr>
+      </p:pic>
+      <p:sp>
+        <p:nvSpPr>
+          <p:cNvPr id="46" name="TextBox 45">
+            <a:extLst>
+              <a:ext uri="{FF2B5EF4-FFF2-40B4-BE49-F238E27FC236}">
+                <a16:creationId xmlns:a16="http://schemas.microsoft.com/office/drawing/2014/main" id="{752FEE45-A8A9-8F77-B15F-EF4FA53B03C0}"/>
+              </a:ext>
+            </a:extLst>
+          </p:cNvPr>
+          <p:cNvSpPr txBox="1"/>
+          <p:nvPr/>
+        </p:nvSpPr>
+        <p:spPr>
+          <a:xfrm>
+            <a:off x="7396843" y="1710360"/>
+            <a:ext cx="1139414" cy="369332"/>
+          </a:xfrm>
+          <a:prstGeom prst="rect">
+            <a:avLst/>
+          </a:prstGeom>
+          <a:noFill/>
+        </p:spPr>
+        <p:txBody>
+          <a:bodyPr wrap="square" rtlCol="0">
+            <a:spAutoFit/>
+          </a:bodyPr>
+          <a:lstStyle/>
+          <a:p>
+            <a:r>
+              <a:rPr lang="en-US" dirty="0"/>
+              <a:t>Day20_1</a:t>
+            </a:r>
+            <a:endParaRPr lang="en-DE" dirty="0"/>
+          </a:p>
+        </p:txBody>
+      </p:sp>
+      <p:pic>
+        <p:nvPicPr>
+          <p:cNvPr id="47" name="Picture 46">
+            <a:extLst>
+              <a:ext uri="{FF2B5EF4-FFF2-40B4-BE49-F238E27FC236}">
+                <a16:creationId xmlns:a16="http://schemas.microsoft.com/office/drawing/2014/main" id="{16FE7F0B-0280-4FEA-8107-1096110FE0CC}"/>
+              </a:ext>
+            </a:extLst>
+          </p:cNvPr>
+          <p:cNvPicPr>
+            <a:picLocks noChangeAspect="1"/>
+          </p:cNvPicPr>
+          <p:nvPr/>
+        </p:nvPicPr>
+        <p:blipFill>
+          <a:blip r:embed="rId4"/>
+          <a:stretch>
+            <a:fillRect/>
+          </a:stretch>
+        </p:blipFill>
+        <p:spPr>
+          <a:xfrm>
+            <a:off x="9369129" y="2268754"/>
+            <a:ext cx="2822871" cy="3506117"/>
+          </a:xfrm>
+          <a:prstGeom prst="rect">
+            <a:avLst/>
+          </a:prstGeom>
+        </p:spPr>
+      </p:pic>
+      <p:sp>
+        <p:nvSpPr>
+          <p:cNvPr id="48" name="TextBox 47">
+            <a:extLst>
+              <a:ext uri="{FF2B5EF4-FFF2-40B4-BE49-F238E27FC236}">
+                <a16:creationId xmlns:a16="http://schemas.microsoft.com/office/drawing/2014/main" id="{AAC8A5EB-20FD-C5AF-AEF0-3D94CCE4DB71}"/>
+              </a:ext>
+            </a:extLst>
+          </p:cNvPr>
+          <p:cNvSpPr txBox="1"/>
+          <p:nvPr/>
+        </p:nvSpPr>
+        <p:spPr>
+          <a:xfrm>
+            <a:off x="10336279" y="1710360"/>
+            <a:ext cx="1139414" cy="369332"/>
+          </a:xfrm>
+          <a:prstGeom prst="rect">
+            <a:avLst/>
+          </a:prstGeom>
+          <a:noFill/>
+        </p:spPr>
+        <p:txBody>
+          <a:bodyPr wrap="square" rtlCol="0">
+            <a:spAutoFit/>
+          </a:bodyPr>
+          <a:lstStyle/>
+          <a:p>
+            <a:r>
+              <a:rPr lang="en-US" dirty="0"/>
+              <a:t>Day22_1</a:t>
+            </a:r>
+            <a:endParaRPr lang="en-DE" dirty="0"/>
+          </a:p>
+        </p:txBody>
+      </p:sp>
+      <p:sp>
+        <p:nvSpPr>
+          <p:cNvPr id="49" name="TextBox 48">
+            <a:extLst>
+              <a:ext uri="{FF2B5EF4-FFF2-40B4-BE49-F238E27FC236}">
+                <a16:creationId xmlns:a16="http://schemas.microsoft.com/office/drawing/2014/main" id="{54B1042C-2D5B-C202-609D-B02867EAE894}"/>
+              </a:ext>
+            </a:extLst>
+          </p:cNvPr>
+          <p:cNvSpPr txBox="1"/>
+          <p:nvPr/>
+        </p:nvSpPr>
+        <p:spPr>
+          <a:xfrm>
+            <a:off x="4171169" y="1669372"/>
+            <a:ext cx="1682802" cy="369332"/>
+          </a:xfrm>
+          <a:prstGeom prst="rect">
+            <a:avLst/>
+          </a:prstGeom>
+          <a:noFill/>
+        </p:spPr>
+        <p:txBody>
+          <a:bodyPr wrap="square" rtlCol="0">
+            <a:spAutoFit/>
+          </a:bodyPr>
+          <a:lstStyle/>
+          <a:p>
+            <a:r>
+              <a:rPr lang="en-US" dirty="0"/>
+              <a:t>Day12_1</a:t>
+            </a:r>
+            <a:endParaRPr lang="en-DE" dirty="0"/>
+          </a:p>
+        </p:txBody>
+      </p:sp>
+      <p:pic>
+        <p:nvPicPr>
+          <p:cNvPr id="50" name="Picture 49">
+            <a:extLst>
+              <a:ext uri="{FF2B5EF4-FFF2-40B4-BE49-F238E27FC236}">
+                <a16:creationId xmlns:a16="http://schemas.microsoft.com/office/drawing/2014/main" id="{9022085E-B59E-9647-A2AF-BABB16CFE587}"/>
+              </a:ext>
+            </a:extLst>
+          </p:cNvPr>
+          <p:cNvPicPr>
+            <a:picLocks noChangeAspect="1"/>
+          </p:cNvPicPr>
+          <p:nvPr/>
+        </p:nvPicPr>
+        <p:blipFill>
+          <a:blip r:embed="rId5"/>
+          <a:stretch>
+            <a:fillRect/>
+          </a:stretch>
+        </p:blipFill>
+        <p:spPr>
+          <a:xfrm>
+            <a:off x="3189183" y="2160647"/>
+            <a:ext cx="3110584" cy="3722333"/>
+          </a:xfrm>
+          <a:prstGeom prst="rect">
+            <a:avLst/>
+          </a:prstGeom>
+        </p:spPr>
+      </p:pic>
+    </p:spTree>
+    <p:extLst>
+      <p:ext uri="{BB962C8B-B14F-4D97-AF65-F5344CB8AC3E}">
+        <p14:creationId xmlns:p14="http://schemas.microsoft.com/office/powerpoint/2010/main" val="2000836063"/>
+      </p:ext>
+    </p:extLst>
+  </p:cSld>
+  <p:clrMapOvr>
+    <a:masterClrMapping/>
+  </p:clrMapOvr>
+</p:sld>
+</file>
+
+<file path=ppt/slides/slide3.xml><?xml version="1.0" encoding="utf-8"?>
+<p:sld xmlns:a="http://schemas.openxmlformats.org/drawingml/2006/main" xmlns:r="http://schemas.openxmlformats.org/officeDocument/2006/relationships" xmlns:p="http://schemas.openxmlformats.org/presentationml/2006/main">
+  <p:cSld>
+    <p:spTree>
+      <p:nvGrpSpPr>
+        <p:cNvPr id="1" name=""/>
+        <p:cNvGrpSpPr/>
+        <p:nvPr/>
+      </p:nvGrpSpPr>
+      <p:grpSpPr>
+        <a:xfrm>
+          <a:off x="0" y="0"/>
+          <a:ext cx="0" cy="0"/>
+          <a:chOff x="0" y="0"/>
+          <a:chExt cx="0" cy="0"/>
+        </a:xfrm>
+      </p:grpSpPr>
+      <mc:AlternateContent xmlns:mc="http://schemas.openxmlformats.org/markup-compatibility/2006">
+        <mc:Choice xmlns:a14="http://schemas.microsoft.com/office/drawing/2010/main" Requires="a14">
+          <p:sp>
+            <p:nvSpPr>
               <p:cNvPr id="6" name="TextBox 5">
                 <a:extLst>
                   <a:ext uri="{FF2B5EF4-FFF2-40B4-BE49-F238E27FC236}">
@@ -3374,7 +5178,7 @@
             </p:nvSpPr>
             <p:spPr>
               <a:xfrm>
-                <a:off x="7306126" y="2841057"/>
+                <a:off x="7848996" y="2559587"/>
                 <a:ext cx="3442949" cy="963662"/>
               </a:xfrm>
               <a:prstGeom prst="rect">
@@ -3575,7 +5379,7 @@
             </p:nvSpPr>
             <p:spPr>
               <a:xfrm>
-                <a:off x="7306126" y="2841057"/>
+                <a:off x="7848996" y="2559587"/>
                 <a:ext cx="3442949" cy="963662"/>
               </a:xfrm>
               <a:prstGeom prst="rect">
@@ -3617,7 +5421,7 @@
         </p:nvSpPr>
         <p:spPr>
           <a:xfrm>
-            <a:off x="5006027" y="2923428"/>
+            <a:off x="5548897" y="2641958"/>
             <a:ext cx="1295399" cy="369332"/>
           </a:xfrm>
           <a:prstGeom prst="rect">
@@ -3652,7 +5456,7 @@
         </p:nvSpPr>
         <p:spPr>
           <a:xfrm>
-            <a:off x="290484" y="2455173"/>
+            <a:off x="833354" y="2173703"/>
             <a:ext cx="1586590" cy="369332"/>
           </a:xfrm>
           <a:prstGeom prst="rect">
@@ -3677,14 +5481,1135 @@
           </a:p>
         </p:txBody>
       </p:sp>
+      <p:sp>
+        <p:nvSpPr>
+          <p:cNvPr id="29" name="TextBox 28">
+            <a:extLst>
+              <a:ext uri="{FF2B5EF4-FFF2-40B4-BE49-F238E27FC236}">
+                <a16:creationId xmlns:a16="http://schemas.microsoft.com/office/drawing/2014/main" id="{8453E532-96C5-6A1F-94FF-66A2B6CE91D4}"/>
+              </a:ext>
+            </a:extLst>
+          </p:cNvPr>
+          <p:cNvSpPr txBox="1"/>
+          <p:nvPr/>
+        </p:nvSpPr>
+        <p:spPr>
+          <a:xfrm>
+            <a:off x="3507039" y="2227049"/>
+            <a:ext cx="2405615" cy="646331"/>
+          </a:xfrm>
+          <a:prstGeom prst="rect">
+            <a:avLst/>
+          </a:prstGeom>
+          <a:noFill/>
+        </p:spPr>
+        <p:txBody>
+          <a:bodyPr wrap="square" rtlCol="0">
+            <a:spAutoFit/>
+          </a:bodyPr>
+          <a:lstStyle/>
+          <a:p>
+            <a:r>
+              <a:rPr lang="en-US" dirty="0"/>
+              <a:t>Get sequence on reference genome </a:t>
+            </a:r>
+            <a:endParaRPr lang="en-DE" dirty="0"/>
+          </a:p>
+        </p:txBody>
+      </p:sp>
+      <p:sp>
+        <p:nvSpPr>
+          <p:cNvPr id="30" name="TextBox 29">
+            <a:extLst>
+              <a:ext uri="{FF2B5EF4-FFF2-40B4-BE49-F238E27FC236}">
+                <a16:creationId xmlns:a16="http://schemas.microsoft.com/office/drawing/2014/main" id="{CA78B0D8-1F6B-C0CC-9077-4B982F82644E}"/>
+              </a:ext>
+            </a:extLst>
+          </p:cNvPr>
+          <p:cNvSpPr txBox="1"/>
+          <p:nvPr/>
+        </p:nvSpPr>
+        <p:spPr>
+          <a:xfrm>
+            <a:off x="6775151" y="2500162"/>
+            <a:ext cx="2405615" cy="369332"/>
+          </a:xfrm>
+          <a:prstGeom prst="rect">
+            <a:avLst/>
+          </a:prstGeom>
+          <a:noFill/>
+        </p:spPr>
+        <p:txBody>
+          <a:bodyPr wrap="square" rtlCol="0">
+            <a:spAutoFit/>
+          </a:bodyPr>
+          <a:lstStyle/>
+          <a:p>
+            <a:r>
+              <a:rPr lang="en-US" dirty="0"/>
+              <a:t>One hot encode it </a:t>
+            </a:r>
+            <a:endParaRPr lang="en-DE" dirty="0"/>
+          </a:p>
+        </p:txBody>
+      </p:sp>
+      <p:cxnSp>
+        <p:nvCxnSpPr>
+          <p:cNvPr id="31" name="Straight Arrow Connector 30">
+            <a:extLst>
+              <a:ext uri="{FF2B5EF4-FFF2-40B4-BE49-F238E27FC236}">
+                <a16:creationId xmlns:a16="http://schemas.microsoft.com/office/drawing/2014/main" id="{9B4941F9-379C-88A3-BB06-807E3283B9CE}"/>
+              </a:ext>
+            </a:extLst>
+          </p:cNvPr>
+          <p:cNvCxnSpPr>
+            <a:cxnSpLocks/>
+          </p:cNvCxnSpPr>
+          <p:nvPr/>
+        </p:nvCxnSpPr>
+        <p:spPr>
+          <a:xfrm>
+            <a:off x="6806718" y="2976792"/>
+            <a:ext cx="1860267" cy="0"/>
+          </a:xfrm>
+          <a:prstGeom prst="straightConnector1">
+            <a:avLst/>
+          </a:prstGeom>
+          <a:ln>
+            <a:tailEnd type="triangle"/>
+          </a:ln>
+        </p:spPr>
+        <p:style>
+          <a:lnRef idx="3">
+            <a:schemeClr val="dk1"/>
+          </a:lnRef>
+          <a:fillRef idx="0">
+            <a:schemeClr val="dk1"/>
+          </a:fillRef>
+          <a:effectRef idx="2">
+            <a:schemeClr val="dk1"/>
+          </a:effectRef>
+          <a:fontRef idx="minor">
+            <a:schemeClr val="tx1"/>
+          </a:fontRef>
+        </p:style>
+      </p:cxnSp>
+      <p:sp>
+        <p:nvSpPr>
+          <p:cNvPr id="32" name="TextBox 31">
+            <a:extLst>
+              <a:ext uri="{FF2B5EF4-FFF2-40B4-BE49-F238E27FC236}">
+                <a16:creationId xmlns:a16="http://schemas.microsoft.com/office/drawing/2014/main" id="{8BFE0A41-93DD-2E64-61C5-2AA4204F3B0A}"/>
+              </a:ext>
+            </a:extLst>
+          </p:cNvPr>
+          <p:cNvSpPr txBox="1"/>
+          <p:nvPr/>
+        </p:nvSpPr>
+        <p:spPr>
+          <a:xfrm>
+            <a:off x="719589" y="2757399"/>
+            <a:ext cx="2532327" cy="369332"/>
+          </a:xfrm>
+          <a:prstGeom prst="rect">
+            <a:avLst/>
+          </a:prstGeom>
+          <a:noFill/>
+        </p:spPr>
+        <p:txBody>
+          <a:bodyPr wrap="square" rtlCol="0">
+            <a:spAutoFit/>
+          </a:bodyPr>
+          <a:lstStyle/>
+          <a:p>
+            <a:r>
+              <a:rPr lang="en-US" dirty="0"/>
+              <a:t>Chr 10: 902758- 902820</a:t>
+            </a:r>
+            <a:endParaRPr lang="en-DE" dirty="0"/>
+          </a:p>
+        </p:txBody>
+      </p:sp>
+      <p:cxnSp>
+        <p:nvCxnSpPr>
+          <p:cNvPr id="33" name="Straight Arrow Connector 32">
+            <a:extLst>
+              <a:ext uri="{FF2B5EF4-FFF2-40B4-BE49-F238E27FC236}">
+                <a16:creationId xmlns:a16="http://schemas.microsoft.com/office/drawing/2014/main" id="{E433FAF1-A79A-7C1C-370E-6E30210FF251}"/>
+              </a:ext>
+            </a:extLst>
+          </p:cNvPr>
+          <p:cNvCxnSpPr>
+            <a:cxnSpLocks/>
+          </p:cNvCxnSpPr>
+          <p:nvPr/>
+        </p:nvCxnSpPr>
+        <p:spPr>
+          <a:xfrm>
+            <a:off x="3535859" y="2969285"/>
+            <a:ext cx="1860267" cy="0"/>
+          </a:xfrm>
+          <a:prstGeom prst="straightConnector1">
+            <a:avLst/>
+          </a:prstGeom>
+          <a:ln>
+            <a:tailEnd type="triangle"/>
+          </a:ln>
+        </p:spPr>
+        <p:style>
+          <a:lnRef idx="3">
+            <a:schemeClr val="dk1"/>
+          </a:lnRef>
+          <a:fillRef idx="0">
+            <a:schemeClr val="dk1"/>
+          </a:fillRef>
+          <a:effectRef idx="2">
+            <a:schemeClr val="dk1"/>
+          </a:effectRef>
+          <a:fontRef idx="minor">
+            <a:schemeClr val="tx1"/>
+          </a:fontRef>
+        </p:style>
+      </p:cxnSp>
+      <p:sp>
+        <p:nvSpPr>
+          <p:cNvPr id="34" name="TextBox 33">
+            <a:extLst>
+              <a:ext uri="{FF2B5EF4-FFF2-40B4-BE49-F238E27FC236}">
+                <a16:creationId xmlns:a16="http://schemas.microsoft.com/office/drawing/2014/main" id="{F1C2AB30-6C4E-CF40-4A21-987EDB665495}"/>
+              </a:ext>
+            </a:extLst>
+          </p:cNvPr>
+          <p:cNvSpPr txBox="1"/>
+          <p:nvPr/>
+        </p:nvSpPr>
+        <p:spPr>
+          <a:xfrm>
+            <a:off x="3211276" y="3183882"/>
+            <a:ext cx="3818582" cy="646331"/>
+          </a:xfrm>
+          <a:prstGeom prst="rect">
+            <a:avLst/>
+          </a:prstGeom>
+          <a:noFill/>
+        </p:spPr>
+        <p:txBody>
+          <a:bodyPr wrap="square" rtlCol="0">
+            <a:spAutoFit/>
+          </a:bodyPr>
+          <a:lstStyle/>
+          <a:p>
+            <a:r>
+              <a:rPr lang="en-US" dirty="0">
+                <a:solidFill>
+                  <a:srgbClr val="FF0000"/>
+                </a:solidFill>
+              </a:rPr>
+              <a:t>Which sequence do we use?</a:t>
+            </a:r>
+          </a:p>
+          <a:p>
+            <a:pPr marL="285750" indent="-285750">
+              <a:buFont typeface="Wingdings" pitchFamily="2" charset="2"/>
+              <a:buChar char="è"/>
+            </a:pPr>
+            <a:r>
+              <a:rPr lang="en-US" dirty="0"/>
+              <a:t>Exact length around center peak</a:t>
+            </a:r>
+          </a:p>
+        </p:txBody>
+      </p:sp>
+      <p:sp>
+        <p:nvSpPr>
+          <p:cNvPr id="36" name="TextBox 35">
+            <a:extLst>
+              <a:ext uri="{FF2B5EF4-FFF2-40B4-BE49-F238E27FC236}">
+                <a16:creationId xmlns:a16="http://schemas.microsoft.com/office/drawing/2014/main" id="{7C176929-B274-4F5A-2AB0-0B2BAC47985C}"/>
+              </a:ext>
+            </a:extLst>
+          </p:cNvPr>
+          <p:cNvSpPr txBox="1"/>
+          <p:nvPr/>
+        </p:nvSpPr>
+        <p:spPr>
+          <a:xfrm>
+            <a:off x="8248827" y="3712055"/>
+            <a:ext cx="3442950" cy="646331"/>
+          </a:xfrm>
+          <a:prstGeom prst="rect">
+            <a:avLst/>
+          </a:prstGeom>
+          <a:noFill/>
+        </p:spPr>
+        <p:txBody>
+          <a:bodyPr wrap="square" rtlCol="0">
+            <a:spAutoFit/>
+          </a:bodyPr>
+          <a:lstStyle/>
+          <a:p>
+            <a:r>
+              <a:rPr lang="en-US" dirty="0">
+                <a:solidFill>
+                  <a:srgbClr val="FF0000"/>
+                </a:solidFill>
+              </a:rPr>
+              <a:t>What to do with the N in the sequences?</a:t>
+            </a:r>
+          </a:p>
+        </p:txBody>
+      </p:sp>
+      <p:sp>
+        <p:nvSpPr>
+          <p:cNvPr id="41" name="TextBox 40">
+            <a:extLst>
+              <a:ext uri="{FF2B5EF4-FFF2-40B4-BE49-F238E27FC236}">
+                <a16:creationId xmlns:a16="http://schemas.microsoft.com/office/drawing/2014/main" id="{15DF3F34-A618-FC78-9807-035D8256E199}"/>
+              </a:ext>
+            </a:extLst>
+          </p:cNvPr>
+          <p:cNvSpPr txBox="1"/>
+          <p:nvPr/>
+        </p:nvSpPr>
+        <p:spPr>
+          <a:xfrm>
+            <a:off x="383657" y="3176375"/>
+            <a:ext cx="4082335" cy="923330"/>
+          </a:xfrm>
+          <a:prstGeom prst="rect">
+            <a:avLst/>
+          </a:prstGeom>
+          <a:noFill/>
+        </p:spPr>
+        <p:txBody>
+          <a:bodyPr wrap="square" rtlCol="0">
+            <a:spAutoFit/>
+          </a:bodyPr>
+          <a:lstStyle/>
+          <a:p>
+            <a:r>
+              <a:rPr lang="en-US" dirty="0">
+                <a:solidFill>
+                  <a:srgbClr val="FF0000"/>
+                </a:solidFill>
+              </a:rPr>
+              <a:t>Exclude sex chromosomes? </a:t>
+            </a:r>
+          </a:p>
+          <a:p>
+            <a:endParaRPr lang="en-US" dirty="0">
+              <a:solidFill>
+                <a:srgbClr val="FF0000"/>
+              </a:solidFill>
+            </a:endParaRPr>
+          </a:p>
+          <a:p>
+            <a:endParaRPr lang="en-US" dirty="0">
+              <a:solidFill>
+                <a:srgbClr val="FF0000"/>
+              </a:solidFill>
+            </a:endParaRPr>
+          </a:p>
+        </p:txBody>
+      </p:sp>
+      <p:sp>
+        <p:nvSpPr>
+          <p:cNvPr id="2" name="TextBox 1">
+            <a:extLst>
+              <a:ext uri="{FF2B5EF4-FFF2-40B4-BE49-F238E27FC236}">
+                <a16:creationId xmlns:a16="http://schemas.microsoft.com/office/drawing/2014/main" id="{91306CFE-66FF-61D5-8183-800D383F5BD0}"/>
+              </a:ext>
+            </a:extLst>
+          </p:cNvPr>
+          <p:cNvSpPr txBox="1"/>
+          <p:nvPr/>
+        </p:nvSpPr>
+        <p:spPr>
+          <a:xfrm>
+            <a:off x="2692816" y="1651114"/>
+            <a:ext cx="4082335" cy="923330"/>
+          </a:xfrm>
+          <a:prstGeom prst="rect">
+            <a:avLst/>
+          </a:prstGeom>
+          <a:noFill/>
+        </p:spPr>
+        <p:txBody>
+          <a:bodyPr wrap="square" rtlCol="0">
+            <a:spAutoFit/>
+          </a:bodyPr>
+          <a:lstStyle/>
+          <a:p>
+            <a:r>
+              <a:rPr lang="en-US" dirty="0">
+                <a:solidFill>
+                  <a:srgbClr val="FF0000"/>
+                </a:solidFill>
+              </a:rPr>
+              <a:t>Reference genome: hg38?</a:t>
+            </a:r>
+          </a:p>
+          <a:p>
+            <a:endParaRPr lang="en-US" dirty="0">
+              <a:solidFill>
+                <a:srgbClr val="FF0000"/>
+              </a:solidFill>
+            </a:endParaRPr>
+          </a:p>
+          <a:p>
+            <a:endParaRPr lang="en-US" dirty="0">
+              <a:solidFill>
+                <a:srgbClr val="FF0000"/>
+              </a:solidFill>
+            </a:endParaRPr>
+          </a:p>
+        </p:txBody>
+      </p:sp>
+      <p:sp>
+        <p:nvSpPr>
+          <p:cNvPr id="3" name="TextBox 2">
+            <a:extLst>
+              <a:ext uri="{FF2B5EF4-FFF2-40B4-BE49-F238E27FC236}">
+                <a16:creationId xmlns:a16="http://schemas.microsoft.com/office/drawing/2014/main" id="{7603108D-9D56-E958-21AF-232B9AED9D6F}"/>
+              </a:ext>
+            </a:extLst>
+          </p:cNvPr>
+          <p:cNvSpPr txBox="1"/>
+          <p:nvPr/>
+        </p:nvSpPr>
+        <p:spPr>
+          <a:xfrm>
+            <a:off x="4499787" y="285800"/>
+            <a:ext cx="2867848" cy="369332"/>
+          </a:xfrm>
+          <a:prstGeom prst="rect">
+            <a:avLst/>
+          </a:prstGeom>
+          <a:noFill/>
+        </p:spPr>
+        <p:txBody>
+          <a:bodyPr wrap="square" rtlCol="0">
+            <a:spAutoFit/>
+          </a:bodyPr>
+          <a:lstStyle/>
+          <a:p>
+            <a:r>
+              <a:rPr lang="en-US" dirty="0"/>
+              <a:t>Extract sequence from peak</a:t>
+            </a:r>
+            <a:endParaRPr lang="en-DE" dirty="0"/>
+          </a:p>
+        </p:txBody>
+      </p:sp>
+      <p:sp>
+        <p:nvSpPr>
+          <p:cNvPr id="4" name="TextBox 3">
+            <a:extLst>
+              <a:ext uri="{FF2B5EF4-FFF2-40B4-BE49-F238E27FC236}">
+                <a16:creationId xmlns:a16="http://schemas.microsoft.com/office/drawing/2014/main" id="{D3126409-1790-3365-4737-C54D331A6D3E}"/>
+              </a:ext>
+            </a:extLst>
+          </p:cNvPr>
+          <p:cNvSpPr txBox="1"/>
+          <p:nvPr/>
+        </p:nvSpPr>
+        <p:spPr>
+          <a:xfrm>
+            <a:off x="532269" y="5108476"/>
+            <a:ext cx="5664327" cy="1200329"/>
+          </a:xfrm>
+          <a:prstGeom prst="rect">
+            <a:avLst/>
+          </a:prstGeom>
+          <a:noFill/>
+        </p:spPr>
+        <p:txBody>
+          <a:bodyPr wrap="square" rtlCol="0">
+            <a:spAutoFit/>
+          </a:bodyPr>
+          <a:lstStyle/>
+          <a:p>
+            <a:r>
+              <a:rPr lang="en-US" dirty="0">
+                <a:solidFill>
+                  <a:srgbClr val="FF0000"/>
+                </a:solidFill>
+              </a:rPr>
+              <a:t>Do we use all peaks or the one differently accessible only?? General chromatin accessibly seems to be similar</a:t>
+            </a:r>
+          </a:p>
+          <a:p>
+            <a:endParaRPr lang="en-US" dirty="0">
+              <a:solidFill>
+                <a:srgbClr val="FF0000"/>
+              </a:solidFill>
+            </a:endParaRPr>
+          </a:p>
+          <a:p>
+            <a:endParaRPr lang="en-US" dirty="0">
+              <a:solidFill>
+                <a:srgbClr val="FF0000"/>
+              </a:solidFill>
+            </a:endParaRPr>
+          </a:p>
+        </p:txBody>
+      </p:sp>
+      <p:sp>
+        <p:nvSpPr>
+          <p:cNvPr id="8" name="TextBox 7">
+            <a:extLst>
+              <a:ext uri="{FF2B5EF4-FFF2-40B4-BE49-F238E27FC236}">
+                <a16:creationId xmlns:a16="http://schemas.microsoft.com/office/drawing/2014/main" id="{4E20741B-6601-B1B6-72A6-0A98D94ACEDF}"/>
+              </a:ext>
+            </a:extLst>
+          </p:cNvPr>
+          <p:cNvSpPr txBox="1"/>
+          <p:nvPr/>
+        </p:nvSpPr>
+        <p:spPr>
+          <a:xfrm>
+            <a:off x="6738306" y="5092009"/>
+            <a:ext cx="5664327" cy="923330"/>
+          </a:xfrm>
+          <a:prstGeom prst="rect">
+            <a:avLst/>
+          </a:prstGeom>
+          <a:noFill/>
+        </p:spPr>
+        <p:txBody>
+          <a:bodyPr wrap="square" rtlCol="0">
+            <a:spAutoFit/>
+          </a:bodyPr>
+          <a:lstStyle/>
+          <a:p>
+            <a:r>
+              <a:rPr lang="en-US" dirty="0">
+                <a:solidFill>
+                  <a:srgbClr val="FF0000"/>
+                </a:solidFill>
+              </a:rPr>
+              <a:t>Add GC matched non-peaks -&gt; background regions</a:t>
+            </a:r>
+          </a:p>
+          <a:p>
+            <a:endParaRPr lang="en-US" dirty="0">
+              <a:solidFill>
+                <a:srgbClr val="FF0000"/>
+              </a:solidFill>
+            </a:endParaRPr>
+          </a:p>
+          <a:p>
+            <a:endParaRPr lang="en-US" dirty="0">
+              <a:solidFill>
+                <a:srgbClr val="FF0000"/>
+              </a:solidFill>
+            </a:endParaRPr>
+          </a:p>
+        </p:txBody>
+      </p:sp>
+      <p:sp>
+        <p:nvSpPr>
+          <p:cNvPr id="9" name="TextBox 8">
+            <a:extLst>
+              <a:ext uri="{FF2B5EF4-FFF2-40B4-BE49-F238E27FC236}">
+                <a16:creationId xmlns:a16="http://schemas.microsoft.com/office/drawing/2014/main" id="{69074368-8801-FA5C-AB13-1F7C251270C1}"/>
+              </a:ext>
+            </a:extLst>
+          </p:cNvPr>
+          <p:cNvSpPr txBox="1"/>
+          <p:nvPr/>
+        </p:nvSpPr>
+        <p:spPr>
+          <a:xfrm>
+            <a:off x="3943174" y="3756369"/>
+            <a:ext cx="2555895" cy="646331"/>
+          </a:xfrm>
+          <a:prstGeom prst="rect">
+            <a:avLst/>
+          </a:prstGeom>
+          <a:noFill/>
+        </p:spPr>
+        <p:txBody>
+          <a:bodyPr wrap="square" rtlCol="0">
+            <a:spAutoFit/>
+          </a:bodyPr>
+          <a:lstStyle/>
+          <a:p>
+            <a:r>
+              <a:rPr lang="en-DE" dirty="0">
+                <a:solidFill>
+                  <a:srgbClr val="C00000"/>
+                </a:solidFill>
+              </a:rPr>
+              <a:t>Sequence should have fixed length!</a:t>
+            </a:r>
+          </a:p>
+        </p:txBody>
+      </p:sp>
+    </p:spTree>
+    <p:extLst>
+      <p:ext uri="{BB962C8B-B14F-4D97-AF65-F5344CB8AC3E}">
+        <p14:creationId xmlns:p14="http://schemas.microsoft.com/office/powerpoint/2010/main" val="4285619638"/>
+      </p:ext>
+    </p:extLst>
+  </p:cSld>
+  <p:clrMapOvr>
+    <a:masterClrMapping/>
+  </p:clrMapOvr>
+</p:sld>
+</file>
+
+<file path=ppt/slides/slide4.xml><?xml version="1.0" encoding="utf-8"?>
+<p:sld xmlns:a="http://schemas.openxmlformats.org/drawingml/2006/main" xmlns:r="http://schemas.openxmlformats.org/officeDocument/2006/relationships" xmlns:p="http://schemas.openxmlformats.org/presentationml/2006/main">
+  <p:cSld>
+    <p:spTree>
+      <p:nvGrpSpPr>
+        <p:cNvPr id="1" name=""/>
+        <p:cNvGrpSpPr/>
+        <p:nvPr/>
+      </p:nvGrpSpPr>
+      <p:grpSpPr>
+        <a:xfrm>
+          <a:off x="0" y="0"/>
+          <a:ext cx="0" cy="0"/>
+          <a:chOff x="0" y="0"/>
+          <a:chExt cx="0" cy="0"/>
+        </a:xfrm>
+      </p:grpSpPr>
+      <p:sp>
+        <p:nvSpPr>
+          <p:cNvPr id="4" name="TextBox 3">
+            <a:extLst>
+              <a:ext uri="{FF2B5EF4-FFF2-40B4-BE49-F238E27FC236}">
+                <a16:creationId xmlns:a16="http://schemas.microsoft.com/office/drawing/2014/main" id="{F0CDDAFA-E6FF-AD5B-FC69-69C4B4E68806}"/>
+              </a:ext>
+            </a:extLst>
+          </p:cNvPr>
+          <p:cNvSpPr txBox="1"/>
+          <p:nvPr/>
+        </p:nvSpPr>
+        <p:spPr>
+          <a:xfrm>
+            <a:off x="363408" y="211153"/>
+            <a:ext cx="4562772" cy="646331"/>
+          </a:xfrm>
+          <a:prstGeom prst="rect">
+            <a:avLst/>
+          </a:prstGeom>
+          <a:noFill/>
+        </p:spPr>
+        <p:txBody>
+          <a:bodyPr wrap="square" rtlCol="0">
+            <a:spAutoFit/>
+          </a:bodyPr>
+          <a:lstStyle/>
+          <a:p>
+            <a:r>
+              <a:rPr lang="en-DE" dirty="0"/>
+              <a:t>Get the countinous track with base resolution</a:t>
+            </a:r>
+          </a:p>
+          <a:p>
+            <a:endParaRPr lang="en-DE" dirty="0"/>
+          </a:p>
+        </p:txBody>
+      </p:sp>
+      <p:sp>
+        <p:nvSpPr>
+          <p:cNvPr id="5" name="TextBox 4">
+            <a:extLst>
+              <a:ext uri="{FF2B5EF4-FFF2-40B4-BE49-F238E27FC236}">
+                <a16:creationId xmlns:a16="http://schemas.microsoft.com/office/drawing/2014/main" id="{80D2C272-2235-54D0-4BA2-9417643C7292}"/>
+              </a:ext>
+            </a:extLst>
+          </p:cNvPr>
+          <p:cNvSpPr txBox="1"/>
+          <p:nvPr/>
+        </p:nvSpPr>
+        <p:spPr>
+          <a:xfrm>
+            <a:off x="363408" y="1021027"/>
+            <a:ext cx="2555895" cy="923330"/>
+          </a:xfrm>
+          <a:prstGeom prst="rect">
+            <a:avLst/>
+          </a:prstGeom>
+          <a:noFill/>
+        </p:spPr>
+        <p:txBody>
+          <a:bodyPr wrap="square" rtlCol="0">
+            <a:spAutoFit/>
+          </a:bodyPr>
+          <a:lstStyle/>
+          <a:p>
+            <a:r>
+              <a:rPr lang="en-DE" dirty="0"/>
+              <a:t>10x output BAM file with ATAC fragment of all cells for each dataset</a:t>
+            </a:r>
+          </a:p>
+        </p:txBody>
+      </p:sp>
+      <p:cxnSp>
+        <p:nvCxnSpPr>
+          <p:cNvPr id="6" name="Straight Arrow Connector 5">
+            <a:extLst>
+              <a:ext uri="{FF2B5EF4-FFF2-40B4-BE49-F238E27FC236}">
+                <a16:creationId xmlns:a16="http://schemas.microsoft.com/office/drawing/2014/main" id="{393F9305-0FAA-BAC8-FBFA-CF03411C0D93}"/>
+              </a:ext>
+            </a:extLst>
+          </p:cNvPr>
+          <p:cNvCxnSpPr>
+            <a:cxnSpLocks/>
+          </p:cNvCxnSpPr>
+          <p:nvPr/>
+        </p:nvCxnSpPr>
+        <p:spPr>
+          <a:xfrm>
+            <a:off x="3166332" y="1344193"/>
+            <a:ext cx="1142621" cy="0"/>
+          </a:xfrm>
+          <a:prstGeom prst="straightConnector1">
+            <a:avLst/>
+          </a:prstGeom>
+          <a:ln>
+            <a:tailEnd type="triangle"/>
+          </a:ln>
+        </p:spPr>
+        <p:style>
+          <a:lnRef idx="3">
+            <a:schemeClr val="dk1"/>
+          </a:lnRef>
+          <a:fillRef idx="0">
+            <a:schemeClr val="dk1"/>
+          </a:fillRef>
+          <a:effectRef idx="2">
+            <a:schemeClr val="dk1"/>
+          </a:effectRef>
+          <a:fontRef idx="minor">
+            <a:schemeClr val="tx1"/>
+          </a:fontRef>
+        </p:style>
+      </p:cxnSp>
+      <p:sp>
+        <p:nvSpPr>
+          <p:cNvPr id="9" name="TextBox 8">
+            <a:extLst>
+              <a:ext uri="{FF2B5EF4-FFF2-40B4-BE49-F238E27FC236}">
+                <a16:creationId xmlns:a16="http://schemas.microsoft.com/office/drawing/2014/main" id="{00BF4B99-6387-73AC-9868-CBFC1AA74C55}"/>
+              </a:ext>
+            </a:extLst>
+          </p:cNvPr>
+          <p:cNvSpPr txBox="1"/>
+          <p:nvPr/>
+        </p:nvSpPr>
+        <p:spPr>
+          <a:xfrm>
+            <a:off x="3166332" y="699634"/>
+            <a:ext cx="1389650" cy="646331"/>
+          </a:xfrm>
+          <a:prstGeom prst="rect">
+            <a:avLst/>
+          </a:prstGeom>
+          <a:noFill/>
+        </p:spPr>
+        <p:txBody>
+          <a:bodyPr wrap="square" rtlCol="0">
+            <a:spAutoFit/>
+          </a:bodyPr>
+          <a:lstStyle/>
+          <a:p>
+            <a:r>
+              <a:rPr lang="en-GB" dirty="0"/>
+              <a:t>S</a:t>
+            </a:r>
+            <a:r>
+              <a:rPr lang="en-DE" dirty="0"/>
+              <a:t>plit BAM by cell type</a:t>
+            </a:r>
+          </a:p>
+        </p:txBody>
+      </p:sp>
+      <p:cxnSp>
+        <p:nvCxnSpPr>
+          <p:cNvPr id="11" name="Straight Arrow Connector 10">
+            <a:extLst>
+              <a:ext uri="{FF2B5EF4-FFF2-40B4-BE49-F238E27FC236}">
+                <a16:creationId xmlns:a16="http://schemas.microsoft.com/office/drawing/2014/main" id="{B22C0591-80E9-5A81-D4C1-1B55618F9B6E}"/>
+              </a:ext>
+            </a:extLst>
+          </p:cNvPr>
+          <p:cNvCxnSpPr>
+            <a:cxnSpLocks/>
+          </p:cNvCxnSpPr>
+          <p:nvPr/>
+        </p:nvCxnSpPr>
+        <p:spPr>
+          <a:xfrm>
+            <a:off x="4849623" y="1344193"/>
+            <a:ext cx="1142621" cy="0"/>
+          </a:xfrm>
+          <a:prstGeom prst="straightConnector1">
+            <a:avLst/>
+          </a:prstGeom>
+          <a:ln>
+            <a:tailEnd type="triangle"/>
+          </a:ln>
+        </p:spPr>
+        <p:style>
+          <a:lnRef idx="3">
+            <a:schemeClr val="dk1"/>
+          </a:lnRef>
+          <a:fillRef idx="0">
+            <a:schemeClr val="dk1"/>
+          </a:fillRef>
+          <a:effectRef idx="2">
+            <a:schemeClr val="dk1"/>
+          </a:effectRef>
+          <a:fontRef idx="minor">
+            <a:schemeClr val="tx1"/>
+          </a:fontRef>
+        </p:style>
+      </p:cxnSp>
+      <p:sp>
+        <p:nvSpPr>
+          <p:cNvPr id="12" name="TextBox 11">
+            <a:extLst>
+              <a:ext uri="{FF2B5EF4-FFF2-40B4-BE49-F238E27FC236}">
+                <a16:creationId xmlns:a16="http://schemas.microsoft.com/office/drawing/2014/main" id="{46D436B5-AC53-1EA2-E191-AE4DAF0874E8}"/>
+              </a:ext>
+            </a:extLst>
+          </p:cNvPr>
+          <p:cNvSpPr txBox="1"/>
+          <p:nvPr/>
+        </p:nvSpPr>
+        <p:spPr>
+          <a:xfrm>
+            <a:off x="4849623" y="699634"/>
+            <a:ext cx="1389650" cy="646331"/>
+          </a:xfrm>
+          <a:prstGeom prst="rect">
+            <a:avLst/>
+          </a:prstGeom>
+          <a:noFill/>
+        </p:spPr>
+        <p:txBody>
+          <a:bodyPr wrap="square" rtlCol="0">
+            <a:spAutoFit/>
+          </a:bodyPr>
+          <a:lstStyle/>
+          <a:p>
+            <a:r>
+              <a:rPr lang="en-US" dirty="0"/>
+              <a:t>Generate track .</a:t>
+            </a:r>
+            <a:r>
+              <a:rPr lang="en-US" dirty="0" err="1"/>
+              <a:t>bw</a:t>
+            </a:r>
+            <a:endParaRPr lang="en-DE" dirty="0"/>
+          </a:p>
+        </p:txBody>
+      </p:sp>
+      <p:sp>
+        <p:nvSpPr>
+          <p:cNvPr id="13" name="TextBox 12">
+            <a:extLst>
+              <a:ext uri="{FF2B5EF4-FFF2-40B4-BE49-F238E27FC236}">
+                <a16:creationId xmlns:a16="http://schemas.microsoft.com/office/drawing/2014/main" id="{826A5007-2E26-7185-C71B-57582F97473F}"/>
+              </a:ext>
+            </a:extLst>
+          </p:cNvPr>
+          <p:cNvSpPr txBox="1"/>
+          <p:nvPr/>
+        </p:nvSpPr>
+        <p:spPr>
+          <a:xfrm>
+            <a:off x="6285885" y="838145"/>
+            <a:ext cx="2974341" cy="923330"/>
+          </a:xfrm>
+          <a:prstGeom prst="rect">
+            <a:avLst/>
+          </a:prstGeom>
+          <a:noFill/>
+        </p:spPr>
+        <p:txBody>
+          <a:bodyPr wrap="square" rtlCol="0">
+            <a:spAutoFit/>
+          </a:bodyPr>
+          <a:lstStyle/>
+          <a:p>
+            <a:r>
+              <a:rPr lang="en-DE" dirty="0"/>
+              <a:t>Contruct bins of fixed length and compute number of reads in these bins. </a:t>
+            </a:r>
+          </a:p>
+        </p:txBody>
+      </p:sp>
+      <p:pic>
+        <p:nvPicPr>
+          <p:cNvPr id="15" name="Picture 14">
+            <a:extLst>
+              <a:ext uri="{FF2B5EF4-FFF2-40B4-BE49-F238E27FC236}">
+                <a16:creationId xmlns:a16="http://schemas.microsoft.com/office/drawing/2014/main" id="{930A729C-F881-4217-4018-63ADA6D3474C}"/>
+              </a:ext>
+            </a:extLst>
+          </p:cNvPr>
+          <p:cNvPicPr>
+            <a:picLocks noChangeAspect="1"/>
+          </p:cNvPicPr>
+          <p:nvPr/>
+        </p:nvPicPr>
+        <p:blipFill>
+          <a:blip r:embed="rId2"/>
+          <a:stretch>
+            <a:fillRect/>
+          </a:stretch>
+        </p:blipFill>
+        <p:spPr>
+          <a:xfrm>
+            <a:off x="9150385" y="1044550"/>
+            <a:ext cx="2885162" cy="510519"/>
+          </a:xfrm>
+          <a:prstGeom prst="rect">
+            <a:avLst/>
+          </a:prstGeom>
+        </p:spPr>
+      </p:pic>
+      <p:sp>
+        <p:nvSpPr>
+          <p:cNvPr id="18" name="TextBox 17">
+            <a:extLst>
+              <a:ext uri="{FF2B5EF4-FFF2-40B4-BE49-F238E27FC236}">
+                <a16:creationId xmlns:a16="http://schemas.microsoft.com/office/drawing/2014/main" id="{BBB67415-2498-1029-66E2-CF537F5A99D3}"/>
+              </a:ext>
+            </a:extLst>
+          </p:cNvPr>
+          <p:cNvSpPr txBox="1"/>
+          <p:nvPr/>
+        </p:nvSpPr>
+        <p:spPr>
+          <a:xfrm>
+            <a:off x="774516" y="2647574"/>
+            <a:ext cx="4289574" cy="923330"/>
+          </a:xfrm>
+          <a:prstGeom prst="rect">
+            <a:avLst/>
+          </a:prstGeom>
+          <a:noFill/>
+        </p:spPr>
+        <p:txBody>
+          <a:bodyPr wrap="square" rtlCol="0">
+            <a:spAutoFit/>
+          </a:bodyPr>
+          <a:lstStyle/>
+          <a:p>
+            <a:r>
+              <a:rPr lang="en-DE" dirty="0">
+                <a:solidFill>
+                  <a:srgbClr val="C00000"/>
+                </a:solidFill>
+              </a:rPr>
+              <a:t>In two paper they get values at each base by using a sliding window over the pseudo bulk number insertion of 200 bp.  </a:t>
+            </a:r>
+          </a:p>
+        </p:txBody>
+      </p:sp>
+      <p:sp>
+        <p:nvSpPr>
+          <p:cNvPr id="20" name="TextBox 19">
+            <a:extLst>
+              <a:ext uri="{FF2B5EF4-FFF2-40B4-BE49-F238E27FC236}">
+                <a16:creationId xmlns:a16="http://schemas.microsoft.com/office/drawing/2014/main" id="{DCAF1521-2978-556A-C5C2-CDBA4CD3120F}"/>
+              </a:ext>
+            </a:extLst>
+          </p:cNvPr>
+          <p:cNvSpPr txBox="1"/>
+          <p:nvPr/>
+        </p:nvSpPr>
+        <p:spPr>
+          <a:xfrm>
+            <a:off x="9502958" y="1576808"/>
+            <a:ext cx="2974341" cy="369332"/>
+          </a:xfrm>
+          <a:prstGeom prst="rect">
+            <a:avLst/>
+          </a:prstGeom>
+          <a:noFill/>
+        </p:spPr>
+        <p:txBody>
+          <a:bodyPr wrap="square" rtlCol="0">
+            <a:spAutoFit/>
+          </a:bodyPr>
+          <a:lstStyle/>
+          <a:p>
+            <a:r>
+              <a:rPr lang="en-DE" dirty="0">
+                <a:solidFill>
+                  <a:srgbClr val="C00000"/>
+                </a:solidFill>
+              </a:rPr>
+              <a:t>Base resolution?</a:t>
+            </a:r>
+          </a:p>
+        </p:txBody>
+      </p:sp>
+    </p:spTree>
+    <p:extLst>
+      <p:ext uri="{BB962C8B-B14F-4D97-AF65-F5344CB8AC3E}">
+        <p14:creationId xmlns:p14="http://schemas.microsoft.com/office/powerpoint/2010/main" val="1384667290"/>
+      </p:ext>
+    </p:extLst>
+  </p:cSld>
+  <p:clrMapOvr>
+    <a:masterClrMapping/>
+  </p:clrMapOvr>
+</p:sld>
+</file>
+
+<file path=ppt/slides/slide5.xml><?xml version="1.0" encoding="utf-8"?>
+<p:sld xmlns:a="http://schemas.openxmlformats.org/drawingml/2006/main" xmlns:r="http://schemas.openxmlformats.org/officeDocument/2006/relationships" xmlns:p="http://schemas.openxmlformats.org/presentationml/2006/main">
+  <p:cSld>
+    <p:spTree>
+      <p:nvGrpSpPr>
+        <p:cNvPr id="1" name=""/>
+        <p:cNvGrpSpPr/>
+        <p:nvPr/>
+      </p:nvGrpSpPr>
+      <p:grpSpPr>
+        <a:xfrm>
+          <a:off x="0" y="0"/>
+          <a:ext cx="0" cy="0"/>
+          <a:chOff x="0" y="0"/>
+          <a:chExt cx="0" cy="0"/>
+        </a:xfrm>
+      </p:grpSpPr>
+      <p:sp>
+        <p:nvSpPr>
+          <p:cNvPr id="4" name="TextBox 3">
+            <a:extLst>
+              <a:ext uri="{FF2B5EF4-FFF2-40B4-BE49-F238E27FC236}">
+                <a16:creationId xmlns:a16="http://schemas.microsoft.com/office/drawing/2014/main" id="{F0CDDAFA-E6FF-AD5B-FC69-69C4B4E68806}"/>
+              </a:ext>
+            </a:extLst>
+          </p:cNvPr>
+          <p:cNvSpPr txBox="1"/>
+          <p:nvPr/>
+        </p:nvSpPr>
+        <p:spPr>
+          <a:xfrm>
+            <a:off x="5525574" y="164863"/>
+            <a:ext cx="4562772" cy="646331"/>
+          </a:xfrm>
+          <a:prstGeom prst="rect">
+            <a:avLst/>
+          </a:prstGeom>
+          <a:noFill/>
+        </p:spPr>
+        <p:txBody>
+          <a:bodyPr wrap="square" rtlCol="0">
+            <a:spAutoFit/>
+          </a:bodyPr>
+          <a:lstStyle/>
+          <a:p>
+            <a:r>
+              <a:rPr lang="en-DE" dirty="0"/>
+              <a:t>BPNet</a:t>
+            </a:r>
+          </a:p>
+          <a:p>
+            <a:endParaRPr lang="en-DE" dirty="0"/>
+          </a:p>
+        </p:txBody>
+      </p:sp>
+      <p:sp>
+        <p:nvSpPr>
+          <p:cNvPr id="5" name="TextBox 4">
+            <a:extLst>
+              <a:ext uri="{FF2B5EF4-FFF2-40B4-BE49-F238E27FC236}">
+                <a16:creationId xmlns:a16="http://schemas.microsoft.com/office/drawing/2014/main" id="{80D2C272-2235-54D0-4BA2-9417643C7292}"/>
+              </a:ext>
+            </a:extLst>
+          </p:cNvPr>
+          <p:cNvSpPr txBox="1"/>
+          <p:nvPr/>
+        </p:nvSpPr>
+        <p:spPr>
+          <a:xfrm>
+            <a:off x="267189" y="3564232"/>
+            <a:ext cx="2555895" cy="369332"/>
+          </a:xfrm>
+          <a:prstGeom prst="rect">
+            <a:avLst/>
+          </a:prstGeom>
+          <a:noFill/>
+        </p:spPr>
+        <p:txBody>
+          <a:bodyPr wrap="square" rtlCol="0">
+            <a:spAutoFit/>
+          </a:bodyPr>
+          <a:lstStyle/>
+          <a:p>
+            <a:r>
+              <a:rPr lang="en-DE" dirty="0"/>
+              <a:t>Sequence</a:t>
+            </a:r>
+          </a:p>
+        </p:txBody>
+      </p:sp>
+      <p:sp>
+        <p:nvSpPr>
+          <p:cNvPr id="10" name="Cube 9">
+            <a:extLst>
+              <a:ext uri="{FF2B5EF4-FFF2-40B4-BE49-F238E27FC236}">
+                <a16:creationId xmlns:a16="http://schemas.microsoft.com/office/drawing/2014/main" id="{7E182724-5EFB-1689-32BA-DE66E77EE034}"/>
+              </a:ext>
+            </a:extLst>
+          </p:cNvPr>
+          <p:cNvSpPr/>
+          <p:nvPr/>
+        </p:nvSpPr>
+        <p:spPr>
+          <a:xfrm>
+            <a:off x="1825289" y="2462166"/>
+            <a:ext cx="454447" cy="1102066"/>
+          </a:xfrm>
+          <a:prstGeom prst="cube">
+            <a:avLst/>
+          </a:prstGeom>
+        </p:spPr>
+        <p:style>
+          <a:lnRef idx="2">
+            <a:schemeClr val="accent1">
+              <a:shade val="15000"/>
+            </a:schemeClr>
+          </a:lnRef>
+          <a:fillRef idx="1">
+            <a:schemeClr val="accent1"/>
+          </a:fillRef>
+          <a:effectRef idx="0">
+            <a:schemeClr val="accent1"/>
+          </a:effectRef>
+          <a:fontRef idx="minor">
+            <a:schemeClr val="lt1"/>
+          </a:fontRef>
+        </p:style>
+        <p:txBody>
+          <a:bodyPr rtlCol="0" anchor="ctr"/>
+          <a:lstStyle/>
+          <a:p>
+            <a:pPr algn="ctr"/>
+            <a:endParaRPr lang="en-DE"/>
+          </a:p>
+        </p:txBody>
+      </p:sp>
       <mc:AlternateContent xmlns:mc="http://schemas.openxmlformats.org/markup-compatibility/2006">
         <mc:Choice xmlns:a14="http://schemas.microsoft.com/office/drawing/2010/main" Requires="a14">
           <p:sp>
             <p:nvSpPr>
-              <p:cNvPr id="10" name="TextBox 9">
+              <p:cNvPr id="14" name="TextBox 13">
                 <a:extLst>
                   <a:ext uri="{FF2B5EF4-FFF2-40B4-BE49-F238E27FC236}">
-                    <a16:creationId xmlns:a16="http://schemas.microsoft.com/office/drawing/2014/main" id="{28C36B4C-18B2-29B8-1205-79A060B5F691}"/>
+                    <a16:creationId xmlns:a16="http://schemas.microsoft.com/office/drawing/2014/main" id="{785C52F4-7808-0F6B-D4BA-DC979C62352F}"/>
                   </a:ext>
                 </a:extLst>
               </p:cNvPr>
@@ -3693,8 +6618,8 @@
             </p:nvSpPr>
             <p:spPr>
               <a:xfrm>
-                <a:off x="962116" y="995975"/>
-                <a:ext cx="2056657" cy="732573"/>
+                <a:off x="103719" y="2462166"/>
+                <a:ext cx="1311722" cy="963662"/>
               </a:xfrm>
               <a:prstGeom prst="rect">
                 <a:avLst/>
@@ -3707,57 +6632,100 @@
               </a:bodyPr>
               <a:lstStyle/>
               <a:p>
+                <a:pPr/>
                 <a14:m>
                   <m:oMathPara xmlns:m="http://schemas.openxmlformats.org/officeDocument/2006/math">
                     <m:oMathParaPr>
                       <m:jc m:val="centerGroup"/>
                     </m:oMathParaPr>
                     <m:oMath xmlns:m="http://schemas.openxmlformats.org/officeDocument/2006/math">
-                      <m:d>
-                        <m:dPr>
-                          <m:begChr m:val="["/>
-                          <m:endChr m:val="]"/>
+                      <m:m>
+                        <m:mPr>
+                          <m:mcs>
+                            <m:mc>
+                              <m:mcPr>
+                                <m:count m:val="3"/>
+                                <m:mcJc m:val="center"/>
+                              </m:mcPr>
+                            </m:mc>
+                          </m:mcs>
                           <m:ctrlPr>
                             <a:rPr lang="en-DE" i="1" smtClean="0">
                               <a:latin typeface="Cambria Math" panose="02040503050406030204" pitchFamily="18" charset="0"/>
                             </a:rPr>
                           </m:ctrlPr>
-                        </m:dPr>
-                        <m:e>
-                          <m:m>
-                            <m:mPr>
-                              <m:mcs>
-                                <m:mc>
-                                  <m:mcPr>
-                                    <m:count m:val="3"/>
-                                    <m:mcJc m:val="center"/>
-                                  </m:mcPr>
-                                </m:mc>
-                              </m:mcs>
-                              <m:ctrlPr>
-                                <a:rPr lang="en-DE" i="1" smtClean="0">
-                                  <a:latin typeface="Cambria Math" panose="02040503050406030204" pitchFamily="18" charset="0"/>
-                                </a:rPr>
-                              </m:ctrlPr>
-                            </m:mPr>
-                            <m:mr>
+                        </m:mPr>
+                        <m:mr>
+                          <m:e>
+                            <m:r>
+                              <m:rPr>
+                                <m:brk m:alnAt="7"/>
+                              </m:rPr>
+                              <a:rPr lang="en-US" b="0" i="1" smtClean="0">
+                                <a:latin typeface="Cambria Math" panose="02040503050406030204" pitchFamily="18" charset="0"/>
+                              </a:rPr>
+                              <m:t>1</m:t>
+                            </m:r>
+                          </m:e>
+                          <m:e>
+                            <m:r>
+                              <a:rPr lang="en-US" b="0" i="1" smtClean="0">
+                                <a:latin typeface="Cambria Math" panose="02040503050406030204" pitchFamily="18" charset="0"/>
+                              </a:rPr>
+                              <m:t>0</m:t>
+                            </m:r>
+                          </m:e>
+                          <m:e>
+                            <m:r>
+                              <a:rPr lang="en-US" b="0" i="1" smtClean="0">
+                                <a:latin typeface="Cambria Math" panose="02040503050406030204" pitchFamily="18" charset="0"/>
+                              </a:rPr>
+                              <m:t>1</m:t>
+                            </m:r>
+                          </m:e>
+                        </m:mr>
+                        <m:mr>
+                          <m:e>
+                            <m:r>
+                              <a:rPr lang="en-US" b="0" i="1" smtClean="0">
+                                <a:latin typeface="Cambria Math" panose="02040503050406030204" pitchFamily="18" charset="0"/>
+                              </a:rPr>
+                              <m:t>0</m:t>
+                            </m:r>
+                          </m:e>
+                          <m:e>
+                            <m:r>
+                              <a:rPr lang="en-US" b="0" i="1" smtClean="0">
+                                <a:latin typeface="Cambria Math" panose="02040503050406030204" pitchFamily="18" charset="0"/>
+                              </a:rPr>
+                              <m:t>0</m:t>
+                            </m:r>
+                          </m:e>
+                          <m:e>
+                            <m:r>
+                              <a:rPr lang="en-US" b="0" i="1" smtClean="0">
+                                <a:latin typeface="Cambria Math" panose="02040503050406030204" pitchFamily="18" charset="0"/>
+                              </a:rPr>
+                              <m:t>0</m:t>
+                            </m:r>
+                          </m:e>
+                        </m:mr>
+                        <m:mr>
+                          <m:e>
+                            <m:eqArr>
+                              <m:eqArrPr>
+                                <m:ctrlPr>
+                                  <a:rPr lang="en-DE" i="1" smtClean="0">
+                                    <a:latin typeface="Cambria Math" panose="02040503050406030204" pitchFamily="18" charset="0"/>
+                                  </a:rPr>
+                                </m:ctrlPr>
+                              </m:eqArrPr>
                               <m:e>
                                 <m:r>
-                                  <m:rPr>
-                                    <m:brk m:alnAt="7"/>
-                                  </m:rPr>
                                   <a:rPr lang="en-US" b="0" i="1" smtClean="0">
                                     <a:latin typeface="Cambria Math" panose="02040503050406030204" pitchFamily="18" charset="0"/>
                                   </a:rPr>
-                                  <m:t>1</m:t>
-                                </m:r>
-                              </m:e>
-                              <m:e>
-                                <m:r>
-                                  <a:rPr lang="en-DE" i="1" smtClean="0">
-                                    <a:latin typeface="Cambria Math" panose="02040503050406030204" pitchFamily="18" charset="0"/>
-                                  </a:rPr>
-                                  <m:t>⋯</m:t>
+                                  <m:t>0</m:t>
                                 </m:r>
                               </m:e>
                               <m:e>
@@ -3768,34 +6736,44 @@
                                   <m:t>0</m:t>
                                 </m:r>
                               </m:e>
-                            </m:mr>
-                            <m:mr>
-                              <m:e>
-                                <m:r>
+                            </m:eqArr>
+                          </m:e>
+                          <m:e>
+                            <m:eqArr>
+                              <m:eqArrPr>
+                                <m:ctrlPr>
                                   <a:rPr lang="en-DE" i="1" smtClean="0">
                                     <a:latin typeface="Cambria Math" panose="02040503050406030204" pitchFamily="18" charset="0"/>
                                   </a:rPr>
-                                  <m:t>⋮</m:t>
+                                </m:ctrlPr>
+                              </m:eqArrPr>
+                              <m:e>
+                                <m:r>
+                                  <a:rPr lang="en-US" b="0" i="1" smtClean="0">
+                                    <a:latin typeface="Cambria Math" panose="02040503050406030204" pitchFamily="18" charset="0"/>
+                                  </a:rPr>
+                                  <m:t>1</m:t>
                                 </m:r>
                               </m:e>
                               <m:e>
                                 <m:r>
+                                  <a:rPr lang="en-US" b="0" i="1" smtClean="0">
+                                    <a:latin typeface="Cambria Math" panose="02040503050406030204" pitchFamily="18" charset="0"/>
+                                  </a:rPr>
+                                  <m:t>0</m:t>
+                                </m:r>
+                              </m:e>
+                            </m:eqArr>
+                          </m:e>
+                          <m:e>
+                            <m:eqArr>
+                              <m:eqArrPr>
+                                <m:ctrlPr>
                                   <a:rPr lang="en-DE" i="1" smtClean="0">
                                     <a:latin typeface="Cambria Math" panose="02040503050406030204" pitchFamily="18" charset="0"/>
                                   </a:rPr>
-                                  <m:t>⋱</m:t>
-                                </m:r>
-                              </m:e>
-                              <m:e>
-                                <m:r>
-                                  <a:rPr lang="en-DE" i="1" smtClean="0">
-                                    <a:latin typeface="Cambria Math" panose="02040503050406030204" pitchFamily="18" charset="0"/>
-                                  </a:rPr>
-                                  <m:t>⋮</m:t>
-                                </m:r>
-                              </m:e>
-                            </m:mr>
-                            <m:mr>
+                                </m:ctrlPr>
+                              </m:eqArrPr>
                               <m:e>
                                 <m:r>
                                   <a:rPr lang="en-US" b="0" i="1" smtClean="0">
@@ -3806,24 +6784,16 @@
                               </m:e>
                               <m:e>
                                 <m:r>
-                                  <a:rPr lang="en-DE" i="1" smtClean="0">
-                                    <a:latin typeface="Cambria Math" panose="02040503050406030204" pitchFamily="18" charset="0"/>
-                                  </a:rPr>
-                                  <m:t>⋯</m:t>
-                                </m:r>
-                              </m:e>
-                              <m:e>
-                                <m:r>
                                   <a:rPr lang="en-US" b="0" i="1" smtClean="0">
                                     <a:latin typeface="Cambria Math" panose="02040503050406030204" pitchFamily="18" charset="0"/>
                                   </a:rPr>
                                   <m:t>0</m:t>
                                 </m:r>
                               </m:e>
-                            </m:mr>
-                          </m:m>
-                        </m:e>
-                      </m:d>
+                            </m:eqArr>
+                          </m:e>
+                        </m:mr>
+                      </m:m>
                     </m:oMath>
                   </m:oMathPara>
                 </a14:m>
@@ -3835,10 +6805,10 @@
         <mc:Fallback>
           <p:sp>
             <p:nvSpPr>
-              <p:cNvPr id="10" name="TextBox 9">
+              <p:cNvPr id="14" name="TextBox 13">
                 <a:extLst>
                   <a:ext uri="{FF2B5EF4-FFF2-40B4-BE49-F238E27FC236}">
-                    <a16:creationId xmlns:a16="http://schemas.microsoft.com/office/drawing/2014/main" id="{28C36B4C-18B2-29B8-1205-79A060B5F691}"/>
+                    <a16:creationId xmlns:a16="http://schemas.microsoft.com/office/drawing/2014/main" id="{785C52F4-7808-0F6B-D4BA-DC979C62352F}"/>
                   </a:ext>
                 </a:extLst>
               </p:cNvPr>
@@ -3849,8 +6819,8 @@
             </p:nvSpPr>
             <p:spPr>
               <a:xfrm>
-                <a:off x="962116" y="995975"/>
-                <a:ext cx="2056657" cy="732573"/>
+                <a:off x="103719" y="2462166"/>
+                <a:ext cx="1311722" cy="963662"/>
               </a:xfrm>
               <a:prstGeom prst="rect">
                 <a:avLst/>
@@ -3858,7 +6828,7 @@
               <a:blipFill>
                 <a:blip r:embed="rId3"/>
                 <a:stretch>
-                  <a:fillRect t="-1695" b="-8475"/>
+                  <a:fillRect b="-7792"/>
                 </a:stretch>
               </a:blipFill>
             </p:spPr>
@@ -3879,10 +6849,102 @@
       </mc:AlternateContent>
       <p:sp>
         <p:nvSpPr>
-          <p:cNvPr id="11" name="TextBox 10">
-            <a:extLst>
-              <a:ext uri="{FF2B5EF4-FFF2-40B4-BE49-F238E27FC236}">
-                <a16:creationId xmlns:a16="http://schemas.microsoft.com/office/drawing/2014/main" id="{6812D4D8-1C34-F95C-C3D5-5058E8C00B61}"/>
+          <p:cNvPr id="16" name="Cube 15">
+            <a:extLst>
+              <a:ext uri="{FF2B5EF4-FFF2-40B4-BE49-F238E27FC236}">
+                <a16:creationId xmlns:a16="http://schemas.microsoft.com/office/drawing/2014/main" id="{A1FBC901-4E8E-E380-EAA3-CBC2990FB0A3}"/>
+              </a:ext>
+            </a:extLst>
+          </p:cNvPr>
+          <p:cNvSpPr/>
+          <p:nvPr/>
+        </p:nvSpPr>
+        <p:spPr>
+          <a:xfrm>
+            <a:off x="2746317" y="2462166"/>
+            <a:ext cx="454447" cy="1102066"/>
+          </a:xfrm>
+          <a:prstGeom prst="cube">
+            <a:avLst/>
+          </a:prstGeom>
+        </p:spPr>
+        <p:style>
+          <a:lnRef idx="2">
+            <a:schemeClr val="accent1">
+              <a:shade val="15000"/>
+            </a:schemeClr>
+          </a:lnRef>
+          <a:fillRef idx="1">
+            <a:schemeClr val="accent1"/>
+          </a:fillRef>
+          <a:effectRef idx="0">
+            <a:schemeClr val="accent1"/>
+          </a:effectRef>
+          <a:fontRef idx="minor">
+            <a:schemeClr val="lt1"/>
+          </a:fontRef>
+        </p:style>
+        <p:txBody>
+          <a:bodyPr rtlCol="0" anchor="ctr"/>
+          <a:lstStyle/>
+          <a:p>
+            <a:pPr algn="ctr"/>
+            <a:endParaRPr lang="en-DE"/>
+          </a:p>
+        </p:txBody>
+      </p:sp>
+      <p:sp>
+        <p:nvSpPr>
+          <p:cNvPr id="17" name="Cube 16">
+            <a:extLst>
+              <a:ext uri="{FF2B5EF4-FFF2-40B4-BE49-F238E27FC236}">
+                <a16:creationId xmlns:a16="http://schemas.microsoft.com/office/drawing/2014/main" id="{D3B9E69C-F0C2-B0A8-D117-3AD698E39154}"/>
+              </a:ext>
+            </a:extLst>
+          </p:cNvPr>
+          <p:cNvSpPr/>
+          <p:nvPr/>
+        </p:nvSpPr>
+        <p:spPr>
+          <a:xfrm>
+            <a:off x="3610612" y="2462166"/>
+            <a:ext cx="454447" cy="1102066"/>
+          </a:xfrm>
+          <a:prstGeom prst="cube">
+            <a:avLst/>
+          </a:prstGeom>
+        </p:spPr>
+        <p:style>
+          <a:lnRef idx="2">
+            <a:schemeClr val="accent1">
+              <a:shade val="15000"/>
+            </a:schemeClr>
+          </a:lnRef>
+          <a:fillRef idx="1">
+            <a:schemeClr val="accent1"/>
+          </a:fillRef>
+          <a:effectRef idx="0">
+            <a:schemeClr val="accent1"/>
+          </a:effectRef>
+          <a:fontRef idx="minor">
+            <a:schemeClr val="lt1"/>
+          </a:fontRef>
+        </p:style>
+        <p:txBody>
+          <a:bodyPr rtlCol="0" anchor="ctr"/>
+          <a:lstStyle/>
+          <a:p>
+            <a:pPr algn="ctr"/>
+            <a:endParaRPr lang="en-DE"/>
+          </a:p>
+        </p:txBody>
+      </p:sp>
+      <p:sp>
+        <p:nvSpPr>
+          <p:cNvPr id="19" name="TextBox 18">
+            <a:extLst>
+              <a:ext uri="{FF2B5EF4-FFF2-40B4-BE49-F238E27FC236}">
+                <a16:creationId xmlns:a16="http://schemas.microsoft.com/office/drawing/2014/main" id="{49250FB1-76A2-F3AF-6869-42C51F437004}"/>
               </a:ext>
             </a:extLst>
           </p:cNvPr>
@@ -3891,8 +6953,8 @@
         </p:nvSpPr>
         <p:spPr>
           <a:xfrm>
-            <a:off x="290484" y="118292"/>
-            <a:ext cx="2873829" cy="369332"/>
+            <a:off x="1825289" y="1847686"/>
+            <a:ext cx="2555895" cy="369332"/>
           </a:xfrm>
           <a:prstGeom prst="rect">
             <a:avLst/>
@@ -3907,87 +6969,17 @@
           <a:p>
             <a:r>
               <a:rPr lang="en-DE" dirty="0"/>
-              <a:t>10x peak count x cell matrix</a:t>
-            </a:r>
-          </a:p>
-        </p:txBody>
-      </p:sp>
-      <p:sp>
-        <p:nvSpPr>
-          <p:cNvPr id="12" name="TextBox 11">
-            <a:extLst>
-              <a:ext uri="{FF2B5EF4-FFF2-40B4-BE49-F238E27FC236}">
-                <a16:creationId xmlns:a16="http://schemas.microsoft.com/office/drawing/2014/main" id="{B40FEFD2-BBF0-3679-1175-D67896D457E0}"/>
-              </a:ext>
-            </a:extLst>
-          </p:cNvPr>
-          <p:cNvSpPr txBox="1"/>
-          <p:nvPr/>
-        </p:nvSpPr>
-        <p:spPr>
-          <a:xfrm>
-            <a:off x="1621223" y="518657"/>
-            <a:ext cx="929314" cy="369332"/>
-          </a:xfrm>
-          <a:prstGeom prst="rect">
-            <a:avLst/>
-          </a:prstGeom>
-          <a:noFill/>
-        </p:spPr>
-        <p:txBody>
-          <a:bodyPr wrap="square" rtlCol="0">
-            <a:spAutoFit/>
-          </a:bodyPr>
-          <a:lstStyle/>
-          <a:p>
-            <a:r>
-              <a:rPr lang="en-DE" dirty="0"/>
-              <a:t>Peaks</a:t>
-            </a:r>
-          </a:p>
-        </p:txBody>
-      </p:sp>
-      <p:sp>
-        <p:nvSpPr>
-          <p:cNvPr id="13" name="TextBox 12">
-            <a:extLst>
-              <a:ext uri="{FF2B5EF4-FFF2-40B4-BE49-F238E27FC236}">
-                <a16:creationId xmlns:a16="http://schemas.microsoft.com/office/drawing/2014/main" id="{E2D599E1-1D94-1A5E-45CA-2D57D120B050}"/>
-              </a:ext>
-            </a:extLst>
-          </p:cNvPr>
-          <p:cNvSpPr txBox="1"/>
-          <p:nvPr/>
-        </p:nvSpPr>
-        <p:spPr>
-          <a:xfrm>
-            <a:off x="8946" y="995975"/>
-            <a:ext cx="1718453" cy="646331"/>
-          </a:xfrm>
-          <a:prstGeom prst="rect">
-            <a:avLst/>
-          </a:prstGeom>
-          <a:noFill/>
-        </p:spPr>
-        <p:txBody>
-          <a:bodyPr wrap="square" rtlCol="0">
-            <a:spAutoFit/>
-          </a:bodyPr>
-          <a:lstStyle/>
-          <a:p>
-            <a:r>
-              <a:rPr lang="en-DE" dirty="0"/>
-              <a:t>Cells from all time points</a:t>
+              <a:t>Convolutional layers</a:t>
             </a:r>
           </a:p>
         </p:txBody>
       </p:sp>
       <p:cxnSp>
         <p:nvCxnSpPr>
-          <p:cNvPr id="15" name="Straight Arrow Connector 14">
-            <a:extLst>
-              <a:ext uri="{FF2B5EF4-FFF2-40B4-BE49-F238E27FC236}">
-                <a16:creationId xmlns:a16="http://schemas.microsoft.com/office/drawing/2014/main" id="{1426D1AE-572C-12C6-9F1A-13A2E0388A45}"/>
+          <p:cNvPr id="22" name="Straight Arrow Connector 21">
+            <a:extLst>
+              <a:ext uri="{FF2B5EF4-FFF2-40B4-BE49-F238E27FC236}">
+                <a16:creationId xmlns:a16="http://schemas.microsoft.com/office/drawing/2014/main" id="{8E276EF7-A88C-0CE4-7240-34829F0C0A10}"/>
               </a:ext>
             </a:extLst>
           </p:cNvPr>
@@ -3998,8 +6990,8 @@
         </p:nvCxnSpPr>
         <p:spPr>
           <a:xfrm>
-            <a:off x="2710540" y="1319140"/>
-            <a:ext cx="1860267" cy="0"/>
+            <a:off x="2279736" y="2943997"/>
+            <a:ext cx="316125" cy="0"/>
           </a:xfrm>
           <a:prstGeom prst="straightConnector1">
             <a:avLst/>
@@ -4009,296 +7001,26 @@
           </a:ln>
         </p:spPr>
         <p:style>
-          <a:lnRef idx="3">
-            <a:schemeClr val="dk1"/>
+          <a:lnRef idx="1">
+            <a:schemeClr val="accent1"/>
           </a:lnRef>
           <a:fillRef idx="0">
-            <a:schemeClr val="dk1"/>
+            <a:schemeClr val="accent1"/>
           </a:fillRef>
-          <a:effectRef idx="2">
-            <a:schemeClr val="dk1"/>
+          <a:effectRef idx="0">
+            <a:schemeClr val="accent1"/>
           </a:effectRef>
           <a:fontRef idx="minor">
             <a:schemeClr val="tx1"/>
           </a:fontRef>
         </p:style>
       </p:cxnSp>
-      <mc:AlternateContent xmlns:mc="http://schemas.openxmlformats.org/markup-compatibility/2006">
-        <mc:Choice xmlns:a14="http://schemas.microsoft.com/office/drawing/2010/main" Requires="a14">
-          <p:sp>
-            <p:nvSpPr>
-              <p:cNvPr id="17" name="TextBox 16">
-                <a:extLst>
-                  <a:ext uri="{FF2B5EF4-FFF2-40B4-BE49-F238E27FC236}">
-                    <a16:creationId xmlns:a16="http://schemas.microsoft.com/office/drawing/2014/main" id="{96394894-37FE-120B-2A08-2DCB0DCCEBFF}"/>
-                  </a:ext>
-                </a:extLst>
-              </p:cNvPr>
-              <p:cNvSpPr txBox="1"/>
-              <p:nvPr/>
-            </p:nvSpPr>
-            <p:spPr>
-              <a:xfrm>
-                <a:off x="4342950" y="991040"/>
-                <a:ext cx="2056657" cy="756426"/>
-              </a:xfrm>
-              <a:prstGeom prst="rect">
-                <a:avLst/>
-              </a:prstGeom>
-              <a:noFill/>
-            </p:spPr>
-            <p:txBody>
-              <a:bodyPr wrap="square" lIns="0" tIns="0" rIns="0" bIns="0" rtlCol="0">
-                <a:spAutoFit/>
-              </a:bodyPr>
-              <a:lstStyle/>
-              <a:p>
-                <a14:m>
-                  <m:oMathPara xmlns:m="http://schemas.openxmlformats.org/officeDocument/2006/math">
-                    <m:oMathParaPr>
-                      <m:jc m:val="centerGroup"/>
-                    </m:oMathParaPr>
-                    <m:oMath xmlns:m="http://schemas.openxmlformats.org/officeDocument/2006/math">
-                      <m:d>
-                        <m:dPr>
-                          <m:begChr m:val="["/>
-                          <m:endChr m:val="]"/>
-                          <m:ctrlPr>
-                            <a:rPr lang="en-DE" i="1" smtClean="0">
-                              <a:latin typeface="Cambria Math" panose="02040503050406030204" pitchFamily="18" charset="0"/>
-                            </a:rPr>
-                          </m:ctrlPr>
-                        </m:dPr>
-                        <m:e>
-                          <m:m>
-                            <m:mPr>
-                              <m:mcs>
-                                <m:mc>
-                                  <m:mcPr>
-                                    <m:count m:val="3"/>
-                                    <m:mcJc m:val="center"/>
-                                  </m:mcPr>
-                                </m:mc>
-                              </m:mcs>
-                              <m:ctrlPr>
-                                <a:rPr lang="en-DE" i="1" smtClean="0">
-                                  <a:latin typeface="Cambria Math" panose="02040503050406030204" pitchFamily="18" charset="0"/>
-                                </a:rPr>
-                              </m:ctrlPr>
-                            </m:mPr>
-                            <m:mr>
-                              <m:e>
-                                <m:r>
-                                  <m:rPr>
-                                    <m:brk m:alnAt="7"/>
-                                  </m:rPr>
-                                  <a:rPr lang="en-US" b="0" i="1" smtClean="0">
-                                    <a:latin typeface="Cambria Math" panose="02040503050406030204" pitchFamily="18" charset="0"/>
-                                  </a:rPr>
-                                  <m:t>5</m:t>
-                                </m:r>
-                              </m:e>
-                              <m:e>
-                                <m:r>
-                                  <a:rPr lang="en-DE" i="1" smtClean="0">
-                                    <a:latin typeface="Cambria Math" panose="02040503050406030204" pitchFamily="18" charset="0"/>
-                                  </a:rPr>
-                                  <m:t>⋯</m:t>
-                                </m:r>
-                              </m:e>
-                              <m:e>
-                                <m:r>
-                                  <a:rPr lang="en-US" b="0" i="1" smtClean="0">
-                                    <a:latin typeface="Cambria Math" panose="02040503050406030204" pitchFamily="18" charset="0"/>
-                                  </a:rPr>
-                                  <m:t>0</m:t>
-                                </m:r>
-                              </m:e>
-                            </m:mr>
-                            <m:mr>
-                              <m:e>
-                                <m:r>
-                                  <a:rPr lang="en-DE" i="1" smtClean="0">
-                                    <a:latin typeface="Cambria Math" panose="02040503050406030204" pitchFamily="18" charset="0"/>
-                                  </a:rPr>
-                                  <m:t>⋮</m:t>
-                                </m:r>
-                              </m:e>
-                              <m:e>
-                                <m:r>
-                                  <a:rPr lang="en-DE" i="1" smtClean="0">
-                                    <a:latin typeface="Cambria Math" panose="02040503050406030204" pitchFamily="18" charset="0"/>
-                                  </a:rPr>
-                                  <m:t>⋱</m:t>
-                                </m:r>
-                              </m:e>
-                              <m:e>
-                                <m:r>
-                                  <a:rPr lang="en-DE" i="1" smtClean="0">
-                                    <a:latin typeface="Cambria Math" panose="02040503050406030204" pitchFamily="18" charset="0"/>
-                                  </a:rPr>
-                                  <m:t>⋮</m:t>
-                                </m:r>
-                              </m:e>
-                            </m:mr>
-                            <m:mr>
-                              <m:e>
-                                <m:r>
-                                  <a:rPr lang="en-US" b="0" i="1" smtClean="0">
-                                    <a:latin typeface="Cambria Math" panose="02040503050406030204" pitchFamily="18" charset="0"/>
-                                  </a:rPr>
-                                  <m:t>0</m:t>
-                                </m:r>
-                              </m:e>
-                              <m:e>
-                                <m:r>
-                                  <a:rPr lang="en-DE" i="1" smtClean="0">
-                                    <a:latin typeface="Cambria Math" panose="02040503050406030204" pitchFamily="18" charset="0"/>
-                                  </a:rPr>
-                                  <m:t>⋯</m:t>
-                                </m:r>
-                              </m:e>
-                              <m:e>
-                                <m:r>
-                                  <a:rPr lang="en-US" b="0" i="1" smtClean="0">
-                                    <a:latin typeface="Cambria Math" panose="02040503050406030204" pitchFamily="18" charset="0"/>
-                                  </a:rPr>
-                                  <m:t>1</m:t>
-                                </m:r>
-                              </m:e>
-                            </m:mr>
-                          </m:m>
-                        </m:e>
-                      </m:d>
-                    </m:oMath>
-                  </m:oMathPara>
-                </a14:m>
-                <a:endParaRPr lang="en-DE" dirty="0"/>
-              </a:p>
-            </p:txBody>
-          </p:sp>
-        </mc:Choice>
-        <mc:Fallback>
-          <p:sp>
-            <p:nvSpPr>
-              <p:cNvPr id="17" name="TextBox 16">
-                <a:extLst>
-                  <a:ext uri="{FF2B5EF4-FFF2-40B4-BE49-F238E27FC236}">
-                    <a16:creationId xmlns:a16="http://schemas.microsoft.com/office/drawing/2014/main" id="{96394894-37FE-120B-2A08-2DCB0DCCEBFF}"/>
-                  </a:ext>
-                </a:extLst>
-              </p:cNvPr>
-              <p:cNvSpPr txBox="1">
-                <a:spLocks noRot="1" noChangeAspect="1" noMove="1" noResize="1" noEditPoints="1" noAdjustHandles="1" noChangeArrowheads="1" noChangeShapeType="1" noTextEdit="1"/>
-              </p:cNvSpPr>
-              <p:nvPr/>
-            </p:nvSpPr>
-            <p:spPr>
-              <a:xfrm>
-                <a:off x="4342950" y="991040"/>
-                <a:ext cx="2056657" cy="756426"/>
-              </a:xfrm>
-              <a:prstGeom prst="rect">
-                <a:avLst/>
-              </a:prstGeom>
-              <a:blipFill>
-                <a:blip r:embed="rId4"/>
-                <a:stretch>
-                  <a:fillRect t="-3333" b="-6667"/>
-                </a:stretch>
-              </a:blipFill>
-            </p:spPr>
-            <p:txBody>
-              <a:bodyPr/>
-              <a:lstStyle/>
-              <a:p>
-                <a:r>
-                  <a:rPr lang="en-DE">
-                    <a:noFill/>
-                  </a:rPr>
-                  <a:t> </a:t>
-                </a:r>
-              </a:p>
-            </p:txBody>
-          </p:sp>
-        </mc:Fallback>
-      </mc:AlternateContent>
-      <p:sp>
-        <p:nvSpPr>
-          <p:cNvPr id="18" name="TextBox 17">
-            <a:extLst>
-              <a:ext uri="{FF2B5EF4-FFF2-40B4-BE49-F238E27FC236}">
-                <a16:creationId xmlns:a16="http://schemas.microsoft.com/office/drawing/2014/main" id="{8B4E516B-F0F0-5A63-2C41-F4C6C5F4B048}"/>
-              </a:ext>
-            </a:extLst>
-          </p:cNvPr>
-          <p:cNvSpPr txBox="1"/>
-          <p:nvPr/>
-        </p:nvSpPr>
-        <p:spPr>
-          <a:xfrm>
-            <a:off x="5020550" y="547536"/>
-            <a:ext cx="929314" cy="369332"/>
-          </a:xfrm>
-          <a:prstGeom prst="rect">
-            <a:avLst/>
-          </a:prstGeom>
-          <a:noFill/>
-        </p:spPr>
-        <p:txBody>
-          <a:bodyPr wrap="square" rtlCol="0">
-            <a:spAutoFit/>
-          </a:bodyPr>
-          <a:lstStyle/>
-          <a:p>
-            <a:r>
-              <a:rPr lang="en-DE" dirty="0"/>
-              <a:t>Peaks</a:t>
-            </a:r>
-          </a:p>
-        </p:txBody>
-      </p:sp>
-      <p:sp>
-        <p:nvSpPr>
-          <p:cNvPr id="19" name="TextBox 18">
-            <a:extLst>
-              <a:ext uri="{FF2B5EF4-FFF2-40B4-BE49-F238E27FC236}">
-                <a16:creationId xmlns:a16="http://schemas.microsoft.com/office/drawing/2014/main" id="{0F7A0982-9F28-A103-956F-1891B3CC56AD}"/>
-              </a:ext>
-            </a:extLst>
-          </p:cNvPr>
-          <p:cNvSpPr txBox="1"/>
-          <p:nvPr/>
-        </p:nvSpPr>
-        <p:spPr>
-          <a:xfrm>
-            <a:off x="2852354" y="574577"/>
-            <a:ext cx="1718453" cy="646331"/>
-          </a:xfrm>
-          <a:prstGeom prst="rect">
-            <a:avLst/>
-          </a:prstGeom>
-          <a:noFill/>
-        </p:spPr>
-        <p:txBody>
-          <a:bodyPr wrap="square" rtlCol="0">
-            <a:spAutoFit/>
-          </a:bodyPr>
-          <a:lstStyle/>
-          <a:p>
-            <a:r>
-              <a:rPr lang="en-DE" dirty="0"/>
-              <a:t>Pseudo bulk by time + cell type</a:t>
-            </a:r>
-          </a:p>
-        </p:txBody>
-      </p:sp>
       <p:cxnSp>
         <p:nvCxnSpPr>
           <p:cNvPr id="24" name="Straight Arrow Connector 23">
             <a:extLst>
               <a:ext uri="{FF2B5EF4-FFF2-40B4-BE49-F238E27FC236}">
-                <a16:creationId xmlns:a16="http://schemas.microsoft.com/office/drawing/2014/main" id="{C33DEC7C-5492-C895-2BD4-2D5C1A613629}"/>
+                <a16:creationId xmlns:a16="http://schemas.microsoft.com/office/drawing/2014/main" id="{516D1FFD-61E0-FBFE-1B3E-54DAF1B9CC2E}"/>
               </a:ext>
             </a:extLst>
           </p:cNvPr>
@@ -4309,8 +7031,8 @@
         </p:nvCxnSpPr>
         <p:spPr>
           <a:xfrm>
-            <a:off x="6112849" y="1346201"/>
-            <a:ext cx="538472" cy="0"/>
+            <a:off x="3214033" y="2943997"/>
+            <a:ext cx="316125" cy="0"/>
           </a:xfrm>
           <a:prstGeom prst="straightConnector1">
             <a:avLst/>
@@ -4320,137 +7042,26 @@
           </a:ln>
         </p:spPr>
         <p:style>
-          <a:lnRef idx="3">
-            <a:schemeClr val="dk1"/>
+          <a:lnRef idx="1">
+            <a:schemeClr val="accent1"/>
           </a:lnRef>
           <a:fillRef idx="0">
-            <a:schemeClr val="dk1"/>
+            <a:schemeClr val="accent1"/>
           </a:fillRef>
-          <a:effectRef idx="2">
-            <a:schemeClr val="dk1"/>
+          <a:effectRef idx="0">
+            <a:schemeClr val="accent1"/>
           </a:effectRef>
           <a:fontRef idx="minor">
             <a:schemeClr val="tx1"/>
           </a:fontRef>
         </p:style>
       </p:cxnSp>
-      <p:sp>
-        <p:nvSpPr>
-          <p:cNvPr id="25" name="TextBox 24">
-            <a:extLst>
-              <a:ext uri="{FF2B5EF4-FFF2-40B4-BE49-F238E27FC236}">
-                <a16:creationId xmlns:a16="http://schemas.microsoft.com/office/drawing/2014/main" id="{10708767-F44B-84B9-6034-F2C89B10614F}"/>
-              </a:ext>
-            </a:extLst>
-          </p:cNvPr>
-          <p:cNvSpPr txBox="1"/>
-          <p:nvPr/>
-        </p:nvSpPr>
-        <p:spPr>
-          <a:xfrm>
-            <a:off x="2964169" y="1388426"/>
-            <a:ext cx="1597922" cy="923330"/>
-          </a:xfrm>
-          <a:prstGeom prst="rect">
-            <a:avLst/>
-          </a:prstGeom>
-          <a:noFill/>
-        </p:spPr>
-        <p:txBody>
-          <a:bodyPr wrap="square" rtlCol="0">
-            <a:spAutoFit/>
-          </a:bodyPr>
-          <a:lstStyle/>
-          <a:p>
-            <a:r>
-              <a:rPr lang="en-DE" dirty="0">
-                <a:solidFill>
-                  <a:srgbClr val="FF0000"/>
-                </a:solidFill>
-              </a:rPr>
-              <a:t>Normalization to account for cell number ?</a:t>
-            </a:r>
-          </a:p>
-        </p:txBody>
-      </p:sp>
-      <p:sp>
-        <p:nvSpPr>
-          <p:cNvPr id="29" name="TextBox 28">
-            <a:extLst>
-              <a:ext uri="{FF2B5EF4-FFF2-40B4-BE49-F238E27FC236}">
-                <a16:creationId xmlns:a16="http://schemas.microsoft.com/office/drawing/2014/main" id="{8453E532-96C5-6A1F-94FF-66A2B6CE91D4}"/>
-              </a:ext>
-            </a:extLst>
-          </p:cNvPr>
-          <p:cNvSpPr txBox="1"/>
-          <p:nvPr/>
-        </p:nvSpPr>
-        <p:spPr>
-          <a:xfrm>
-            <a:off x="2964169" y="2508519"/>
-            <a:ext cx="2405615" cy="646331"/>
-          </a:xfrm>
-          <a:prstGeom prst="rect">
-            <a:avLst/>
-          </a:prstGeom>
-          <a:noFill/>
-        </p:spPr>
-        <p:txBody>
-          <a:bodyPr wrap="square" rtlCol="0">
-            <a:spAutoFit/>
-          </a:bodyPr>
-          <a:lstStyle/>
-          <a:p>
-            <a:r>
-              <a:rPr lang="en-US" dirty="0"/>
-              <a:t>Get sequence on reference genome </a:t>
-            </a:r>
-            <a:endParaRPr lang="en-DE" dirty="0"/>
-          </a:p>
-        </p:txBody>
-      </p:sp>
-      <p:sp>
-        <p:nvSpPr>
-          <p:cNvPr id="30" name="TextBox 29">
-            <a:extLst>
-              <a:ext uri="{FF2B5EF4-FFF2-40B4-BE49-F238E27FC236}">
-                <a16:creationId xmlns:a16="http://schemas.microsoft.com/office/drawing/2014/main" id="{CA78B0D8-1F6B-C0CC-9077-4B982F82644E}"/>
-              </a:ext>
-            </a:extLst>
-          </p:cNvPr>
-          <p:cNvSpPr txBox="1"/>
-          <p:nvPr/>
-        </p:nvSpPr>
-        <p:spPr>
-          <a:xfrm>
-            <a:off x="6232281" y="2781632"/>
-            <a:ext cx="2405615" cy="369332"/>
-          </a:xfrm>
-          <a:prstGeom prst="rect">
-            <a:avLst/>
-          </a:prstGeom>
-          <a:noFill/>
-        </p:spPr>
-        <p:txBody>
-          <a:bodyPr wrap="square" rtlCol="0">
-            <a:spAutoFit/>
-          </a:bodyPr>
-          <a:lstStyle/>
-          <a:p>
-            <a:r>
-              <a:rPr lang="en-US" dirty="0"/>
-              <a:t>One hot encode it </a:t>
-            </a:r>
-            <a:endParaRPr lang="en-DE" dirty="0"/>
-          </a:p>
-        </p:txBody>
-      </p:sp>
       <p:cxnSp>
         <p:nvCxnSpPr>
-          <p:cNvPr id="31" name="Straight Arrow Connector 30">
-            <a:extLst>
-              <a:ext uri="{FF2B5EF4-FFF2-40B4-BE49-F238E27FC236}">
-                <a16:creationId xmlns:a16="http://schemas.microsoft.com/office/drawing/2014/main" id="{9B4941F9-379C-88A3-BB06-807E3283B9CE}"/>
+          <p:cNvPr id="25" name="Straight Arrow Connector 24">
+            <a:extLst>
+              <a:ext uri="{FF2B5EF4-FFF2-40B4-BE49-F238E27FC236}">
+                <a16:creationId xmlns:a16="http://schemas.microsoft.com/office/drawing/2014/main" id="{E369E920-24CB-45E0-FB52-AB2089B74725}"/>
               </a:ext>
             </a:extLst>
           </p:cNvPr>
@@ -4461,8 +7072,8 @@
         </p:nvCxnSpPr>
         <p:spPr>
           <a:xfrm>
-            <a:off x="6263848" y="3258262"/>
-            <a:ext cx="1860267" cy="0"/>
+            <a:off x="4121792" y="2943997"/>
+            <a:ext cx="316125" cy="0"/>
           </a:xfrm>
           <a:prstGeom prst="straightConnector1">
             <a:avLst/>
@@ -4472,62 +7083,26 @@
           </a:ln>
         </p:spPr>
         <p:style>
-          <a:lnRef idx="3">
-            <a:schemeClr val="dk1"/>
+          <a:lnRef idx="1">
+            <a:schemeClr val="accent1"/>
           </a:lnRef>
           <a:fillRef idx="0">
-            <a:schemeClr val="dk1"/>
+            <a:schemeClr val="accent1"/>
           </a:fillRef>
-          <a:effectRef idx="2">
-            <a:schemeClr val="dk1"/>
+          <a:effectRef idx="0">
+            <a:schemeClr val="accent1"/>
           </a:effectRef>
           <a:fontRef idx="minor">
             <a:schemeClr val="tx1"/>
           </a:fontRef>
         </p:style>
       </p:cxnSp>
-      <p:sp>
-        <p:nvSpPr>
-          <p:cNvPr id="32" name="TextBox 31">
-            <a:extLst>
-              <a:ext uri="{FF2B5EF4-FFF2-40B4-BE49-F238E27FC236}">
-                <a16:creationId xmlns:a16="http://schemas.microsoft.com/office/drawing/2014/main" id="{8BFE0A41-93DD-2E64-61C5-2AA4204F3B0A}"/>
-              </a:ext>
-            </a:extLst>
-          </p:cNvPr>
-          <p:cNvSpPr txBox="1"/>
-          <p:nvPr/>
-        </p:nvSpPr>
-        <p:spPr>
-          <a:xfrm>
-            <a:off x="176719" y="3038869"/>
-            <a:ext cx="2532327" cy="369332"/>
-          </a:xfrm>
-          <a:prstGeom prst="rect">
-            <a:avLst/>
-          </a:prstGeom>
-          <a:noFill/>
-        </p:spPr>
-        <p:txBody>
-          <a:bodyPr wrap="square" rtlCol="0">
-            <a:spAutoFit/>
-          </a:bodyPr>
-          <a:lstStyle/>
-          <a:p>
-            <a:r>
-              <a:rPr lang="en-US" dirty="0"/>
-              <a:t>Chr 10: 902758- 902820</a:t>
-            </a:r>
-            <a:endParaRPr lang="en-DE" dirty="0"/>
-          </a:p>
-        </p:txBody>
-      </p:sp>
       <p:cxnSp>
         <p:nvCxnSpPr>
-          <p:cNvPr id="33" name="Straight Arrow Connector 32">
-            <a:extLst>
-              <a:ext uri="{FF2B5EF4-FFF2-40B4-BE49-F238E27FC236}">
-                <a16:creationId xmlns:a16="http://schemas.microsoft.com/office/drawing/2014/main" id="{E433FAF1-A79A-7C1C-370E-6E30210FF251}"/>
+          <p:cNvPr id="27" name="Elbow Connector 26">
+            <a:extLst>
+              <a:ext uri="{FF2B5EF4-FFF2-40B4-BE49-F238E27FC236}">
+                <a16:creationId xmlns:a16="http://schemas.microsoft.com/office/drawing/2014/main" id="{2839DA2D-29D1-DA90-BE13-707AF89651E6}"/>
               </a:ext>
             </a:extLst>
           </p:cNvPr>
@@ -4537,9 +7112,168 @@
           <p:nvPr/>
         </p:nvCxnSpPr>
         <p:spPr>
-          <a:xfrm>
-            <a:off x="2992989" y="3250755"/>
-            <a:ext cx="1860267" cy="0"/>
+          <a:xfrm flipV="1">
+            <a:off x="3144838" y="3172034"/>
+            <a:ext cx="1212024" cy="495669"/>
+          </a:xfrm>
+          <a:prstGeom prst="bentConnector3">
+            <a:avLst>
+              <a:gd name="adj1" fmla="val 99607"/>
+            </a:avLst>
+          </a:prstGeom>
+          <a:ln>
+            <a:tailEnd type="triangle"/>
+          </a:ln>
+        </p:spPr>
+        <p:style>
+          <a:lnRef idx="1">
+            <a:schemeClr val="accent1"/>
+          </a:lnRef>
+          <a:fillRef idx="0">
+            <a:schemeClr val="accent1"/>
+          </a:fillRef>
+          <a:effectRef idx="0">
+            <a:schemeClr val="accent1"/>
+          </a:effectRef>
+          <a:fontRef idx="minor">
+            <a:schemeClr val="tx1"/>
+          </a:fontRef>
+        </p:style>
+      </p:cxnSp>
+      <p:sp>
+        <p:nvSpPr>
+          <p:cNvPr id="36" name="TextBox 35">
+            <a:extLst>
+              <a:ext uri="{FF2B5EF4-FFF2-40B4-BE49-F238E27FC236}">
+                <a16:creationId xmlns:a16="http://schemas.microsoft.com/office/drawing/2014/main" id="{F52742C2-BDDC-248B-1CA0-42EA7EB8BF90}"/>
+              </a:ext>
+            </a:extLst>
+          </p:cNvPr>
+          <p:cNvSpPr txBox="1"/>
+          <p:nvPr/>
+        </p:nvSpPr>
+        <p:spPr>
+          <a:xfrm>
+            <a:off x="2559887" y="3748898"/>
+            <a:ext cx="2555895" cy="646331"/>
+          </a:xfrm>
+          <a:prstGeom prst="rect">
+            <a:avLst/>
+          </a:prstGeom>
+          <a:noFill/>
+        </p:spPr>
+        <p:txBody>
+          <a:bodyPr wrap="square" rtlCol="0">
+            <a:spAutoFit/>
+          </a:bodyPr>
+          <a:lstStyle/>
+          <a:p>
+            <a:r>
+              <a:rPr lang="en-DE" dirty="0"/>
+              <a:t>Skipped connections + dilated </a:t>
+            </a:r>
+          </a:p>
+        </p:txBody>
+      </p:sp>
+      <p:sp>
+        <p:nvSpPr>
+          <p:cNvPr id="37" name="Cube 36">
+            <a:extLst>
+              <a:ext uri="{FF2B5EF4-FFF2-40B4-BE49-F238E27FC236}">
+                <a16:creationId xmlns:a16="http://schemas.microsoft.com/office/drawing/2014/main" id="{626F4AB8-F8E7-804F-E7B1-B1E27DBC2216}"/>
+              </a:ext>
+            </a:extLst>
+          </p:cNvPr>
+          <p:cNvSpPr/>
+          <p:nvPr/>
+        </p:nvSpPr>
+        <p:spPr>
+          <a:xfrm>
+            <a:off x="4888558" y="1884525"/>
+            <a:ext cx="454447" cy="796181"/>
+          </a:xfrm>
+          <a:prstGeom prst="cube">
+            <a:avLst/>
+          </a:prstGeom>
+        </p:spPr>
+        <p:style>
+          <a:lnRef idx="2">
+            <a:schemeClr val="accent4">
+              <a:shade val="15000"/>
+            </a:schemeClr>
+          </a:lnRef>
+          <a:fillRef idx="1">
+            <a:schemeClr val="accent4"/>
+          </a:fillRef>
+          <a:effectRef idx="0">
+            <a:schemeClr val="accent4"/>
+          </a:effectRef>
+          <a:fontRef idx="minor">
+            <a:schemeClr val="lt1"/>
+          </a:fontRef>
+        </p:style>
+        <p:txBody>
+          <a:bodyPr rtlCol="0" anchor="ctr"/>
+          <a:lstStyle/>
+          <a:p>
+            <a:pPr algn="ctr"/>
+            <a:endParaRPr lang="en-DE" dirty="0"/>
+          </a:p>
+        </p:txBody>
+      </p:sp>
+      <p:sp>
+        <p:nvSpPr>
+          <p:cNvPr id="38" name="TextBox 37">
+            <a:extLst>
+              <a:ext uri="{FF2B5EF4-FFF2-40B4-BE49-F238E27FC236}">
+                <a16:creationId xmlns:a16="http://schemas.microsoft.com/office/drawing/2014/main" id="{3E931447-3F34-B54C-496A-EE8881886AD1}"/>
+              </a:ext>
+            </a:extLst>
+          </p:cNvPr>
+          <p:cNvSpPr txBox="1"/>
+          <p:nvPr/>
+        </p:nvSpPr>
+        <p:spPr>
+          <a:xfrm>
+            <a:off x="4381184" y="1471823"/>
+            <a:ext cx="2555895" cy="369332"/>
+          </a:xfrm>
+          <a:prstGeom prst="rect">
+            <a:avLst/>
+          </a:prstGeom>
+          <a:noFill/>
+        </p:spPr>
+        <p:txBody>
+          <a:bodyPr wrap="square" rtlCol="0">
+            <a:spAutoFit/>
+          </a:bodyPr>
+          <a:lstStyle/>
+          <a:p>
+            <a:r>
+              <a:rPr lang="en-DE" dirty="0"/>
+              <a:t>Deconvolution</a:t>
+            </a:r>
+          </a:p>
+        </p:txBody>
+      </p:sp>
+      <p:cxnSp>
+        <p:nvCxnSpPr>
+          <p:cNvPr id="39" name="Straight Arrow Connector 38">
+            <a:extLst>
+              <a:ext uri="{FF2B5EF4-FFF2-40B4-BE49-F238E27FC236}">
+                <a16:creationId xmlns:a16="http://schemas.microsoft.com/office/drawing/2014/main" id="{748BD635-89D4-1EA5-0B8D-5A6A61C1C9DD}"/>
+              </a:ext>
+            </a:extLst>
+          </p:cNvPr>
+          <p:cNvCxnSpPr>
+            <a:cxnSpLocks/>
+          </p:cNvCxnSpPr>
+          <p:nvPr/>
+        </p:nvCxnSpPr>
+        <p:spPr>
+          <a:xfrm>
+            <a:off x="5501068" y="2250224"/>
+            <a:ext cx="316125" cy="0"/>
           </a:xfrm>
           <a:prstGeom prst="straightConnector1">
             <a:avLst/>
@@ -4549,14 +7283,14 @@
           </a:ln>
         </p:spPr>
         <p:style>
-          <a:lnRef idx="3">
-            <a:schemeClr val="dk1"/>
+          <a:lnRef idx="1">
+            <a:schemeClr val="accent1"/>
           </a:lnRef>
           <a:fillRef idx="0">
-            <a:schemeClr val="dk1"/>
+            <a:schemeClr val="accent1"/>
           </a:fillRef>
-          <a:effectRef idx="2">
-            <a:schemeClr val="dk1"/>
+          <a:effectRef idx="0">
+            <a:schemeClr val="accent1"/>
           </a:effectRef>
           <a:fontRef idx="minor">
             <a:schemeClr val="tx1"/>
@@ -4565,10 +7299,10 @@
       </p:cxnSp>
       <p:sp>
         <p:nvSpPr>
-          <p:cNvPr id="34" name="TextBox 33">
-            <a:extLst>
-              <a:ext uri="{FF2B5EF4-FFF2-40B4-BE49-F238E27FC236}">
-                <a16:creationId xmlns:a16="http://schemas.microsoft.com/office/drawing/2014/main" id="{F1C2AB30-6C4E-CF40-4A21-987EDB665495}"/>
+          <p:cNvPr id="40" name="TextBox 39">
+            <a:extLst>
+              <a:ext uri="{FF2B5EF4-FFF2-40B4-BE49-F238E27FC236}">
+                <a16:creationId xmlns:a16="http://schemas.microsoft.com/office/drawing/2014/main" id="{1313F36B-A90A-E12A-D895-CAEEF926E347}"/>
               </a:ext>
             </a:extLst>
           </p:cNvPr>
@@ -4577,8 +7311,8 @@
         </p:nvSpPr>
         <p:spPr>
           <a:xfrm>
-            <a:off x="2668406" y="3465352"/>
-            <a:ext cx="3818582" cy="1200329"/>
+            <a:off x="6099248" y="3389332"/>
+            <a:ext cx="2747144" cy="923330"/>
           </a:xfrm>
           <a:prstGeom prst="rect">
             <a:avLst/>
@@ -4592,52 +7326,64 @@
           <a:lstStyle/>
           <a:p>
             <a:r>
-              <a:rPr lang="en-US" dirty="0">
-                <a:solidFill>
-                  <a:srgbClr val="FF0000"/>
-                </a:solidFill>
-              </a:rPr>
-              <a:t>Which sequence do we use?</a:t>
-            </a:r>
-          </a:p>
-          <a:p>
-            <a:pPr marL="285750" indent="-285750">
-              <a:buFont typeface="Wingdings" pitchFamily="2" charset="2"/>
-              <a:buChar char="è"/>
-            </a:pPr>
-            <a:r>
-              <a:rPr lang="en-US" dirty="0"/>
-              <a:t>Exact peak</a:t>
-            </a:r>
-          </a:p>
-          <a:p>
-            <a:pPr marL="285750" indent="-285750">
-              <a:buFont typeface="Wingdings" pitchFamily="2" charset="2"/>
-              <a:buChar char="è"/>
-            </a:pPr>
-            <a:r>
-              <a:rPr lang="en-US" dirty="0"/>
-              <a:t>Peak with fixed number bp around</a:t>
-            </a:r>
-          </a:p>
-          <a:p>
-            <a:pPr marL="285750" indent="-285750">
-              <a:buFont typeface="Wingdings" pitchFamily="2" charset="2"/>
-              <a:buChar char="è"/>
-            </a:pPr>
-            <a:r>
-              <a:rPr lang="en-US" dirty="0"/>
-              <a:t>Exact length around center peak</a:t>
-            </a:r>
-          </a:p>
-        </p:txBody>
-      </p:sp>
-      <p:sp>
-        <p:nvSpPr>
-          <p:cNvPr id="36" name="TextBox 35">
-            <a:extLst>
-              <a:ext uri="{FF2B5EF4-FFF2-40B4-BE49-F238E27FC236}">
-                <a16:creationId xmlns:a16="http://schemas.microsoft.com/office/drawing/2014/main" id="{7C176929-B274-4F5A-2AB0-0B2BAC47985C}"/>
+              <a:rPr lang="en-DE" dirty="0"/>
+              <a:t>Total count prediction: total Tn5 insertion  over input region</a:t>
+            </a:r>
+          </a:p>
+        </p:txBody>
+      </p:sp>
+      <p:sp>
+        <p:nvSpPr>
+          <p:cNvPr id="41" name="Cube 40">
+            <a:extLst>
+              <a:ext uri="{FF2B5EF4-FFF2-40B4-BE49-F238E27FC236}">
+                <a16:creationId xmlns:a16="http://schemas.microsoft.com/office/drawing/2014/main" id="{B237E18C-6FBF-C941-3D0B-6D503BB6F123}"/>
+              </a:ext>
+            </a:extLst>
+          </p:cNvPr>
+          <p:cNvSpPr/>
+          <p:nvPr/>
+        </p:nvSpPr>
+        <p:spPr>
+          <a:xfrm>
+            <a:off x="4916925" y="3419868"/>
+            <a:ext cx="454447" cy="796181"/>
+          </a:xfrm>
+          <a:prstGeom prst="cube">
+            <a:avLst/>
+          </a:prstGeom>
+        </p:spPr>
+        <p:style>
+          <a:lnRef idx="2">
+            <a:schemeClr val="accent6">
+              <a:shade val="15000"/>
+            </a:schemeClr>
+          </a:lnRef>
+          <a:fillRef idx="1">
+            <a:schemeClr val="accent6"/>
+          </a:fillRef>
+          <a:effectRef idx="0">
+            <a:schemeClr val="accent6"/>
+          </a:effectRef>
+          <a:fontRef idx="minor">
+            <a:schemeClr val="lt1"/>
+          </a:fontRef>
+        </p:style>
+        <p:txBody>
+          <a:bodyPr rtlCol="0" anchor="ctr"/>
+          <a:lstStyle/>
+          <a:p>
+            <a:pPr algn="ctr"/>
+            <a:endParaRPr lang="en-DE" dirty="0"/>
+          </a:p>
+        </p:txBody>
+      </p:sp>
+      <p:sp>
+        <p:nvSpPr>
+          <p:cNvPr id="42" name="TextBox 41">
+            <a:extLst>
+              <a:ext uri="{FF2B5EF4-FFF2-40B4-BE49-F238E27FC236}">
+                <a16:creationId xmlns:a16="http://schemas.microsoft.com/office/drawing/2014/main" id="{84A20B0B-19B6-8EC4-D644-91911CA051A5}"/>
               </a:ext>
             </a:extLst>
           </p:cNvPr>
@@ -4646,8 +7392,8 @@
         </p:nvSpPr>
         <p:spPr>
           <a:xfrm>
-            <a:off x="7705957" y="3993525"/>
-            <a:ext cx="3442950" cy="646331"/>
+            <a:off x="4437917" y="4312662"/>
+            <a:ext cx="2555895" cy="369332"/>
           </a:xfrm>
           <a:prstGeom prst="rect">
             <a:avLst/>
@@ -4661,62 +7407,30 @@
           <a:lstStyle/>
           <a:p>
             <a:r>
-              <a:rPr lang="en-US" dirty="0">
-                <a:solidFill>
-                  <a:srgbClr val="FF0000"/>
-                </a:solidFill>
-              </a:rPr>
-              <a:t>What to do with the N in the sequences?</a:t>
-            </a:r>
-          </a:p>
-        </p:txBody>
-      </p:sp>
-      <p:pic>
-        <p:nvPicPr>
-          <p:cNvPr id="37" name="Picture 36">
-            <a:extLst>
-              <a:ext uri="{FF2B5EF4-FFF2-40B4-BE49-F238E27FC236}">
-                <a16:creationId xmlns:a16="http://schemas.microsoft.com/office/drawing/2014/main" id="{7A940911-23A3-1124-C25B-CF078A9E0E73}"/>
-              </a:ext>
-            </a:extLst>
-          </p:cNvPr>
-          <p:cNvPicPr>
-            <a:picLocks noChangeAspect="1"/>
-          </p:cNvPicPr>
-          <p:nvPr/>
-        </p:nvPicPr>
-        <p:blipFill>
-          <a:blip r:embed="rId5"/>
-          <a:stretch>
-            <a:fillRect/>
-          </a:stretch>
-        </p:blipFill>
-        <p:spPr>
-          <a:xfrm>
-            <a:off x="7306126" y="242340"/>
-            <a:ext cx="3508889" cy="2330206"/>
-          </a:xfrm>
-          <a:prstGeom prst="rect">
-            <a:avLst/>
-          </a:prstGeom>
-        </p:spPr>
-      </p:pic>
+              <a:rPr lang="en-DE" dirty="0"/>
+              <a:t>Global pool + linear layer</a:t>
+            </a:r>
+          </a:p>
+        </p:txBody>
+      </p:sp>
       <p:cxnSp>
         <p:nvCxnSpPr>
-          <p:cNvPr id="39" name="Straight Arrow Connector 38">
-            <a:extLst>
-              <a:ext uri="{FF2B5EF4-FFF2-40B4-BE49-F238E27FC236}">
-                <a16:creationId xmlns:a16="http://schemas.microsoft.com/office/drawing/2014/main" id="{7D25E796-9430-BA90-1249-048F50AF6D45}"/>
-              </a:ext>
-            </a:extLst>
-          </p:cNvPr>
-          <p:cNvCxnSpPr/>
+          <p:cNvPr id="44" name="Straight Arrow Connector 43">
+            <a:extLst>
+              <a:ext uri="{FF2B5EF4-FFF2-40B4-BE49-F238E27FC236}">
+                <a16:creationId xmlns:a16="http://schemas.microsoft.com/office/drawing/2014/main" id="{7AA496A2-7B3E-6EE4-0CA3-7D04175C4170}"/>
+              </a:ext>
+            </a:extLst>
+          </p:cNvPr>
+          <p:cNvCxnSpPr>
+            <a:cxnSpLocks/>
+          </p:cNvCxnSpPr>
           <p:nvPr/>
         </p:nvCxnSpPr>
         <p:spPr>
           <a:xfrm>
-            <a:off x="9732723" y="2311756"/>
-            <a:ext cx="801666" cy="469876"/>
+            <a:off x="5525574" y="3808745"/>
+            <a:ext cx="316125" cy="0"/>
           </a:xfrm>
           <a:prstGeom prst="straightConnector1">
             <a:avLst/>
@@ -4726,14 +7440,14 @@
           </a:ln>
         </p:spPr>
         <p:style>
-          <a:lnRef idx="3">
-            <a:schemeClr val="accent2"/>
+          <a:lnRef idx="1">
+            <a:schemeClr val="accent1"/>
           </a:lnRef>
           <a:fillRef idx="0">
-            <a:schemeClr val="accent2"/>
+            <a:schemeClr val="accent1"/>
           </a:fillRef>
-          <a:effectRef idx="2">
-            <a:schemeClr val="accent2"/>
+          <a:effectRef idx="0">
+            <a:schemeClr val="accent1"/>
           </a:effectRef>
           <a:fontRef idx="minor">
             <a:schemeClr val="tx1"/>
@@ -4742,10 +7456,10 @@
       </p:cxnSp>
       <p:sp>
         <p:nvSpPr>
-          <p:cNvPr id="40" name="TextBox 39">
-            <a:extLst>
-              <a:ext uri="{FF2B5EF4-FFF2-40B4-BE49-F238E27FC236}">
-                <a16:creationId xmlns:a16="http://schemas.microsoft.com/office/drawing/2014/main" id="{BF43FC52-1879-9EAB-A2E4-DB8BD656A5E2}"/>
+          <p:cNvPr id="45" name="TextBox 44">
+            <a:extLst>
+              <a:ext uri="{FF2B5EF4-FFF2-40B4-BE49-F238E27FC236}">
+                <a16:creationId xmlns:a16="http://schemas.microsoft.com/office/drawing/2014/main" id="{B9CB4023-FCE0-8FEA-4332-F2BE9818BF37}"/>
               </a:ext>
             </a:extLst>
           </p:cNvPr>
@@ -4754,8 +7468,8 @@
         </p:nvSpPr>
         <p:spPr>
           <a:xfrm>
-            <a:off x="10599835" y="2669537"/>
-            <a:ext cx="1738302" cy="923330"/>
+            <a:off x="6127656" y="1984284"/>
+            <a:ext cx="2747144" cy="923330"/>
           </a:xfrm>
           <a:prstGeom prst="rect">
             <a:avLst/>
@@ -4770,23 +7484,17 @@
           <a:p>
             <a:r>
               <a:rPr lang="en-DE" dirty="0"/>
-              <a:t>Pseudo bulk ATAC read count</a:t>
-            </a:r>
-          </a:p>
-          <a:p>
-            <a:r>
-              <a:rPr lang="en-DE" dirty="0"/>
-              <a:t>-&gt; discrete</a:t>
-            </a:r>
-          </a:p>
-        </p:txBody>
-      </p:sp>
-      <p:sp>
-        <p:nvSpPr>
-          <p:cNvPr id="41" name="TextBox 40">
-            <a:extLst>
-              <a:ext uri="{FF2B5EF4-FFF2-40B4-BE49-F238E27FC236}">
-                <a16:creationId xmlns:a16="http://schemas.microsoft.com/office/drawing/2014/main" id="{15DF3F34-A618-FC78-9807-035D8256E199}"/>
+              <a:t>Profile prediction head: probability of Tn5 insertion at each position sequence</a:t>
+            </a:r>
+          </a:p>
+        </p:txBody>
+      </p:sp>
+      <p:sp>
+        <p:nvSpPr>
+          <p:cNvPr id="46" name="TextBox 45">
+            <a:extLst>
+              <a:ext uri="{FF2B5EF4-FFF2-40B4-BE49-F238E27FC236}">
+                <a16:creationId xmlns:a16="http://schemas.microsoft.com/office/drawing/2014/main" id="{91D9C1AA-52C1-AB50-B715-90FC3B8C8546}"/>
               </a:ext>
             </a:extLst>
           </p:cNvPr>
@@ -4795,8 +7503,8 @@
         </p:nvSpPr>
         <p:spPr>
           <a:xfrm>
-            <a:off x="290484" y="4891654"/>
-            <a:ext cx="4082335" cy="2031325"/>
+            <a:off x="8927314" y="2640902"/>
+            <a:ext cx="3264686" cy="923330"/>
           </a:xfrm>
           <a:prstGeom prst="rect">
             <a:avLst/>
@@ -4810,46 +7518,59 @@
           <a:lstStyle/>
           <a:p>
             <a:r>
-              <a:rPr lang="en-US" dirty="0">
-                <a:solidFill>
-                  <a:srgbClr val="FF0000"/>
-                </a:solidFill>
-              </a:rPr>
-              <a:t>Exclude sex chromosomes? </a:t>
-            </a:r>
-          </a:p>
-          <a:p>
-            <a:endParaRPr lang="en-US" dirty="0">
-              <a:solidFill>
-                <a:srgbClr val="FF0000"/>
-              </a:solidFill>
-            </a:endParaRPr>
-          </a:p>
-          <a:p>
-            <a:r>
-              <a:rPr lang="en-US" dirty="0">
-                <a:solidFill>
-                  <a:srgbClr val="FF0000"/>
-                </a:solidFill>
-              </a:rPr>
-              <a:t>Aggregate for some time + cell type -&gt; very few cells. Do still keep those pseudo bulk? Probably not enough cells to be good estimate of tracks</a:t>
-            </a:r>
-          </a:p>
-          <a:p>
-            <a:endParaRPr lang="en-US" dirty="0">
-              <a:solidFill>
-                <a:srgbClr val="FF0000"/>
-              </a:solidFill>
-            </a:endParaRPr>
-          </a:p>
-        </p:txBody>
-      </p:sp>
-      <p:sp>
-        <p:nvSpPr>
-          <p:cNvPr id="42" name="TextBox 41">
-            <a:extLst>
-              <a:ext uri="{FF2B5EF4-FFF2-40B4-BE49-F238E27FC236}">
-                <a16:creationId xmlns:a16="http://schemas.microsoft.com/office/drawing/2014/main" id="{52B405B1-70C1-43A7-38FE-57517608F61E}"/>
+              <a:rPr lang="en-DE" dirty="0"/>
+              <a:t>Multiply total count by probability each base to get predicted at position</a:t>
+            </a:r>
+          </a:p>
+        </p:txBody>
+      </p:sp>
+      <p:cxnSp>
+        <p:nvCxnSpPr>
+          <p:cNvPr id="47" name="Straight Arrow Connector 46">
+            <a:extLst>
+              <a:ext uri="{FF2B5EF4-FFF2-40B4-BE49-F238E27FC236}">
+                <a16:creationId xmlns:a16="http://schemas.microsoft.com/office/drawing/2014/main" id="{FDF7F2B5-666A-D47F-EE0C-0C67C799944D}"/>
+              </a:ext>
+            </a:extLst>
+          </p:cNvPr>
+          <p:cNvCxnSpPr>
+            <a:cxnSpLocks/>
+          </p:cNvCxnSpPr>
+          <p:nvPr/>
+        </p:nvCxnSpPr>
+        <p:spPr>
+          <a:xfrm>
+            <a:off x="8530267" y="3102567"/>
+            <a:ext cx="316125" cy="0"/>
+          </a:xfrm>
+          <a:prstGeom prst="straightConnector1">
+            <a:avLst/>
+          </a:prstGeom>
+          <a:ln>
+            <a:tailEnd type="triangle"/>
+          </a:ln>
+        </p:spPr>
+        <p:style>
+          <a:lnRef idx="1">
+            <a:schemeClr val="accent1"/>
+          </a:lnRef>
+          <a:fillRef idx="0">
+            <a:schemeClr val="accent1"/>
+          </a:fillRef>
+          <a:effectRef idx="0">
+            <a:schemeClr val="accent1"/>
+          </a:effectRef>
+          <a:fontRef idx="minor">
+            <a:schemeClr val="tx1"/>
+          </a:fontRef>
+        </p:style>
+      </p:cxnSp>
+      <p:sp>
+        <p:nvSpPr>
+          <p:cNvPr id="49" name="TextBox 48">
+            <a:extLst>
+              <a:ext uri="{FF2B5EF4-FFF2-40B4-BE49-F238E27FC236}">
+                <a16:creationId xmlns:a16="http://schemas.microsoft.com/office/drawing/2014/main" id="{5C4B129E-E469-89B3-E57A-3FB7CFDA5308}"/>
               </a:ext>
             </a:extLst>
           </p:cNvPr>
@@ -4858,8 +7579,8 @@
         </p:nvSpPr>
         <p:spPr>
           <a:xfrm>
-            <a:off x="4844606" y="4872770"/>
-            <a:ext cx="4082335" cy="1477328"/>
+            <a:off x="588943" y="4851741"/>
+            <a:ext cx="2555895" cy="1477328"/>
           </a:xfrm>
           <a:prstGeom prst="rect">
             <a:avLst/>
@@ -4873,35 +7594,243 @@
           <a:lstStyle/>
           <a:p>
             <a:r>
-              <a:rPr lang="en-US">
+              <a:rPr lang="en-US" dirty="0">
                 <a:solidFill>
-                  <a:srgbClr val="FF0000"/>
+                  <a:srgbClr val="C00000"/>
                 </a:solidFill>
               </a:rPr>
-              <a:t>Aggregate </a:t>
+              <a:t>Should we go bigger (</a:t>
+            </a:r>
+            <a:r>
+              <a:rPr lang="en-US" dirty="0" err="1">
+                <a:solidFill>
+                  <a:srgbClr val="C00000"/>
+                </a:solidFill>
+              </a:rPr>
+              <a:t>ie</a:t>
             </a:r>
             <a:r>
               <a:rPr lang="en-US" dirty="0">
                 <a:solidFill>
-                  <a:srgbClr val="FF0000"/>
+                  <a:srgbClr val="C00000"/>
                 </a:solidFill>
               </a:rPr>
-              <a:t>for some time + cell type -&gt; very few cells. Do still keep those pseudo bulk? Probably not enough cells to be good estimate of tracks</a:t>
+              <a:t> more parameters) since we need more capacity since modelling all cell types at once?</a:t>
+            </a:r>
+            <a:endParaRPr lang="en-DE" dirty="0">
+              <a:solidFill>
+                <a:srgbClr val="C00000"/>
+              </a:solidFill>
+            </a:endParaRPr>
+          </a:p>
+        </p:txBody>
+      </p:sp>
+      <p:pic>
+        <p:nvPicPr>
+          <p:cNvPr id="1026" name="Picture 2" descr="ChromBPNet">
+            <a:extLst>
+              <a:ext uri="{FF2B5EF4-FFF2-40B4-BE49-F238E27FC236}">
+                <a16:creationId xmlns:a16="http://schemas.microsoft.com/office/drawing/2014/main" id="{722573B7-32A6-E1E4-8114-A70B6B9D6A73}"/>
+              </a:ext>
+            </a:extLst>
+          </p:cNvPr>
+          <p:cNvPicPr>
+            <a:picLocks noChangeAspect="1" noChangeArrowheads="1"/>
+          </p:cNvPicPr>
+          <p:nvPr/>
+        </p:nvPicPr>
+        <p:blipFill>
+          <a:blip r:embed="rId4">
+            <a:extLst>
+              <a:ext uri="{28A0092B-C50C-407E-A947-70E740481C1C}">
+                <a14:useLocalDpi xmlns:a14="http://schemas.microsoft.com/office/drawing/2010/main" val="0"/>
+              </a:ext>
+            </a:extLst>
+          </a:blip>
+          <a:srcRect/>
+          <a:stretch>
+            <a:fillRect/>
+          </a:stretch>
+        </p:blipFill>
+        <p:spPr bwMode="auto">
+          <a:xfrm>
+            <a:off x="8874800" y="258586"/>
+            <a:ext cx="2788274" cy="1874724"/>
+          </a:xfrm>
+          <a:prstGeom prst="rect">
+            <a:avLst/>
+          </a:prstGeom>
+          <a:noFill/>
+          <a:extLst>
+            <a:ext uri="{909E8E84-426E-40DD-AFC4-6F175D3DCCD1}">
+              <a14:hiddenFill xmlns:a14="http://schemas.microsoft.com/office/drawing/2010/main">
+                <a:solidFill>
+                  <a:srgbClr val="FFFFFF"/>
+                </a:solidFill>
+              </a14:hiddenFill>
+            </a:ext>
+          </a:extLst>
+        </p:spPr>
+      </p:pic>
+      <p:sp>
+        <p:nvSpPr>
+          <p:cNvPr id="50" name="TextBox 49">
+            <a:extLst>
+              <a:ext uri="{FF2B5EF4-FFF2-40B4-BE49-F238E27FC236}">
+                <a16:creationId xmlns:a16="http://schemas.microsoft.com/office/drawing/2014/main" id="{1CE31B6C-81D8-025E-FC0A-4B8CCCABB82E}"/>
+              </a:ext>
+            </a:extLst>
+          </p:cNvPr>
+          <p:cNvSpPr txBox="1"/>
+          <p:nvPr/>
+        </p:nvSpPr>
+        <p:spPr>
+          <a:xfrm>
+            <a:off x="9047164" y="4773845"/>
+            <a:ext cx="2555895" cy="1477328"/>
+          </a:xfrm>
+          <a:prstGeom prst="rect">
+            <a:avLst/>
+          </a:prstGeom>
+          <a:noFill/>
+        </p:spPr>
+        <p:txBody>
+          <a:bodyPr wrap="square" rtlCol="0">
+            <a:spAutoFit/>
+          </a:bodyPr>
+          <a:lstStyle/>
+          <a:p>
+            <a:r>
+              <a:rPr lang="en-US" dirty="0">
+                <a:solidFill>
+                  <a:srgbClr val="C00000"/>
+                </a:solidFill>
+              </a:rPr>
+              <a:t>How to handle such large datasets? </a:t>
             </a:r>
           </a:p>
           <a:p>
             <a:endParaRPr lang="en-US" dirty="0">
               <a:solidFill>
-                <a:srgbClr val="FF0000"/>
+                <a:srgbClr val="C00000"/>
               </a:solidFill>
             </a:endParaRPr>
+          </a:p>
+          <a:p>
+            <a:r>
+              <a:rPr lang="en-US" dirty="0">
+                <a:solidFill>
+                  <a:srgbClr val="C00000"/>
+                </a:solidFill>
+              </a:rPr>
+              <a:t>Make sure </a:t>
+            </a:r>
+            <a:r>
+              <a:rPr lang="en-US" dirty="0" err="1">
+                <a:solidFill>
+                  <a:srgbClr val="C00000"/>
+                </a:solidFill>
+              </a:rPr>
+              <a:t>dtype</a:t>
+            </a:r>
+            <a:r>
+              <a:rPr lang="en-US" dirty="0">
+                <a:solidFill>
+                  <a:srgbClr val="C00000"/>
+                </a:solidFill>
+              </a:rPr>
+              <a:t> as efficient as possible</a:t>
+            </a:r>
+            <a:endParaRPr lang="en-DE" dirty="0">
+              <a:solidFill>
+                <a:srgbClr val="C00000"/>
+              </a:solidFill>
+            </a:endParaRPr>
+          </a:p>
+        </p:txBody>
+      </p:sp>
+      <p:sp>
+        <p:nvSpPr>
+          <p:cNvPr id="51" name="TextBox 50">
+            <a:extLst>
+              <a:ext uri="{FF2B5EF4-FFF2-40B4-BE49-F238E27FC236}">
+                <a16:creationId xmlns:a16="http://schemas.microsoft.com/office/drawing/2014/main" id="{E4D96979-43F0-38CD-B0FC-6E3D50A3610A}"/>
+              </a:ext>
+            </a:extLst>
+          </p:cNvPr>
+          <p:cNvSpPr txBox="1"/>
+          <p:nvPr/>
+        </p:nvSpPr>
+        <p:spPr>
+          <a:xfrm>
+            <a:off x="3530158" y="5010310"/>
+            <a:ext cx="2094953" cy="923330"/>
+          </a:xfrm>
+          <a:prstGeom prst="rect">
+            <a:avLst/>
+          </a:prstGeom>
+          <a:noFill/>
+        </p:spPr>
+        <p:txBody>
+          <a:bodyPr wrap="square" rtlCol="0">
+            <a:spAutoFit/>
+          </a:bodyPr>
+          <a:lstStyle/>
+          <a:p>
+            <a:r>
+              <a:rPr lang="en-US" dirty="0">
+                <a:solidFill>
+                  <a:srgbClr val="C00000"/>
+                </a:solidFill>
+              </a:rPr>
+              <a:t>Train/test split? Keep some chr for testing </a:t>
+            </a:r>
+          </a:p>
+        </p:txBody>
+      </p:sp>
+      <p:sp>
+        <p:nvSpPr>
+          <p:cNvPr id="52" name="TextBox 51">
+            <a:extLst>
+              <a:ext uri="{FF2B5EF4-FFF2-40B4-BE49-F238E27FC236}">
+                <a16:creationId xmlns:a16="http://schemas.microsoft.com/office/drawing/2014/main" id="{DEFF70CF-3BF4-06D5-32D0-94947D221786}"/>
+              </a:ext>
+            </a:extLst>
+          </p:cNvPr>
+          <p:cNvSpPr txBox="1"/>
+          <p:nvPr/>
+        </p:nvSpPr>
+        <p:spPr>
+          <a:xfrm>
+            <a:off x="5841699" y="5092326"/>
+            <a:ext cx="2785366" cy="646331"/>
+          </a:xfrm>
+          <a:prstGeom prst="rect">
+            <a:avLst/>
+          </a:prstGeom>
+          <a:noFill/>
+        </p:spPr>
+        <p:txBody>
+          <a:bodyPr wrap="square" rtlCol="0">
+            <a:spAutoFit/>
+          </a:bodyPr>
+          <a:lstStyle/>
+          <a:p>
+            <a:r>
+              <a:rPr lang="en-US" dirty="0">
+                <a:solidFill>
+                  <a:srgbClr val="C00000"/>
+                </a:solidFill>
+              </a:rPr>
+              <a:t>Where would you add the metadata?</a:t>
+            </a:r>
           </a:p>
         </p:txBody>
       </p:sp>
     </p:spTree>
     <p:extLst>
       <p:ext uri="{BB962C8B-B14F-4D97-AF65-F5344CB8AC3E}">
-        <p14:creationId xmlns:p14="http://schemas.microsoft.com/office/powerpoint/2010/main" val="563429381"/>
+        <p14:creationId xmlns:p14="http://schemas.microsoft.com/office/powerpoint/2010/main" val="3776623275"/>
       </p:ext>
     </p:extLst>
   </p:cSld>
@@ -4911,7 +7840,7 @@
 </p:sld>
 </file>
 
-<file path=ppt/slides/slide2.xml><?xml version="1.0" encoding="utf-8"?>
+<file path=ppt/slides/slide6.xml><?xml version="1.0" encoding="utf-8"?>
 <p:sld xmlns:a="http://schemas.openxmlformats.org/drawingml/2006/main" xmlns:r="http://schemas.openxmlformats.org/officeDocument/2006/relationships" xmlns:p="http://schemas.openxmlformats.org/presentationml/2006/main">
   <p:cSld>
     <p:spTree>
@@ -4942,7 +7871,7 @@
         </p:nvSpPr>
         <p:spPr>
           <a:xfrm>
-            <a:off x="363408" y="211153"/>
+            <a:off x="5099689" y="164863"/>
             <a:ext cx="4562772" cy="646331"/>
           </a:xfrm>
           <a:prstGeom prst="rect">
@@ -4958,7 +7887,7 @@
           <a:p>
             <a:r>
               <a:rPr lang="en-DE" dirty="0"/>
-              <a:t>Get the countinous track with base resolution</a:t>
+              <a:t>Bias correction</a:t>
             </a:r>
           </a:p>
           <a:p>
@@ -4966,10 +7895,192 @@
           </a:p>
         </p:txBody>
       </p:sp>
+      <p:pic>
+        <p:nvPicPr>
+          <p:cNvPr id="1026" name="Picture 2" descr="ChromBPNet">
+            <a:extLst>
+              <a:ext uri="{FF2B5EF4-FFF2-40B4-BE49-F238E27FC236}">
+                <a16:creationId xmlns:a16="http://schemas.microsoft.com/office/drawing/2014/main" id="{722573B7-32A6-E1E4-8114-A70B6B9D6A73}"/>
+              </a:ext>
+            </a:extLst>
+          </p:cNvPr>
+          <p:cNvPicPr>
+            <a:picLocks noChangeAspect="1" noChangeArrowheads="1"/>
+          </p:cNvPicPr>
+          <p:nvPr/>
+        </p:nvPicPr>
+        <p:blipFill>
+          <a:blip r:embed="rId3">
+            <a:extLst>
+              <a:ext uri="{28A0092B-C50C-407E-A947-70E740481C1C}">
+                <a14:useLocalDpi xmlns:a14="http://schemas.microsoft.com/office/drawing/2010/main" val="0"/>
+              </a:ext>
+            </a:extLst>
+          </a:blip>
+          <a:srcRect/>
+          <a:stretch>
+            <a:fillRect/>
+          </a:stretch>
+        </p:blipFill>
+        <p:spPr bwMode="auto">
+          <a:xfrm>
+            <a:off x="6683118" y="1518558"/>
+            <a:ext cx="4991140" cy="3355843"/>
+          </a:xfrm>
+          <a:prstGeom prst="rect">
+            <a:avLst/>
+          </a:prstGeom>
+          <a:noFill/>
+          <a:extLst>
+            <a:ext uri="{909E8E84-426E-40DD-AFC4-6F175D3DCCD1}">
+              <a14:hiddenFill xmlns:a14="http://schemas.microsoft.com/office/drawing/2010/main">
+                <a:solidFill>
+                  <a:srgbClr val="FFFFFF"/>
+                </a:solidFill>
+              </a14:hiddenFill>
+            </a:ext>
+          </a:extLst>
+        </p:spPr>
+      </p:pic>
+      <p:pic>
+        <p:nvPicPr>
+          <p:cNvPr id="2" name="Picture 1">
+            <a:extLst>
+              <a:ext uri="{FF2B5EF4-FFF2-40B4-BE49-F238E27FC236}">
+                <a16:creationId xmlns:a16="http://schemas.microsoft.com/office/drawing/2014/main" id="{6438C15E-6C48-B621-6B29-7C87806DA1A7}"/>
+              </a:ext>
+            </a:extLst>
+          </p:cNvPr>
+          <p:cNvPicPr>
+            <a:picLocks noChangeAspect="1"/>
+          </p:cNvPicPr>
+          <p:nvPr/>
+        </p:nvPicPr>
+        <p:blipFill>
+          <a:blip r:embed="rId4"/>
+          <a:stretch>
+            <a:fillRect/>
+          </a:stretch>
+        </p:blipFill>
+        <p:spPr>
+          <a:xfrm>
+            <a:off x="309606" y="1355128"/>
+            <a:ext cx="6132534" cy="3682702"/>
+          </a:xfrm>
+          <a:prstGeom prst="rect">
+            <a:avLst/>
+          </a:prstGeom>
+        </p:spPr>
+      </p:pic>
     </p:spTree>
     <p:extLst>
       <p:ext uri="{BB962C8B-B14F-4D97-AF65-F5344CB8AC3E}">
-        <p14:creationId xmlns:p14="http://schemas.microsoft.com/office/powerpoint/2010/main" val="1384667290"/>
+        <p14:creationId xmlns:p14="http://schemas.microsoft.com/office/powerpoint/2010/main" val="2065246250"/>
+      </p:ext>
+    </p:extLst>
+  </p:cSld>
+  <p:clrMapOvr>
+    <a:masterClrMapping/>
+  </p:clrMapOvr>
+</p:sld>
+</file>
+
+<file path=ppt/slides/slide7.xml><?xml version="1.0" encoding="utf-8"?>
+<p:sld xmlns:a="http://schemas.openxmlformats.org/drawingml/2006/main" xmlns:r="http://schemas.openxmlformats.org/officeDocument/2006/relationships" xmlns:p="http://schemas.openxmlformats.org/presentationml/2006/main">
+  <p:cSld>
+    <p:spTree>
+      <p:nvGrpSpPr>
+        <p:cNvPr id="1" name=""/>
+        <p:cNvGrpSpPr/>
+        <p:nvPr/>
+      </p:nvGrpSpPr>
+      <p:grpSpPr>
+        <a:xfrm>
+          <a:off x="0" y="0"/>
+          <a:ext cx="0" cy="0"/>
+          <a:chOff x="0" y="0"/>
+          <a:chExt cx="0" cy="0"/>
+        </a:xfrm>
+      </p:grpSpPr>
+      <p:sp>
+        <p:nvSpPr>
+          <p:cNvPr id="5" name="TextBox 4">
+            <a:extLst>
+              <a:ext uri="{FF2B5EF4-FFF2-40B4-BE49-F238E27FC236}">
+                <a16:creationId xmlns:a16="http://schemas.microsoft.com/office/drawing/2014/main" id="{8D8D59E7-94A6-E195-26A4-72F07D7C9E21}"/>
+              </a:ext>
+            </a:extLst>
+          </p:cNvPr>
+          <p:cNvSpPr txBox="1"/>
+          <p:nvPr/>
+        </p:nvSpPr>
+        <p:spPr>
+          <a:xfrm>
+            <a:off x="839243" y="663879"/>
+            <a:ext cx="6530236" cy="2862322"/>
+          </a:xfrm>
+          <a:prstGeom prst="rect">
+            <a:avLst/>
+          </a:prstGeom>
+          <a:noFill/>
+        </p:spPr>
+        <p:txBody>
+          <a:bodyPr wrap="square" rtlCol="0">
+            <a:spAutoFit/>
+          </a:bodyPr>
+          <a:lstStyle/>
+          <a:p>
+            <a:r>
+              <a:rPr lang="en-DE" dirty="0"/>
+              <a:t>Write BPNet architechture</a:t>
+            </a:r>
+          </a:p>
+          <a:p>
+            <a:r>
+              <a:rPr lang="en-DE" dirty="0"/>
+              <a:t>Write training/testing loop</a:t>
+            </a:r>
+          </a:p>
+          <a:p>
+            <a:endParaRPr lang="en-DE" dirty="0"/>
+          </a:p>
+          <a:p>
+            <a:r>
+              <a:rPr lang="en-DE" dirty="0"/>
+              <a:t>Write function fetching the continous ATAC signal -&gt; sliding window over the sequence</a:t>
+            </a:r>
+          </a:p>
+          <a:p>
+            <a:r>
+              <a:rPr lang="en-DE" dirty="0"/>
+              <a:t>Go back to dataset class</a:t>
+            </a:r>
+          </a:p>
+          <a:p>
+            <a:endParaRPr lang="en-DE" dirty="0"/>
+          </a:p>
+          <a:p>
+            <a:r>
+              <a:rPr lang="en-DE" dirty="0"/>
+              <a:t>Compute coverage/deapth</a:t>
+            </a:r>
+          </a:p>
+          <a:p>
+            <a:r>
+              <a:rPr lang="en-DE"/>
+              <a:t>Compute peak length</a:t>
+            </a:r>
+            <a:endParaRPr lang="en-DE" dirty="0"/>
+          </a:p>
+          <a:p>
+            <a:endParaRPr lang="en-DE" dirty="0"/>
+          </a:p>
+        </p:txBody>
+      </p:sp>
+    </p:spTree>
+    <p:extLst>
+      <p:ext uri="{BB962C8B-B14F-4D97-AF65-F5344CB8AC3E}">
+        <p14:creationId xmlns:p14="http://schemas.microsoft.com/office/powerpoint/2010/main" val="3997464520"/>
       </p:ext>
     </p:extLst>
   </p:cSld>
@@ -5272,4 +8383,299 @@
     </a:ext>
   </a:extLst>
 </a:theme>
+</file>
+
+<file path=ppt/theme/theme2.xml><?xml version="1.0" encoding="utf-8"?>
+<a:theme xmlns:a="http://schemas.openxmlformats.org/drawingml/2006/main" name="Office Theme">
+  <a:themeElements>
+    <a:clrScheme name="Office">
+      <a:dk1>
+        <a:sysClr val="windowText" lastClr="000000"/>
+      </a:dk1>
+      <a:lt1>
+        <a:sysClr val="window" lastClr="FFFFFF"/>
+      </a:lt1>
+      <a:dk2>
+        <a:srgbClr val="44546A"/>
+      </a:dk2>
+      <a:lt2>
+        <a:srgbClr val="E7E6E6"/>
+      </a:lt2>
+      <a:accent1>
+        <a:srgbClr val="4472C4"/>
+      </a:accent1>
+      <a:accent2>
+        <a:srgbClr val="ED7D31"/>
+      </a:accent2>
+      <a:accent3>
+        <a:srgbClr val="A5A5A5"/>
+      </a:accent3>
+      <a:accent4>
+        <a:srgbClr val="FFC000"/>
+      </a:accent4>
+      <a:accent5>
+        <a:srgbClr val="5B9BD5"/>
+      </a:accent5>
+      <a:accent6>
+        <a:srgbClr val="70AD47"/>
+      </a:accent6>
+      <a:hlink>
+        <a:srgbClr val="0563C1"/>
+      </a:hlink>
+      <a:folHlink>
+        <a:srgbClr val="954F72"/>
+      </a:folHlink>
+    </a:clrScheme>
+    <a:fontScheme name="Office">
+      <a:majorFont>
+        <a:latin typeface="Calibri Light" panose="020F0302020204030204"/>
+        <a:ea typeface=""/>
+        <a:cs typeface=""/>
+        <a:font script="Jpan" typeface="游ゴシック Light"/>
+        <a:font script="Hang" typeface="맑은 고딕"/>
+        <a:font script="Hans" typeface="等线 Light"/>
+        <a:font script="Hant" typeface="新細明體"/>
+        <a:font script="Arab" typeface="Times New Roman"/>
+        <a:font script="Hebr" typeface="Times New Roman"/>
+        <a:font script="Thai" typeface="Angsana New"/>
+        <a:font script="Ethi" typeface="Nyala"/>
+        <a:font script="Beng" typeface="Vrinda"/>
+        <a:font script="Gujr" typeface="Shruti"/>
+        <a:font script="Khmr" typeface="MoolBoran"/>
+        <a:font script="Knda" typeface="Tunga"/>
+        <a:font script="Guru" typeface="Raavi"/>
+        <a:font script="Cans" typeface="Euphemia"/>
+        <a:font script="Cher" typeface="Plantagenet Cherokee"/>
+        <a:font script="Yiii" typeface="Microsoft Yi Baiti"/>
+        <a:font script="Tibt" typeface="Microsoft Himalaya"/>
+        <a:font script="Thaa" typeface="MV Boli"/>
+        <a:font script="Deva" typeface="Mangal"/>
+        <a:font script="Telu" typeface="Gautami"/>
+        <a:font script="Taml" typeface="Latha"/>
+        <a:font script="Syrc" typeface="Estrangelo Edessa"/>
+        <a:font script="Orya" typeface="Kalinga"/>
+        <a:font script="Mlym" typeface="Kartika"/>
+        <a:font script="Laoo" typeface="DokChampa"/>
+        <a:font script="Sinh" typeface="Iskoola Pota"/>
+        <a:font script="Mong" typeface="Mongolian Baiti"/>
+        <a:font script="Viet" typeface="Times New Roman"/>
+        <a:font script="Uigh" typeface="Microsoft Uighur"/>
+        <a:font script="Geor" typeface="Sylfaen"/>
+        <a:font script="Armn" typeface="Arial"/>
+        <a:font script="Bugi" typeface="Leelawadee UI"/>
+        <a:font script="Bopo" typeface="Microsoft JhengHei"/>
+        <a:font script="Java" typeface="Javanese Text"/>
+        <a:font script="Lisu" typeface="Segoe UI"/>
+        <a:font script="Mymr" typeface="Myanmar Text"/>
+        <a:font script="Nkoo" typeface="Ebrima"/>
+        <a:font script="Olck" typeface="Nirmala UI"/>
+        <a:font script="Osma" typeface="Ebrima"/>
+        <a:font script="Phag" typeface="Phagspa"/>
+        <a:font script="Syrn" typeface="Estrangelo Edessa"/>
+        <a:font script="Syrj" typeface="Estrangelo Edessa"/>
+        <a:font script="Syre" typeface="Estrangelo Edessa"/>
+        <a:font script="Sora" typeface="Nirmala UI"/>
+        <a:font script="Tale" typeface="Microsoft Tai Le"/>
+        <a:font script="Talu" typeface="Microsoft New Tai Lue"/>
+        <a:font script="Tfng" typeface="Ebrima"/>
+      </a:majorFont>
+      <a:minorFont>
+        <a:latin typeface="Calibri" panose="020F0502020204030204"/>
+        <a:ea typeface=""/>
+        <a:cs typeface=""/>
+        <a:font script="Jpan" typeface="游ゴシック"/>
+        <a:font script="Hang" typeface="맑은 고딕"/>
+        <a:font script="Hans" typeface="等线"/>
+        <a:font script="Hant" typeface="新細明體"/>
+        <a:font script="Arab" typeface="Arial"/>
+        <a:font script="Hebr" typeface="Arial"/>
+        <a:font script="Thai" typeface="Cordia New"/>
+        <a:font script="Ethi" typeface="Nyala"/>
+        <a:font script="Beng" typeface="Vrinda"/>
+        <a:font script="Gujr" typeface="Shruti"/>
+        <a:font script="Khmr" typeface="DaunPenh"/>
+        <a:font script="Knda" typeface="Tunga"/>
+        <a:font script="Guru" typeface="Raavi"/>
+        <a:font script="Cans" typeface="Euphemia"/>
+        <a:font script="Cher" typeface="Plantagenet Cherokee"/>
+        <a:font script="Yiii" typeface="Microsoft Yi Baiti"/>
+        <a:font script="Tibt" typeface="Microsoft Himalaya"/>
+        <a:font script="Thaa" typeface="MV Boli"/>
+        <a:font script="Deva" typeface="Mangal"/>
+        <a:font script="Telu" typeface="Gautami"/>
+        <a:font script="Taml" typeface="Latha"/>
+        <a:font script="Syrc" typeface="Estrangelo Edessa"/>
+        <a:font script="Orya" typeface="Kalinga"/>
+        <a:font script="Mlym" typeface="Kartika"/>
+        <a:font script="Laoo" typeface="DokChampa"/>
+        <a:font script="Sinh" typeface="Iskoola Pota"/>
+        <a:font script="Mong" typeface="Mongolian Baiti"/>
+        <a:font script="Viet" typeface="Arial"/>
+        <a:font script="Uigh" typeface="Microsoft Uighur"/>
+        <a:font script="Geor" typeface="Sylfaen"/>
+        <a:font script="Armn" typeface="Arial"/>
+        <a:font script="Bugi" typeface="Leelawadee UI"/>
+        <a:font script="Bopo" typeface="Microsoft JhengHei"/>
+        <a:font script="Java" typeface="Javanese Text"/>
+        <a:font script="Lisu" typeface="Segoe UI"/>
+        <a:font script="Mymr" typeface="Myanmar Text"/>
+        <a:font script="Nkoo" typeface="Ebrima"/>
+        <a:font script="Olck" typeface="Nirmala UI"/>
+        <a:font script="Osma" typeface="Ebrima"/>
+        <a:font script="Phag" typeface="Phagspa"/>
+        <a:font script="Syrn" typeface="Estrangelo Edessa"/>
+        <a:font script="Syrj" typeface="Estrangelo Edessa"/>
+        <a:font script="Syre" typeface="Estrangelo Edessa"/>
+        <a:font script="Sora" typeface="Nirmala UI"/>
+        <a:font script="Tale" typeface="Microsoft Tai Le"/>
+        <a:font script="Talu" typeface="Microsoft New Tai Lue"/>
+        <a:font script="Tfng" typeface="Ebrima"/>
+      </a:minorFont>
+    </a:fontScheme>
+    <a:fmtScheme name="Office">
+      <a:fillStyleLst>
+        <a:solidFill>
+          <a:schemeClr val="phClr"/>
+        </a:solidFill>
+        <a:gradFill rotWithShape="1">
+          <a:gsLst>
+            <a:gs pos="0">
+              <a:schemeClr val="phClr">
+                <a:lumMod val="110000"/>
+                <a:satMod val="105000"/>
+                <a:tint val="67000"/>
+              </a:schemeClr>
+            </a:gs>
+            <a:gs pos="50000">
+              <a:schemeClr val="phClr">
+                <a:lumMod val="105000"/>
+                <a:satMod val="103000"/>
+                <a:tint val="73000"/>
+              </a:schemeClr>
+            </a:gs>
+            <a:gs pos="100000">
+              <a:schemeClr val="phClr">
+                <a:lumMod val="105000"/>
+                <a:satMod val="109000"/>
+                <a:tint val="81000"/>
+              </a:schemeClr>
+            </a:gs>
+          </a:gsLst>
+          <a:lin ang="5400000" scaled="0"/>
+        </a:gradFill>
+        <a:gradFill rotWithShape="1">
+          <a:gsLst>
+            <a:gs pos="0">
+              <a:schemeClr val="phClr">
+                <a:satMod val="103000"/>
+                <a:lumMod val="102000"/>
+                <a:tint val="94000"/>
+              </a:schemeClr>
+            </a:gs>
+            <a:gs pos="50000">
+              <a:schemeClr val="phClr">
+                <a:satMod val="110000"/>
+                <a:lumMod val="100000"/>
+                <a:shade val="100000"/>
+              </a:schemeClr>
+            </a:gs>
+            <a:gs pos="100000">
+              <a:schemeClr val="phClr">
+                <a:lumMod val="99000"/>
+                <a:satMod val="120000"/>
+                <a:shade val="78000"/>
+              </a:schemeClr>
+            </a:gs>
+          </a:gsLst>
+          <a:lin ang="5400000" scaled="0"/>
+        </a:gradFill>
+      </a:fillStyleLst>
+      <a:lnStyleLst>
+        <a:ln w="6350" cap="flat" cmpd="sng" algn="ctr">
+          <a:solidFill>
+            <a:schemeClr val="phClr"/>
+          </a:solidFill>
+          <a:prstDash val="solid"/>
+          <a:miter lim="800000"/>
+        </a:ln>
+        <a:ln w="12700" cap="flat" cmpd="sng" algn="ctr">
+          <a:solidFill>
+            <a:schemeClr val="phClr"/>
+          </a:solidFill>
+          <a:prstDash val="solid"/>
+          <a:miter lim="800000"/>
+        </a:ln>
+        <a:ln w="19050" cap="flat" cmpd="sng" algn="ctr">
+          <a:solidFill>
+            <a:schemeClr val="phClr"/>
+          </a:solidFill>
+          <a:prstDash val="solid"/>
+          <a:miter lim="800000"/>
+        </a:ln>
+      </a:lnStyleLst>
+      <a:effectStyleLst>
+        <a:effectStyle>
+          <a:effectLst/>
+        </a:effectStyle>
+        <a:effectStyle>
+          <a:effectLst/>
+        </a:effectStyle>
+        <a:effectStyle>
+          <a:effectLst>
+            <a:outerShdw blurRad="57150" dist="19050" dir="5400000" algn="ctr" rotWithShape="0">
+              <a:srgbClr val="000000">
+                <a:alpha val="63000"/>
+              </a:srgbClr>
+            </a:outerShdw>
+          </a:effectLst>
+        </a:effectStyle>
+      </a:effectStyleLst>
+      <a:bgFillStyleLst>
+        <a:solidFill>
+          <a:schemeClr val="phClr"/>
+        </a:solidFill>
+        <a:solidFill>
+          <a:schemeClr val="phClr">
+            <a:tint val="95000"/>
+            <a:satMod val="170000"/>
+          </a:schemeClr>
+        </a:solidFill>
+        <a:gradFill rotWithShape="1">
+          <a:gsLst>
+            <a:gs pos="0">
+              <a:schemeClr val="phClr">
+                <a:tint val="93000"/>
+                <a:satMod val="150000"/>
+                <a:shade val="98000"/>
+                <a:lumMod val="102000"/>
+              </a:schemeClr>
+            </a:gs>
+            <a:gs pos="50000">
+              <a:schemeClr val="phClr">
+                <a:tint val="98000"/>
+                <a:satMod val="130000"/>
+                <a:shade val="90000"/>
+                <a:lumMod val="103000"/>
+              </a:schemeClr>
+            </a:gs>
+            <a:gs pos="100000">
+              <a:schemeClr val="phClr">
+                <a:shade val="63000"/>
+                <a:satMod val="120000"/>
+              </a:schemeClr>
+            </a:gs>
+          </a:gsLst>
+          <a:lin ang="5400000" scaled="0"/>
+        </a:gradFill>
+      </a:bgFillStyleLst>
+    </a:fmtScheme>
+  </a:themeElements>
+  <a:objectDefaults/>
+  <a:extraClrSchemeLst/>
+  <a:extLst>
+    <a:ext uri="{05A4C25C-085E-4340-85A3-A5531E510DB2}">
+      <thm15:themeFamily xmlns:thm15="http://schemas.microsoft.com/office/thememl/2012/main" name="Office Theme" id="{62F939B6-93AF-4DB8-9C6B-D6C7DFDC589F}" vid="{4A3C46E8-61CC-4603-A589-7422A47A8E4A}"/>
+    </a:ext>
+  </a:extLst>
+</a:theme>
 </file>
--- a/notes/Building model.pptx
+++ b/notes/Building model.pptx
@@ -5,7 +5,7 @@
     <p:sldMasterId id="2147483648" r:id="rId1"/>
   </p:sldMasterIdLst>
   <p:notesMasterIdLst>
-    <p:notesMasterId r:id="rId9"/>
+    <p:notesMasterId r:id="rId10"/>
   </p:notesMasterIdLst>
   <p:sldIdLst>
     <p:sldId id="256" r:id="rId2"/>
@@ -14,7 +14,8 @@
     <p:sldId id="257" r:id="rId5"/>
     <p:sldId id="260" r:id="rId6"/>
     <p:sldId id="262" r:id="rId7"/>
-    <p:sldId id="261" r:id="rId8"/>
+    <p:sldId id="263" r:id="rId8"/>
+    <p:sldId id="261" r:id="rId9"/>
   </p:sldIdLst>
   <p:sldSz cx="12192000" cy="6858000"/>
   <p:notesSz cx="6858000" cy="9144000"/>
@@ -124,6 +125,7 @@
             <p14:sldId id="257"/>
             <p14:sldId id="260"/>
             <p14:sldId id="262"/>
+            <p14:sldId id="263"/>
             <p14:sldId id="261"/>
           </p14:sldIdLst>
         </p14:section>
@@ -705,6 +707,120 @@
     <p:extLst>
       <p:ext uri="{BB962C8B-B14F-4D97-AF65-F5344CB8AC3E}">
         <p14:creationId xmlns:p14="http://schemas.microsoft.com/office/powerpoint/2010/main" val="3177560551"/>
+      </p:ext>
+    </p:extLst>
+  </p:cSld>
+  <p:clrMapOvr>
+    <a:masterClrMapping/>
+  </p:clrMapOvr>
+</p:notes>
+</file>
+
+<file path=ppt/notesSlides/notesSlide3.xml><?xml version="1.0" encoding="utf-8"?>
+<p:notes xmlns:a="http://schemas.openxmlformats.org/drawingml/2006/main" xmlns:r="http://schemas.openxmlformats.org/officeDocument/2006/relationships" xmlns:p="http://schemas.openxmlformats.org/presentationml/2006/main">
+  <p:cSld>
+    <p:spTree>
+      <p:nvGrpSpPr>
+        <p:cNvPr id="1" name=""/>
+        <p:cNvGrpSpPr/>
+        <p:nvPr/>
+      </p:nvGrpSpPr>
+      <p:grpSpPr>
+        <a:xfrm>
+          <a:off x="0" y="0"/>
+          <a:ext cx="0" cy="0"/>
+          <a:chOff x="0" y="0"/>
+          <a:chExt cx="0" cy="0"/>
+        </a:xfrm>
+      </p:grpSpPr>
+      <p:sp>
+        <p:nvSpPr>
+          <p:cNvPr id="2" name="Slide Image Placeholder 1"/>
+          <p:cNvSpPr>
+            <a:spLocks noGrp="1" noRot="1" noChangeAspect="1"/>
+          </p:cNvSpPr>
+          <p:nvPr>
+            <p:ph type="sldImg"/>
+          </p:nvPr>
+        </p:nvSpPr>
+        <p:spPr/>
+      </p:sp>
+      <p:sp>
+        <p:nvSpPr>
+          <p:cNvPr id="3" name="Notes Placeholder 2"/>
+          <p:cNvSpPr>
+            <a:spLocks noGrp="1"/>
+          </p:cNvSpPr>
+          <p:nvPr>
+            <p:ph type="body" idx="1"/>
+          </p:nvPr>
+        </p:nvSpPr>
+        <p:spPr/>
+        <p:txBody>
+          <a:bodyPr/>
+          <a:lstStyle/>
+          <a:p>
+            <a:r>
+              <a:rPr lang="en-GB" dirty="0"/>
+              <a:t>https://</a:t>
+            </a:r>
+            <a:r>
+              <a:rPr lang="en-GB" dirty="0" err="1"/>
+              <a:t>github.com</a:t>
+            </a:r>
+            <a:r>
+              <a:rPr lang="en-GB" dirty="0"/>
+              <a:t>/</a:t>
+            </a:r>
+            <a:r>
+              <a:rPr lang="en-GB" dirty="0" err="1"/>
+              <a:t>kundajelab</a:t>
+            </a:r>
+            <a:r>
+              <a:rPr lang="en-GB" dirty="0"/>
+              <a:t>/</a:t>
+            </a:r>
+            <a:r>
+              <a:rPr lang="en-GB" dirty="0" err="1"/>
+              <a:t>chrombpnet</a:t>
+            </a:r>
+            <a:endParaRPr lang="en-GB" dirty="0"/>
+          </a:p>
+          <a:p>
+            <a:endParaRPr lang="en-GB" dirty="0"/>
+          </a:p>
+          <a:p>
+            <a:endParaRPr lang="en-DE" dirty="0"/>
+          </a:p>
+        </p:txBody>
+      </p:sp>
+      <p:sp>
+        <p:nvSpPr>
+          <p:cNvPr id="4" name="Slide Number Placeholder 3"/>
+          <p:cNvSpPr>
+            <a:spLocks noGrp="1"/>
+          </p:cNvSpPr>
+          <p:nvPr>
+            <p:ph type="sldNum" sz="quarter" idx="5"/>
+          </p:nvPr>
+        </p:nvSpPr>
+        <p:spPr/>
+        <p:txBody>
+          <a:bodyPr/>
+          <a:lstStyle/>
+          <a:p>
+            <a:fld id="{36981517-4442-DC41-AE00-02D7A55D9C50}" type="slidenum">
+              <a:rPr lang="en-DE" smtClean="0"/>
+              <a:t>7</a:t>
+            </a:fld>
+            <a:endParaRPr lang="en-DE"/>
+          </a:p>
+        </p:txBody>
+      </p:sp>
+    </p:spTree>
+    <p:extLst>
+      <p:ext uri="{BB962C8B-B14F-4D97-AF65-F5344CB8AC3E}">
+        <p14:creationId xmlns:p14="http://schemas.microsoft.com/office/powerpoint/2010/main" val="972503350"/>
       </p:ext>
     </p:extLst>
   </p:cSld>
@@ -5686,7 +5802,7 @@
         <p:spPr>
           <a:xfrm>
             <a:off x="3211276" y="3183882"/>
-            <a:ext cx="3818582" cy="646331"/>
+            <a:ext cx="3818582" cy="923330"/>
           </a:xfrm>
           <a:prstGeom prst="rect">
             <a:avLst/>
@@ -5715,7 +5831,7 @@
             </a:pPr>
             <a:r>
               <a:rPr lang="en-US" dirty="0"/>
-              <a:t>Exact length around center peak</a:t>
+              <a:t>Exact length around center peak  or max ?</a:t>
             </a:r>
           </a:p>
         </p:txBody>
@@ -5749,12 +5865,8 @@
           <a:lstStyle/>
           <a:p>
             <a:r>
-              <a:rPr lang="en-US" dirty="0">
-                <a:solidFill>
-                  <a:srgbClr val="FF0000"/>
-                </a:solidFill>
-              </a:rPr>
-              <a:t>What to do with the N in the sequences?</a:t>
+              <a:rPr lang="en-US" dirty="0"/>
+              <a:t>What to do with the N in the sequences? Remove them </a:t>
             </a:r>
           </a:p>
         </p:txBody>
@@ -5788,12 +5900,8 @@
           <a:lstStyle/>
           <a:p>
             <a:r>
-              <a:rPr lang="en-US" dirty="0">
-                <a:solidFill>
-                  <a:srgbClr val="FF0000"/>
-                </a:solidFill>
-              </a:rPr>
-              <a:t>Exclude sex chromosomes? </a:t>
+              <a:rPr lang="en-US" dirty="0"/>
+              <a:t>Keep sex chromosomes</a:t>
             </a:r>
           </a:p>
           <a:p>
@@ -5841,12 +5949,8 @@
           <a:lstStyle/>
           <a:p>
             <a:r>
-              <a:rPr lang="en-US" dirty="0">
-                <a:solidFill>
-                  <a:srgbClr val="FF0000"/>
-                </a:solidFill>
-              </a:rPr>
-              <a:t>Reference genome: hg38?</a:t>
+              <a:rPr lang="en-US" dirty="0"/>
+              <a:t>Reference genome: hg38</a:t>
             </a:r>
           </a:p>
           <a:p>
@@ -5930,12 +6034,8 @@
           <a:lstStyle/>
           <a:p>
             <a:r>
-              <a:rPr lang="en-US" dirty="0">
-                <a:solidFill>
-                  <a:srgbClr val="FF0000"/>
-                </a:solidFill>
-              </a:rPr>
-              <a:t>Do we use all peaks or the one differently accessible only?? General chromatin accessibly seems to be similar</a:t>
+              <a:rPr lang="en-US" dirty="0"/>
+              <a:t>Use all peaks for sequence + add GC content matched background regions</a:t>
             </a:r>
           </a:p>
           <a:p>
@@ -6021,7 +6121,7 @@
         </p:nvSpPr>
         <p:spPr>
           <a:xfrm>
-            <a:off x="3943174" y="3756369"/>
+            <a:off x="4118178" y="4099705"/>
             <a:ext cx="2555895" cy="646331"/>
           </a:xfrm>
           <a:prstGeom prst="rect">
@@ -6390,7 +6490,7 @@
         <p:spPr>
           <a:xfrm>
             <a:off x="774516" y="2647574"/>
-            <a:ext cx="4289574" cy="923330"/>
+            <a:ext cx="4289574" cy="646331"/>
           </a:xfrm>
           <a:prstGeom prst="rect">
             <a:avLst/>
@@ -6404,12 +6504,16 @@
           <a:lstStyle/>
           <a:p>
             <a:r>
-              <a:rPr lang="en-DE" dirty="0">
-                <a:solidFill>
-                  <a:srgbClr val="C00000"/>
-                </a:solidFill>
-              </a:rPr>
-              <a:t>In two paper they get values at each base by using a sliding window over the pseudo bulk number insertion of 200 bp.  </a:t>
+              <a:rPr lang="en-DE" dirty="0"/>
+              <a:t>U</a:t>
+            </a:r>
+            <a:r>
+              <a:rPr lang="en-GB" dirty="0"/>
+              <a:t>s</a:t>
+            </a:r>
+            <a:r>
+              <a:rPr lang="en-DE" dirty="0"/>
+              <a:t>e sliding window of 200 bp on .bw to get base resolution ATAC signal</a:t>
             </a:r>
           </a:p>
         </p:txBody>
@@ -7594,34 +7698,18 @@
           <a:lstStyle/>
           <a:p>
             <a:r>
-              <a:rPr lang="en-US" dirty="0">
-                <a:solidFill>
-                  <a:srgbClr val="C00000"/>
-                </a:solidFill>
-              </a:rPr>
+              <a:rPr lang="en-US" dirty="0"/>
               <a:t>Should we go bigger (</a:t>
             </a:r>
             <a:r>
-              <a:rPr lang="en-US" dirty="0" err="1">
-                <a:solidFill>
-                  <a:srgbClr val="C00000"/>
-                </a:solidFill>
-              </a:rPr>
+              <a:rPr lang="en-US" dirty="0" err="1"/>
               <a:t>ie</a:t>
             </a:r>
             <a:r>
-              <a:rPr lang="en-US" dirty="0">
-                <a:solidFill>
-                  <a:srgbClr val="C00000"/>
-                </a:solidFill>
-              </a:rPr>
-              <a:t> more parameters) since we need more capacity since modelling all cell types at once?</a:t>
-            </a:r>
-            <a:endParaRPr lang="en-DE" dirty="0">
-              <a:solidFill>
-                <a:srgbClr val="C00000"/>
-              </a:solidFill>
-            </a:endParaRPr>
+              <a:rPr lang="en-US" dirty="0"/>
+              <a:t> more parameters) since we need more capacity since modelling all cell types at once? Yes</a:t>
+            </a:r>
+            <a:endParaRPr lang="en-DE" dirty="0"/>
           </a:p>
         </p:txBody>
       </p:sp>
@@ -7701,51 +7789,27 @@
           <a:lstStyle/>
           <a:p>
             <a:r>
-              <a:rPr lang="en-US" dirty="0">
-                <a:solidFill>
-                  <a:srgbClr val="C00000"/>
-                </a:solidFill>
-              </a:rPr>
+              <a:rPr lang="en-US" dirty="0"/>
               <a:t>How to handle such large datasets? </a:t>
             </a:r>
           </a:p>
           <a:p>
-            <a:endParaRPr lang="en-US" dirty="0">
-              <a:solidFill>
-                <a:srgbClr val="C00000"/>
-              </a:solidFill>
-            </a:endParaRPr>
-          </a:p>
-          <a:p>
-            <a:r>
-              <a:rPr lang="en-US" dirty="0">
-                <a:solidFill>
-                  <a:srgbClr val="C00000"/>
-                </a:solidFill>
-              </a:rPr>
+            <a:endParaRPr lang="en-US" dirty="0"/>
+          </a:p>
+          <a:p>
+            <a:r>
+              <a:rPr lang="en-US" dirty="0"/>
               <a:t>Make sure </a:t>
             </a:r>
             <a:r>
-              <a:rPr lang="en-US" dirty="0" err="1">
-                <a:solidFill>
-                  <a:srgbClr val="C00000"/>
-                </a:solidFill>
-              </a:rPr>
+              <a:rPr lang="en-US" dirty="0" err="1"/>
               <a:t>dtype</a:t>
             </a:r>
             <a:r>
-              <a:rPr lang="en-US" dirty="0">
-                <a:solidFill>
-                  <a:srgbClr val="C00000"/>
-                </a:solidFill>
-              </a:rPr>
+              <a:rPr lang="en-US" dirty="0"/>
               <a:t> as efficient as possible</a:t>
             </a:r>
-            <a:endParaRPr lang="en-DE" dirty="0">
-              <a:solidFill>
-                <a:srgbClr val="C00000"/>
-              </a:solidFill>
-            </a:endParaRPr>
+            <a:endParaRPr lang="en-DE" dirty="0"/>
           </a:p>
         </p:txBody>
       </p:sp>
@@ -7803,7 +7867,7 @@
         <p:spPr>
           <a:xfrm>
             <a:off x="5841699" y="5092326"/>
-            <a:ext cx="2785366" cy="646331"/>
+            <a:ext cx="2785366" cy="923330"/>
           </a:xfrm>
           <a:prstGeom prst="rect">
             <a:avLst/>
@@ -7817,12 +7881,8 @@
           <a:lstStyle/>
           <a:p>
             <a:r>
-              <a:rPr lang="en-US" dirty="0">
-                <a:solidFill>
-                  <a:srgbClr val="C00000"/>
-                </a:solidFill>
-              </a:rPr>
-              <a:t>Where would you add the metadata?</a:t>
+              <a:rPr lang="en-US" dirty="0"/>
+              <a:t>Where would you add the metadata? After some convolutional layers</a:t>
             </a:r>
           </a:p>
         </p:txBody>
@@ -8004,10 +8064,10 @@
       </p:grpSpPr>
       <p:sp>
         <p:nvSpPr>
-          <p:cNvPr id="5" name="TextBox 4">
-            <a:extLst>
-              <a:ext uri="{FF2B5EF4-FFF2-40B4-BE49-F238E27FC236}">
-                <a16:creationId xmlns:a16="http://schemas.microsoft.com/office/drawing/2014/main" id="{8D8D59E7-94A6-E195-26A4-72F07D7C9E21}"/>
+          <p:cNvPr id="4" name="TextBox 3">
+            <a:extLst>
+              <a:ext uri="{FF2B5EF4-FFF2-40B4-BE49-F238E27FC236}">
+                <a16:creationId xmlns:a16="http://schemas.microsoft.com/office/drawing/2014/main" id="{F0CDDAFA-E6FF-AD5B-FC69-69C4B4E68806}"/>
               </a:ext>
             </a:extLst>
           </p:cNvPr>
@@ -8016,8 +8076,8 @@
         </p:nvSpPr>
         <p:spPr>
           <a:xfrm>
-            <a:off x="839243" y="663879"/>
-            <a:ext cx="6530236" cy="2862322"/>
+            <a:off x="890944" y="716009"/>
+            <a:ext cx="4562772" cy="1200329"/>
           </a:xfrm>
           <a:prstGeom prst="rect">
             <a:avLst/>
@@ -8032,7 +8092,453 @@
           <a:p>
             <a:r>
               <a:rPr lang="en-DE" dirty="0"/>
+              <a:t>Sequence N</a:t>
+            </a:r>
+          </a:p>
+          <a:p>
+            <a:r>
+              <a:rPr lang="en-DE" dirty="0"/>
+              <a:t>-&gt; 1027 sequences with N </a:t>
+            </a:r>
+          </a:p>
+          <a:p>
+            <a:r>
+              <a:rPr lang="en-DE" dirty="0"/>
+              <a:t>-&gt; Not that many </a:t>
+            </a:r>
+            <a:r>
+              <a:rPr lang="en-GB" dirty="0"/>
+              <a:t>d</a:t>
+            </a:r>
+            <a:r>
+              <a:rPr lang="en-DE" dirty="0"/>
+              <a:t>iscard them</a:t>
+            </a:r>
+          </a:p>
+          <a:p>
+            <a:endParaRPr lang="en-DE" dirty="0"/>
+          </a:p>
+        </p:txBody>
+      </p:sp>
+      <p:sp>
+        <p:nvSpPr>
+          <p:cNvPr id="3" name="TextBox 2">
+            <a:extLst>
+              <a:ext uri="{FF2B5EF4-FFF2-40B4-BE49-F238E27FC236}">
+                <a16:creationId xmlns:a16="http://schemas.microsoft.com/office/drawing/2014/main" id="{0D9DDC60-3DE8-4FF1-FDB2-6B634CFFD890}"/>
+              </a:ext>
+            </a:extLst>
+          </p:cNvPr>
+          <p:cNvSpPr txBox="1"/>
+          <p:nvPr/>
+        </p:nvSpPr>
+        <p:spPr>
+          <a:xfrm>
+            <a:off x="890944" y="2033329"/>
+            <a:ext cx="4562772" cy="923330"/>
+          </a:xfrm>
+          <a:prstGeom prst="rect">
+            <a:avLst/>
+          </a:prstGeom>
+          <a:noFill/>
+        </p:spPr>
+        <p:txBody>
+          <a:bodyPr wrap="square" rtlCol="0">
+            <a:spAutoFit/>
+          </a:bodyPr>
+          <a:lstStyle/>
+          <a:p>
+            <a:r>
+              <a:rPr lang="en-DE" dirty="0"/>
+              <a:t>Distribution of ATAC peak lengths</a:t>
+            </a:r>
+          </a:p>
+          <a:p>
+            <a:r>
+              <a:rPr lang="en-DE" dirty="0"/>
+              <a:t>-&gt; </a:t>
+            </a:r>
+            <a:r>
+              <a:rPr lang="en-GB" dirty="0"/>
+              <a:t>M</a:t>
+            </a:r>
+            <a:r>
+              <a:rPr lang="en-DE" dirty="0"/>
+              <a:t>edian 878</a:t>
+            </a:r>
+          </a:p>
+          <a:p>
+            <a:endParaRPr lang="en-DE" dirty="0"/>
+          </a:p>
+        </p:txBody>
+      </p:sp>
+      <p:pic>
+        <p:nvPicPr>
+          <p:cNvPr id="5" name="Picture 4">
+            <a:extLst>
+              <a:ext uri="{FF2B5EF4-FFF2-40B4-BE49-F238E27FC236}">
+                <a16:creationId xmlns:a16="http://schemas.microsoft.com/office/drawing/2014/main" id="{F7CCF239-0EC3-5C69-4723-6D7DD0F758BC}"/>
+              </a:ext>
+            </a:extLst>
+          </p:cNvPr>
+          <p:cNvPicPr>
+            <a:picLocks noChangeAspect="1"/>
+          </p:cNvPicPr>
+          <p:nvPr/>
+        </p:nvPicPr>
+        <p:blipFill>
+          <a:blip r:embed="rId3"/>
+          <a:stretch>
+            <a:fillRect/>
+          </a:stretch>
+        </p:blipFill>
+        <p:spPr>
+          <a:xfrm>
+            <a:off x="778614" y="2709624"/>
+            <a:ext cx="3670300" cy="2616200"/>
+          </a:xfrm>
+          <a:prstGeom prst="rect">
+            <a:avLst/>
+          </a:prstGeom>
+        </p:spPr>
+      </p:pic>
+      <p:sp>
+        <p:nvSpPr>
+          <p:cNvPr id="6" name="Rectangle 5">
+            <a:extLst>
+              <a:ext uri="{FF2B5EF4-FFF2-40B4-BE49-F238E27FC236}">
+                <a16:creationId xmlns:a16="http://schemas.microsoft.com/office/drawing/2014/main" id="{B88EC8C1-315D-EF5B-94CA-3C62167F81C1}"/>
+              </a:ext>
+            </a:extLst>
+          </p:cNvPr>
+          <p:cNvSpPr/>
+          <p:nvPr/>
+        </p:nvSpPr>
+        <p:spPr>
+          <a:xfrm flipV="1">
+            <a:off x="5453716" y="4033381"/>
+            <a:ext cx="1633277" cy="143024"/>
+          </a:xfrm>
+          <a:prstGeom prst="rect">
+            <a:avLst/>
+          </a:prstGeom>
+        </p:spPr>
+        <p:style>
+          <a:lnRef idx="2">
+            <a:schemeClr val="accent1">
+              <a:shade val="15000"/>
+            </a:schemeClr>
+          </a:lnRef>
+          <a:fillRef idx="1">
+            <a:schemeClr val="accent1"/>
+          </a:fillRef>
+          <a:effectRef idx="0">
+            <a:schemeClr val="accent1"/>
+          </a:effectRef>
+          <a:fontRef idx="minor">
+            <a:schemeClr val="lt1"/>
+          </a:fontRef>
+        </p:style>
+        <p:txBody>
+          <a:bodyPr rtlCol="0" anchor="ctr"/>
+          <a:lstStyle/>
+          <a:p>
+            <a:pPr algn="ctr"/>
+            <a:endParaRPr lang="en-DE"/>
+          </a:p>
+        </p:txBody>
+      </p:sp>
+      <p:sp>
+        <p:nvSpPr>
+          <p:cNvPr id="7" name="TextBox 6">
+            <a:extLst>
+              <a:ext uri="{FF2B5EF4-FFF2-40B4-BE49-F238E27FC236}">
+                <a16:creationId xmlns:a16="http://schemas.microsoft.com/office/drawing/2014/main" id="{29A27088-FC8E-081F-6B73-8C0515670120}"/>
+              </a:ext>
+            </a:extLst>
+          </p:cNvPr>
+          <p:cNvSpPr txBox="1"/>
+          <p:nvPr/>
+        </p:nvSpPr>
+        <p:spPr>
+          <a:xfrm>
+            <a:off x="5987441" y="3530074"/>
+            <a:ext cx="4562772" cy="646331"/>
+          </a:xfrm>
+          <a:prstGeom prst="rect">
+            <a:avLst/>
+          </a:prstGeom>
+          <a:noFill/>
+        </p:spPr>
+        <p:txBody>
+          <a:bodyPr wrap="square" rtlCol="0">
+            <a:spAutoFit/>
+          </a:bodyPr>
+          <a:lstStyle/>
+          <a:p>
+            <a:r>
+              <a:rPr lang="en-US" dirty="0"/>
+              <a:t>Peak</a:t>
+            </a:r>
+            <a:endParaRPr lang="en-DE" dirty="0"/>
+          </a:p>
+          <a:p>
+            <a:endParaRPr lang="en-DE" dirty="0"/>
+          </a:p>
+        </p:txBody>
+      </p:sp>
+      <p:cxnSp>
+        <p:nvCxnSpPr>
+          <p:cNvPr id="9" name="Straight Connector 8">
+            <a:extLst>
+              <a:ext uri="{FF2B5EF4-FFF2-40B4-BE49-F238E27FC236}">
+                <a16:creationId xmlns:a16="http://schemas.microsoft.com/office/drawing/2014/main" id="{A1D4F15B-5E22-2192-AFD1-52486BC0786F}"/>
+              </a:ext>
+            </a:extLst>
+          </p:cNvPr>
+          <p:cNvCxnSpPr/>
+          <p:nvPr/>
+        </p:nvCxnSpPr>
+        <p:spPr>
+          <a:xfrm>
+            <a:off x="6270354" y="4017724"/>
+            <a:ext cx="0" cy="341334"/>
+          </a:xfrm>
+          <a:prstGeom prst="line">
+            <a:avLst/>
+          </a:prstGeom>
+        </p:spPr>
+        <p:style>
+          <a:lnRef idx="3">
+            <a:schemeClr val="dk1"/>
+          </a:lnRef>
+          <a:fillRef idx="0">
+            <a:schemeClr val="dk1"/>
+          </a:fillRef>
+          <a:effectRef idx="2">
+            <a:schemeClr val="dk1"/>
+          </a:effectRef>
+          <a:fontRef idx="minor">
+            <a:schemeClr val="tx1"/>
+          </a:fontRef>
+        </p:style>
+      </p:cxnSp>
+      <p:cxnSp>
+        <p:nvCxnSpPr>
+          <p:cNvPr id="11" name="Straight Connector 10">
+            <a:extLst>
+              <a:ext uri="{FF2B5EF4-FFF2-40B4-BE49-F238E27FC236}">
+                <a16:creationId xmlns:a16="http://schemas.microsoft.com/office/drawing/2014/main" id="{F6AB1768-A34F-E3C2-2003-0AB75FF1AA04}"/>
+              </a:ext>
+            </a:extLst>
+          </p:cNvPr>
+          <p:cNvCxnSpPr/>
+          <p:nvPr/>
+        </p:nvCxnSpPr>
+        <p:spPr>
+          <a:xfrm>
+            <a:off x="5148197" y="4359058"/>
+            <a:ext cx="2242159" cy="0"/>
+          </a:xfrm>
+          <a:prstGeom prst="line">
+            <a:avLst/>
+          </a:prstGeom>
+        </p:spPr>
+        <p:style>
+          <a:lnRef idx="3">
+            <a:schemeClr val="dk1"/>
+          </a:lnRef>
+          <a:fillRef idx="0">
+            <a:schemeClr val="dk1"/>
+          </a:fillRef>
+          <a:effectRef idx="2">
+            <a:schemeClr val="dk1"/>
+          </a:effectRef>
+          <a:fontRef idx="minor">
+            <a:schemeClr val="tx1"/>
+          </a:fontRef>
+        </p:style>
+      </p:cxnSp>
+      <p:cxnSp>
+        <p:nvCxnSpPr>
+          <p:cNvPr id="13" name="Straight Connector 12">
+            <a:extLst>
+              <a:ext uri="{FF2B5EF4-FFF2-40B4-BE49-F238E27FC236}">
+                <a16:creationId xmlns:a16="http://schemas.microsoft.com/office/drawing/2014/main" id="{6EA7D73F-5887-AFE8-1AB1-03AE6BB1474E}"/>
+              </a:ext>
+            </a:extLst>
+          </p:cNvPr>
+          <p:cNvCxnSpPr/>
+          <p:nvPr/>
+        </p:nvCxnSpPr>
+        <p:spPr>
+          <a:xfrm>
+            <a:off x="5148197" y="4188391"/>
+            <a:ext cx="0" cy="170667"/>
+          </a:xfrm>
+          <a:prstGeom prst="line">
+            <a:avLst/>
+          </a:prstGeom>
+        </p:spPr>
+        <p:style>
+          <a:lnRef idx="3">
+            <a:schemeClr val="dk1"/>
+          </a:lnRef>
+          <a:fillRef idx="0">
+            <a:schemeClr val="dk1"/>
+          </a:fillRef>
+          <a:effectRef idx="2">
+            <a:schemeClr val="dk1"/>
+          </a:effectRef>
+          <a:fontRef idx="minor">
+            <a:schemeClr val="tx1"/>
+          </a:fontRef>
+        </p:style>
+      </p:cxnSp>
+      <p:cxnSp>
+        <p:nvCxnSpPr>
+          <p:cNvPr id="14" name="Straight Connector 13">
+            <a:extLst>
+              <a:ext uri="{FF2B5EF4-FFF2-40B4-BE49-F238E27FC236}">
+                <a16:creationId xmlns:a16="http://schemas.microsoft.com/office/drawing/2014/main" id="{E24181C9-B7AA-F3A3-245C-41E48C0C7F74}"/>
+              </a:ext>
+            </a:extLst>
+          </p:cNvPr>
+          <p:cNvCxnSpPr>
+            <a:cxnSpLocks/>
+          </p:cNvCxnSpPr>
+          <p:nvPr/>
+        </p:nvCxnSpPr>
+        <p:spPr>
+          <a:xfrm>
+            <a:off x="7390356" y="4104893"/>
+            <a:ext cx="0" cy="298789"/>
+          </a:xfrm>
+          <a:prstGeom prst="line">
+            <a:avLst/>
+          </a:prstGeom>
+        </p:spPr>
+        <p:style>
+          <a:lnRef idx="3">
+            <a:schemeClr val="dk1"/>
+          </a:lnRef>
+          <a:fillRef idx="0">
+            <a:schemeClr val="dk1"/>
+          </a:fillRef>
+          <a:effectRef idx="2">
+            <a:schemeClr val="dk1"/>
+          </a:effectRef>
+          <a:fontRef idx="minor">
+            <a:schemeClr val="tx1"/>
+          </a:fontRef>
+        </p:style>
+      </p:cxnSp>
+      <p:sp>
+        <p:nvSpPr>
+          <p:cNvPr id="20" name="TextBox 19">
+            <a:extLst>
+              <a:ext uri="{FF2B5EF4-FFF2-40B4-BE49-F238E27FC236}">
+                <a16:creationId xmlns:a16="http://schemas.microsoft.com/office/drawing/2014/main" id="{EA08FAAA-9F97-A6A9-1E68-ABAE77B7E884}"/>
+              </a:ext>
+            </a:extLst>
+          </p:cNvPr>
+          <p:cNvSpPr txBox="1"/>
+          <p:nvPr/>
+        </p:nvSpPr>
+        <p:spPr>
+          <a:xfrm>
+            <a:off x="6096000" y="4403682"/>
+            <a:ext cx="4562772" cy="646331"/>
+          </a:xfrm>
+          <a:prstGeom prst="rect">
+            <a:avLst/>
+          </a:prstGeom>
+          <a:noFill/>
+        </p:spPr>
+        <p:txBody>
+          <a:bodyPr wrap="square" rtlCol="0">
+            <a:spAutoFit/>
+          </a:bodyPr>
+          <a:lstStyle/>
+          <a:p>
+            <a:r>
+              <a:rPr lang="en-US" dirty="0"/>
+              <a:t>N = 2114, predict for smaller sequence (1000) </a:t>
+            </a:r>
+            <a:endParaRPr lang="en-DE" dirty="0"/>
+          </a:p>
+          <a:p>
+            <a:endParaRPr lang="en-DE" dirty="0"/>
+          </a:p>
+        </p:txBody>
+      </p:sp>
+    </p:spTree>
+    <p:extLst>
+      <p:ext uri="{BB962C8B-B14F-4D97-AF65-F5344CB8AC3E}">
+        <p14:creationId xmlns:p14="http://schemas.microsoft.com/office/powerpoint/2010/main" val="2661355659"/>
+      </p:ext>
+    </p:extLst>
+  </p:cSld>
+  <p:clrMapOvr>
+    <a:masterClrMapping/>
+  </p:clrMapOvr>
+</p:sld>
+</file>
+
+<file path=ppt/slides/slide8.xml><?xml version="1.0" encoding="utf-8"?>
+<p:sld xmlns:a="http://schemas.openxmlformats.org/drawingml/2006/main" xmlns:r="http://schemas.openxmlformats.org/officeDocument/2006/relationships" xmlns:p="http://schemas.openxmlformats.org/presentationml/2006/main">
+  <p:cSld>
+    <p:spTree>
+      <p:nvGrpSpPr>
+        <p:cNvPr id="1" name=""/>
+        <p:cNvGrpSpPr/>
+        <p:nvPr/>
+      </p:nvGrpSpPr>
+      <p:grpSpPr>
+        <a:xfrm>
+          <a:off x="0" y="0"/>
+          <a:ext cx="0" cy="0"/>
+          <a:chOff x="0" y="0"/>
+          <a:chExt cx="0" cy="0"/>
+        </a:xfrm>
+      </p:grpSpPr>
+      <p:sp>
+        <p:nvSpPr>
+          <p:cNvPr id="5" name="TextBox 4">
+            <a:extLst>
+              <a:ext uri="{FF2B5EF4-FFF2-40B4-BE49-F238E27FC236}">
+                <a16:creationId xmlns:a16="http://schemas.microsoft.com/office/drawing/2014/main" id="{8D8D59E7-94A6-E195-26A4-72F07D7C9E21}"/>
+              </a:ext>
+            </a:extLst>
+          </p:cNvPr>
+          <p:cNvSpPr txBox="1"/>
+          <p:nvPr/>
+        </p:nvSpPr>
+        <p:spPr>
+          <a:xfrm>
+            <a:off x="839243" y="663879"/>
+            <a:ext cx="6530236" cy="2862322"/>
+          </a:xfrm>
+          <a:prstGeom prst="rect">
+            <a:avLst/>
+          </a:prstGeom>
+          <a:noFill/>
+        </p:spPr>
+        <p:txBody>
+          <a:bodyPr wrap="square" rtlCol="0">
+            <a:spAutoFit/>
+          </a:bodyPr>
+          <a:lstStyle/>
+          <a:p>
+            <a:r>
+              <a:rPr lang="en-DE" dirty="0"/>
               <a:t>Write BPNet architechture</a:t>
+            </a:r>
+          </a:p>
+          <a:p>
+            <a:r>
+              <a:rPr lang="en-DE" dirty="0"/>
+              <a:t>Write model architechture</a:t>
             </a:r>
           </a:p>
           <a:p>
@@ -8064,13 +8570,6 @@
               <a:rPr lang="en-DE" dirty="0"/>
               <a:t>Compute coverage/deapth</a:t>
             </a:r>
-          </a:p>
-          <a:p>
-            <a:r>
-              <a:rPr lang="en-DE"/>
-              <a:t>Compute peak length</a:t>
-            </a:r>
-            <a:endParaRPr lang="en-DE" dirty="0"/>
           </a:p>
           <a:p>
             <a:endParaRPr lang="en-DE" dirty="0"/>

--- a/notes/Building model.pptx
+++ b/notes/Building model.pptx
@@ -220,7 +220,7 @@
           <a:p>
             <a:fld id="{B025AADF-9E9F-D946-AF60-4604AC325027}" type="datetimeFigureOut">
               <a:rPr lang="en-DE" smtClean="0"/>
-              <a:t>11.04.24</a:t>
+              <a:t>17.04.24</a:t>
             </a:fld>
             <a:endParaRPr lang="en-DE"/>
           </a:p>
@@ -979,7 +979,7 @@
           <a:p>
             <a:fld id="{4E2EBFDB-0FB1-F14F-9859-D152A717B624}" type="datetimeFigureOut">
               <a:rPr lang="en-DE" smtClean="0"/>
-              <a:t>05.04.24</a:t>
+              <a:t>17.04.24</a:t>
             </a:fld>
             <a:endParaRPr lang="en-DE"/>
           </a:p>
@@ -1179,7 +1179,7 @@
           <a:p>
             <a:fld id="{4E2EBFDB-0FB1-F14F-9859-D152A717B624}" type="datetimeFigureOut">
               <a:rPr lang="en-DE" smtClean="0"/>
-              <a:t>05.04.24</a:t>
+              <a:t>17.04.24</a:t>
             </a:fld>
             <a:endParaRPr lang="en-DE"/>
           </a:p>
@@ -1389,7 +1389,7 @@
           <a:p>
             <a:fld id="{4E2EBFDB-0FB1-F14F-9859-D152A717B624}" type="datetimeFigureOut">
               <a:rPr lang="en-DE" smtClean="0"/>
-              <a:t>05.04.24</a:t>
+              <a:t>17.04.24</a:t>
             </a:fld>
             <a:endParaRPr lang="en-DE"/>
           </a:p>
@@ -1589,7 +1589,7 @@
           <a:p>
             <a:fld id="{4E2EBFDB-0FB1-F14F-9859-D152A717B624}" type="datetimeFigureOut">
               <a:rPr lang="en-DE" smtClean="0"/>
-              <a:t>05.04.24</a:t>
+              <a:t>17.04.24</a:t>
             </a:fld>
             <a:endParaRPr lang="en-DE"/>
           </a:p>
@@ -1865,7 +1865,7 @@
           <a:p>
             <a:fld id="{4E2EBFDB-0FB1-F14F-9859-D152A717B624}" type="datetimeFigureOut">
               <a:rPr lang="en-DE" smtClean="0"/>
-              <a:t>05.04.24</a:t>
+              <a:t>17.04.24</a:t>
             </a:fld>
             <a:endParaRPr lang="en-DE"/>
           </a:p>
@@ -2133,7 +2133,7 @@
           <a:p>
             <a:fld id="{4E2EBFDB-0FB1-F14F-9859-D152A717B624}" type="datetimeFigureOut">
               <a:rPr lang="en-DE" smtClean="0"/>
-              <a:t>05.04.24</a:t>
+              <a:t>17.04.24</a:t>
             </a:fld>
             <a:endParaRPr lang="en-DE"/>
           </a:p>
@@ -2548,7 +2548,7 @@
           <a:p>
             <a:fld id="{4E2EBFDB-0FB1-F14F-9859-D152A717B624}" type="datetimeFigureOut">
               <a:rPr lang="en-DE" smtClean="0"/>
-              <a:t>05.04.24</a:t>
+              <a:t>17.04.24</a:t>
             </a:fld>
             <a:endParaRPr lang="en-DE"/>
           </a:p>
@@ -2690,7 +2690,7 @@
           <a:p>
             <a:fld id="{4E2EBFDB-0FB1-F14F-9859-D152A717B624}" type="datetimeFigureOut">
               <a:rPr lang="en-DE" smtClean="0"/>
-              <a:t>05.04.24</a:t>
+              <a:t>17.04.24</a:t>
             </a:fld>
             <a:endParaRPr lang="en-DE"/>
           </a:p>
@@ -2803,7 +2803,7 @@
           <a:p>
             <a:fld id="{4E2EBFDB-0FB1-F14F-9859-D152A717B624}" type="datetimeFigureOut">
               <a:rPr lang="en-DE" smtClean="0"/>
-              <a:t>05.04.24</a:t>
+              <a:t>17.04.24</a:t>
             </a:fld>
             <a:endParaRPr lang="en-DE"/>
           </a:p>
@@ -3116,7 +3116,7 @@
           <a:p>
             <a:fld id="{4E2EBFDB-0FB1-F14F-9859-D152A717B624}" type="datetimeFigureOut">
               <a:rPr lang="en-DE" smtClean="0"/>
-              <a:t>05.04.24</a:t>
+              <a:t>17.04.24</a:t>
             </a:fld>
             <a:endParaRPr lang="en-DE"/>
           </a:p>
@@ -3405,7 +3405,7 @@
           <a:p>
             <a:fld id="{4E2EBFDB-0FB1-F14F-9859-D152A717B624}" type="datetimeFigureOut">
               <a:rPr lang="en-DE" smtClean="0"/>
-              <a:t>05.04.24</a:t>
+              <a:t>17.04.24</a:t>
             </a:fld>
             <a:endParaRPr lang="en-DE"/>
           </a:p>
@@ -3648,7 +3648,7 @@
           <a:p>
             <a:fld id="{4E2EBFDB-0FB1-F14F-9859-D152A717B624}" type="datetimeFigureOut">
               <a:rPr lang="en-DE" smtClean="0"/>
-              <a:t>05.04.24</a:t>
+              <a:t>17.04.24</a:t>
             </a:fld>
             <a:endParaRPr lang="en-DE"/>
           </a:p>
@@ -4065,8 +4065,8 @@
           <a:chExt cx="0" cy="0"/>
         </a:xfrm>
       </p:grpSpPr>
-      <mc:AlternateContent xmlns:mc="http://schemas.openxmlformats.org/markup-compatibility/2006">
-        <mc:Choice xmlns:a14="http://schemas.microsoft.com/office/drawing/2010/main" Requires="a14">
+      <mc:AlternateContent xmlns:mc="http://schemas.openxmlformats.org/markup-compatibility/2006" xmlns:a14="http://schemas.microsoft.com/office/drawing/2010/main">
+        <mc:Choice Requires="a14">
           <p:sp>
             <p:nvSpPr>
               <p:cNvPr id="10" name="TextBox 9">
@@ -4095,6 +4095,7 @@
               </a:bodyPr>
               <a:lstStyle/>
               <a:p>
+                <a:pPr/>
                 <a14:m>
                   <m:oMathPara xmlns:m="http://schemas.openxmlformats.org/officeDocument/2006/math">
                     <m:oMathParaPr>
@@ -4220,7 +4221,7 @@
             </p:txBody>
           </p:sp>
         </mc:Choice>
-        <mc:Fallback>
+        <mc:Fallback xmlns="">
           <p:sp>
             <p:nvSpPr>
               <p:cNvPr id="10" name="TextBox 9">
@@ -4411,8 +4412,8 @@
           </a:fontRef>
         </p:style>
       </p:cxnSp>
-      <mc:AlternateContent xmlns:mc="http://schemas.openxmlformats.org/markup-compatibility/2006">
-        <mc:Choice xmlns:a14="http://schemas.microsoft.com/office/drawing/2010/main" Requires="a14">
+      <mc:AlternateContent xmlns:mc="http://schemas.openxmlformats.org/markup-compatibility/2006" xmlns:a14="http://schemas.microsoft.com/office/drawing/2010/main">
+        <mc:Choice Requires="a14">
           <p:sp>
             <p:nvSpPr>
               <p:cNvPr id="17" name="TextBox 16">
@@ -4441,6 +4442,7 @@
               </a:bodyPr>
               <a:lstStyle/>
               <a:p>
+                <a:pPr/>
                 <a14:m>
                   <m:oMathPara xmlns:m="http://schemas.openxmlformats.org/officeDocument/2006/math">
                     <m:oMathParaPr>
@@ -4566,7 +4568,7 @@
             </p:txBody>
           </p:sp>
         </mc:Choice>
-        <mc:Fallback>
+        <mc:Fallback xmlns="">
           <p:sp>
             <p:nvSpPr>
               <p:cNvPr id="17" name="TextBox 16">
@@ -5278,8 +5280,8 @@
           <a:chExt cx="0" cy="0"/>
         </a:xfrm>
       </p:grpSpPr>
-      <mc:AlternateContent xmlns:mc="http://schemas.openxmlformats.org/markup-compatibility/2006">
-        <mc:Choice xmlns:a14="http://schemas.microsoft.com/office/drawing/2010/main" Requires="a14">
+      <mc:AlternateContent xmlns:mc="http://schemas.openxmlformats.org/markup-compatibility/2006" xmlns:a14="http://schemas.microsoft.com/office/drawing/2010/main">
+        <mc:Choice Requires="a14">
           <p:sp>
             <p:nvSpPr>
               <p:cNvPr id="6" name="TextBox 5">
@@ -5478,7 +5480,7 @@
             </p:txBody>
           </p:sp>
         </mc:Choice>
-        <mc:Fallback>
+        <mc:Fallback xmlns="">
           <p:sp>
             <p:nvSpPr>
               <p:cNvPr id="6" name="TextBox 5">
@@ -6706,8 +6708,8 @@
           </a:p>
         </p:txBody>
       </p:sp>
-      <mc:AlternateContent xmlns:mc="http://schemas.openxmlformats.org/markup-compatibility/2006">
-        <mc:Choice xmlns:a14="http://schemas.microsoft.com/office/drawing/2010/main" Requires="a14">
+      <mc:AlternateContent xmlns:mc="http://schemas.openxmlformats.org/markup-compatibility/2006" xmlns:a14="http://schemas.microsoft.com/office/drawing/2010/main">
+        <mc:Choice Requires="a14">
           <p:sp>
             <p:nvSpPr>
               <p:cNvPr id="14" name="TextBox 13">
@@ -6906,7 +6908,7 @@
             </p:txBody>
           </p:sp>
         </mc:Choice>
-        <mc:Fallback>
+        <mc:Fallback xmlns="">
           <p:sp>
             <p:nvSpPr>
               <p:cNvPr id="14" name="TextBox 13">
@@ -8164,7 +8166,7 @@
             </a:r>
             <a:r>
               <a:rPr lang="en-DE" dirty="0"/>
-              <a:t>edian 878</a:t>
+              <a:t>edian 939</a:t>
             </a:r>
           </a:p>
           <a:p>
@@ -8172,36 +8174,6 @@
           </a:p>
         </p:txBody>
       </p:sp>
-      <p:pic>
-        <p:nvPicPr>
-          <p:cNvPr id="5" name="Picture 4">
-            <a:extLst>
-              <a:ext uri="{FF2B5EF4-FFF2-40B4-BE49-F238E27FC236}">
-                <a16:creationId xmlns:a16="http://schemas.microsoft.com/office/drawing/2014/main" id="{F7CCF239-0EC3-5C69-4723-6D7DD0F758BC}"/>
-              </a:ext>
-            </a:extLst>
-          </p:cNvPr>
-          <p:cNvPicPr>
-            <a:picLocks noChangeAspect="1"/>
-          </p:cNvPicPr>
-          <p:nvPr/>
-        </p:nvPicPr>
-        <p:blipFill>
-          <a:blip r:embed="rId3"/>
-          <a:stretch>
-            <a:fillRect/>
-          </a:stretch>
-        </p:blipFill>
-        <p:spPr>
-          <a:xfrm>
-            <a:off x="778614" y="2709624"/>
-            <a:ext cx="3670300" cy="2616200"/>
-          </a:xfrm>
-          <a:prstGeom prst="rect">
-            <a:avLst/>
-          </a:prstGeom>
-        </p:spPr>
-      </p:pic>
       <p:sp>
         <p:nvSpPr>
           <p:cNvPr id="6" name="Rectangle 5">
@@ -8216,7 +8188,7 @@
         </p:nvSpPr>
         <p:spPr>
           <a:xfrm flipV="1">
-            <a:off x="5453716" y="4033381"/>
+            <a:off x="7733453" y="4682482"/>
             <a:ext cx="1633277" cy="143024"/>
           </a:xfrm>
           <a:prstGeom prst="rect">
@@ -8262,7 +8234,7 @@
         </p:nvSpPr>
         <p:spPr>
           <a:xfrm>
-            <a:off x="5987441" y="3530074"/>
+            <a:off x="8206994" y="4107663"/>
             <a:ext cx="4562772" cy="646331"/>
           </a:xfrm>
           <a:prstGeom prst="rect">
@@ -8301,7 +8273,7 @@
         </p:nvCxnSpPr>
         <p:spPr>
           <a:xfrm>
-            <a:off x="6270354" y="4017724"/>
+            <a:off x="8550091" y="4666825"/>
             <a:ext cx="0" cy="341334"/>
           </a:xfrm>
           <a:prstGeom prst="line">
@@ -8337,7 +8309,7 @@
         </p:nvCxnSpPr>
         <p:spPr>
           <a:xfrm>
-            <a:off x="5148197" y="4359058"/>
+            <a:off x="7427934" y="5008159"/>
             <a:ext cx="2242159" cy="0"/>
           </a:xfrm>
           <a:prstGeom prst="line">
@@ -8373,7 +8345,7 @@
         </p:nvCxnSpPr>
         <p:spPr>
           <a:xfrm>
-            <a:off x="5148197" y="4188391"/>
+            <a:off x="7427934" y="4837492"/>
             <a:ext cx="0" cy="170667"/>
           </a:xfrm>
           <a:prstGeom prst="line">
@@ -8411,7 +8383,7 @@
         </p:nvCxnSpPr>
         <p:spPr>
           <a:xfrm>
-            <a:off x="7390356" y="4104893"/>
+            <a:off x="9670093" y="4753994"/>
             <a:ext cx="0" cy="298789"/>
           </a:xfrm>
           <a:prstGeom prst="line">
@@ -8447,8 +8419,8 @@
         </p:nvSpPr>
         <p:spPr>
           <a:xfrm>
-            <a:off x="6096000" y="4403682"/>
-            <a:ext cx="4562772" cy="646331"/>
+            <a:off x="6732739" y="5278266"/>
+            <a:ext cx="4562772" cy="923330"/>
           </a:xfrm>
           <a:prstGeom prst="rect">
             <a:avLst/>
@@ -8463,7 +8435,13 @@
           <a:p>
             <a:r>
               <a:rPr lang="en-US" dirty="0"/>
-              <a:t>N = 2114, predict for smaller sequence (1000) </a:t>
+              <a:t>N = 2114, predict for smaller sequence (1000)</a:t>
+            </a:r>
+          </a:p>
+          <a:p>
+            <a:r>
+              <a:rPr lang="en-US" dirty="0"/>
+              <a:t>-&gt; Should we go bigger </a:t>
             </a:r>
             <a:endParaRPr lang="en-DE" dirty="0"/>
           </a:p>
@@ -8472,6 +8450,109 @@
           </a:p>
         </p:txBody>
       </p:sp>
+      <p:sp>
+        <p:nvSpPr>
+          <p:cNvPr id="8" name="TextBox 7">
+            <a:extLst>
+              <a:ext uri="{FF2B5EF4-FFF2-40B4-BE49-F238E27FC236}">
+                <a16:creationId xmlns:a16="http://schemas.microsoft.com/office/drawing/2014/main" id="{F8E2F29C-3718-7C40-A8A3-A2BC5D11F8D4}"/>
+              </a:ext>
+            </a:extLst>
+          </p:cNvPr>
+          <p:cNvSpPr txBox="1"/>
+          <p:nvPr/>
+        </p:nvSpPr>
+        <p:spPr>
+          <a:xfrm>
+            <a:off x="7390356" y="333716"/>
+            <a:ext cx="4562772" cy="646331"/>
+          </a:xfrm>
+          <a:prstGeom prst="rect">
+            <a:avLst/>
+          </a:prstGeom>
+          <a:noFill/>
+        </p:spPr>
+        <p:txBody>
+          <a:bodyPr wrap="square" rtlCol="0">
+            <a:spAutoFit/>
+          </a:bodyPr>
+          <a:lstStyle/>
+          <a:p>
+            <a:r>
+              <a:rPr lang="en-DE" dirty="0"/>
+              <a:t>Distribution of </a:t>
+            </a:r>
+            <a:r>
+              <a:rPr lang="en-US" dirty="0"/>
+              <a:t>GC content</a:t>
+            </a:r>
+            <a:endParaRPr lang="en-DE" dirty="0"/>
+          </a:p>
+          <a:p>
+            <a:endParaRPr lang="en-DE" dirty="0"/>
+          </a:p>
+        </p:txBody>
+      </p:sp>
+      <p:pic>
+        <p:nvPicPr>
+          <p:cNvPr id="12" name="Picture 11">
+            <a:extLst>
+              <a:ext uri="{FF2B5EF4-FFF2-40B4-BE49-F238E27FC236}">
+                <a16:creationId xmlns:a16="http://schemas.microsoft.com/office/drawing/2014/main" id="{E54A5A8C-9E08-5C86-7EFB-12DDF671AA03}"/>
+              </a:ext>
+            </a:extLst>
+          </p:cNvPr>
+          <p:cNvPicPr>
+            <a:picLocks noChangeAspect="1"/>
+          </p:cNvPicPr>
+          <p:nvPr/>
+        </p:nvPicPr>
+        <p:blipFill>
+          <a:blip r:embed="rId3"/>
+          <a:stretch>
+            <a:fillRect/>
+          </a:stretch>
+        </p:blipFill>
+        <p:spPr>
+          <a:xfrm>
+            <a:off x="7390356" y="865549"/>
+            <a:ext cx="3606800" cy="2616200"/>
+          </a:xfrm>
+          <a:prstGeom prst="rect">
+            <a:avLst/>
+          </a:prstGeom>
+        </p:spPr>
+      </p:pic>
+      <p:pic>
+        <p:nvPicPr>
+          <p:cNvPr id="15" name="Picture 14">
+            <a:extLst>
+              <a:ext uri="{FF2B5EF4-FFF2-40B4-BE49-F238E27FC236}">
+                <a16:creationId xmlns:a16="http://schemas.microsoft.com/office/drawing/2014/main" id="{2EF8C8FD-34AB-6C53-C8F6-FB891DF9256E}"/>
+              </a:ext>
+            </a:extLst>
+          </p:cNvPr>
+          <p:cNvPicPr>
+            <a:picLocks noChangeAspect="1"/>
+          </p:cNvPicPr>
+          <p:nvPr/>
+        </p:nvPicPr>
+        <p:blipFill>
+          <a:blip r:embed="rId4"/>
+          <a:stretch>
+            <a:fillRect/>
+          </a:stretch>
+        </p:blipFill>
+        <p:spPr>
+          <a:xfrm>
+            <a:off x="568490" y="2780590"/>
+            <a:ext cx="4407509" cy="3156936"/>
+          </a:xfrm>
+          <a:prstGeom prst="rect">
+            <a:avLst/>
+          </a:prstGeom>
+        </p:spPr>
+      </p:pic>
     </p:spTree>
     <p:extLst>
       <p:ext uri="{BB962C8B-B14F-4D97-AF65-F5344CB8AC3E}">

--- a/notes/Building model.pptx
+++ b/notes/Building model.pptx
@@ -8420,7 +8420,7 @@
         <p:spPr>
           <a:xfrm>
             <a:off x="6732739" y="5278266"/>
-            <a:ext cx="4562772" cy="923330"/>
+            <a:ext cx="4562772" cy="1200329"/>
           </a:xfrm>
           <a:prstGeom prst="rect">
             <a:avLst/>
@@ -8441,7 +8441,7 @@
           <a:p>
             <a:r>
               <a:rPr lang="en-US" dirty="0"/>
-              <a:t>-&gt; Should we go bigger </a:t>
+              <a:t>-&gt; Size + where to center (summit, middle peak)</a:t>
             </a:r>
             <a:endParaRPr lang="en-DE" dirty="0"/>
           </a:p>
@@ -8546,7 +8546,7 @@
         <p:spPr>
           <a:xfrm>
             <a:off x="568490" y="2780590"/>
-            <a:ext cx="4407509" cy="3156936"/>
+            <a:ext cx="4402851" cy="3153600"/>
           </a:xfrm>
           <a:prstGeom prst="rect">
             <a:avLst/>

--- a/notes/Building model.pptx
+++ b/notes/Building model.pptx
@@ -5,7 +5,7 @@
     <p:sldMasterId id="2147483648" r:id="rId1"/>
   </p:sldMasterIdLst>
   <p:notesMasterIdLst>
-    <p:notesMasterId r:id="rId10"/>
+    <p:notesMasterId r:id="rId14"/>
   </p:notesMasterIdLst>
   <p:sldIdLst>
     <p:sldId id="256" r:id="rId2"/>
@@ -16,6 +16,10 @@
     <p:sldId id="262" r:id="rId7"/>
     <p:sldId id="263" r:id="rId8"/>
     <p:sldId id="261" r:id="rId9"/>
+    <p:sldId id="264" r:id="rId10"/>
+    <p:sldId id="265" r:id="rId11"/>
+    <p:sldId id="266" r:id="rId12"/>
+    <p:sldId id="267" r:id="rId13"/>
   </p:sldIdLst>
   <p:sldSz cx="12192000" cy="6858000"/>
   <p:notesSz cx="6858000" cy="9144000"/>
@@ -127,6 +131,10 @@
             <p14:sldId id="262"/>
             <p14:sldId id="263"/>
             <p14:sldId id="261"/>
+            <p14:sldId id="264"/>
+            <p14:sldId id="265"/>
+            <p14:sldId id="266"/>
+            <p14:sldId id="267"/>
           </p14:sldIdLst>
         </p14:section>
       </p14:sectionLst>
@@ -220,7 +228,7 @@
           <a:p>
             <a:fld id="{B025AADF-9E9F-D946-AF60-4604AC325027}" type="datetimeFigureOut">
               <a:rPr lang="en-DE" smtClean="0"/>
-              <a:t>17.04.24</a:t>
+              <a:t>22.04.24</a:t>
             </a:fld>
             <a:endParaRPr lang="en-DE"/>
           </a:p>
@@ -979,7 +987,7 @@
           <a:p>
             <a:fld id="{4E2EBFDB-0FB1-F14F-9859-D152A717B624}" type="datetimeFigureOut">
               <a:rPr lang="en-DE" smtClean="0"/>
-              <a:t>17.04.24</a:t>
+              <a:t>22.04.24</a:t>
             </a:fld>
             <a:endParaRPr lang="en-DE"/>
           </a:p>
@@ -1179,7 +1187,7 @@
           <a:p>
             <a:fld id="{4E2EBFDB-0FB1-F14F-9859-D152A717B624}" type="datetimeFigureOut">
               <a:rPr lang="en-DE" smtClean="0"/>
-              <a:t>17.04.24</a:t>
+              <a:t>22.04.24</a:t>
             </a:fld>
             <a:endParaRPr lang="en-DE"/>
           </a:p>
@@ -1389,7 +1397,7 @@
           <a:p>
             <a:fld id="{4E2EBFDB-0FB1-F14F-9859-D152A717B624}" type="datetimeFigureOut">
               <a:rPr lang="en-DE" smtClean="0"/>
-              <a:t>17.04.24</a:t>
+              <a:t>22.04.24</a:t>
             </a:fld>
             <a:endParaRPr lang="en-DE"/>
           </a:p>
@@ -1589,7 +1597,7 @@
           <a:p>
             <a:fld id="{4E2EBFDB-0FB1-F14F-9859-D152A717B624}" type="datetimeFigureOut">
               <a:rPr lang="en-DE" smtClean="0"/>
-              <a:t>17.04.24</a:t>
+              <a:t>22.04.24</a:t>
             </a:fld>
             <a:endParaRPr lang="en-DE"/>
           </a:p>
@@ -1865,7 +1873,7 @@
           <a:p>
             <a:fld id="{4E2EBFDB-0FB1-F14F-9859-D152A717B624}" type="datetimeFigureOut">
               <a:rPr lang="en-DE" smtClean="0"/>
-              <a:t>17.04.24</a:t>
+              <a:t>22.04.24</a:t>
             </a:fld>
             <a:endParaRPr lang="en-DE"/>
           </a:p>
@@ -2133,7 +2141,7 @@
           <a:p>
             <a:fld id="{4E2EBFDB-0FB1-F14F-9859-D152A717B624}" type="datetimeFigureOut">
               <a:rPr lang="en-DE" smtClean="0"/>
-              <a:t>17.04.24</a:t>
+              <a:t>22.04.24</a:t>
             </a:fld>
             <a:endParaRPr lang="en-DE"/>
           </a:p>
@@ -2548,7 +2556,7 @@
           <a:p>
             <a:fld id="{4E2EBFDB-0FB1-F14F-9859-D152A717B624}" type="datetimeFigureOut">
               <a:rPr lang="en-DE" smtClean="0"/>
-              <a:t>17.04.24</a:t>
+              <a:t>22.04.24</a:t>
             </a:fld>
             <a:endParaRPr lang="en-DE"/>
           </a:p>
@@ -2690,7 +2698,7 @@
           <a:p>
             <a:fld id="{4E2EBFDB-0FB1-F14F-9859-D152A717B624}" type="datetimeFigureOut">
               <a:rPr lang="en-DE" smtClean="0"/>
-              <a:t>17.04.24</a:t>
+              <a:t>22.04.24</a:t>
             </a:fld>
             <a:endParaRPr lang="en-DE"/>
           </a:p>
@@ -2803,7 +2811,7 @@
           <a:p>
             <a:fld id="{4E2EBFDB-0FB1-F14F-9859-D152A717B624}" type="datetimeFigureOut">
               <a:rPr lang="en-DE" smtClean="0"/>
-              <a:t>17.04.24</a:t>
+              <a:t>22.04.24</a:t>
             </a:fld>
             <a:endParaRPr lang="en-DE"/>
           </a:p>
@@ -3116,7 +3124,7 @@
           <a:p>
             <a:fld id="{4E2EBFDB-0FB1-F14F-9859-D152A717B624}" type="datetimeFigureOut">
               <a:rPr lang="en-DE" smtClean="0"/>
-              <a:t>17.04.24</a:t>
+              <a:t>22.04.24</a:t>
             </a:fld>
             <a:endParaRPr lang="en-DE"/>
           </a:p>
@@ -3405,7 +3413,7 @@
           <a:p>
             <a:fld id="{4E2EBFDB-0FB1-F14F-9859-D152A717B624}" type="datetimeFigureOut">
               <a:rPr lang="en-DE" smtClean="0"/>
-              <a:t>17.04.24</a:t>
+              <a:t>22.04.24</a:t>
             </a:fld>
             <a:endParaRPr lang="en-DE"/>
           </a:p>
@@ -3648,7 +3656,7 @@
           <a:p>
             <a:fld id="{4E2EBFDB-0FB1-F14F-9859-D152A717B624}" type="datetimeFigureOut">
               <a:rPr lang="en-DE" smtClean="0"/>
-              <a:t>17.04.24</a:t>
+              <a:t>22.04.24</a:t>
             </a:fld>
             <a:endParaRPr lang="en-DE"/>
           </a:p>
@@ -4923,6 +4931,585 @@
 </p:sld>
 </file>
 
+<file path=ppt/slides/slide10.xml><?xml version="1.0" encoding="utf-8"?>
+<p:sld xmlns:a="http://schemas.openxmlformats.org/drawingml/2006/main" xmlns:r="http://schemas.openxmlformats.org/officeDocument/2006/relationships" xmlns:p="http://schemas.openxmlformats.org/presentationml/2006/main">
+  <p:cSld>
+    <p:spTree>
+      <p:nvGrpSpPr>
+        <p:cNvPr id="1" name=""/>
+        <p:cNvGrpSpPr/>
+        <p:nvPr/>
+      </p:nvGrpSpPr>
+      <p:grpSpPr>
+        <a:xfrm>
+          <a:off x="0" y="0"/>
+          <a:ext cx="0" cy="0"/>
+          <a:chOff x="0" y="0"/>
+          <a:chExt cx="0" cy="0"/>
+        </a:xfrm>
+      </p:grpSpPr>
+      <p:sp>
+        <p:nvSpPr>
+          <p:cNvPr id="5" name="TextBox 4">
+            <a:extLst>
+              <a:ext uri="{FF2B5EF4-FFF2-40B4-BE49-F238E27FC236}">
+                <a16:creationId xmlns:a16="http://schemas.microsoft.com/office/drawing/2014/main" id="{8D8D59E7-94A6-E195-26A4-72F07D7C9E21}"/>
+              </a:ext>
+            </a:extLst>
+          </p:cNvPr>
+          <p:cNvSpPr txBox="1"/>
+          <p:nvPr/>
+        </p:nvSpPr>
+        <p:spPr>
+          <a:xfrm>
+            <a:off x="839243" y="663879"/>
+            <a:ext cx="6530236" cy="369332"/>
+          </a:xfrm>
+          <a:prstGeom prst="rect">
+            <a:avLst/>
+          </a:prstGeom>
+          <a:noFill/>
+        </p:spPr>
+        <p:txBody>
+          <a:bodyPr wrap="square" rtlCol="0">
+            <a:spAutoFit/>
+          </a:bodyPr>
+          <a:lstStyle/>
+          <a:p>
+            <a:r>
+              <a:rPr lang="en-DE" dirty="0"/>
+              <a:t>H</a:t>
+            </a:r>
+            <a:r>
+              <a:rPr lang="en-GB" dirty="0"/>
+              <a:t>o</a:t>
+            </a:r>
+            <a:r>
+              <a:rPr lang="en-DE" dirty="0"/>
+              <a:t>w much cells is enough for pseudo-bulk?</a:t>
+            </a:r>
+          </a:p>
+        </p:txBody>
+      </p:sp>
+      <p:sp>
+        <p:nvSpPr>
+          <p:cNvPr id="3" name="TextBox 2">
+            <a:extLst>
+              <a:ext uri="{FF2B5EF4-FFF2-40B4-BE49-F238E27FC236}">
+                <a16:creationId xmlns:a16="http://schemas.microsoft.com/office/drawing/2014/main" id="{B3C98B3E-BEEB-B44A-0CDC-388FB905C36F}"/>
+              </a:ext>
+            </a:extLst>
+          </p:cNvPr>
+          <p:cNvSpPr txBox="1"/>
+          <p:nvPr/>
+        </p:nvSpPr>
+        <p:spPr>
+          <a:xfrm>
+            <a:off x="3451068" y="1466931"/>
+            <a:ext cx="6530236" cy="369332"/>
+          </a:xfrm>
+          <a:prstGeom prst="rect">
+            <a:avLst/>
+          </a:prstGeom>
+          <a:noFill/>
+        </p:spPr>
+        <p:txBody>
+          <a:bodyPr wrap="square" rtlCol="0">
+            <a:spAutoFit/>
+          </a:bodyPr>
+          <a:lstStyle/>
+          <a:p>
+            <a:r>
+              <a:rPr lang="en-US" dirty="0"/>
+              <a:t>Average number of reads across all positions (depth)</a:t>
+            </a:r>
+            <a:endParaRPr lang="en-DE" dirty="0"/>
+          </a:p>
+        </p:txBody>
+      </p:sp>
+      <p:sp>
+        <p:nvSpPr>
+          <p:cNvPr id="7" name="TextBox 6">
+            <a:extLst>
+              <a:ext uri="{FF2B5EF4-FFF2-40B4-BE49-F238E27FC236}">
+                <a16:creationId xmlns:a16="http://schemas.microsoft.com/office/drawing/2014/main" id="{EF8A996D-62B4-3907-B03D-89C2BD9A1C03}"/>
+              </a:ext>
+            </a:extLst>
+          </p:cNvPr>
+          <p:cNvSpPr txBox="1"/>
+          <p:nvPr/>
+        </p:nvSpPr>
+        <p:spPr>
+          <a:xfrm>
+            <a:off x="2156415" y="5232105"/>
+            <a:ext cx="6530236" cy="646331"/>
+          </a:xfrm>
+          <a:prstGeom prst="rect">
+            <a:avLst/>
+          </a:prstGeom>
+          <a:noFill/>
+        </p:spPr>
+        <p:txBody>
+          <a:bodyPr wrap="square" rtlCol="0">
+            <a:spAutoFit/>
+          </a:bodyPr>
+          <a:lstStyle/>
+          <a:p>
+            <a:r>
+              <a:rPr lang="en-US" dirty="0"/>
+              <a:t>D8_1: Somite</a:t>
+            </a:r>
+          </a:p>
+          <a:p>
+            <a:endParaRPr lang="en-DE" dirty="0"/>
+          </a:p>
+        </p:txBody>
+      </p:sp>
+      <p:pic>
+        <p:nvPicPr>
+          <p:cNvPr id="8" name="Picture 7">
+            <a:extLst>
+              <a:ext uri="{FF2B5EF4-FFF2-40B4-BE49-F238E27FC236}">
+                <a16:creationId xmlns:a16="http://schemas.microsoft.com/office/drawing/2014/main" id="{90E72310-0CA9-7CA2-9CC5-1488E04F6F9A}"/>
+              </a:ext>
+            </a:extLst>
+          </p:cNvPr>
+          <p:cNvPicPr>
+            <a:picLocks noChangeAspect="1"/>
+          </p:cNvPicPr>
+          <p:nvPr/>
+        </p:nvPicPr>
+        <p:blipFill>
+          <a:blip r:embed="rId2"/>
+          <a:stretch>
+            <a:fillRect/>
+          </a:stretch>
+        </p:blipFill>
+        <p:spPr>
+          <a:xfrm>
+            <a:off x="609501" y="2045757"/>
+            <a:ext cx="3093827" cy="4148364"/>
+          </a:xfrm>
+          <a:prstGeom prst="rect">
+            <a:avLst/>
+          </a:prstGeom>
+        </p:spPr>
+      </p:pic>
+      <p:pic>
+        <p:nvPicPr>
+          <p:cNvPr id="9" name="Picture 8">
+            <a:extLst>
+              <a:ext uri="{FF2B5EF4-FFF2-40B4-BE49-F238E27FC236}">
+                <a16:creationId xmlns:a16="http://schemas.microsoft.com/office/drawing/2014/main" id="{CF6C33C6-08F2-ADC4-F7D2-EADA573FF34E}"/>
+              </a:ext>
+            </a:extLst>
+          </p:cNvPr>
+          <p:cNvPicPr>
+            <a:picLocks noChangeAspect="1"/>
+          </p:cNvPicPr>
+          <p:nvPr/>
+        </p:nvPicPr>
+        <p:blipFill rotWithShape="1">
+          <a:blip r:embed="rId3"/>
+          <a:srcRect t="6627" b="45311"/>
+          <a:stretch/>
+        </p:blipFill>
+        <p:spPr>
+          <a:xfrm>
+            <a:off x="3829430" y="2330336"/>
+            <a:ext cx="3623871" cy="3757594"/>
+          </a:xfrm>
+          <a:prstGeom prst="rect">
+            <a:avLst/>
+          </a:prstGeom>
+        </p:spPr>
+      </p:pic>
+      <p:pic>
+        <p:nvPicPr>
+          <p:cNvPr id="10" name="Picture 9">
+            <a:extLst>
+              <a:ext uri="{FF2B5EF4-FFF2-40B4-BE49-F238E27FC236}">
+                <a16:creationId xmlns:a16="http://schemas.microsoft.com/office/drawing/2014/main" id="{0A866656-8E84-60E6-EEE3-4BAF19AED488}"/>
+              </a:ext>
+            </a:extLst>
+          </p:cNvPr>
+          <p:cNvPicPr>
+            <a:picLocks noChangeAspect="1"/>
+          </p:cNvPicPr>
+          <p:nvPr/>
+        </p:nvPicPr>
+        <p:blipFill rotWithShape="1">
+          <a:blip r:embed="rId3"/>
+          <a:srcRect t="54961"/>
+          <a:stretch/>
+        </p:blipFill>
+        <p:spPr>
+          <a:xfrm>
+            <a:off x="7870624" y="2481203"/>
+            <a:ext cx="3711875" cy="3606727"/>
+          </a:xfrm>
+          <a:prstGeom prst="rect">
+            <a:avLst/>
+          </a:prstGeom>
+        </p:spPr>
+      </p:pic>
+    </p:spTree>
+    <p:extLst>
+      <p:ext uri="{BB962C8B-B14F-4D97-AF65-F5344CB8AC3E}">
+        <p14:creationId xmlns:p14="http://schemas.microsoft.com/office/powerpoint/2010/main" val="2897364473"/>
+      </p:ext>
+    </p:extLst>
+  </p:cSld>
+  <p:clrMapOvr>
+    <a:masterClrMapping/>
+  </p:clrMapOvr>
+</p:sld>
+</file>
+
+<file path=ppt/slides/slide11.xml><?xml version="1.0" encoding="utf-8"?>
+<p:sld xmlns:a="http://schemas.openxmlformats.org/drawingml/2006/main" xmlns:r="http://schemas.openxmlformats.org/officeDocument/2006/relationships" xmlns:p="http://schemas.openxmlformats.org/presentationml/2006/main">
+  <p:cSld>
+    <p:spTree>
+      <p:nvGrpSpPr>
+        <p:cNvPr id="1" name=""/>
+        <p:cNvGrpSpPr/>
+        <p:nvPr/>
+      </p:nvGrpSpPr>
+      <p:grpSpPr>
+        <a:xfrm>
+          <a:off x="0" y="0"/>
+          <a:ext cx="0" cy="0"/>
+          <a:chOff x="0" y="0"/>
+          <a:chExt cx="0" cy="0"/>
+        </a:xfrm>
+      </p:grpSpPr>
+      <p:sp>
+        <p:nvSpPr>
+          <p:cNvPr id="5" name="TextBox 4">
+            <a:extLst>
+              <a:ext uri="{FF2B5EF4-FFF2-40B4-BE49-F238E27FC236}">
+                <a16:creationId xmlns:a16="http://schemas.microsoft.com/office/drawing/2014/main" id="{8D8D59E7-94A6-E195-26A4-72F07D7C9E21}"/>
+              </a:ext>
+            </a:extLst>
+          </p:cNvPr>
+          <p:cNvSpPr txBox="1"/>
+          <p:nvPr/>
+        </p:nvSpPr>
+        <p:spPr>
+          <a:xfrm>
+            <a:off x="839243" y="663879"/>
+            <a:ext cx="6530236" cy="369332"/>
+          </a:xfrm>
+          <a:prstGeom prst="rect">
+            <a:avLst/>
+          </a:prstGeom>
+          <a:noFill/>
+        </p:spPr>
+        <p:txBody>
+          <a:bodyPr wrap="square" rtlCol="0">
+            <a:spAutoFit/>
+          </a:bodyPr>
+          <a:lstStyle/>
+          <a:p>
+            <a:r>
+              <a:rPr lang="en-US" dirty="0"/>
+              <a:t>Define input sequences</a:t>
+            </a:r>
+            <a:endParaRPr lang="en-DE" dirty="0"/>
+          </a:p>
+        </p:txBody>
+      </p:sp>
+      <p:pic>
+        <p:nvPicPr>
+          <p:cNvPr id="2" name="Picture 1">
+            <a:extLst>
+              <a:ext uri="{FF2B5EF4-FFF2-40B4-BE49-F238E27FC236}">
+                <a16:creationId xmlns:a16="http://schemas.microsoft.com/office/drawing/2014/main" id="{7C0D0CAB-9932-1796-071F-5DDE483230A0}"/>
+              </a:ext>
+            </a:extLst>
+          </p:cNvPr>
+          <p:cNvPicPr>
+            <a:picLocks noChangeAspect="1"/>
+          </p:cNvPicPr>
+          <p:nvPr/>
+        </p:nvPicPr>
+        <p:blipFill>
+          <a:blip r:embed="rId2"/>
+          <a:stretch>
+            <a:fillRect/>
+          </a:stretch>
+        </p:blipFill>
+        <p:spPr>
+          <a:xfrm>
+            <a:off x="839243" y="1729896"/>
+            <a:ext cx="10957404" cy="4126618"/>
+          </a:xfrm>
+          <a:prstGeom prst="rect">
+            <a:avLst/>
+          </a:prstGeom>
+        </p:spPr>
+      </p:pic>
+      <p:sp>
+        <p:nvSpPr>
+          <p:cNvPr id="4" name="TextBox 3">
+            <a:extLst>
+              <a:ext uri="{FF2B5EF4-FFF2-40B4-BE49-F238E27FC236}">
+                <a16:creationId xmlns:a16="http://schemas.microsoft.com/office/drawing/2014/main" id="{D92656ED-5C22-8771-C42B-22E45FAAFD74}"/>
+              </a:ext>
+            </a:extLst>
+          </p:cNvPr>
+          <p:cNvSpPr txBox="1"/>
+          <p:nvPr/>
+        </p:nvSpPr>
+        <p:spPr>
+          <a:xfrm>
+            <a:off x="0" y="2478019"/>
+            <a:ext cx="6530236" cy="646331"/>
+          </a:xfrm>
+          <a:prstGeom prst="rect">
+            <a:avLst/>
+          </a:prstGeom>
+          <a:noFill/>
+        </p:spPr>
+        <p:txBody>
+          <a:bodyPr wrap="square" rtlCol="0">
+            <a:spAutoFit/>
+          </a:bodyPr>
+          <a:lstStyle/>
+          <a:p>
+            <a:r>
+              <a:rPr lang="en-US" dirty="0"/>
+              <a:t>D8_1</a:t>
+            </a:r>
+          </a:p>
+          <a:p>
+            <a:endParaRPr lang="en-DE" dirty="0"/>
+          </a:p>
+        </p:txBody>
+      </p:sp>
+      <p:sp>
+        <p:nvSpPr>
+          <p:cNvPr id="6" name="TextBox 5">
+            <a:extLst>
+              <a:ext uri="{FF2B5EF4-FFF2-40B4-BE49-F238E27FC236}">
+                <a16:creationId xmlns:a16="http://schemas.microsoft.com/office/drawing/2014/main" id="{DFCB6A92-7E8A-5744-9567-901BBFF1952C}"/>
+              </a:ext>
+            </a:extLst>
+          </p:cNvPr>
+          <p:cNvSpPr txBox="1"/>
+          <p:nvPr/>
+        </p:nvSpPr>
+        <p:spPr>
+          <a:xfrm>
+            <a:off x="0" y="4167266"/>
+            <a:ext cx="6530236" cy="646331"/>
+          </a:xfrm>
+          <a:prstGeom prst="rect">
+            <a:avLst/>
+          </a:prstGeom>
+          <a:noFill/>
+        </p:spPr>
+        <p:txBody>
+          <a:bodyPr wrap="square" rtlCol="0">
+            <a:spAutoFit/>
+          </a:bodyPr>
+          <a:lstStyle/>
+          <a:p>
+            <a:r>
+              <a:rPr lang="en-US" dirty="0"/>
+              <a:t>Peaks</a:t>
+            </a:r>
+          </a:p>
+          <a:p>
+            <a:endParaRPr lang="en-DE" dirty="0"/>
+          </a:p>
+        </p:txBody>
+      </p:sp>
+      <p:sp>
+        <p:nvSpPr>
+          <p:cNvPr id="11" name="TextBox 10">
+            <a:extLst>
+              <a:ext uri="{FF2B5EF4-FFF2-40B4-BE49-F238E27FC236}">
+                <a16:creationId xmlns:a16="http://schemas.microsoft.com/office/drawing/2014/main" id="{1B6C897E-3887-8673-BD1C-DC7B699BE656}"/>
+              </a:ext>
+            </a:extLst>
+          </p:cNvPr>
+          <p:cNvSpPr txBox="1"/>
+          <p:nvPr/>
+        </p:nvSpPr>
+        <p:spPr>
+          <a:xfrm>
+            <a:off x="0" y="5011890"/>
+            <a:ext cx="6530236" cy="646331"/>
+          </a:xfrm>
+          <a:prstGeom prst="rect">
+            <a:avLst/>
+          </a:prstGeom>
+          <a:noFill/>
+        </p:spPr>
+        <p:txBody>
+          <a:bodyPr wrap="square" rtlCol="0">
+            <a:spAutoFit/>
+          </a:bodyPr>
+          <a:lstStyle/>
+          <a:p>
+            <a:r>
+              <a:rPr lang="en-US" dirty="0"/>
+              <a:t>Background</a:t>
+            </a:r>
+          </a:p>
+          <a:p>
+            <a:endParaRPr lang="en-DE" dirty="0"/>
+          </a:p>
+        </p:txBody>
+      </p:sp>
+    </p:spTree>
+    <p:extLst>
+      <p:ext uri="{BB962C8B-B14F-4D97-AF65-F5344CB8AC3E}">
+        <p14:creationId xmlns:p14="http://schemas.microsoft.com/office/powerpoint/2010/main" val="7058575"/>
+      </p:ext>
+    </p:extLst>
+  </p:cSld>
+  <p:clrMapOvr>
+    <a:masterClrMapping/>
+  </p:clrMapOvr>
+</p:sld>
+</file>
+
+<file path=ppt/slides/slide12.xml><?xml version="1.0" encoding="utf-8"?>
+<p:sld xmlns:a="http://schemas.openxmlformats.org/drawingml/2006/main" xmlns:r="http://schemas.openxmlformats.org/officeDocument/2006/relationships" xmlns:p="http://schemas.openxmlformats.org/presentationml/2006/main">
+  <p:cSld>
+    <p:spTree>
+      <p:nvGrpSpPr>
+        <p:cNvPr id="1" name=""/>
+        <p:cNvGrpSpPr/>
+        <p:nvPr/>
+      </p:nvGrpSpPr>
+      <p:grpSpPr>
+        <a:xfrm>
+          <a:off x="0" y="0"/>
+          <a:ext cx="0" cy="0"/>
+          <a:chOff x="0" y="0"/>
+          <a:chExt cx="0" cy="0"/>
+        </a:xfrm>
+      </p:grpSpPr>
+      <p:sp>
+        <p:nvSpPr>
+          <p:cNvPr id="5" name="TextBox 4">
+            <a:extLst>
+              <a:ext uri="{FF2B5EF4-FFF2-40B4-BE49-F238E27FC236}">
+                <a16:creationId xmlns:a16="http://schemas.microsoft.com/office/drawing/2014/main" id="{8D8D59E7-94A6-E195-26A4-72F07D7C9E21}"/>
+              </a:ext>
+            </a:extLst>
+          </p:cNvPr>
+          <p:cNvSpPr txBox="1"/>
+          <p:nvPr/>
+        </p:nvSpPr>
+        <p:spPr>
+          <a:xfrm>
+            <a:off x="839243" y="663879"/>
+            <a:ext cx="6530236" cy="369332"/>
+          </a:xfrm>
+          <a:prstGeom prst="rect">
+            <a:avLst/>
+          </a:prstGeom>
+          <a:noFill/>
+        </p:spPr>
+        <p:txBody>
+          <a:bodyPr wrap="square" rtlCol="0">
+            <a:spAutoFit/>
+          </a:bodyPr>
+          <a:lstStyle/>
+          <a:p>
+            <a:r>
+              <a:rPr lang="en-US" dirty="0"/>
+              <a:t>Define input sequences</a:t>
+            </a:r>
+            <a:endParaRPr lang="en-DE" dirty="0"/>
+          </a:p>
+        </p:txBody>
+      </p:sp>
+      <p:sp>
+        <p:nvSpPr>
+          <p:cNvPr id="4" name="TextBox 3">
+            <a:extLst>
+              <a:ext uri="{FF2B5EF4-FFF2-40B4-BE49-F238E27FC236}">
+                <a16:creationId xmlns:a16="http://schemas.microsoft.com/office/drawing/2014/main" id="{D92656ED-5C22-8771-C42B-22E45FAAFD74}"/>
+              </a:ext>
+            </a:extLst>
+          </p:cNvPr>
+          <p:cNvSpPr txBox="1"/>
+          <p:nvPr/>
+        </p:nvSpPr>
+        <p:spPr>
+          <a:xfrm>
+            <a:off x="4104361" y="1199779"/>
+            <a:ext cx="6530236" cy="646331"/>
+          </a:xfrm>
+          <a:prstGeom prst="rect">
+            <a:avLst/>
+          </a:prstGeom>
+          <a:noFill/>
+        </p:spPr>
+        <p:txBody>
+          <a:bodyPr wrap="square" rtlCol="0">
+            <a:spAutoFit/>
+          </a:bodyPr>
+          <a:lstStyle/>
+          <a:p>
+            <a:r>
+              <a:rPr lang="en-US" dirty="0"/>
+              <a:t>GC content distributions</a:t>
+            </a:r>
+          </a:p>
+          <a:p>
+            <a:endParaRPr lang="en-DE" dirty="0"/>
+          </a:p>
+        </p:txBody>
+      </p:sp>
+      <p:pic>
+        <p:nvPicPr>
+          <p:cNvPr id="3" name="Picture 2">
+            <a:extLst>
+              <a:ext uri="{FF2B5EF4-FFF2-40B4-BE49-F238E27FC236}">
+                <a16:creationId xmlns:a16="http://schemas.microsoft.com/office/drawing/2014/main" id="{5A8CAFEF-C136-588E-4777-D20F8A6B2A67}"/>
+              </a:ext>
+            </a:extLst>
+          </p:cNvPr>
+          <p:cNvPicPr>
+            <a:picLocks noChangeAspect="1"/>
+          </p:cNvPicPr>
+          <p:nvPr/>
+        </p:nvPicPr>
+        <p:blipFill>
+          <a:blip r:embed="rId2"/>
+          <a:stretch>
+            <a:fillRect/>
+          </a:stretch>
+        </p:blipFill>
+        <p:spPr>
+          <a:xfrm>
+            <a:off x="1711587" y="1600982"/>
+            <a:ext cx="6462677" cy="4690836"/>
+          </a:xfrm>
+          <a:prstGeom prst="rect">
+            <a:avLst/>
+          </a:prstGeom>
+        </p:spPr>
+      </p:pic>
+    </p:spTree>
+    <p:extLst>
+      <p:ext uri="{BB962C8B-B14F-4D97-AF65-F5344CB8AC3E}">
+        <p14:creationId xmlns:p14="http://schemas.microsoft.com/office/powerpoint/2010/main" val="300966292"/>
+      </p:ext>
+    </p:extLst>
+  </p:cSld>
+  <p:clrMapOvr>
+    <a:masterClrMapping/>
+  </p:clrMapOvr>
+</p:sld>
+</file>
+
 <file path=ppt/slides/slide2.xml><?xml version="1.0" encoding="utf-8"?>
 <p:sld xmlns:a="http://schemas.openxmlformats.org/drawingml/2006/main" xmlns:r="http://schemas.openxmlformats.org/officeDocument/2006/relationships" xmlns:p="http://schemas.openxmlformats.org/presentationml/2006/main">
   <p:cSld>
@@ -8661,6 +9248,251 @@
     <p:extLst>
       <p:ext uri="{BB962C8B-B14F-4D97-AF65-F5344CB8AC3E}">
         <p14:creationId xmlns:p14="http://schemas.microsoft.com/office/powerpoint/2010/main" val="3997464520"/>
+      </p:ext>
+    </p:extLst>
+  </p:cSld>
+  <p:clrMapOvr>
+    <a:masterClrMapping/>
+  </p:clrMapOvr>
+</p:sld>
+</file>
+
+<file path=ppt/slides/slide9.xml><?xml version="1.0" encoding="utf-8"?>
+<p:sld xmlns:a="http://schemas.openxmlformats.org/drawingml/2006/main" xmlns:r="http://schemas.openxmlformats.org/officeDocument/2006/relationships" xmlns:p="http://schemas.openxmlformats.org/presentationml/2006/main">
+  <p:cSld>
+    <p:spTree>
+      <p:nvGrpSpPr>
+        <p:cNvPr id="1" name=""/>
+        <p:cNvGrpSpPr/>
+        <p:nvPr/>
+      </p:nvGrpSpPr>
+      <p:grpSpPr>
+        <a:xfrm>
+          <a:off x="0" y="0"/>
+          <a:ext cx="0" cy="0"/>
+          <a:chOff x="0" y="0"/>
+          <a:chExt cx="0" cy="0"/>
+        </a:xfrm>
+      </p:grpSpPr>
+      <p:sp>
+        <p:nvSpPr>
+          <p:cNvPr id="5" name="TextBox 4">
+            <a:extLst>
+              <a:ext uri="{FF2B5EF4-FFF2-40B4-BE49-F238E27FC236}">
+                <a16:creationId xmlns:a16="http://schemas.microsoft.com/office/drawing/2014/main" id="{8D8D59E7-94A6-E195-26A4-72F07D7C9E21}"/>
+              </a:ext>
+            </a:extLst>
+          </p:cNvPr>
+          <p:cNvSpPr txBox="1"/>
+          <p:nvPr/>
+        </p:nvSpPr>
+        <p:spPr>
+          <a:xfrm>
+            <a:off x="839243" y="663879"/>
+            <a:ext cx="6530236" cy="369332"/>
+          </a:xfrm>
+          <a:prstGeom prst="rect">
+            <a:avLst/>
+          </a:prstGeom>
+          <a:noFill/>
+        </p:spPr>
+        <p:txBody>
+          <a:bodyPr wrap="square" rtlCol="0">
+            <a:spAutoFit/>
+          </a:bodyPr>
+          <a:lstStyle/>
+          <a:p>
+            <a:r>
+              <a:rPr lang="en-DE" dirty="0"/>
+              <a:t>H</a:t>
+            </a:r>
+            <a:r>
+              <a:rPr lang="en-GB" dirty="0"/>
+              <a:t>o</a:t>
+            </a:r>
+            <a:r>
+              <a:rPr lang="en-DE" dirty="0"/>
+              <a:t>w much cells is enough for pseudo-bulk?</a:t>
+            </a:r>
+          </a:p>
+        </p:txBody>
+      </p:sp>
+      <p:pic>
+        <p:nvPicPr>
+          <p:cNvPr id="2" name="Picture 1">
+            <a:extLst>
+              <a:ext uri="{FF2B5EF4-FFF2-40B4-BE49-F238E27FC236}">
+                <a16:creationId xmlns:a16="http://schemas.microsoft.com/office/drawing/2014/main" id="{0DB58126-000C-14BA-B2BD-DEDB476B8578}"/>
+              </a:ext>
+            </a:extLst>
+          </p:cNvPr>
+          <p:cNvPicPr>
+            <a:picLocks noChangeAspect="1"/>
+          </p:cNvPicPr>
+          <p:nvPr/>
+        </p:nvPicPr>
+        <p:blipFill>
+          <a:blip r:embed="rId2"/>
+          <a:stretch>
+            <a:fillRect/>
+          </a:stretch>
+        </p:blipFill>
+        <p:spPr>
+          <a:xfrm>
+            <a:off x="422695" y="1484936"/>
+            <a:ext cx="4702834" cy="3594769"/>
+          </a:xfrm>
+          <a:prstGeom prst="rect">
+            <a:avLst/>
+          </a:prstGeom>
+        </p:spPr>
+      </p:pic>
+      <p:sp>
+        <p:nvSpPr>
+          <p:cNvPr id="3" name="TextBox 2">
+            <a:extLst>
+              <a:ext uri="{FF2B5EF4-FFF2-40B4-BE49-F238E27FC236}">
+                <a16:creationId xmlns:a16="http://schemas.microsoft.com/office/drawing/2014/main" id="{B3C98B3E-BEEB-B44A-0CDC-388FB905C36F}"/>
+              </a:ext>
+            </a:extLst>
+          </p:cNvPr>
+          <p:cNvSpPr txBox="1"/>
+          <p:nvPr/>
+        </p:nvSpPr>
+        <p:spPr>
+          <a:xfrm>
+            <a:off x="3557180" y="1154100"/>
+            <a:ext cx="6530236" cy="369332"/>
+          </a:xfrm>
+          <a:prstGeom prst="rect">
+            <a:avLst/>
+          </a:prstGeom>
+          <a:noFill/>
+        </p:spPr>
+        <p:txBody>
+          <a:bodyPr wrap="square" rtlCol="0">
+            <a:spAutoFit/>
+          </a:bodyPr>
+          <a:lstStyle/>
+          <a:p>
+            <a:r>
+              <a:rPr lang="en-US" dirty="0"/>
+              <a:t>Coverage in 10’000 genome bins across genome </a:t>
+            </a:r>
+            <a:endParaRPr lang="en-DE" dirty="0"/>
+          </a:p>
+        </p:txBody>
+      </p:sp>
+      <p:sp>
+        <p:nvSpPr>
+          <p:cNvPr id="4" name="TextBox 3">
+            <a:extLst>
+              <a:ext uri="{FF2B5EF4-FFF2-40B4-BE49-F238E27FC236}">
+                <a16:creationId xmlns:a16="http://schemas.microsoft.com/office/drawing/2014/main" id="{3ED07661-09CC-347E-CAE9-F5CEF9668142}"/>
+              </a:ext>
+            </a:extLst>
+          </p:cNvPr>
+          <p:cNvSpPr txBox="1"/>
+          <p:nvPr/>
+        </p:nvSpPr>
+        <p:spPr>
+          <a:xfrm>
+            <a:off x="8197986" y="5041207"/>
+            <a:ext cx="6530236" cy="646331"/>
+          </a:xfrm>
+          <a:prstGeom prst="rect">
+            <a:avLst/>
+          </a:prstGeom>
+          <a:noFill/>
+        </p:spPr>
+        <p:txBody>
+          <a:bodyPr wrap="square" rtlCol="0">
+            <a:spAutoFit/>
+          </a:bodyPr>
+          <a:lstStyle/>
+          <a:p>
+            <a:r>
+              <a:rPr lang="en-US" dirty="0"/>
+              <a:t>D12_1: Somite</a:t>
+            </a:r>
+          </a:p>
+          <a:p>
+            <a:endParaRPr lang="en-DE" dirty="0"/>
+          </a:p>
+        </p:txBody>
+      </p:sp>
+      <p:pic>
+        <p:nvPicPr>
+          <p:cNvPr id="6" name="Picture 5">
+            <a:extLst>
+              <a:ext uri="{FF2B5EF4-FFF2-40B4-BE49-F238E27FC236}">
+                <a16:creationId xmlns:a16="http://schemas.microsoft.com/office/drawing/2014/main" id="{494BA1F9-A65D-1899-5333-1D6A50FEDE36}"/>
+              </a:ext>
+            </a:extLst>
+          </p:cNvPr>
+          <p:cNvPicPr>
+            <a:picLocks noChangeAspect="1"/>
+          </p:cNvPicPr>
+          <p:nvPr/>
+        </p:nvPicPr>
+        <p:blipFill>
+          <a:blip r:embed="rId3"/>
+          <a:stretch>
+            <a:fillRect/>
+          </a:stretch>
+        </p:blipFill>
+        <p:spPr>
+          <a:xfrm>
+            <a:off x="6436632" y="1523432"/>
+            <a:ext cx="4742997" cy="3517775"/>
+          </a:xfrm>
+          <a:prstGeom prst="rect">
+            <a:avLst/>
+          </a:prstGeom>
+        </p:spPr>
+      </p:pic>
+      <p:sp>
+        <p:nvSpPr>
+          <p:cNvPr id="7" name="TextBox 6">
+            <a:extLst>
+              <a:ext uri="{FF2B5EF4-FFF2-40B4-BE49-F238E27FC236}">
+                <a16:creationId xmlns:a16="http://schemas.microsoft.com/office/drawing/2014/main" id="{EF8A996D-62B4-3907-B03D-89C2BD9A1C03}"/>
+              </a:ext>
+            </a:extLst>
+          </p:cNvPr>
+          <p:cNvSpPr txBox="1"/>
+          <p:nvPr/>
+        </p:nvSpPr>
+        <p:spPr>
+          <a:xfrm>
+            <a:off x="2156415" y="5232105"/>
+            <a:ext cx="6530236" cy="646331"/>
+          </a:xfrm>
+          <a:prstGeom prst="rect">
+            <a:avLst/>
+          </a:prstGeom>
+          <a:noFill/>
+        </p:spPr>
+        <p:txBody>
+          <a:bodyPr wrap="square" rtlCol="0">
+            <a:spAutoFit/>
+          </a:bodyPr>
+          <a:lstStyle/>
+          <a:p>
+            <a:r>
+              <a:rPr lang="en-US" dirty="0"/>
+              <a:t>D8_1: Somite</a:t>
+            </a:r>
+          </a:p>
+          <a:p>
+            <a:endParaRPr lang="en-DE" dirty="0"/>
+          </a:p>
+        </p:txBody>
+      </p:sp>
+    </p:spTree>
+    <p:extLst>
+      <p:ext uri="{BB962C8B-B14F-4D97-AF65-F5344CB8AC3E}">
+        <p14:creationId xmlns:p14="http://schemas.microsoft.com/office/powerpoint/2010/main" val="3283862287"/>
       </p:ext>
     </p:extLst>
   </p:cSld>

--- a/notes/Building model.pptx
+++ b/notes/Building model.pptx
@@ -5,7 +5,7 @@
     <p:sldMasterId id="2147483648" r:id="rId1"/>
   </p:sldMasterIdLst>
   <p:notesMasterIdLst>
-    <p:notesMasterId r:id="rId14"/>
+    <p:notesMasterId r:id="rId20"/>
   </p:notesMasterIdLst>
   <p:sldIdLst>
     <p:sldId id="256" r:id="rId2"/>
@@ -19,7 +19,13 @@
     <p:sldId id="264" r:id="rId10"/>
     <p:sldId id="265" r:id="rId11"/>
     <p:sldId id="266" r:id="rId12"/>
-    <p:sldId id="267" r:id="rId13"/>
+    <p:sldId id="268" r:id="rId13"/>
+    <p:sldId id="267" r:id="rId14"/>
+    <p:sldId id="269" r:id="rId15"/>
+    <p:sldId id="270" r:id="rId16"/>
+    <p:sldId id="271" r:id="rId17"/>
+    <p:sldId id="272" r:id="rId18"/>
+    <p:sldId id="273" r:id="rId19"/>
   </p:sldIdLst>
   <p:sldSz cx="12192000" cy="6858000"/>
   <p:notesSz cx="6858000" cy="9144000"/>
@@ -134,7 +140,13 @@
             <p14:sldId id="264"/>
             <p14:sldId id="265"/>
             <p14:sldId id="266"/>
+            <p14:sldId id="268"/>
             <p14:sldId id="267"/>
+            <p14:sldId id="269"/>
+            <p14:sldId id="270"/>
+            <p14:sldId id="271"/>
+            <p14:sldId id="272"/>
+            <p14:sldId id="273"/>
           </p14:sldIdLst>
         </p14:section>
       </p14:sectionLst>
@@ -829,6 +841,234 @@
     <p:extLst>
       <p:ext uri="{BB962C8B-B14F-4D97-AF65-F5344CB8AC3E}">
         <p14:creationId xmlns:p14="http://schemas.microsoft.com/office/powerpoint/2010/main" val="972503350"/>
+      </p:ext>
+    </p:extLst>
+  </p:cSld>
+  <p:clrMapOvr>
+    <a:masterClrMapping/>
+  </p:clrMapOvr>
+</p:notes>
+</file>
+
+<file path=ppt/notesSlides/notesSlide4.xml><?xml version="1.0" encoding="utf-8"?>
+<p:notes xmlns:a="http://schemas.openxmlformats.org/drawingml/2006/main" xmlns:r="http://schemas.openxmlformats.org/officeDocument/2006/relationships" xmlns:p="http://schemas.openxmlformats.org/presentationml/2006/main">
+  <p:cSld>
+    <p:spTree>
+      <p:nvGrpSpPr>
+        <p:cNvPr id="1" name=""/>
+        <p:cNvGrpSpPr/>
+        <p:nvPr/>
+      </p:nvGrpSpPr>
+      <p:grpSpPr>
+        <a:xfrm>
+          <a:off x="0" y="0"/>
+          <a:ext cx="0" cy="0"/>
+          <a:chOff x="0" y="0"/>
+          <a:chExt cx="0" cy="0"/>
+        </a:xfrm>
+      </p:grpSpPr>
+      <p:sp>
+        <p:nvSpPr>
+          <p:cNvPr id="2" name="Slide Image Placeholder 1"/>
+          <p:cNvSpPr>
+            <a:spLocks noGrp="1" noRot="1" noChangeAspect="1"/>
+          </p:cNvSpPr>
+          <p:nvPr>
+            <p:ph type="sldImg"/>
+          </p:nvPr>
+        </p:nvSpPr>
+        <p:spPr/>
+      </p:sp>
+      <p:sp>
+        <p:nvSpPr>
+          <p:cNvPr id="3" name="Notes Placeholder 2"/>
+          <p:cNvSpPr>
+            <a:spLocks noGrp="1"/>
+          </p:cNvSpPr>
+          <p:nvPr>
+            <p:ph type="body" idx="1"/>
+          </p:nvPr>
+        </p:nvSpPr>
+        <p:spPr/>
+        <p:txBody>
+          <a:bodyPr/>
+          <a:lstStyle/>
+          <a:p>
+            <a:r>
+              <a:rPr lang="en-GB" dirty="0"/>
+              <a:t>https://</a:t>
+            </a:r>
+            <a:r>
+              <a:rPr lang="en-GB" dirty="0" err="1"/>
+              <a:t>github.com</a:t>
+            </a:r>
+            <a:r>
+              <a:rPr lang="en-GB" dirty="0"/>
+              <a:t>/</a:t>
+            </a:r>
+            <a:r>
+              <a:rPr lang="en-GB" dirty="0" err="1"/>
+              <a:t>kundajelab</a:t>
+            </a:r>
+            <a:r>
+              <a:rPr lang="en-GB" dirty="0"/>
+              <a:t>/</a:t>
+            </a:r>
+            <a:r>
+              <a:rPr lang="en-GB" dirty="0" err="1"/>
+              <a:t>chrombpnet</a:t>
+            </a:r>
+            <a:endParaRPr lang="en-GB" dirty="0"/>
+          </a:p>
+          <a:p>
+            <a:endParaRPr lang="en-GB" dirty="0"/>
+          </a:p>
+          <a:p>
+            <a:endParaRPr lang="en-DE" dirty="0"/>
+          </a:p>
+        </p:txBody>
+      </p:sp>
+      <p:sp>
+        <p:nvSpPr>
+          <p:cNvPr id="4" name="Slide Number Placeholder 3"/>
+          <p:cNvSpPr>
+            <a:spLocks noGrp="1"/>
+          </p:cNvSpPr>
+          <p:nvPr>
+            <p:ph type="sldNum" sz="quarter" idx="5"/>
+          </p:nvPr>
+        </p:nvSpPr>
+        <p:spPr/>
+        <p:txBody>
+          <a:bodyPr/>
+          <a:lstStyle/>
+          <a:p>
+            <a:fld id="{36981517-4442-DC41-AE00-02D7A55D9C50}" type="slidenum">
+              <a:rPr lang="en-DE" smtClean="0"/>
+              <a:t>17</a:t>
+            </a:fld>
+            <a:endParaRPr lang="en-DE"/>
+          </a:p>
+        </p:txBody>
+      </p:sp>
+    </p:spTree>
+    <p:extLst>
+      <p:ext uri="{BB962C8B-B14F-4D97-AF65-F5344CB8AC3E}">
+        <p14:creationId xmlns:p14="http://schemas.microsoft.com/office/powerpoint/2010/main" val="4176405422"/>
+      </p:ext>
+    </p:extLst>
+  </p:cSld>
+  <p:clrMapOvr>
+    <a:masterClrMapping/>
+  </p:clrMapOvr>
+</p:notes>
+</file>
+
+<file path=ppt/notesSlides/notesSlide5.xml><?xml version="1.0" encoding="utf-8"?>
+<p:notes xmlns:a="http://schemas.openxmlformats.org/drawingml/2006/main" xmlns:r="http://schemas.openxmlformats.org/officeDocument/2006/relationships" xmlns:p="http://schemas.openxmlformats.org/presentationml/2006/main">
+  <p:cSld>
+    <p:spTree>
+      <p:nvGrpSpPr>
+        <p:cNvPr id="1" name=""/>
+        <p:cNvGrpSpPr/>
+        <p:nvPr/>
+      </p:nvGrpSpPr>
+      <p:grpSpPr>
+        <a:xfrm>
+          <a:off x="0" y="0"/>
+          <a:ext cx="0" cy="0"/>
+          <a:chOff x="0" y="0"/>
+          <a:chExt cx="0" cy="0"/>
+        </a:xfrm>
+      </p:grpSpPr>
+      <p:sp>
+        <p:nvSpPr>
+          <p:cNvPr id="2" name="Slide Image Placeholder 1"/>
+          <p:cNvSpPr>
+            <a:spLocks noGrp="1" noRot="1" noChangeAspect="1"/>
+          </p:cNvSpPr>
+          <p:nvPr>
+            <p:ph type="sldImg"/>
+          </p:nvPr>
+        </p:nvSpPr>
+        <p:spPr/>
+      </p:sp>
+      <p:sp>
+        <p:nvSpPr>
+          <p:cNvPr id="3" name="Notes Placeholder 2"/>
+          <p:cNvSpPr>
+            <a:spLocks noGrp="1"/>
+          </p:cNvSpPr>
+          <p:nvPr>
+            <p:ph type="body" idx="1"/>
+          </p:nvPr>
+        </p:nvSpPr>
+        <p:spPr/>
+        <p:txBody>
+          <a:bodyPr/>
+          <a:lstStyle/>
+          <a:p>
+            <a:r>
+              <a:rPr lang="en-GB" dirty="0"/>
+              <a:t>https://</a:t>
+            </a:r>
+            <a:r>
+              <a:rPr lang="en-GB" dirty="0" err="1"/>
+              <a:t>github.com</a:t>
+            </a:r>
+            <a:r>
+              <a:rPr lang="en-GB" dirty="0"/>
+              <a:t>/</a:t>
+            </a:r>
+            <a:r>
+              <a:rPr lang="en-GB" dirty="0" err="1"/>
+              <a:t>kundajelab</a:t>
+            </a:r>
+            <a:r>
+              <a:rPr lang="en-GB" dirty="0"/>
+              <a:t>/</a:t>
+            </a:r>
+            <a:r>
+              <a:rPr lang="en-GB" dirty="0" err="1"/>
+              <a:t>chrombpnet</a:t>
+            </a:r>
+            <a:endParaRPr lang="en-GB" dirty="0"/>
+          </a:p>
+          <a:p>
+            <a:endParaRPr lang="en-GB" dirty="0"/>
+          </a:p>
+          <a:p>
+            <a:endParaRPr lang="en-DE" dirty="0"/>
+          </a:p>
+        </p:txBody>
+      </p:sp>
+      <p:sp>
+        <p:nvSpPr>
+          <p:cNvPr id="4" name="Slide Number Placeholder 3"/>
+          <p:cNvSpPr>
+            <a:spLocks noGrp="1"/>
+          </p:cNvSpPr>
+          <p:nvPr>
+            <p:ph type="sldNum" sz="quarter" idx="5"/>
+          </p:nvPr>
+        </p:nvSpPr>
+        <p:spPr/>
+        <p:txBody>
+          <a:bodyPr/>
+          <a:lstStyle/>
+          <a:p>
+            <a:fld id="{36981517-4442-DC41-AE00-02D7A55D9C50}" type="slidenum">
+              <a:rPr lang="en-DE" smtClean="0"/>
+              <a:t>18</a:t>
+            </a:fld>
+            <a:endParaRPr lang="en-DE"/>
+          </a:p>
+        </p:txBody>
+      </p:sp>
+    </p:spTree>
+    <p:extLst>
+      <p:ext uri="{BB962C8B-B14F-4D97-AF65-F5344CB8AC3E}">
+        <p14:creationId xmlns:p14="http://schemas.microsoft.com/office/powerpoint/2010/main" val="4054707649"/>
       </p:ext>
     </p:extLst>
   </p:cSld>
@@ -5443,8 +5683,8 @@
         </p:nvSpPr>
         <p:spPr>
           <a:xfrm>
-            <a:off x="4104361" y="1199779"/>
-            <a:ext cx="6530236" cy="646331"/>
+            <a:off x="250371" y="5541760"/>
+            <a:ext cx="6530236" cy="1477328"/>
           </a:xfrm>
           <a:prstGeom prst="rect">
             <a:avLst/>
@@ -5459,7 +5699,37 @@
           <a:p>
             <a:r>
               <a:rPr lang="en-US" dirty="0"/>
-              <a:t>GC content distributions</a:t>
+              <a:t>We have the regions of interest how do we define the sequence?</a:t>
+            </a:r>
+          </a:p>
+          <a:p>
+            <a:pPr marL="285750" indent="-285750">
+              <a:buFont typeface="Wingdings" pitchFamily="2" charset="2"/>
+              <a:buChar char="è"/>
+            </a:pPr>
+            <a:r>
+              <a:rPr lang="en-US" dirty="0"/>
+              <a:t>How to center it? Middle region, max peak,…</a:t>
+            </a:r>
+          </a:p>
+          <a:p>
+            <a:pPr marL="285750" indent="-285750">
+              <a:buFont typeface="Wingdings" pitchFamily="2" charset="2"/>
+              <a:buChar char="è"/>
+            </a:pPr>
+            <a:r>
+              <a:rPr lang="en-US" dirty="0"/>
+              <a:t>Length of input sequence with context? </a:t>
+            </a:r>
+          </a:p>
+          <a:p>
+            <a:pPr marL="285750" indent="-285750">
+              <a:buFont typeface="Wingdings" pitchFamily="2" charset="2"/>
+              <a:buChar char="è"/>
+            </a:pPr>
+            <a:r>
+              <a:rPr lang="en-US" dirty="0"/>
+              <a:t>Length of sequence for which track predicted?</a:t>
             </a:r>
           </a:p>
           <a:p>
@@ -5472,7 +5742,7 @@
           <p:cNvPr id="3" name="Picture 2">
             <a:extLst>
               <a:ext uri="{FF2B5EF4-FFF2-40B4-BE49-F238E27FC236}">
-                <a16:creationId xmlns:a16="http://schemas.microsoft.com/office/drawing/2014/main" id="{5A8CAFEF-C136-588E-4777-D20F8A6B2A67}"/>
+                <a16:creationId xmlns:a16="http://schemas.microsoft.com/office/drawing/2014/main" id="{F2B59C86-EFF0-1582-E4FC-4C3A58005685}"/>
               </a:ext>
             </a:extLst>
           </p:cNvPr>
@@ -5489,8 +5759,90 @@
         </p:blipFill>
         <p:spPr>
           <a:xfrm>
-            <a:off x="1711587" y="1600982"/>
-            <a:ext cx="6462677" cy="4690836"/>
+            <a:off x="839243" y="1259079"/>
+            <a:ext cx="10553434" cy="3963079"/>
+          </a:xfrm>
+          <a:prstGeom prst="rect">
+            <a:avLst/>
+          </a:prstGeom>
+        </p:spPr>
+      </p:pic>
+      <p:sp>
+        <p:nvSpPr>
+          <p:cNvPr id="7" name="TextBox 6">
+            <a:extLst>
+              <a:ext uri="{FF2B5EF4-FFF2-40B4-BE49-F238E27FC236}">
+                <a16:creationId xmlns:a16="http://schemas.microsoft.com/office/drawing/2014/main" id="{65656730-3C7E-49FE-1753-7E33410E5C56}"/>
+              </a:ext>
+            </a:extLst>
+          </p:cNvPr>
+          <p:cNvSpPr txBox="1"/>
+          <p:nvPr/>
+        </p:nvSpPr>
+        <p:spPr>
+          <a:xfrm>
+            <a:off x="9394764" y="5222158"/>
+            <a:ext cx="1836856" cy="1477328"/>
+          </a:xfrm>
+          <a:prstGeom prst="rect">
+            <a:avLst/>
+          </a:prstGeom>
+          <a:noFill/>
+        </p:spPr>
+        <p:txBody>
+          <a:bodyPr wrap="square" rtlCol="0">
+            <a:spAutoFit/>
+          </a:bodyPr>
+          <a:lstStyle/>
+          <a:p>
+            <a:r>
+              <a:rPr lang="en-DE" dirty="0"/>
+              <a:t>Distribution of ATAC peak lengths</a:t>
+            </a:r>
+          </a:p>
+          <a:p>
+            <a:r>
+              <a:rPr lang="en-DE" dirty="0"/>
+              <a:t>-&gt; </a:t>
+            </a:r>
+            <a:r>
+              <a:rPr lang="en-GB" dirty="0"/>
+              <a:t>M</a:t>
+            </a:r>
+            <a:r>
+              <a:rPr lang="en-DE" dirty="0"/>
+              <a:t>edian 939</a:t>
+            </a:r>
+          </a:p>
+          <a:p>
+            <a:endParaRPr lang="en-DE" dirty="0"/>
+          </a:p>
+        </p:txBody>
+      </p:sp>
+      <p:pic>
+        <p:nvPicPr>
+          <p:cNvPr id="8" name="Picture 7">
+            <a:extLst>
+              <a:ext uri="{FF2B5EF4-FFF2-40B4-BE49-F238E27FC236}">
+                <a16:creationId xmlns:a16="http://schemas.microsoft.com/office/drawing/2014/main" id="{0412329D-06FC-9375-6CB9-B522C0D5A638}"/>
+              </a:ext>
+            </a:extLst>
+          </p:cNvPr>
+          <p:cNvPicPr>
+            <a:picLocks noChangeAspect="1"/>
+          </p:cNvPicPr>
+          <p:nvPr/>
+        </p:nvPicPr>
+        <p:blipFill>
+          <a:blip r:embed="rId3"/>
+          <a:stretch>
+            <a:fillRect/>
+          </a:stretch>
+        </p:blipFill>
+        <p:spPr>
+          <a:xfrm>
+            <a:off x="7369479" y="5269025"/>
+            <a:ext cx="1772476" cy="1269559"/>
           </a:xfrm>
           <a:prstGeom prst="rect">
             <a:avLst/>
@@ -5500,7 +5852,5281 @@
     </p:spTree>
     <p:extLst>
       <p:ext uri="{BB962C8B-B14F-4D97-AF65-F5344CB8AC3E}">
+        <p14:creationId xmlns:p14="http://schemas.microsoft.com/office/powerpoint/2010/main" val="246894007"/>
+      </p:ext>
+    </p:extLst>
+  </p:cSld>
+  <p:clrMapOvr>
+    <a:masterClrMapping/>
+  </p:clrMapOvr>
+</p:sld>
+</file>
+
+<file path=ppt/slides/slide13.xml><?xml version="1.0" encoding="utf-8"?>
+<p:sld xmlns:a="http://schemas.openxmlformats.org/drawingml/2006/main" xmlns:r="http://schemas.openxmlformats.org/officeDocument/2006/relationships" xmlns:p="http://schemas.openxmlformats.org/presentationml/2006/main">
+  <p:cSld>
+    <p:spTree>
+      <p:nvGrpSpPr>
+        <p:cNvPr id="1" name=""/>
+        <p:cNvGrpSpPr/>
+        <p:nvPr/>
+      </p:nvGrpSpPr>
+      <p:grpSpPr>
+        <a:xfrm>
+          <a:off x="0" y="0"/>
+          <a:ext cx="0" cy="0"/>
+          <a:chOff x="0" y="0"/>
+          <a:chExt cx="0" cy="0"/>
+        </a:xfrm>
+      </p:grpSpPr>
+      <p:sp>
+        <p:nvSpPr>
+          <p:cNvPr id="5" name="TextBox 4">
+            <a:extLst>
+              <a:ext uri="{FF2B5EF4-FFF2-40B4-BE49-F238E27FC236}">
+                <a16:creationId xmlns:a16="http://schemas.microsoft.com/office/drawing/2014/main" id="{8D8D59E7-94A6-E195-26A4-72F07D7C9E21}"/>
+              </a:ext>
+            </a:extLst>
+          </p:cNvPr>
+          <p:cNvSpPr txBox="1"/>
+          <p:nvPr/>
+        </p:nvSpPr>
+        <p:spPr>
+          <a:xfrm>
+            <a:off x="839243" y="663879"/>
+            <a:ext cx="6530236" cy="369332"/>
+          </a:xfrm>
+          <a:prstGeom prst="rect">
+            <a:avLst/>
+          </a:prstGeom>
+          <a:noFill/>
+        </p:spPr>
+        <p:txBody>
+          <a:bodyPr wrap="square" rtlCol="0">
+            <a:spAutoFit/>
+          </a:bodyPr>
+          <a:lstStyle/>
+          <a:p>
+            <a:r>
+              <a:rPr lang="en-US" dirty="0"/>
+              <a:t>Define input sequences</a:t>
+            </a:r>
+            <a:endParaRPr lang="en-DE" dirty="0"/>
+          </a:p>
+        </p:txBody>
+      </p:sp>
+      <p:sp>
+        <p:nvSpPr>
+          <p:cNvPr id="4" name="TextBox 3">
+            <a:extLst>
+              <a:ext uri="{FF2B5EF4-FFF2-40B4-BE49-F238E27FC236}">
+                <a16:creationId xmlns:a16="http://schemas.microsoft.com/office/drawing/2014/main" id="{D92656ED-5C22-8771-C42B-22E45FAAFD74}"/>
+              </a:ext>
+            </a:extLst>
+          </p:cNvPr>
+          <p:cNvSpPr txBox="1"/>
+          <p:nvPr/>
+        </p:nvSpPr>
+        <p:spPr>
+          <a:xfrm>
+            <a:off x="3516533" y="1112693"/>
+            <a:ext cx="6530236" cy="646331"/>
+          </a:xfrm>
+          <a:prstGeom prst="rect">
+            <a:avLst/>
+          </a:prstGeom>
+          <a:noFill/>
+        </p:spPr>
+        <p:txBody>
+          <a:bodyPr wrap="square" rtlCol="0">
+            <a:spAutoFit/>
+          </a:bodyPr>
+          <a:lstStyle/>
+          <a:p>
+            <a:r>
+              <a:rPr lang="en-US" dirty="0"/>
+              <a:t>GC content distributions</a:t>
+            </a:r>
+          </a:p>
+          <a:p>
+            <a:endParaRPr lang="en-DE" dirty="0"/>
+          </a:p>
+        </p:txBody>
+      </p:sp>
+      <p:pic>
+        <p:nvPicPr>
+          <p:cNvPr id="3" name="Picture 2">
+            <a:extLst>
+              <a:ext uri="{FF2B5EF4-FFF2-40B4-BE49-F238E27FC236}">
+                <a16:creationId xmlns:a16="http://schemas.microsoft.com/office/drawing/2014/main" id="{5A8CAFEF-C136-588E-4777-D20F8A6B2A67}"/>
+              </a:ext>
+            </a:extLst>
+          </p:cNvPr>
+          <p:cNvPicPr>
+            <a:picLocks noChangeAspect="1"/>
+          </p:cNvPicPr>
+          <p:nvPr/>
+        </p:nvPicPr>
+        <p:blipFill>
+          <a:blip r:embed="rId2"/>
+          <a:stretch>
+            <a:fillRect/>
+          </a:stretch>
+        </p:blipFill>
+        <p:spPr>
+          <a:xfrm>
+            <a:off x="1209127" y="1600982"/>
+            <a:ext cx="6462677" cy="4690836"/>
+          </a:xfrm>
+          <a:prstGeom prst="rect">
+            <a:avLst/>
+          </a:prstGeom>
+        </p:spPr>
+      </p:pic>
+      <p:sp>
+        <p:nvSpPr>
+          <p:cNvPr id="7" name="TextBox 6">
+            <a:extLst>
+              <a:ext uri="{FF2B5EF4-FFF2-40B4-BE49-F238E27FC236}">
+                <a16:creationId xmlns:a16="http://schemas.microsoft.com/office/drawing/2014/main" id="{20E2329A-FE36-3E41-A9B1-C42C9F024163}"/>
+              </a:ext>
+            </a:extLst>
+          </p:cNvPr>
+          <p:cNvSpPr txBox="1"/>
+          <p:nvPr/>
+        </p:nvSpPr>
+        <p:spPr>
+          <a:xfrm>
+            <a:off x="8179870" y="2521997"/>
+            <a:ext cx="3733798" cy="2031325"/>
+          </a:xfrm>
+          <a:prstGeom prst="rect">
+            <a:avLst/>
+          </a:prstGeom>
+          <a:noFill/>
+        </p:spPr>
+        <p:txBody>
+          <a:bodyPr wrap="square" rtlCol="0">
+            <a:spAutoFit/>
+          </a:bodyPr>
+          <a:lstStyle/>
+          <a:p>
+            <a:r>
+              <a:rPr lang="en-US" dirty="0"/>
+              <a:t>Almost all peak region is matched to a background region in term of GC content within 1% -&gt; should we really use all of them for training the model or subsample? </a:t>
+            </a:r>
+            <a:r>
+              <a:rPr lang="en-US" dirty="0" err="1"/>
+              <a:t>ChromBPNet</a:t>
+            </a:r>
+            <a:r>
+              <a:rPr lang="en-US" dirty="0"/>
+              <a:t> subsample 10%</a:t>
+            </a:r>
+          </a:p>
+          <a:p>
+            <a:endParaRPr lang="en-DE" dirty="0"/>
+          </a:p>
+        </p:txBody>
+      </p:sp>
+    </p:spTree>
+    <p:extLst>
+      <p:ext uri="{BB962C8B-B14F-4D97-AF65-F5344CB8AC3E}">
         <p14:creationId xmlns:p14="http://schemas.microsoft.com/office/powerpoint/2010/main" val="300966292"/>
+      </p:ext>
+    </p:extLst>
+  </p:cSld>
+  <p:clrMapOvr>
+    <a:masterClrMapping/>
+  </p:clrMapOvr>
+</p:sld>
+</file>
+
+<file path=ppt/slides/slide14.xml><?xml version="1.0" encoding="utf-8"?>
+<p:sld xmlns:a="http://schemas.openxmlformats.org/drawingml/2006/main" xmlns:r="http://schemas.openxmlformats.org/officeDocument/2006/relationships" xmlns:p="http://schemas.openxmlformats.org/presentationml/2006/main">
+  <p:cSld>
+    <p:spTree>
+      <p:nvGrpSpPr>
+        <p:cNvPr id="1" name=""/>
+        <p:cNvGrpSpPr/>
+        <p:nvPr/>
+      </p:nvGrpSpPr>
+      <p:grpSpPr>
+        <a:xfrm>
+          <a:off x="0" y="0"/>
+          <a:ext cx="0" cy="0"/>
+          <a:chOff x="0" y="0"/>
+          <a:chExt cx="0" cy="0"/>
+        </a:xfrm>
+      </p:grpSpPr>
+      <p:sp>
+        <p:nvSpPr>
+          <p:cNvPr id="5" name="TextBox 4">
+            <a:extLst>
+              <a:ext uri="{FF2B5EF4-FFF2-40B4-BE49-F238E27FC236}">
+                <a16:creationId xmlns:a16="http://schemas.microsoft.com/office/drawing/2014/main" id="{8D8D59E7-94A6-E195-26A4-72F07D7C9E21}"/>
+              </a:ext>
+            </a:extLst>
+          </p:cNvPr>
+          <p:cNvSpPr txBox="1"/>
+          <p:nvPr/>
+        </p:nvSpPr>
+        <p:spPr>
+          <a:xfrm>
+            <a:off x="839243" y="663879"/>
+            <a:ext cx="8892586" cy="369332"/>
+          </a:xfrm>
+          <a:prstGeom prst="rect">
+            <a:avLst/>
+          </a:prstGeom>
+          <a:noFill/>
+        </p:spPr>
+        <p:txBody>
+          <a:bodyPr wrap="square" rtlCol="0">
+            <a:spAutoFit/>
+          </a:bodyPr>
+          <a:lstStyle/>
+          <a:p>
+            <a:r>
+              <a:rPr lang="en-US" dirty="0"/>
+              <a:t>Get ATAC track for each pseudo-bulk at each peak and background region</a:t>
+            </a:r>
+            <a:endParaRPr lang="en-DE" dirty="0"/>
+          </a:p>
+        </p:txBody>
+      </p:sp>
+      <p:sp>
+        <p:nvSpPr>
+          <p:cNvPr id="2" name="Rectangle 1">
+            <a:extLst>
+              <a:ext uri="{FF2B5EF4-FFF2-40B4-BE49-F238E27FC236}">
+                <a16:creationId xmlns:a16="http://schemas.microsoft.com/office/drawing/2014/main" id="{B5CFE797-411E-88B1-BF69-934E85BA4134}"/>
+              </a:ext>
+            </a:extLst>
+          </p:cNvPr>
+          <p:cNvSpPr/>
+          <p:nvPr/>
+        </p:nvSpPr>
+        <p:spPr>
+          <a:xfrm>
+            <a:off x="1023257" y="2057400"/>
+            <a:ext cx="250372" cy="2013857"/>
+          </a:xfrm>
+          <a:prstGeom prst="rect">
+            <a:avLst/>
+          </a:prstGeom>
+        </p:spPr>
+        <p:style>
+          <a:lnRef idx="2">
+            <a:schemeClr val="accent1">
+              <a:shade val="15000"/>
+            </a:schemeClr>
+          </a:lnRef>
+          <a:fillRef idx="1">
+            <a:schemeClr val="accent1"/>
+          </a:fillRef>
+          <a:effectRef idx="0">
+            <a:schemeClr val="accent1"/>
+          </a:effectRef>
+          <a:fontRef idx="minor">
+            <a:schemeClr val="lt1"/>
+          </a:fontRef>
+        </p:style>
+        <p:txBody>
+          <a:bodyPr rtlCol="0" anchor="ctr"/>
+          <a:lstStyle/>
+          <a:p>
+            <a:pPr algn="ctr"/>
+            <a:endParaRPr lang="en-DE"/>
+          </a:p>
+        </p:txBody>
+      </p:sp>
+      <p:sp>
+        <p:nvSpPr>
+          <p:cNvPr id="6" name="Rectangle 5">
+            <a:extLst>
+              <a:ext uri="{FF2B5EF4-FFF2-40B4-BE49-F238E27FC236}">
+                <a16:creationId xmlns:a16="http://schemas.microsoft.com/office/drawing/2014/main" id="{C4145254-5DED-D8F5-7271-840CE2DF0E6B}"/>
+              </a:ext>
+            </a:extLst>
+          </p:cNvPr>
+          <p:cNvSpPr/>
+          <p:nvPr/>
+        </p:nvSpPr>
+        <p:spPr>
+          <a:xfrm>
+            <a:off x="3450769" y="1480457"/>
+            <a:ext cx="250372" cy="2596244"/>
+          </a:xfrm>
+          <a:prstGeom prst="rect">
+            <a:avLst/>
+          </a:prstGeom>
+        </p:spPr>
+        <p:style>
+          <a:lnRef idx="2">
+            <a:schemeClr val="accent1">
+              <a:shade val="15000"/>
+            </a:schemeClr>
+          </a:lnRef>
+          <a:fillRef idx="1">
+            <a:schemeClr val="accent1"/>
+          </a:fillRef>
+          <a:effectRef idx="0">
+            <a:schemeClr val="accent1"/>
+          </a:effectRef>
+          <a:fontRef idx="minor">
+            <a:schemeClr val="lt1"/>
+          </a:fontRef>
+        </p:style>
+        <p:txBody>
+          <a:bodyPr rtlCol="0" anchor="ctr"/>
+          <a:lstStyle/>
+          <a:p>
+            <a:pPr algn="ctr"/>
+            <a:endParaRPr lang="en-DE"/>
+          </a:p>
+        </p:txBody>
+      </p:sp>
+      <p:sp>
+        <p:nvSpPr>
+          <p:cNvPr id="9" name="Rectangle 8">
+            <a:extLst>
+              <a:ext uri="{FF2B5EF4-FFF2-40B4-BE49-F238E27FC236}">
+                <a16:creationId xmlns:a16="http://schemas.microsoft.com/office/drawing/2014/main" id="{E3247BB6-B05B-2D31-CC69-E738F85EC315}"/>
+              </a:ext>
+            </a:extLst>
+          </p:cNvPr>
+          <p:cNvSpPr/>
+          <p:nvPr/>
+        </p:nvSpPr>
+        <p:spPr>
+          <a:xfrm>
+            <a:off x="1491343" y="2351314"/>
+            <a:ext cx="217714" cy="1719943"/>
+          </a:xfrm>
+          <a:prstGeom prst="rect">
+            <a:avLst/>
+          </a:prstGeom>
+        </p:spPr>
+        <p:style>
+          <a:lnRef idx="2">
+            <a:schemeClr val="accent1">
+              <a:shade val="15000"/>
+            </a:schemeClr>
+          </a:lnRef>
+          <a:fillRef idx="1">
+            <a:schemeClr val="accent1"/>
+          </a:fillRef>
+          <a:effectRef idx="0">
+            <a:schemeClr val="accent1"/>
+          </a:effectRef>
+          <a:fontRef idx="minor">
+            <a:schemeClr val="lt1"/>
+          </a:fontRef>
+        </p:style>
+        <p:txBody>
+          <a:bodyPr rtlCol="0" anchor="ctr"/>
+          <a:lstStyle/>
+          <a:p>
+            <a:pPr algn="ctr"/>
+            <a:endParaRPr lang="en-DE"/>
+          </a:p>
+        </p:txBody>
+      </p:sp>
+      <p:sp>
+        <p:nvSpPr>
+          <p:cNvPr id="10" name="Rectangle 9">
+            <a:extLst>
+              <a:ext uri="{FF2B5EF4-FFF2-40B4-BE49-F238E27FC236}">
+                <a16:creationId xmlns:a16="http://schemas.microsoft.com/office/drawing/2014/main" id="{EAEC07BF-CAA4-C900-D0BA-F1CDA18715FE}"/>
+              </a:ext>
+            </a:extLst>
+          </p:cNvPr>
+          <p:cNvSpPr/>
+          <p:nvPr/>
+        </p:nvSpPr>
+        <p:spPr>
+          <a:xfrm>
+            <a:off x="1709057" y="2492829"/>
+            <a:ext cx="217714" cy="1578428"/>
+          </a:xfrm>
+          <a:prstGeom prst="rect">
+            <a:avLst/>
+          </a:prstGeom>
+        </p:spPr>
+        <p:style>
+          <a:lnRef idx="2">
+            <a:schemeClr val="accent1">
+              <a:shade val="15000"/>
+            </a:schemeClr>
+          </a:lnRef>
+          <a:fillRef idx="1">
+            <a:schemeClr val="accent1"/>
+          </a:fillRef>
+          <a:effectRef idx="0">
+            <a:schemeClr val="accent1"/>
+          </a:effectRef>
+          <a:fontRef idx="minor">
+            <a:schemeClr val="lt1"/>
+          </a:fontRef>
+        </p:style>
+        <p:txBody>
+          <a:bodyPr rtlCol="0" anchor="ctr"/>
+          <a:lstStyle/>
+          <a:p>
+            <a:pPr algn="ctr"/>
+            <a:endParaRPr lang="en-DE"/>
+          </a:p>
+        </p:txBody>
+      </p:sp>
+      <p:sp>
+        <p:nvSpPr>
+          <p:cNvPr id="11" name="Rectangle 10">
+            <a:extLst>
+              <a:ext uri="{FF2B5EF4-FFF2-40B4-BE49-F238E27FC236}">
+                <a16:creationId xmlns:a16="http://schemas.microsoft.com/office/drawing/2014/main" id="{6DE59226-39CC-47AF-F6AA-B5F93AE2E89C}"/>
+              </a:ext>
+            </a:extLst>
+          </p:cNvPr>
+          <p:cNvSpPr/>
+          <p:nvPr/>
+        </p:nvSpPr>
+        <p:spPr>
+          <a:xfrm>
+            <a:off x="1926771" y="1480457"/>
+            <a:ext cx="217714" cy="2590800"/>
+          </a:xfrm>
+          <a:prstGeom prst="rect">
+            <a:avLst/>
+          </a:prstGeom>
+        </p:spPr>
+        <p:style>
+          <a:lnRef idx="2">
+            <a:schemeClr val="accent1">
+              <a:shade val="15000"/>
+            </a:schemeClr>
+          </a:lnRef>
+          <a:fillRef idx="1">
+            <a:schemeClr val="accent1"/>
+          </a:fillRef>
+          <a:effectRef idx="0">
+            <a:schemeClr val="accent1"/>
+          </a:effectRef>
+          <a:fontRef idx="minor">
+            <a:schemeClr val="lt1"/>
+          </a:fontRef>
+        </p:style>
+        <p:txBody>
+          <a:bodyPr rtlCol="0" anchor="ctr"/>
+          <a:lstStyle/>
+          <a:p>
+            <a:pPr algn="ctr"/>
+            <a:endParaRPr lang="en-DE"/>
+          </a:p>
+        </p:txBody>
+      </p:sp>
+      <p:sp>
+        <p:nvSpPr>
+          <p:cNvPr id="12" name="Rectangle 11">
+            <a:extLst>
+              <a:ext uri="{FF2B5EF4-FFF2-40B4-BE49-F238E27FC236}">
+                <a16:creationId xmlns:a16="http://schemas.microsoft.com/office/drawing/2014/main" id="{542514B5-6521-BB9A-4FD7-08643A618734}"/>
+              </a:ext>
+            </a:extLst>
+          </p:cNvPr>
+          <p:cNvSpPr/>
+          <p:nvPr/>
+        </p:nvSpPr>
+        <p:spPr>
+          <a:xfrm>
+            <a:off x="2144485" y="3102429"/>
+            <a:ext cx="217714" cy="968828"/>
+          </a:xfrm>
+          <a:prstGeom prst="rect">
+            <a:avLst/>
+          </a:prstGeom>
+          <a:solidFill>
+            <a:schemeClr val="accent6"/>
+          </a:solidFill>
+        </p:spPr>
+        <p:style>
+          <a:lnRef idx="2">
+            <a:schemeClr val="accent1">
+              <a:shade val="15000"/>
+            </a:schemeClr>
+          </a:lnRef>
+          <a:fillRef idx="1">
+            <a:schemeClr val="accent1"/>
+          </a:fillRef>
+          <a:effectRef idx="0">
+            <a:schemeClr val="accent1"/>
+          </a:effectRef>
+          <a:fontRef idx="minor">
+            <a:schemeClr val="lt1"/>
+          </a:fontRef>
+        </p:style>
+        <p:txBody>
+          <a:bodyPr rtlCol="0" anchor="ctr"/>
+          <a:lstStyle/>
+          <a:p>
+            <a:pPr algn="ctr"/>
+            <a:endParaRPr lang="en-DE">
+              <a:solidFill>
+                <a:srgbClr val="FF0000"/>
+              </a:solidFill>
+            </a:endParaRPr>
+          </a:p>
+        </p:txBody>
+      </p:sp>
+      <p:sp>
+        <p:nvSpPr>
+          <p:cNvPr id="13" name="Rectangle 12">
+            <a:extLst>
+              <a:ext uri="{FF2B5EF4-FFF2-40B4-BE49-F238E27FC236}">
+                <a16:creationId xmlns:a16="http://schemas.microsoft.com/office/drawing/2014/main" id="{25BE442F-C7D8-F4A3-AECB-59D23B04E674}"/>
+              </a:ext>
+            </a:extLst>
+          </p:cNvPr>
+          <p:cNvSpPr/>
+          <p:nvPr/>
+        </p:nvSpPr>
+        <p:spPr>
+          <a:xfrm>
+            <a:off x="2362199" y="3701925"/>
+            <a:ext cx="217714" cy="369332"/>
+          </a:xfrm>
+          <a:prstGeom prst="rect">
+            <a:avLst/>
+          </a:prstGeom>
+        </p:spPr>
+        <p:style>
+          <a:lnRef idx="2">
+            <a:schemeClr val="accent1">
+              <a:shade val="15000"/>
+            </a:schemeClr>
+          </a:lnRef>
+          <a:fillRef idx="1">
+            <a:schemeClr val="accent1"/>
+          </a:fillRef>
+          <a:effectRef idx="0">
+            <a:schemeClr val="accent1"/>
+          </a:effectRef>
+          <a:fontRef idx="minor">
+            <a:schemeClr val="lt1"/>
+          </a:fontRef>
+        </p:style>
+        <p:txBody>
+          <a:bodyPr rtlCol="0" anchor="ctr"/>
+          <a:lstStyle/>
+          <a:p>
+            <a:pPr algn="ctr"/>
+            <a:endParaRPr lang="en-DE"/>
+          </a:p>
+        </p:txBody>
+      </p:sp>
+      <p:sp>
+        <p:nvSpPr>
+          <p:cNvPr id="14" name="Rectangle 13">
+            <a:extLst>
+              <a:ext uri="{FF2B5EF4-FFF2-40B4-BE49-F238E27FC236}">
+                <a16:creationId xmlns:a16="http://schemas.microsoft.com/office/drawing/2014/main" id="{F55C6802-6700-6EEC-7B97-84217BDFC588}"/>
+              </a:ext>
+            </a:extLst>
+          </p:cNvPr>
+          <p:cNvSpPr/>
+          <p:nvPr/>
+        </p:nvSpPr>
+        <p:spPr>
+          <a:xfrm>
+            <a:off x="2579913" y="2492829"/>
+            <a:ext cx="217714" cy="1578428"/>
+          </a:xfrm>
+          <a:prstGeom prst="rect">
+            <a:avLst/>
+          </a:prstGeom>
+        </p:spPr>
+        <p:style>
+          <a:lnRef idx="2">
+            <a:schemeClr val="accent1">
+              <a:shade val="15000"/>
+            </a:schemeClr>
+          </a:lnRef>
+          <a:fillRef idx="1">
+            <a:schemeClr val="accent1"/>
+          </a:fillRef>
+          <a:effectRef idx="0">
+            <a:schemeClr val="accent1"/>
+          </a:effectRef>
+          <a:fontRef idx="minor">
+            <a:schemeClr val="lt1"/>
+          </a:fontRef>
+        </p:style>
+        <p:txBody>
+          <a:bodyPr rtlCol="0" anchor="ctr"/>
+          <a:lstStyle/>
+          <a:p>
+            <a:pPr algn="ctr"/>
+            <a:endParaRPr lang="en-DE"/>
+          </a:p>
+        </p:txBody>
+      </p:sp>
+      <p:sp>
+        <p:nvSpPr>
+          <p:cNvPr id="15" name="Rectangle 14">
+            <a:extLst>
+              <a:ext uri="{FF2B5EF4-FFF2-40B4-BE49-F238E27FC236}">
+                <a16:creationId xmlns:a16="http://schemas.microsoft.com/office/drawing/2014/main" id="{BA9C3F62-9A7E-2DF6-47DE-C2AE5C0D6B9B}"/>
+              </a:ext>
+            </a:extLst>
+          </p:cNvPr>
+          <p:cNvSpPr/>
+          <p:nvPr/>
+        </p:nvSpPr>
+        <p:spPr>
+          <a:xfrm flipV="1">
+            <a:off x="2797627" y="3927568"/>
+            <a:ext cx="217714" cy="143689"/>
+          </a:xfrm>
+          <a:prstGeom prst="rect">
+            <a:avLst/>
+          </a:prstGeom>
+        </p:spPr>
+        <p:style>
+          <a:lnRef idx="2">
+            <a:schemeClr val="accent1">
+              <a:shade val="15000"/>
+            </a:schemeClr>
+          </a:lnRef>
+          <a:fillRef idx="1">
+            <a:schemeClr val="accent1"/>
+          </a:fillRef>
+          <a:effectRef idx="0">
+            <a:schemeClr val="accent1"/>
+          </a:effectRef>
+          <a:fontRef idx="minor">
+            <a:schemeClr val="lt1"/>
+          </a:fontRef>
+        </p:style>
+        <p:txBody>
+          <a:bodyPr rtlCol="0" anchor="ctr"/>
+          <a:lstStyle/>
+          <a:p>
+            <a:pPr algn="ctr"/>
+            <a:endParaRPr lang="en-DE"/>
+          </a:p>
+        </p:txBody>
+      </p:sp>
+      <p:sp>
+        <p:nvSpPr>
+          <p:cNvPr id="16" name="Rectangle 15">
+            <a:extLst>
+              <a:ext uri="{FF2B5EF4-FFF2-40B4-BE49-F238E27FC236}">
+                <a16:creationId xmlns:a16="http://schemas.microsoft.com/office/drawing/2014/main" id="{1C787993-334D-EDC1-C5C1-D71F7BC165F4}"/>
+              </a:ext>
+            </a:extLst>
+          </p:cNvPr>
+          <p:cNvSpPr/>
+          <p:nvPr/>
+        </p:nvSpPr>
+        <p:spPr>
+          <a:xfrm>
+            <a:off x="3015341" y="2231572"/>
+            <a:ext cx="217714" cy="1839685"/>
+          </a:xfrm>
+          <a:prstGeom prst="rect">
+            <a:avLst/>
+          </a:prstGeom>
+        </p:spPr>
+        <p:style>
+          <a:lnRef idx="2">
+            <a:schemeClr val="accent1">
+              <a:shade val="15000"/>
+            </a:schemeClr>
+          </a:lnRef>
+          <a:fillRef idx="1">
+            <a:schemeClr val="accent1"/>
+          </a:fillRef>
+          <a:effectRef idx="0">
+            <a:schemeClr val="accent1"/>
+          </a:effectRef>
+          <a:fontRef idx="minor">
+            <a:schemeClr val="lt1"/>
+          </a:fontRef>
+        </p:style>
+        <p:txBody>
+          <a:bodyPr rtlCol="0" anchor="ctr"/>
+          <a:lstStyle/>
+          <a:p>
+            <a:pPr algn="ctr"/>
+            <a:endParaRPr lang="en-DE"/>
+          </a:p>
+        </p:txBody>
+      </p:sp>
+      <p:sp>
+        <p:nvSpPr>
+          <p:cNvPr id="17" name="Rectangle 16">
+            <a:extLst>
+              <a:ext uri="{FF2B5EF4-FFF2-40B4-BE49-F238E27FC236}">
+                <a16:creationId xmlns:a16="http://schemas.microsoft.com/office/drawing/2014/main" id="{97B7A63F-6B28-7493-D32A-8ED9AF100010}"/>
+              </a:ext>
+            </a:extLst>
+          </p:cNvPr>
+          <p:cNvSpPr/>
+          <p:nvPr/>
+        </p:nvSpPr>
+        <p:spPr>
+          <a:xfrm>
+            <a:off x="3233055" y="2754085"/>
+            <a:ext cx="217714" cy="1317172"/>
+          </a:xfrm>
+          <a:prstGeom prst="rect">
+            <a:avLst/>
+          </a:prstGeom>
+        </p:spPr>
+        <p:style>
+          <a:lnRef idx="2">
+            <a:schemeClr val="accent1">
+              <a:shade val="15000"/>
+            </a:schemeClr>
+          </a:lnRef>
+          <a:fillRef idx="1">
+            <a:schemeClr val="accent1"/>
+          </a:fillRef>
+          <a:effectRef idx="0">
+            <a:schemeClr val="accent1"/>
+          </a:effectRef>
+          <a:fontRef idx="minor">
+            <a:schemeClr val="lt1"/>
+          </a:fontRef>
+        </p:style>
+        <p:txBody>
+          <a:bodyPr rtlCol="0" anchor="ctr"/>
+          <a:lstStyle/>
+          <a:p>
+            <a:pPr algn="ctr"/>
+            <a:endParaRPr lang="en-DE"/>
+          </a:p>
+        </p:txBody>
+      </p:sp>
+      <p:sp>
+        <p:nvSpPr>
+          <p:cNvPr id="18" name="Rectangle 17">
+            <a:extLst>
+              <a:ext uri="{FF2B5EF4-FFF2-40B4-BE49-F238E27FC236}">
+                <a16:creationId xmlns:a16="http://schemas.microsoft.com/office/drawing/2014/main" id="{97B23993-4F2B-FACD-5A75-01B31938510B}"/>
+              </a:ext>
+            </a:extLst>
+          </p:cNvPr>
+          <p:cNvSpPr/>
+          <p:nvPr/>
+        </p:nvSpPr>
+        <p:spPr>
+          <a:xfrm>
+            <a:off x="1273629" y="2492829"/>
+            <a:ext cx="217714" cy="1578428"/>
+          </a:xfrm>
+          <a:prstGeom prst="rect">
+            <a:avLst/>
+          </a:prstGeom>
+        </p:spPr>
+        <p:style>
+          <a:lnRef idx="2">
+            <a:schemeClr val="accent1">
+              <a:shade val="15000"/>
+            </a:schemeClr>
+          </a:lnRef>
+          <a:fillRef idx="1">
+            <a:schemeClr val="accent1"/>
+          </a:fillRef>
+          <a:effectRef idx="0">
+            <a:schemeClr val="accent1"/>
+          </a:effectRef>
+          <a:fontRef idx="minor">
+            <a:schemeClr val="lt1"/>
+          </a:fontRef>
+        </p:style>
+        <p:txBody>
+          <a:bodyPr rtlCol="0" anchor="ctr"/>
+          <a:lstStyle/>
+          <a:p>
+            <a:pPr algn="ctr"/>
+            <a:endParaRPr lang="en-DE"/>
+          </a:p>
+        </p:txBody>
+      </p:sp>
+      <p:sp>
+        <p:nvSpPr>
+          <p:cNvPr id="19" name="Rectangle 18">
+            <a:extLst>
+              <a:ext uri="{FF2B5EF4-FFF2-40B4-BE49-F238E27FC236}">
+                <a16:creationId xmlns:a16="http://schemas.microsoft.com/office/drawing/2014/main" id="{B01D7F80-D7A9-1BD9-80F5-8A54B3198438}"/>
+              </a:ext>
+            </a:extLst>
+          </p:cNvPr>
+          <p:cNvSpPr/>
+          <p:nvPr/>
+        </p:nvSpPr>
+        <p:spPr>
+          <a:xfrm>
+            <a:off x="1709057" y="4158344"/>
+            <a:ext cx="1088570" cy="262189"/>
+          </a:xfrm>
+          <a:prstGeom prst="rect">
+            <a:avLst/>
+          </a:prstGeom>
+          <a:noFill/>
+        </p:spPr>
+        <p:style>
+          <a:lnRef idx="2">
+            <a:schemeClr val="accent1">
+              <a:shade val="15000"/>
+            </a:schemeClr>
+          </a:lnRef>
+          <a:fillRef idx="1">
+            <a:schemeClr val="accent1"/>
+          </a:fillRef>
+          <a:effectRef idx="0">
+            <a:schemeClr val="accent1"/>
+          </a:effectRef>
+          <a:fontRef idx="minor">
+            <a:schemeClr val="lt1"/>
+          </a:fontRef>
+        </p:style>
+        <p:txBody>
+          <a:bodyPr rtlCol="0" anchor="ctr"/>
+          <a:lstStyle/>
+          <a:p>
+            <a:pPr algn="ctr"/>
+            <a:endParaRPr lang="en-DE"/>
+          </a:p>
+        </p:txBody>
+      </p:sp>
+      <p:sp>
+        <p:nvSpPr>
+          <p:cNvPr id="20" name="TextBox 19">
+            <a:extLst>
+              <a:ext uri="{FF2B5EF4-FFF2-40B4-BE49-F238E27FC236}">
+                <a16:creationId xmlns:a16="http://schemas.microsoft.com/office/drawing/2014/main" id="{8001D1C0-C77C-C857-CA14-E3B47DC129B1}"/>
+              </a:ext>
+            </a:extLst>
+          </p:cNvPr>
+          <p:cNvSpPr txBox="1"/>
+          <p:nvPr/>
+        </p:nvSpPr>
+        <p:spPr>
+          <a:xfrm>
+            <a:off x="1491343" y="4523947"/>
+            <a:ext cx="6530236" cy="646331"/>
+          </a:xfrm>
+          <a:prstGeom prst="rect">
+            <a:avLst/>
+          </a:prstGeom>
+          <a:noFill/>
+        </p:spPr>
+        <p:txBody>
+          <a:bodyPr wrap="square" rtlCol="0">
+            <a:spAutoFit/>
+          </a:bodyPr>
+          <a:lstStyle/>
+          <a:p>
+            <a:r>
+              <a:rPr lang="en-US" dirty="0"/>
+              <a:t>Sliding window of 200 bp</a:t>
+            </a:r>
+          </a:p>
+          <a:p>
+            <a:endParaRPr lang="en-DE" dirty="0"/>
+          </a:p>
+        </p:txBody>
+      </p:sp>
+      <p:cxnSp>
+        <p:nvCxnSpPr>
+          <p:cNvPr id="22" name="Straight Arrow Connector 21">
+            <a:extLst>
+              <a:ext uri="{FF2B5EF4-FFF2-40B4-BE49-F238E27FC236}">
+                <a16:creationId xmlns:a16="http://schemas.microsoft.com/office/drawing/2014/main" id="{7A872234-2457-141D-17AB-0624C07EE601}"/>
+              </a:ext>
+            </a:extLst>
+          </p:cNvPr>
+          <p:cNvCxnSpPr/>
+          <p:nvPr/>
+        </p:nvCxnSpPr>
+        <p:spPr>
+          <a:xfrm>
+            <a:off x="4234543" y="2754085"/>
+            <a:ext cx="1230086" cy="0"/>
+          </a:xfrm>
+          <a:prstGeom prst="straightConnector1">
+            <a:avLst/>
+          </a:prstGeom>
+          <a:ln>
+            <a:tailEnd type="triangle"/>
+          </a:ln>
+        </p:spPr>
+        <p:style>
+          <a:lnRef idx="1">
+            <a:schemeClr val="accent1"/>
+          </a:lnRef>
+          <a:fillRef idx="0">
+            <a:schemeClr val="accent1"/>
+          </a:fillRef>
+          <a:effectRef idx="0">
+            <a:schemeClr val="accent1"/>
+          </a:effectRef>
+          <a:fontRef idx="minor">
+            <a:schemeClr val="tx1"/>
+          </a:fontRef>
+        </p:style>
+      </p:cxnSp>
+      <p:sp>
+        <p:nvSpPr>
+          <p:cNvPr id="23" name="TextBox 22">
+            <a:extLst>
+              <a:ext uri="{FF2B5EF4-FFF2-40B4-BE49-F238E27FC236}">
+                <a16:creationId xmlns:a16="http://schemas.microsoft.com/office/drawing/2014/main" id="{7FC3D1B4-1637-640F-086A-73356BD057F2}"/>
+              </a:ext>
+            </a:extLst>
+          </p:cNvPr>
+          <p:cNvSpPr txBox="1"/>
+          <p:nvPr/>
+        </p:nvSpPr>
+        <p:spPr>
+          <a:xfrm>
+            <a:off x="5998031" y="2489340"/>
+            <a:ext cx="3891123" cy="923330"/>
+          </a:xfrm>
+          <a:prstGeom prst="rect">
+            <a:avLst/>
+          </a:prstGeom>
+          <a:noFill/>
+        </p:spPr>
+        <p:txBody>
+          <a:bodyPr wrap="square" rtlCol="0">
+            <a:spAutoFit/>
+          </a:bodyPr>
+          <a:lstStyle/>
+          <a:p>
+            <a:r>
+              <a:rPr lang="en-US" dirty="0"/>
+              <a:t>Normalize by diving by total read counts in pseudo bulk *100’000</a:t>
+            </a:r>
+          </a:p>
+          <a:p>
+            <a:endParaRPr lang="en-DE" dirty="0"/>
+          </a:p>
+        </p:txBody>
+      </p:sp>
+    </p:spTree>
+    <p:extLst>
+      <p:ext uri="{BB962C8B-B14F-4D97-AF65-F5344CB8AC3E}">
+        <p14:creationId xmlns:p14="http://schemas.microsoft.com/office/powerpoint/2010/main" val="3884575500"/>
+      </p:ext>
+    </p:extLst>
+  </p:cSld>
+  <p:clrMapOvr>
+    <a:masterClrMapping/>
+  </p:clrMapOvr>
+</p:sld>
+</file>
+
+<file path=ppt/slides/slide15.xml><?xml version="1.0" encoding="utf-8"?>
+<p:sld xmlns:a="http://schemas.openxmlformats.org/drawingml/2006/main" xmlns:r="http://schemas.openxmlformats.org/officeDocument/2006/relationships" xmlns:p="http://schemas.openxmlformats.org/presentationml/2006/main">
+  <p:cSld>
+    <p:spTree>
+      <p:nvGrpSpPr>
+        <p:cNvPr id="1" name=""/>
+        <p:cNvGrpSpPr/>
+        <p:nvPr/>
+      </p:nvGrpSpPr>
+      <p:grpSpPr>
+        <a:xfrm>
+          <a:off x="0" y="0"/>
+          <a:ext cx="0" cy="0"/>
+          <a:chOff x="0" y="0"/>
+          <a:chExt cx="0" cy="0"/>
+        </a:xfrm>
+      </p:grpSpPr>
+      <p:sp>
+        <p:nvSpPr>
+          <p:cNvPr id="5" name="TextBox 4">
+            <a:extLst>
+              <a:ext uri="{FF2B5EF4-FFF2-40B4-BE49-F238E27FC236}">
+                <a16:creationId xmlns:a16="http://schemas.microsoft.com/office/drawing/2014/main" id="{8D8D59E7-94A6-E195-26A4-72F07D7C9E21}"/>
+              </a:ext>
+            </a:extLst>
+          </p:cNvPr>
+          <p:cNvSpPr txBox="1"/>
+          <p:nvPr/>
+        </p:nvSpPr>
+        <p:spPr>
+          <a:xfrm>
+            <a:off x="1020398" y="532118"/>
+            <a:ext cx="8892586" cy="646331"/>
+          </a:xfrm>
+          <a:prstGeom prst="rect">
+            <a:avLst/>
+          </a:prstGeom>
+          <a:noFill/>
+        </p:spPr>
+        <p:txBody>
+          <a:bodyPr wrap="square" rtlCol="0">
+            <a:spAutoFit/>
+          </a:bodyPr>
+          <a:lstStyle/>
+          <a:p>
+            <a:r>
+              <a:rPr lang="en-US" dirty="0"/>
+              <a:t>Fore same cell type + time point, we have two replicates -&gt; encode replicates as same time points?</a:t>
+            </a:r>
+            <a:endParaRPr lang="en-DE" dirty="0"/>
+          </a:p>
+        </p:txBody>
+      </p:sp>
+      <p:pic>
+        <p:nvPicPr>
+          <p:cNvPr id="3" name="Picture 2">
+            <a:extLst>
+              <a:ext uri="{FF2B5EF4-FFF2-40B4-BE49-F238E27FC236}">
+                <a16:creationId xmlns:a16="http://schemas.microsoft.com/office/drawing/2014/main" id="{7A03F7A2-F33E-4B42-783A-326A07AD13CA}"/>
+              </a:ext>
+            </a:extLst>
+          </p:cNvPr>
+          <p:cNvPicPr>
+            <a:picLocks noChangeAspect="1"/>
+          </p:cNvPicPr>
+          <p:nvPr/>
+        </p:nvPicPr>
+        <p:blipFill>
+          <a:blip r:embed="rId2"/>
+          <a:stretch>
+            <a:fillRect/>
+          </a:stretch>
+        </p:blipFill>
+        <p:spPr>
+          <a:xfrm>
+            <a:off x="680515" y="1343763"/>
+            <a:ext cx="10387175" cy="4658953"/>
+          </a:xfrm>
+          <a:prstGeom prst="rect">
+            <a:avLst/>
+          </a:prstGeom>
+        </p:spPr>
+      </p:pic>
+    </p:spTree>
+    <p:extLst>
+      <p:ext uri="{BB962C8B-B14F-4D97-AF65-F5344CB8AC3E}">
+        <p14:creationId xmlns:p14="http://schemas.microsoft.com/office/powerpoint/2010/main" val="3399188481"/>
+      </p:ext>
+    </p:extLst>
+  </p:cSld>
+  <p:clrMapOvr>
+    <a:masterClrMapping/>
+  </p:clrMapOvr>
+</p:sld>
+</file>
+
+<file path=ppt/slides/slide16.xml><?xml version="1.0" encoding="utf-8"?>
+<p:sld xmlns:a="http://schemas.openxmlformats.org/drawingml/2006/main" xmlns:r="http://schemas.openxmlformats.org/officeDocument/2006/relationships" xmlns:p="http://schemas.openxmlformats.org/presentationml/2006/main">
+  <p:cSld>
+    <p:spTree>
+      <p:nvGrpSpPr>
+        <p:cNvPr id="1" name=""/>
+        <p:cNvGrpSpPr/>
+        <p:nvPr/>
+      </p:nvGrpSpPr>
+      <p:grpSpPr>
+        <a:xfrm>
+          <a:off x="0" y="0"/>
+          <a:ext cx="0" cy="0"/>
+          <a:chOff x="0" y="0"/>
+          <a:chExt cx="0" cy="0"/>
+        </a:xfrm>
+      </p:grpSpPr>
+      <p:sp>
+        <p:nvSpPr>
+          <p:cNvPr id="5" name="TextBox 4">
+            <a:extLst>
+              <a:ext uri="{FF2B5EF4-FFF2-40B4-BE49-F238E27FC236}">
+                <a16:creationId xmlns:a16="http://schemas.microsoft.com/office/drawing/2014/main" id="{8D8D59E7-94A6-E195-26A4-72F07D7C9E21}"/>
+              </a:ext>
+            </a:extLst>
+          </p:cNvPr>
+          <p:cNvSpPr txBox="1"/>
+          <p:nvPr/>
+        </p:nvSpPr>
+        <p:spPr>
+          <a:xfrm>
+            <a:off x="1020398" y="532118"/>
+            <a:ext cx="8892586" cy="369332"/>
+          </a:xfrm>
+          <a:prstGeom prst="rect">
+            <a:avLst/>
+          </a:prstGeom>
+          <a:noFill/>
+        </p:spPr>
+        <p:txBody>
+          <a:bodyPr wrap="square" rtlCol="0">
+            <a:spAutoFit/>
+          </a:bodyPr>
+          <a:lstStyle/>
+          <a:p>
+            <a:r>
+              <a:rPr lang="en-DE" dirty="0"/>
+              <a:t>T</a:t>
+            </a:r>
+            <a:r>
+              <a:rPr lang="en-GB" dirty="0"/>
+              <a:t>r</a:t>
+            </a:r>
+            <a:r>
+              <a:rPr lang="en-DE" dirty="0"/>
+              <a:t>aining framework</a:t>
+            </a:r>
+          </a:p>
+        </p:txBody>
+      </p:sp>
+      <p:sp>
+        <p:nvSpPr>
+          <p:cNvPr id="2" name="Rectangle 1">
+            <a:extLst>
+              <a:ext uri="{FF2B5EF4-FFF2-40B4-BE49-F238E27FC236}">
+                <a16:creationId xmlns:a16="http://schemas.microsoft.com/office/drawing/2014/main" id="{E58DC764-D7F5-2C71-A5F2-04B3D46BEB2F}"/>
+              </a:ext>
+            </a:extLst>
+          </p:cNvPr>
+          <p:cNvSpPr/>
+          <p:nvPr/>
+        </p:nvSpPr>
+        <p:spPr>
+          <a:xfrm>
+            <a:off x="862643" y="2009954"/>
+            <a:ext cx="664234" cy="241541"/>
+          </a:xfrm>
+          <a:prstGeom prst="rect">
+            <a:avLst/>
+          </a:prstGeom>
+          <a:solidFill>
+            <a:schemeClr val="accent2"/>
+          </a:solidFill>
+        </p:spPr>
+        <p:style>
+          <a:lnRef idx="2">
+            <a:schemeClr val="accent1">
+              <a:shade val="15000"/>
+            </a:schemeClr>
+          </a:lnRef>
+          <a:fillRef idx="1">
+            <a:schemeClr val="accent1"/>
+          </a:fillRef>
+          <a:effectRef idx="0">
+            <a:schemeClr val="accent1"/>
+          </a:effectRef>
+          <a:fontRef idx="minor">
+            <a:schemeClr val="lt1"/>
+          </a:fontRef>
+        </p:style>
+        <p:txBody>
+          <a:bodyPr rtlCol="0" anchor="ctr"/>
+          <a:lstStyle/>
+          <a:p>
+            <a:pPr algn="ctr"/>
+            <a:endParaRPr lang="en-DE" dirty="0">
+              <a:solidFill>
+                <a:schemeClr val="accent2"/>
+              </a:solidFill>
+            </a:endParaRPr>
+          </a:p>
+        </p:txBody>
+      </p:sp>
+      <p:sp>
+        <p:nvSpPr>
+          <p:cNvPr id="4" name="Rectangle 3">
+            <a:extLst>
+              <a:ext uri="{FF2B5EF4-FFF2-40B4-BE49-F238E27FC236}">
+                <a16:creationId xmlns:a16="http://schemas.microsoft.com/office/drawing/2014/main" id="{FA97C192-4D74-2D12-3E67-04015C4910BA}"/>
+              </a:ext>
+            </a:extLst>
+          </p:cNvPr>
+          <p:cNvSpPr/>
+          <p:nvPr/>
+        </p:nvSpPr>
+        <p:spPr>
+          <a:xfrm>
+            <a:off x="1705154" y="2009953"/>
+            <a:ext cx="664235" cy="241541"/>
+          </a:xfrm>
+          <a:prstGeom prst="rect">
+            <a:avLst/>
+          </a:prstGeom>
+          <a:solidFill>
+            <a:schemeClr val="accent6"/>
+          </a:solidFill>
+        </p:spPr>
+        <p:style>
+          <a:lnRef idx="2">
+            <a:schemeClr val="accent1">
+              <a:shade val="15000"/>
+            </a:schemeClr>
+          </a:lnRef>
+          <a:fillRef idx="1">
+            <a:schemeClr val="accent1"/>
+          </a:fillRef>
+          <a:effectRef idx="0">
+            <a:schemeClr val="accent1"/>
+          </a:effectRef>
+          <a:fontRef idx="minor">
+            <a:schemeClr val="lt1"/>
+          </a:fontRef>
+        </p:style>
+        <p:txBody>
+          <a:bodyPr rtlCol="0" anchor="ctr"/>
+          <a:lstStyle/>
+          <a:p>
+            <a:pPr algn="ctr"/>
+            <a:endParaRPr lang="en-DE" dirty="0"/>
+          </a:p>
+        </p:txBody>
+      </p:sp>
+      <p:sp>
+        <p:nvSpPr>
+          <p:cNvPr id="6" name="Rectangle 5">
+            <a:extLst>
+              <a:ext uri="{FF2B5EF4-FFF2-40B4-BE49-F238E27FC236}">
+                <a16:creationId xmlns:a16="http://schemas.microsoft.com/office/drawing/2014/main" id="{1F4E136B-8783-B878-AA85-EE1802F5881A}"/>
+              </a:ext>
+            </a:extLst>
+          </p:cNvPr>
+          <p:cNvSpPr/>
+          <p:nvPr/>
+        </p:nvSpPr>
+        <p:spPr>
+          <a:xfrm>
+            <a:off x="2511720" y="2009953"/>
+            <a:ext cx="664235" cy="241541"/>
+          </a:xfrm>
+          <a:prstGeom prst="rect">
+            <a:avLst/>
+          </a:prstGeom>
+        </p:spPr>
+        <p:style>
+          <a:lnRef idx="2">
+            <a:schemeClr val="accent1">
+              <a:shade val="15000"/>
+            </a:schemeClr>
+          </a:lnRef>
+          <a:fillRef idx="1">
+            <a:schemeClr val="accent1"/>
+          </a:fillRef>
+          <a:effectRef idx="0">
+            <a:schemeClr val="accent1"/>
+          </a:effectRef>
+          <a:fontRef idx="minor">
+            <a:schemeClr val="lt1"/>
+          </a:fontRef>
+        </p:style>
+        <p:txBody>
+          <a:bodyPr rtlCol="0" anchor="ctr"/>
+          <a:lstStyle/>
+          <a:p>
+            <a:pPr algn="ctr"/>
+            <a:endParaRPr lang="en-DE" dirty="0"/>
+          </a:p>
+        </p:txBody>
+      </p:sp>
+      <p:sp>
+        <p:nvSpPr>
+          <p:cNvPr id="7" name="Rectangle 6">
+            <a:extLst>
+              <a:ext uri="{FF2B5EF4-FFF2-40B4-BE49-F238E27FC236}">
+                <a16:creationId xmlns:a16="http://schemas.microsoft.com/office/drawing/2014/main" id="{7EE64BB6-F9CA-3F00-40B2-720D0E7EADC7}"/>
+              </a:ext>
+            </a:extLst>
+          </p:cNvPr>
+          <p:cNvSpPr/>
+          <p:nvPr/>
+        </p:nvSpPr>
+        <p:spPr>
+          <a:xfrm>
+            <a:off x="3384429" y="2009952"/>
+            <a:ext cx="664235" cy="241541"/>
+          </a:xfrm>
+          <a:prstGeom prst="rect">
+            <a:avLst/>
+          </a:prstGeom>
+        </p:spPr>
+        <p:style>
+          <a:lnRef idx="2">
+            <a:schemeClr val="accent1">
+              <a:shade val="15000"/>
+            </a:schemeClr>
+          </a:lnRef>
+          <a:fillRef idx="1">
+            <a:schemeClr val="accent1"/>
+          </a:fillRef>
+          <a:effectRef idx="0">
+            <a:schemeClr val="accent1"/>
+          </a:effectRef>
+          <a:fontRef idx="minor">
+            <a:schemeClr val="lt1"/>
+          </a:fontRef>
+        </p:style>
+        <p:txBody>
+          <a:bodyPr rtlCol="0" anchor="ctr"/>
+          <a:lstStyle/>
+          <a:p>
+            <a:pPr algn="ctr"/>
+            <a:endParaRPr lang="en-DE" dirty="0"/>
+          </a:p>
+        </p:txBody>
+      </p:sp>
+      <p:sp>
+        <p:nvSpPr>
+          <p:cNvPr id="8" name="Rectangle 7">
+            <a:extLst>
+              <a:ext uri="{FF2B5EF4-FFF2-40B4-BE49-F238E27FC236}">
+                <a16:creationId xmlns:a16="http://schemas.microsoft.com/office/drawing/2014/main" id="{78FD0E15-0739-6EE1-DE8E-9B80019DF5CA}"/>
+              </a:ext>
+            </a:extLst>
+          </p:cNvPr>
+          <p:cNvSpPr/>
+          <p:nvPr/>
+        </p:nvSpPr>
+        <p:spPr>
+          <a:xfrm>
+            <a:off x="4226941" y="2009951"/>
+            <a:ext cx="664235" cy="241541"/>
+          </a:xfrm>
+          <a:prstGeom prst="rect">
+            <a:avLst/>
+          </a:prstGeom>
+        </p:spPr>
+        <p:style>
+          <a:lnRef idx="2">
+            <a:schemeClr val="accent1">
+              <a:shade val="15000"/>
+            </a:schemeClr>
+          </a:lnRef>
+          <a:fillRef idx="1">
+            <a:schemeClr val="accent1"/>
+          </a:fillRef>
+          <a:effectRef idx="0">
+            <a:schemeClr val="accent1"/>
+          </a:effectRef>
+          <a:fontRef idx="minor">
+            <a:schemeClr val="lt1"/>
+          </a:fontRef>
+        </p:style>
+        <p:txBody>
+          <a:bodyPr rtlCol="0" anchor="ctr"/>
+          <a:lstStyle/>
+          <a:p>
+            <a:pPr algn="ctr"/>
+            <a:endParaRPr lang="en-DE" dirty="0"/>
+          </a:p>
+        </p:txBody>
+      </p:sp>
+      <p:sp>
+        <p:nvSpPr>
+          <p:cNvPr id="9" name="Rectangle 8">
+            <a:extLst>
+              <a:ext uri="{FF2B5EF4-FFF2-40B4-BE49-F238E27FC236}">
+                <a16:creationId xmlns:a16="http://schemas.microsoft.com/office/drawing/2014/main" id="{6986081A-CED6-6D9D-4402-B9DF9D3B8A3A}"/>
+              </a:ext>
+            </a:extLst>
+          </p:cNvPr>
+          <p:cNvSpPr/>
+          <p:nvPr/>
+        </p:nvSpPr>
+        <p:spPr>
+          <a:xfrm>
+            <a:off x="862643" y="2433840"/>
+            <a:ext cx="664234" cy="241541"/>
+          </a:xfrm>
+          <a:prstGeom prst="rect">
+            <a:avLst/>
+          </a:prstGeom>
+        </p:spPr>
+        <p:style>
+          <a:lnRef idx="2">
+            <a:schemeClr val="accent1">
+              <a:shade val="15000"/>
+            </a:schemeClr>
+          </a:lnRef>
+          <a:fillRef idx="1">
+            <a:schemeClr val="accent1"/>
+          </a:fillRef>
+          <a:effectRef idx="0">
+            <a:schemeClr val="accent1"/>
+          </a:effectRef>
+          <a:fontRef idx="minor">
+            <a:schemeClr val="lt1"/>
+          </a:fontRef>
+        </p:style>
+        <p:txBody>
+          <a:bodyPr rtlCol="0" anchor="ctr"/>
+          <a:lstStyle/>
+          <a:p>
+            <a:pPr algn="ctr"/>
+            <a:endParaRPr lang="en-DE" dirty="0"/>
+          </a:p>
+        </p:txBody>
+      </p:sp>
+      <p:sp>
+        <p:nvSpPr>
+          <p:cNvPr id="10" name="Rectangle 9">
+            <a:extLst>
+              <a:ext uri="{FF2B5EF4-FFF2-40B4-BE49-F238E27FC236}">
+                <a16:creationId xmlns:a16="http://schemas.microsoft.com/office/drawing/2014/main" id="{DCE114C9-9C1F-4BE9-C016-E03B7BE9C46F}"/>
+              </a:ext>
+            </a:extLst>
+          </p:cNvPr>
+          <p:cNvSpPr/>
+          <p:nvPr/>
+        </p:nvSpPr>
+        <p:spPr>
+          <a:xfrm>
+            <a:off x="1705154" y="2433839"/>
+            <a:ext cx="664235" cy="241541"/>
+          </a:xfrm>
+          <a:prstGeom prst="rect">
+            <a:avLst/>
+          </a:prstGeom>
+          <a:solidFill>
+            <a:schemeClr val="accent2"/>
+          </a:solidFill>
+        </p:spPr>
+        <p:style>
+          <a:lnRef idx="2">
+            <a:schemeClr val="accent1">
+              <a:shade val="15000"/>
+            </a:schemeClr>
+          </a:lnRef>
+          <a:fillRef idx="1">
+            <a:schemeClr val="accent1"/>
+          </a:fillRef>
+          <a:effectRef idx="0">
+            <a:schemeClr val="accent1"/>
+          </a:effectRef>
+          <a:fontRef idx="minor">
+            <a:schemeClr val="lt1"/>
+          </a:fontRef>
+        </p:style>
+        <p:txBody>
+          <a:bodyPr rtlCol="0" anchor="ctr"/>
+          <a:lstStyle/>
+          <a:p>
+            <a:pPr algn="ctr"/>
+            <a:endParaRPr lang="en-DE" dirty="0"/>
+          </a:p>
+        </p:txBody>
+      </p:sp>
+      <p:sp>
+        <p:nvSpPr>
+          <p:cNvPr id="11" name="Rectangle 10">
+            <a:extLst>
+              <a:ext uri="{FF2B5EF4-FFF2-40B4-BE49-F238E27FC236}">
+                <a16:creationId xmlns:a16="http://schemas.microsoft.com/office/drawing/2014/main" id="{E9C3E99A-D1DF-E7FC-3141-E210D86E6ECE}"/>
+              </a:ext>
+            </a:extLst>
+          </p:cNvPr>
+          <p:cNvSpPr/>
+          <p:nvPr/>
+        </p:nvSpPr>
+        <p:spPr>
+          <a:xfrm>
+            <a:off x="2511720" y="2433839"/>
+            <a:ext cx="664235" cy="241541"/>
+          </a:xfrm>
+          <a:prstGeom prst="rect">
+            <a:avLst/>
+          </a:prstGeom>
+          <a:solidFill>
+            <a:schemeClr val="accent6"/>
+          </a:solidFill>
+        </p:spPr>
+        <p:style>
+          <a:lnRef idx="2">
+            <a:schemeClr val="accent1">
+              <a:shade val="15000"/>
+            </a:schemeClr>
+          </a:lnRef>
+          <a:fillRef idx="1">
+            <a:schemeClr val="accent1"/>
+          </a:fillRef>
+          <a:effectRef idx="0">
+            <a:schemeClr val="accent1"/>
+          </a:effectRef>
+          <a:fontRef idx="minor">
+            <a:schemeClr val="lt1"/>
+          </a:fontRef>
+        </p:style>
+        <p:txBody>
+          <a:bodyPr rtlCol="0" anchor="ctr"/>
+          <a:lstStyle/>
+          <a:p>
+            <a:pPr algn="ctr"/>
+            <a:endParaRPr lang="en-DE" dirty="0"/>
+          </a:p>
+        </p:txBody>
+      </p:sp>
+      <p:sp>
+        <p:nvSpPr>
+          <p:cNvPr id="12" name="Rectangle 11">
+            <a:extLst>
+              <a:ext uri="{FF2B5EF4-FFF2-40B4-BE49-F238E27FC236}">
+                <a16:creationId xmlns:a16="http://schemas.microsoft.com/office/drawing/2014/main" id="{2F702AAA-BD63-C019-081E-AB8499D73740}"/>
+              </a:ext>
+            </a:extLst>
+          </p:cNvPr>
+          <p:cNvSpPr/>
+          <p:nvPr/>
+        </p:nvSpPr>
+        <p:spPr>
+          <a:xfrm>
+            <a:off x="3384429" y="2433838"/>
+            <a:ext cx="664235" cy="241541"/>
+          </a:xfrm>
+          <a:prstGeom prst="rect">
+            <a:avLst/>
+          </a:prstGeom>
+        </p:spPr>
+        <p:style>
+          <a:lnRef idx="2">
+            <a:schemeClr val="accent1">
+              <a:shade val="15000"/>
+            </a:schemeClr>
+          </a:lnRef>
+          <a:fillRef idx="1">
+            <a:schemeClr val="accent1"/>
+          </a:fillRef>
+          <a:effectRef idx="0">
+            <a:schemeClr val="accent1"/>
+          </a:effectRef>
+          <a:fontRef idx="minor">
+            <a:schemeClr val="lt1"/>
+          </a:fontRef>
+        </p:style>
+        <p:txBody>
+          <a:bodyPr rtlCol="0" anchor="ctr"/>
+          <a:lstStyle/>
+          <a:p>
+            <a:pPr algn="ctr"/>
+            <a:endParaRPr lang="en-DE" dirty="0"/>
+          </a:p>
+        </p:txBody>
+      </p:sp>
+      <p:sp>
+        <p:nvSpPr>
+          <p:cNvPr id="13" name="Rectangle 12">
+            <a:extLst>
+              <a:ext uri="{FF2B5EF4-FFF2-40B4-BE49-F238E27FC236}">
+                <a16:creationId xmlns:a16="http://schemas.microsoft.com/office/drawing/2014/main" id="{ED35A115-A575-6050-860A-3A2F458B1CF5}"/>
+              </a:ext>
+            </a:extLst>
+          </p:cNvPr>
+          <p:cNvSpPr/>
+          <p:nvPr/>
+        </p:nvSpPr>
+        <p:spPr>
+          <a:xfrm>
+            <a:off x="4226941" y="2433837"/>
+            <a:ext cx="664235" cy="241541"/>
+          </a:xfrm>
+          <a:prstGeom prst="rect">
+            <a:avLst/>
+          </a:prstGeom>
+        </p:spPr>
+        <p:style>
+          <a:lnRef idx="2">
+            <a:schemeClr val="accent1">
+              <a:shade val="15000"/>
+            </a:schemeClr>
+          </a:lnRef>
+          <a:fillRef idx="1">
+            <a:schemeClr val="accent1"/>
+          </a:fillRef>
+          <a:effectRef idx="0">
+            <a:schemeClr val="accent1"/>
+          </a:effectRef>
+          <a:fontRef idx="minor">
+            <a:schemeClr val="lt1"/>
+          </a:fontRef>
+        </p:style>
+        <p:txBody>
+          <a:bodyPr rtlCol="0" anchor="ctr"/>
+          <a:lstStyle/>
+          <a:p>
+            <a:pPr algn="ctr"/>
+            <a:endParaRPr lang="en-DE" dirty="0"/>
+          </a:p>
+        </p:txBody>
+      </p:sp>
+      <p:sp>
+        <p:nvSpPr>
+          <p:cNvPr id="14" name="TextBox 13">
+            <a:extLst>
+              <a:ext uri="{FF2B5EF4-FFF2-40B4-BE49-F238E27FC236}">
+                <a16:creationId xmlns:a16="http://schemas.microsoft.com/office/drawing/2014/main" id="{9FF3A63C-F67B-6F8B-5D96-0BD1CEFA3689}"/>
+              </a:ext>
+            </a:extLst>
+          </p:cNvPr>
+          <p:cNvSpPr txBox="1"/>
+          <p:nvPr/>
+        </p:nvSpPr>
+        <p:spPr>
+          <a:xfrm>
+            <a:off x="898582" y="1550205"/>
+            <a:ext cx="2063542" cy="369332"/>
+          </a:xfrm>
+          <a:prstGeom prst="rect">
+            <a:avLst/>
+          </a:prstGeom>
+          <a:noFill/>
+        </p:spPr>
+        <p:txBody>
+          <a:bodyPr wrap="square" rtlCol="0">
+            <a:spAutoFit/>
+          </a:bodyPr>
+          <a:lstStyle/>
+          <a:p>
+            <a:r>
+              <a:rPr lang="en-US" dirty="0"/>
+              <a:t>ch1</a:t>
+            </a:r>
+            <a:endParaRPr lang="en-DE" dirty="0"/>
+          </a:p>
+        </p:txBody>
+      </p:sp>
+      <p:sp>
+        <p:nvSpPr>
+          <p:cNvPr id="15" name="TextBox 14">
+            <a:extLst>
+              <a:ext uri="{FF2B5EF4-FFF2-40B4-BE49-F238E27FC236}">
+                <a16:creationId xmlns:a16="http://schemas.microsoft.com/office/drawing/2014/main" id="{D8E49F5B-2A33-D1A7-BF22-62D56611EB71}"/>
+              </a:ext>
+            </a:extLst>
+          </p:cNvPr>
+          <p:cNvSpPr txBox="1"/>
+          <p:nvPr/>
+        </p:nvSpPr>
+        <p:spPr>
+          <a:xfrm>
+            <a:off x="1705154" y="1694815"/>
+            <a:ext cx="2063542" cy="253916"/>
+          </a:xfrm>
+          <a:prstGeom prst="rect">
+            <a:avLst/>
+          </a:prstGeom>
+          <a:noFill/>
+        </p:spPr>
+        <p:txBody>
+          <a:bodyPr wrap="square" rtlCol="0">
+            <a:spAutoFit/>
+          </a:bodyPr>
+          <a:lstStyle/>
+          <a:p>
+            <a:r>
+              <a:rPr lang="en-US" sz="1050" dirty="0"/>
+              <a:t>Ch19,2</a:t>
+            </a:r>
+            <a:endParaRPr lang="en-DE" sz="1050" dirty="0"/>
+          </a:p>
+        </p:txBody>
+      </p:sp>
+      <p:sp>
+        <p:nvSpPr>
+          <p:cNvPr id="16" name="Rectangle 15">
+            <a:extLst>
+              <a:ext uri="{FF2B5EF4-FFF2-40B4-BE49-F238E27FC236}">
+                <a16:creationId xmlns:a16="http://schemas.microsoft.com/office/drawing/2014/main" id="{FE1CF767-201A-776D-0277-68B8FC0BB1D9}"/>
+              </a:ext>
+            </a:extLst>
+          </p:cNvPr>
+          <p:cNvSpPr/>
+          <p:nvPr/>
+        </p:nvSpPr>
+        <p:spPr>
+          <a:xfrm>
+            <a:off x="862643" y="2850780"/>
+            <a:ext cx="664234" cy="241541"/>
+          </a:xfrm>
+          <a:prstGeom prst="rect">
+            <a:avLst/>
+          </a:prstGeom>
+        </p:spPr>
+        <p:style>
+          <a:lnRef idx="2">
+            <a:schemeClr val="accent1">
+              <a:shade val="15000"/>
+            </a:schemeClr>
+          </a:lnRef>
+          <a:fillRef idx="1">
+            <a:schemeClr val="accent1"/>
+          </a:fillRef>
+          <a:effectRef idx="0">
+            <a:schemeClr val="accent1"/>
+          </a:effectRef>
+          <a:fontRef idx="minor">
+            <a:schemeClr val="lt1"/>
+          </a:fontRef>
+        </p:style>
+        <p:txBody>
+          <a:bodyPr rtlCol="0" anchor="ctr"/>
+          <a:lstStyle/>
+          <a:p>
+            <a:pPr algn="ctr"/>
+            <a:endParaRPr lang="en-DE" dirty="0"/>
+          </a:p>
+        </p:txBody>
+      </p:sp>
+      <p:sp>
+        <p:nvSpPr>
+          <p:cNvPr id="17" name="Rectangle 16">
+            <a:extLst>
+              <a:ext uri="{FF2B5EF4-FFF2-40B4-BE49-F238E27FC236}">
+                <a16:creationId xmlns:a16="http://schemas.microsoft.com/office/drawing/2014/main" id="{A30C3DA8-F6D4-78DA-3BF0-3DDF6DFFEBCA}"/>
+              </a:ext>
+            </a:extLst>
+          </p:cNvPr>
+          <p:cNvSpPr/>
+          <p:nvPr/>
+        </p:nvSpPr>
+        <p:spPr>
+          <a:xfrm>
+            <a:off x="1705154" y="2850779"/>
+            <a:ext cx="664235" cy="241541"/>
+          </a:xfrm>
+          <a:prstGeom prst="rect">
+            <a:avLst/>
+          </a:prstGeom>
+        </p:spPr>
+        <p:style>
+          <a:lnRef idx="2">
+            <a:schemeClr val="accent1">
+              <a:shade val="15000"/>
+            </a:schemeClr>
+          </a:lnRef>
+          <a:fillRef idx="1">
+            <a:schemeClr val="accent1"/>
+          </a:fillRef>
+          <a:effectRef idx="0">
+            <a:schemeClr val="accent1"/>
+          </a:effectRef>
+          <a:fontRef idx="minor">
+            <a:schemeClr val="lt1"/>
+          </a:fontRef>
+        </p:style>
+        <p:txBody>
+          <a:bodyPr rtlCol="0" anchor="ctr"/>
+          <a:lstStyle/>
+          <a:p>
+            <a:pPr algn="ctr"/>
+            <a:endParaRPr lang="en-DE" dirty="0"/>
+          </a:p>
+        </p:txBody>
+      </p:sp>
+      <p:sp>
+        <p:nvSpPr>
+          <p:cNvPr id="18" name="Rectangle 17">
+            <a:extLst>
+              <a:ext uri="{FF2B5EF4-FFF2-40B4-BE49-F238E27FC236}">
+                <a16:creationId xmlns:a16="http://schemas.microsoft.com/office/drawing/2014/main" id="{5CE6FF79-A069-70BE-360A-D65AD64DEEC5}"/>
+              </a:ext>
+            </a:extLst>
+          </p:cNvPr>
+          <p:cNvSpPr/>
+          <p:nvPr/>
+        </p:nvSpPr>
+        <p:spPr>
+          <a:xfrm>
+            <a:off x="2511720" y="2850779"/>
+            <a:ext cx="664235" cy="241541"/>
+          </a:xfrm>
+          <a:prstGeom prst="rect">
+            <a:avLst/>
+          </a:prstGeom>
+          <a:solidFill>
+            <a:schemeClr val="accent2"/>
+          </a:solidFill>
+        </p:spPr>
+        <p:style>
+          <a:lnRef idx="2">
+            <a:schemeClr val="accent1">
+              <a:shade val="15000"/>
+            </a:schemeClr>
+          </a:lnRef>
+          <a:fillRef idx="1">
+            <a:schemeClr val="accent1"/>
+          </a:fillRef>
+          <a:effectRef idx="0">
+            <a:schemeClr val="accent1"/>
+          </a:effectRef>
+          <a:fontRef idx="minor">
+            <a:schemeClr val="lt1"/>
+          </a:fontRef>
+        </p:style>
+        <p:txBody>
+          <a:bodyPr rtlCol="0" anchor="ctr"/>
+          <a:lstStyle/>
+          <a:p>
+            <a:pPr algn="ctr"/>
+            <a:endParaRPr lang="en-DE" dirty="0"/>
+          </a:p>
+        </p:txBody>
+      </p:sp>
+      <p:sp>
+        <p:nvSpPr>
+          <p:cNvPr id="19" name="Rectangle 18">
+            <a:extLst>
+              <a:ext uri="{FF2B5EF4-FFF2-40B4-BE49-F238E27FC236}">
+                <a16:creationId xmlns:a16="http://schemas.microsoft.com/office/drawing/2014/main" id="{7D5599B5-1B92-82A0-9277-0D4DCF53D297}"/>
+              </a:ext>
+            </a:extLst>
+          </p:cNvPr>
+          <p:cNvSpPr/>
+          <p:nvPr/>
+        </p:nvSpPr>
+        <p:spPr>
+          <a:xfrm>
+            <a:off x="3384429" y="2850778"/>
+            <a:ext cx="664235" cy="241541"/>
+          </a:xfrm>
+          <a:prstGeom prst="rect">
+            <a:avLst/>
+          </a:prstGeom>
+          <a:solidFill>
+            <a:schemeClr val="accent6"/>
+          </a:solidFill>
+        </p:spPr>
+        <p:style>
+          <a:lnRef idx="2">
+            <a:schemeClr val="accent1">
+              <a:shade val="15000"/>
+            </a:schemeClr>
+          </a:lnRef>
+          <a:fillRef idx="1">
+            <a:schemeClr val="accent1"/>
+          </a:fillRef>
+          <a:effectRef idx="0">
+            <a:schemeClr val="accent1"/>
+          </a:effectRef>
+          <a:fontRef idx="minor">
+            <a:schemeClr val="lt1"/>
+          </a:fontRef>
+        </p:style>
+        <p:txBody>
+          <a:bodyPr rtlCol="0" anchor="ctr"/>
+          <a:lstStyle/>
+          <a:p>
+            <a:pPr algn="ctr"/>
+            <a:endParaRPr lang="en-DE" dirty="0"/>
+          </a:p>
+        </p:txBody>
+      </p:sp>
+      <p:sp>
+        <p:nvSpPr>
+          <p:cNvPr id="20" name="Rectangle 19">
+            <a:extLst>
+              <a:ext uri="{FF2B5EF4-FFF2-40B4-BE49-F238E27FC236}">
+                <a16:creationId xmlns:a16="http://schemas.microsoft.com/office/drawing/2014/main" id="{C3FAF104-D746-A512-B3AB-1BC3411463F2}"/>
+              </a:ext>
+            </a:extLst>
+          </p:cNvPr>
+          <p:cNvSpPr/>
+          <p:nvPr/>
+        </p:nvSpPr>
+        <p:spPr>
+          <a:xfrm>
+            <a:off x="4226941" y="2850777"/>
+            <a:ext cx="664235" cy="241541"/>
+          </a:xfrm>
+          <a:prstGeom prst="rect">
+            <a:avLst/>
+          </a:prstGeom>
+        </p:spPr>
+        <p:style>
+          <a:lnRef idx="2">
+            <a:schemeClr val="accent1">
+              <a:shade val="15000"/>
+            </a:schemeClr>
+          </a:lnRef>
+          <a:fillRef idx="1">
+            <a:schemeClr val="accent1"/>
+          </a:fillRef>
+          <a:effectRef idx="0">
+            <a:schemeClr val="accent1"/>
+          </a:effectRef>
+          <a:fontRef idx="minor">
+            <a:schemeClr val="lt1"/>
+          </a:fontRef>
+        </p:style>
+        <p:txBody>
+          <a:bodyPr rtlCol="0" anchor="ctr"/>
+          <a:lstStyle/>
+          <a:p>
+            <a:pPr algn="ctr"/>
+            <a:endParaRPr lang="en-DE" dirty="0"/>
+          </a:p>
+        </p:txBody>
+      </p:sp>
+      <p:sp>
+        <p:nvSpPr>
+          <p:cNvPr id="31" name="Rectangle 30">
+            <a:extLst>
+              <a:ext uri="{FF2B5EF4-FFF2-40B4-BE49-F238E27FC236}">
+                <a16:creationId xmlns:a16="http://schemas.microsoft.com/office/drawing/2014/main" id="{F2BDB96C-2E7A-A0A0-E492-D8AC84EAC643}"/>
+              </a:ext>
+            </a:extLst>
+          </p:cNvPr>
+          <p:cNvSpPr/>
+          <p:nvPr/>
+        </p:nvSpPr>
+        <p:spPr>
+          <a:xfrm>
+            <a:off x="862643" y="3267717"/>
+            <a:ext cx="664234" cy="241541"/>
+          </a:xfrm>
+          <a:prstGeom prst="rect">
+            <a:avLst/>
+          </a:prstGeom>
+        </p:spPr>
+        <p:style>
+          <a:lnRef idx="2">
+            <a:schemeClr val="accent1">
+              <a:shade val="15000"/>
+            </a:schemeClr>
+          </a:lnRef>
+          <a:fillRef idx="1">
+            <a:schemeClr val="accent1"/>
+          </a:fillRef>
+          <a:effectRef idx="0">
+            <a:schemeClr val="accent1"/>
+          </a:effectRef>
+          <a:fontRef idx="minor">
+            <a:schemeClr val="lt1"/>
+          </a:fontRef>
+        </p:style>
+        <p:txBody>
+          <a:bodyPr rtlCol="0" anchor="ctr"/>
+          <a:lstStyle/>
+          <a:p>
+            <a:pPr algn="ctr"/>
+            <a:endParaRPr lang="en-DE" dirty="0"/>
+          </a:p>
+        </p:txBody>
+      </p:sp>
+      <p:sp>
+        <p:nvSpPr>
+          <p:cNvPr id="32" name="Rectangle 31">
+            <a:extLst>
+              <a:ext uri="{FF2B5EF4-FFF2-40B4-BE49-F238E27FC236}">
+                <a16:creationId xmlns:a16="http://schemas.microsoft.com/office/drawing/2014/main" id="{7D4BFF9D-B672-3EE1-D04D-66F464F73D9D}"/>
+              </a:ext>
+            </a:extLst>
+          </p:cNvPr>
+          <p:cNvSpPr/>
+          <p:nvPr/>
+        </p:nvSpPr>
+        <p:spPr>
+          <a:xfrm>
+            <a:off x="1705154" y="3267716"/>
+            <a:ext cx="664235" cy="241541"/>
+          </a:xfrm>
+          <a:prstGeom prst="rect">
+            <a:avLst/>
+          </a:prstGeom>
+        </p:spPr>
+        <p:style>
+          <a:lnRef idx="2">
+            <a:schemeClr val="accent1">
+              <a:shade val="15000"/>
+            </a:schemeClr>
+          </a:lnRef>
+          <a:fillRef idx="1">
+            <a:schemeClr val="accent1"/>
+          </a:fillRef>
+          <a:effectRef idx="0">
+            <a:schemeClr val="accent1"/>
+          </a:effectRef>
+          <a:fontRef idx="minor">
+            <a:schemeClr val="lt1"/>
+          </a:fontRef>
+        </p:style>
+        <p:txBody>
+          <a:bodyPr rtlCol="0" anchor="ctr"/>
+          <a:lstStyle/>
+          <a:p>
+            <a:pPr algn="ctr"/>
+            <a:endParaRPr lang="en-DE" dirty="0"/>
+          </a:p>
+        </p:txBody>
+      </p:sp>
+      <p:sp>
+        <p:nvSpPr>
+          <p:cNvPr id="33" name="Rectangle 32">
+            <a:extLst>
+              <a:ext uri="{FF2B5EF4-FFF2-40B4-BE49-F238E27FC236}">
+                <a16:creationId xmlns:a16="http://schemas.microsoft.com/office/drawing/2014/main" id="{DA3E4183-EB5A-9AAF-C731-5BCB766F0117}"/>
+              </a:ext>
+            </a:extLst>
+          </p:cNvPr>
+          <p:cNvSpPr/>
+          <p:nvPr/>
+        </p:nvSpPr>
+        <p:spPr>
+          <a:xfrm>
+            <a:off x="2511720" y="3267716"/>
+            <a:ext cx="664235" cy="241541"/>
+          </a:xfrm>
+          <a:prstGeom prst="rect">
+            <a:avLst/>
+          </a:prstGeom>
+        </p:spPr>
+        <p:style>
+          <a:lnRef idx="2">
+            <a:schemeClr val="accent1">
+              <a:shade val="15000"/>
+            </a:schemeClr>
+          </a:lnRef>
+          <a:fillRef idx="1">
+            <a:schemeClr val="accent1"/>
+          </a:fillRef>
+          <a:effectRef idx="0">
+            <a:schemeClr val="accent1"/>
+          </a:effectRef>
+          <a:fontRef idx="minor">
+            <a:schemeClr val="lt1"/>
+          </a:fontRef>
+        </p:style>
+        <p:txBody>
+          <a:bodyPr rtlCol="0" anchor="ctr"/>
+          <a:lstStyle/>
+          <a:p>
+            <a:pPr algn="ctr"/>
+            <a:endParaRPr lang="en-DE" dirty="0"/>
+          </a:p>
+        </p:txBody>
+      </p:sp>
+      <p:sp>
+        <p:nvSpPr>
+          <p:cNvPr id="34" name="Rectangle 33">
+            <a:extLst>
+              <a:ext uri="{FF2B5EF4-FFF2-40B4-BE49-F238E27FC236}">
+                <a16:creationId xmlns:a16="http://schemas.microsoft.com/office/drawing/2014/main" id="{AEA65CAD-93D8-CB3F-17F0-8D6058ABF563}"/>
+              </a:ext>
+            </a:extLst>
+          </p:cNvPr>
+          <p:cNvSpPr/>
+          <p:nvPr/>
+        </p:nvSpPr>
+        <p:spPr>
+          <a:xfrm>
+            <a:off x="3384429" y="3267715"/>
+            <a:ext cx="664235" cy="241541"/>
+          </a:xfrm>
+          <a:prstGeom prst="rect">
+            <a:avLst/>
+          </a:prstGeom>
+          <a:solidFill>
+            <a:schemeClr val="accent2"/>
+          </a:solidFill>
+        </p:spPr>
+        <p:style>
+          <a:lnRef idx="2">
+            <a:schemeClr val="accent1">
+              <a:shade val="15000"/>
+            </a:schemeClr>
+          </a:lnRef>
+          <a:fillRef idx="1">
+            <a:schemeClr val="accent1"/>
+          </a:fillRef>
+          <a:effectRef idx="0">
+            <a:schemeClr val="accent1"/>
+          </a:effectRef>
+          <a:fontRef idx="minor">
+            <a:schemeClr val="lt1"/>
+          </a:fontRef>
+        </p:style>
+        <p:txBody>
+          <a:bodyPr rtlCol="0" anchor="ctr"/>
+          <a:lstStyle/>
+          <a:p>
+            <a:pPr algn="ctr"/>
+            <a:endParaRPr lang="en-DE" dirty="0"/>
+          </a:p>
+        </p:txBody>
+      </p:sp>
+      <p:sp>
+        <p:nvSpPr>
+          <p:cNvPr id="35" name="Rectangle 34">
+            <a:extLst>
+              <a:ext uri="{FF2B5EF4-FFF2-40B4-BE49-F238E27FC236}">
+                <a16:creationId xmlns:a16="http://schemas.microsoft.com/office/drawing/2014/main" id="{5F4860F7-FCE7-D02E-8A96-BD1718086344}"/>
+              </a:ext>
+            </a:extLst>
+          </p:cNvPr>
+          <p:cNvSpPr/>
+          <p:nvPr/>
+        </p:nvSpPr>
+        <p:spPr>
+          <a:xfrm>
+            <a:off x="4226941" y="3267714"/>
+            <a:ext cx="664235" cy="241541"/>
+          </a:xfrm>
+          <a:prstGeom prst="rect">
+            <a:avLst/>
+          </a:prstGeom>
+          <a:solidFill>
+            <a:schemeClr val="accent6"/>
+          </a:solidFill>
+        </p:spPr>
+        <p:style>
+          <a:lnRef idx="2">
+            <a:schemeClr val="accent1">
+              <a:shade val="15000"/>
+            </a:schemeClr>
+          </a:lnRef>
+          <a:fillRef idx="1">
+            <a:schemeClr val="accent1"/>
+          </a:fillRef>
+          <a:effectRef idx="0">
+            <a:schemeClr val="accent1"/>
+          </a:effectRef>
+          <a:fontRef idx="minor">
+            <a:schemeClr val="lt1"/>
+          </a:fontRef>
+        </p:style>
+        <p:txBody>
+          <a:bodyPr rtlCol="0" anchor="ctr"/>
+          <a:lstStyle/>
+          <a:p>
+            <a:pPr algn="ctr"/>
+            <a:endParaRPr lang="en-DE" dirty="0"/>
+          </a:p>
+        </p:txBody>
+      </p:sp>
+      <p:sp>
+        <p:nvSpPr>
+          <p:cNvPr id="36" name="Rectangle 35">
+            <a:extLst>
+              <a:ext uri="{FF2B5EF4-FFF2-40B4-BE49-F238E27FC236}">
+                <a16:creationId xmlns:a16="http://schemas.microsoft.com/office/drawing/2014/main" id="{44E90C96-A265-E837-89C3-8515841DB936}"/>
+              </a:ext>
+            </a:extLst>
+          </p:cNvPr>
+          <p:cNvSpPr/>
+          <p:nvPr/>
+        </p:nvSpPr>
+        <p:spPr>
+          <a:xfrm>
+            <a:off x="862643" y="3631701"/>
+            <a:ext cx="664234" cy="241541"/>
+          </a:xfrm>
+          <a:prstGeom prst="rect">
+            <a:avLst/>
+          </a:prstGeom>
+          <a:solidFill>
+            <a:schemeClr val="accent6"/>
+          </a:solidFill>
+        </p:spPr>
+        <p:style>
+          <a:lnRef idx="2">
+            <a:schemeClr val="accent1">
+              <a:shade val="15000"/>
+            </a:schemeClr>
+          </a:lnRef>
+          <a:fillRef idx="1">
+            <a:schemeClr val="accent1"/>
+          </a:fillRef>
+          <a:effectRef idx="0">
+            <a:schemeClr val="accent1"/>
+          </a:effectRef>
+          <a:fontRef idx="minor">
+            <a:schemeClr val="lt1"/>
+          </a:fontRef>
+        </p:style>
+        <p:txBody>
+          <a:bodyPr rtlCol="0" anchor="ctr"/>
+          <a:lstStyle/>
+          <a:p>
+            <a:pPr algn="ctr"/>
+            <a:endParaRPr lang="en-DE" dirty="0"/>
+          </a:p>
+        </p:txBody>
+      </p:sp>
+      <p:sp>
+        <p:nvSpPr>
+          <p:cNvPr id="37" name="Rectangle 36">
+            <a:extLst>
+              <a:ext uri="{FF2B5EF4-FFF2-40B4-BE49-F238E27FC236}">
+                <a16:creationId xmlns:a16="http://schemas.microsoft.com/office/drawing/2014/main" id="{4220C6A0-81D0-564A-A4AB-1F0F39DCDAC3}"/>
+              </a:ext>
+            </a:extLst>
+          </p:cNvPr>
+          <p:cNvSpPr/>
+          <p:nvPr/>
+        </p:nvSpPr>
+        <p:spPr>
+          <a:xfrm>
+            <a:off x="1705154" y="3631700"/>
+            <a:ext cx="664235" cy="241541"/>
+          </a:xfrm>
+          <a:prstGeom prst="rect">
+            <a:avLst/>
+          </a:prstGeom>
+        </p:spPr>
+        <p:style>
+          <a:lnRef idx="2">
+            <a:schemeClr val="accent1">
+              <a:shade val="15000"/>
+            </a:schemeClr>
+          </a:lnRef>
+          <a:fillRef idx="1">
+            <a:schemeClr val="accent1"/>
+          </a:fillRef>
+          <a:effectRef idx="0">
+            <a:schemeClr val="accent1"/>
+          </a:effectRef>
+          <a:fontRef idx="minor">
+            <a:schemeClr val="lt1"/>
+          </a:fontRef>
+        </p:style>
+        <p:txBody>
+          <a:bodyPr rtlCol="0" anchor="ctr"/>
+          <a:lstStyle/>
+          <a:p>
+            <a:pPr algn="ctr"/>
+            <a:endParaRPr lang="en-DE" dirty="0"/>
+          </a:p>
+        </p:txBody>
+      </p:sp>
+      <p:sp>
+        <p:nvSpPr>
+          <p:cNvPr id="38" name="Rectangle 37">
+            <a:extLst>
+              <a:ext uri="{FF2B5EF4-FFF2-40B4-BE49-F238E27FC236}">
+                <a16:creationId xmlns:a16="http://schemas.microsoft.com/office/drawing/2014/main" id="{78493ACE-D6EB-DC02-19F7-E25C01DFD7FE}"/>
+              </a:ext>
+            </a:extLst>
+          </p:cNvPr>
+          <p:cNvSpPr/>
+          <p:nvPr/>
+        </p:nvSpPr>
+        <p:spPr>
+          <a:xfrm>
+            <a:off x="2511720" y="3631700"/>
+            <a:ext cx="664235" cy="241541"/>
+          </a:xfrm>
+          <a:prstGeom prst="rect">
+            <a:avLst/>
+          </a:prstGeom>
+        </p:spPr>
+        <p:style>
+          <a:lnRef idx="2">
+            <a:schemeClr val="accent1">
+              <a:shade val="15000"/>
+            </a:schemeClr>
+          </a:lnRef>
+          <a:fillRef idx="1">
+            <a:schemeClr val="accent1"/>
+          </a:fillRef>
+          <a:effectRef idx="0">
+            <a:schemeClr val="accent1"/>
+          </a:effectRef>
+          <a:fontRef idx="minor">
+            <a:schemeClr val="lt1"/>
+          </a:fontRef>
+        </p:style>
+        <p:txBody>
+          <a:bodyPr rtlCol="0" anchor="ctr"/>
+          <a:lstStyle/>
+          <a:p>
+            <a:pPr algn="ctr"/>
+            <a:endParaRPr lang="en-DE" dirty="0"/>
+          </a:p>
+        </p:txBody>
+      </p:sp>
+      <p:sp>
+        <p:nvSpPr>
+          <p:cNvPr id="39" name="Rectangle 38">
+            <a:extLst>
+              <a:ext uri="{FF2B5EF4-FFF2-40B4-BE49-F238E27FC236}">
+                <a16:creationId xmlns:a16="http://schemas.microsoft.com/office/drawing/2014/main" id="{5E1FCA16-B63A-3E84-A0D9-145D65F3099A}"/>
+              </a:ext>
+            </a:extLst>
+          </p:cNvPr>
+          <p:cNvSpPr/>
+          <p:nvPr/>
+        </p:nvSpPr>
+        <p:spPr>
+          <a:xfrm>
+            <a:off x="3384429" y="3631699"/>
+            <a:ext cx="664235" cy="241541"/>
+          </a:xfrm>
+          <a:prstGeom prst="rect">
+            <a:avLst/>
+          </a:prstGeom>
+        </p:spPr>
+        <p:style>
+          <a:lnRef idx="2">
+            <a:schemeClr val="accent1">
+              <a:shade val="15000"/>
+            </a:schemeClr>
+          </a:lnRef>
+          <a:fillRef idx="1">
+            <a:schemeClr val="accent1"/>
+          </a:fillRef>
+          <a:effectRef idx="0">
+            <a:schemeClr val="accent1"/>
+          </a:effectRef>
+          <a:fontRef idx="minor">
+            <a:schemeClr val="lt1"/>
+          </a:fontRef>
+        </p:style>
+        <p:txBody>
+          <a:bodyPr rtlCol="0" anchor="ctr"/>
+          <a:lstStyle/>
+          <a:p>
+            <a:pPr algn="ctr"/>
+            <a:endParaRPr lang="en-DE" dirty="0"/>
+          </a:p>
+        </p:txBody>
+      </p:sp>
+      <p:sp>
+        <p:nvSpPr>
+          <p:cNvPr id="40" name="Rectangle 39">
+            <a:extLst>
+              <a:ext uri="{FF2B5EF4-FFF2-40B4-BE49-F238E27FC236}">
+                <a16:creationId xmlns:a16="http://schemas.microsoft.com/office/drawing/2014/main" id="{8C7DF320-C0BD-75FA-1577-71F456FBF5EC}"/>
+              </a:ext>
+            </a:extLst>
+          </p:cNvPr>
+          <p:cNvSpPr/>
+          <p:nvPr/>
+        </p:nvSpPr>
+        <p:spPr>
+          <a:xfrm>
+            <a:off x="4226941" y="3631698"/>
+            <a:ext cx="664235" cy="241541"/>
+          </a:xfrm>
+          <a:prstGeom prst="rect">
+            <a:avLst/>
+          </a:prstGeom>
+          <a:solidFill>
+            <a:schemeClr val="accent2"/>
+          </a:solidFill>
+        </p:spPr>
+        <p:style>
+          <a:lnRef idx="2">
+            <a:schemeClr val="accent1">
+              <a:shade val="15000"/>
+            </a:schemeClr>
+          </a:lnRef>
+          <a:fillRef idx="1">
+            <a:schemeClr val="accent1"/>
+          </a:fillRef>
+          <a:effectRef idx="0">
+            <a:schemeClr val="accent1"/>
+          </a:effectRef>
+          <a:fontRef idx="minor">
+            <a:schemeClr val="lt1"/>
+          </a:fontRef>
+        </p:style>
+        <p:txBody>
+          <a:bodyPr rtlCol="0" anchor="ctr"/>
+          <a:lstStyle/>
+          <a:p>
+            <a:pPr algn="ctr"/>
+            <a:endParaRPr lang="en-DE" dirty="0"/>
+          </a:p>
+        </p:txBody>
+      </p:sp>
+      <p:sp>
+        <p:nvSpPr>
+          <p:cNvPr id="42" name="TextBox 41">
+            <a:extLst>
+              <a:ext uri="{FF2B5EF4-FFF2-40B4-BE49-F238E27FC236}">
+                <a16:creationId xmlns:a16="http://schemas.microsoft.com/office/drawing/2014/main" id="{8E4CD4D0-9AD1-7829-9CCA-87C0EF98B252}"/>
+              </a:ext>
+            </a:extLst>
+          </p:cNvPr>
+          <p:cNvSpPr txBox="1"/>
+          <p:nvPr/>
+        </p:nvSpPr>
+        <p:spPr>
+          <a:xfrm>
+            <a:off x="1526877" y="1088540"/>
+            <a:ext cx="8892586" cy="923330"/>
+          </a:xfrm>
+          <a:prstGeom prst="rect">
+            <a:avLst/>
+          </a:prstGeom>
+          <a:noFill/>
+        </p:spPr>
+        <p:txBody>
+          <a:bodyPr wrap="square" rtlCol="0">
+            <a:spAutoFit/>
+          </a:bodyPr>
+          <a:lstStyle/>
+          <a:p>
+            <a:r>
+              <a:rPr lang="en-US" dirty="0"/>
+              <a:t>“K-fold cross validation” -&gt; create 5 split to train/validate/test on</a:t>
+            </a:r>
+          </a:p>
+          <a:p>
+            <a:endParaRPr lang="en-US" dirty="0"/>
+          </a:p>
+          <a:p>
+            <a:r>
+              <a:rPr lang="en-US" dirty="0"/>
+              <a:t> </a:t>
+            </a:r>
+            <a:endParaRPr lang="en-DE" dirty="0"/>
+          </a:p>
+        </p:txBody>
+      </p:sp>
+      <p:sp>
+        <p:nvSpPr>
+          <p:cNvPr id="44" name="Rectangle 43">
+            <a:extLst>
+              <a:ext uri="{FF2B5EF4-FFF2-40B4-BE49-F238E27FC236}">
+                <a16:creationId xmlns:a16="http://schemas.microsoft.com/office/drawing/2014/main" id="{8E1F9824-8FC5-7A22-25EC-ED0E2D56F75A}"/>
+              </a:ext>
+            </a:extLst>
+          </p:cNvPr>
+          <p:cNvSpPr/>
+          <p:nvPr/>
+        </p:nvSpPr>
+        <p:spPr>
+          <a:xfrm>
+            <a:off x="5157569" y="2007685"/>
+            <a:ext cx="1471831" cy="241541"/>
+          </a:xfrm>
+          <a:prstGeom prst="rect">
+            <a:avLst/>
+          </a:prstGeom>
+        </p:spPr>
+        <p:style>
+          <a:lnRef idx="2">
+            <a:schemeClr val="accent1">
+              <a:shade val="15000"/>
+            </a:schemeClr>
+          </a:lnRef>
+          <a:fillRef idx="1">
+            <a:schemeClr val="accent1"/>
+          </a:fillRef>
+          <a:effectRef idx="0">
+            <a:schemeClr val="accent1"/>
+          </a:effectRef>
+          <a:fontRef idx="minor">
+            <a:schemeClr val="lt1"/>
+          </a:fontRef>
+        </p:style>
+        <p:txBody>
+          <a:bodyPr rtlCol="0" anchor="ctr"/>
+          <a:lstStyle/>
+          <a:p>
+            <a:pPr algn="ctr"/>
+            <a:endParaRPr lang="en-DE" dirty="0"/>
+          </a:p>
+        </p:txBody>
+      </p:sp>
+      <p:sp>
+        <p:nvSpPr>
+          <p:cNvPr id="45" name="Rectangle 44">
+            <a:extLst>
+              <a:ext uri="{FF2B5EF4-FFF2-40B4-BE49-F238E27FC236}">
+                <a16:creationId xmlns:a16="http://schemas.microsoft.com/office/drawing/2014/main" id="{289EF24B-54FA-3980-6CAC-F82BB5F17155}"/>
+              </a:ext>
+            </a:extLst>
+          </p:cNvPr>
+          <p:cNvSpPr/>
+          <p:nvPr/>
+        </p:nvSpPr>
+        <p:spPr>
+          <a:xfrm>
+            <a:off x="5170300" y="2433837"/>
+            <a:ext cx="1471831" cy="241541"/>
+          </a:xfrm>
+          <a:prstGeom prst="rect">
+            <a:avLst/>
+          </a:prstGeom>
+        </p:spPr>
+        <p:style>
+          <a:lnRef idx="2">
+            <a:schemeClr val="accent1">
+              <a:shade val="15000"/>
+            </a:schemeClr>
+          </a:lnRef>
+          <a:fillRef idx="1">
+            <a:schemeClr val="accent1"/>
+          </a:fillRef>
+          <a:effectRef idx="0">
+            <a:schemeClr val="accent1"/>
+          </a:effectRef>
+          <a:fontRef idx="minor">
+            <a:schemeClr val="lt1"/>
+          </a:fontRef>
+        </p:style>
+        <p:txBody>
+          <a:bodyPr rtlCol="0" anchor="ctr"/>
+          <a:lstStyle/>
+          <a:p>
+            <a:pPr algn="ctr"/>
+            <a:endParaRPr lang="en-DE" dirty="0"/>
+          </a:p>
+        </p:txBody>
+      </p:sp>
+      <p:sp>
+        <p:nvSpPr>
+          <p:cNvPr id="46" name="Rectangle 45">
+            <a:extLst>
+              <a:ext uri="{FF2B5EF4-FFF2-40B4-BE49-F238E27FC236}">
+                <a16:creationId xmlns:a16="http://schemas.microsoft.com/office/drawing/2014/main" id="{A0C67071-0D81-1284-274A-885E059F0A1E}"/>
+              </a:ext>
+            </a:extLst>
+          </p:cNvPr>
+          <p:cNvSpPr/>
+          <p:nvPr/>
+        </p:nvSpPr>
+        <p:spPr>
+          <a:xfrm>
+            <a:off x="5170300" y="2859989"/>
+            <a:ext cx="1471831" cy="241541"/>
+          </a:xfrm>
+          <a:prstGeom prst="rect">
+            <a:avLst/>
+          </a:prstGeom>
+        </p:spPr>
+        <p:style>
+          <a:lnRef idx="2">
+            <a:schemeClr val="accent1">
+              <a:shade val="15000"/>
+            </a:schemeClr>
+          </a:lnRef>
+          <a:fillRef idx="1">
+            <a:schemeClr val="accent1"/>
+          </a:fillRef>
+          <a:effectRef idx="0">
+            <a:schemeClr val="accent1"/>
+          </a:effectRef>
+          <a:fontRef idx="minor">
+            <a:schemeClr val="lt1"/>
+          </a:fontRef>
+        </p:style>
+        <p:txBody>
+          <a:bodyPr rtlCol="0" anchor="ctr"/>
+          <a:lstStyle/>
+          <a:p>
+            <a:pPr algn="ctr"/>
+            <a:endParaRPr lang="en-DE" dirty="0"/>
+          </a:p>
+        </p:txBody>
+      </p:sp>
+      <p:sp>
+        <p:nvSpPr>
+          <p:cNvPr id="47" name="Rectangle 46">
+            <a:extLst>
+              <a:ext uri="{FF2B5EF4-FFF2-40B4-BE49-F238E27FC236}">
+                <a16:creationId xmlns:a16="http://schemas.microsoft.com/office/drawing/2014/main" id="{9098F7D8-C334-6A67-9A4C-BFCF324B9D61}"/>
+              </a:ext>
+            </a:extLst>
+          </p:cNvPr>
+          <p:cNvSpPr/>
+          <p:nvPr/>
+        </p:nvSpPr>
+        <p:spPr>
+          <a:xfrm>
+            <a:off x="5170300" y="3286141"/>
+            <a:ext cx="1471831" cy="241541"/>
+          </a:xfrm>
+          <a:prstGeom prst="rect">
+            <a:avLst/>
+          </a:prstGeom>
+        </p:spPr>
+        <p:style>
+          <a:lnRef idx="2">
+            <a:schemeClr val="accent1">
+              <a:shade val="15000"/>
+            </a:schemeClr>
+          </a:lnRef>
+          <a:fillRef idx="1">
+            <a:schemeClr val="accent1"/>
+          </a:fillRef>
+          <a:effectRef idx="0">
+            <a:schemeClr val="accent1"/>
+          </a:effectRef>
+          <a:fontRef idx="minor">
+            <a:schemeClr val="lt1"/>
+          </a:fontRef>
+        </p:style>
+        <p:txBody>
+          <a:bodyPr rtlCol="0" anchor="ctr"/>
+          <a:lstStyle/>
+          <a:p>
+            <a:pPr algn="ctr"/>
+            <a:endParaRPr lang="en-DE" dirty="0"/>
+          </a:p>
+        </p:txBody>
+      </p:sp>
+      <p:sp>
+        <p:nvSpPr>
+          <p:cNvPr id="48" name="Rectangle 47">
+            <a:extLst>
+              <a:ext uri="{FF2B5EF4-FFF2-40B4-BE49-F238E27FC236}">
+                <a16:creationId xmlns:a16="http://schemas.microsoft.com/office/drawing/2014/main" id="{BD49CB21-6DB7-BE5A-4715-19AC255FBA86}"/>
+              </a:ext>
+            </a:extLst>
+          </p:cNvPr>
+          <p:cNvSpPr/>
+          <p:nvPr/>
+        </p:nvSpPr>
+        <p:spPr>
+          <a:xfrm>
+            <a:off x="5170300" y="3631698"/>
+            <a:ext cx="1471831" cy="241541"/>
+          </a:xfrm>
+          <a:prstGeom prst="rect">
+            <a:avLst/>
+          </a:prstGeom>
+        </p:spPr>
+        <p:style>
+          <a:lnRef idx="2">
+            <a:schemeClr val="accent1">
+              <a:shade val="15000"/>
+            </a:schemeClr>
+          </a:lnRef>
+          <a:fillRef idx="1">
+            <a:schemeClr val="accent1"/>
+          </a:fillRef>
+          <a:effectRef idx="0">
+            <a:schemeClr val="accent1"/>
+          </a:effectRef>
+          <a:fontRef idx="minor">
+            <a:schemeClr val="lt1"/>
+          </a:fontRef>
+        </p:style>
+        <p:txBody>
+          <a:bodyPr rtlCol="0" anchor="ctr"/>
+          <a:lstStyle/>
+          <a:p>
+            <a:pPr algn="ctr"/>
+            <a:endParaRPr lang="en-DE" dirty="0"/>
+          </a:p>
+        </p:txBody>
+      </p:sp>
+      <p:sp>
+        <p:nvSpPr>
+          <p:cNvPr id="49" name="Rectangle 48">
+            <a:extLst>
+              <a:ext uri="{FF2B5EF4-FFF2-40B4-BE49-F238E27FC236}">
+                <a16:creationId xmlns:a16="http://schemas.microsoft.com/office/drawing/2014/main" id="{1BECD6B5-8571-A4C3-0432-3159FA4C6BCF}"/>
+              </a:ext>
+            </a:extLst>
+          </p:cNvPr>
+          <p:cNvSpPr/>
+          <p:nvPr/>
+        </p:nvSpPr>
+        <p:spPr>
+          <a:xfrm>
+            <a:off x="1194760" y="5667043"/>
+            <a:ext cx="664234" cy="241541"/>
+          </a:xfrm>
+          <a:prstGeom prst="rect">
+            <a:avLst/>
+          </a:prstGeom>
+          <a:solidFill>
+            <a:schemeClr val="accent2"/>
+          </a:solidFill>
+        </p:spPr>
+        <p:style>
+          <a:lnRef idx="2">
+            <a:schemeClr val="accent1">
+              <a:shade val="15000"/>
+            </a:schemeClr>
+          </a:lnRef>
+          <a:fillRef idx="1">
+            <a:schemeClr val="accent1"/>
+          </a:fillRef>
+          <a:effectRef idx="0">
+            <a:schemeClr val="accent1"/>
+          </a:effectRef>
+          <a:fontRef idx="minor">
+            <a:schemeClr val="lt1"/>
+          </a:fontRef>
+        </p:style>
+        <p:txBody>
+          <a:bodyPr rtlCol="0" anchor="ctr"/>
+          <a:lstStyle/>
+          <a:p>
+            <a:pPr algn="ctr"/>
+            <a:endParaRPr lang="en-DE" dirty="0">
+              <a:solidFill>
+                <a:schemeClr val="accent2"/>
+              </a:solidFill>
+            </a:endParaRPr>
+          </a:p>
+        </p:txBody>
+      </p:sp>
+      <p:sp>
+        <p:nvSpPr>
+          <p:cNvPr id="50" name="Rectangle 49">
+            <a:extLst>
+              <a:ext uri="{FF2B5EF4-FFF2-40B4-BE49-F238E27FC236}">
+                <a16:creationId xmlns:a16="http://schemas.microsoft.com/office/drawing/2014/main" id="{4254EDC4-42E3-723E-A8C6-5129A64CD84F}"/>
+              </a:ext>
+            </a:extLst>
+          </p:cNvPr>
+          <p:cNvSpPr/>
+          <p:nvPr/>
+        </p:nvSpPr>
+        <p:spPr>
+          <a:xfrm>
+            <a:off x="2037271" y="5667042"/>
+            <a:ext cx="664235" cy="241541"/>
+          </a:xfrm>
+          <a:prstGeom prst="rect">
+            <a:avLst/>
+          </a:prstGeom>
+          <a:solidFill>
+            <a:schemeClr val="accent6"/>
+          </a:solidFill>
+        </p:spPr>
+        <p:style>
+          <a:lnRef idx="2">
+            <a:schemeClr val="accent1">
+              <a:shade val="15000"/>
+            </a:schemeClr>
+          </a:lnRef>
+          <a:fillRef idx="1">
+            <a:schemeClr val="accent1"/>
+          </a:fillRef>
+          <a:effectRef idx="0">
+            <a:schemeClr val="accent1"/>
+          </a:effectRef>
+          <a:fontRef idx="minor">
+            <a:schemeClr val="lt1"/>
+          </a:fontRef>
+        </p:style>
+        <p:txBody>
+          <a:bodyPr rtlCol="0" anchor="ctr"/>
+          <a:lstStyle/>
+          <a:p>
+            <a:pPr algn="ctr"/>
+            <a:endParaRPr lang="en-DE" dirty="0"/>
+          </a:p>
+        </p:txBody>
+      </p:sp>
+      <p:sp>
+        <p:nvSpPr>
+          <p:cNvPr id="54" name="TextBox 53">
+            <a:extLst>
+              <a:ext uri="{FF2B5EF4-FFF2-40B4-BE49-F238E27FC236}">
+                <a16:creationId xmlns:a16="http://schemas.microsoft.com/office/drawing/2014/main" id="{0BF7B380-97AB-A95E-8EB6-CA652875C440}"/>
+              </a:ext>
+            </a:extLst>
+          </p:cNvPr>
+          <p:cNvSpPr txBox="1"/>
+          <p:nvPr/>
+        </p:nvSpPr>
+        <p:spPr>
+          <a:xfrm>
+            <a:off x="1194760" y="5307795"/>
+            <a:ext cx="2063542" cy="338554"/>
+          </a:xfrm>
+          <a:prstGeom prst="rect">
+            <a:avLst/>
+          </a:prstGeom>
+          <a:noFill/>
+        </p:spPr>
+        <p:txBody>
+          <a:bodyPr wrap="square" rtlCol="0">
+            <a:spAutoFit/>
+          </a:bodyPr>
+          <a:lstStyle/>
+          <a:p>
+            <a:r>
+              <a:rPr lang="en-US" sz="1600" dirty="0"/>
+              <a:t>test</a:t>
+            </a:r>
+            <a:endParaRPr lang="en-DE" sz="1600" dirty="0"/>
+          </a:p>
+        </p:txBody>
+      </p:sp>
+      <p:sp>
+        <p:nvSpPr>
+          <p:cNvPr id="55" name="TextBox 54">
+            <a:extLst>
+              <a:ext uri="{FF2B5EF4-FFF2-40B4-BE49-F238E27FC236}">
+                <a16:creationId xmlns:a16="http://schemas.microsoft.com/office/drawing/2014/main" id="{B1B4E70F-246D-C502-BECD-1D9A38740425}"/>
+              </a:ext>
+            </a:extLst>
+          </p:cNvPr>
+          <p:cNvSpPr txBox="1"/>
+          <p:nvPr/>
+        </p:nvSpPr>
+        <p:spPr>
+          <a:xfrm>
+            <a:off x="2037271" y="5351904"/>
+            <a:ext cx="2063542" cy="253916"/>
+          </a:xfrm>
+          <a:prstGeom prst="rect">
+            <a:avLst/>
+          </a:prstGeom>
+          <a:noFill/>
+        </p:spPr>
+        <p:txBody>
+          <a:bodyPr wrap="square" rtlCol="0">
+            <a:spAutoFit/>
+          </a:bodyPr>
+          <a:lstStyle/>
+          <a:p>
+            <a:r>
+              <a:rPr lang="en-US" sz="1050" dirty="0"/>
+              <a:t>validation</a:t>
+            </a:r>
+            <a:endParaRPr lang="en-DE" sz="1050" dirty="0"/>
+          </a:p>
+        </p:txBody>
+      </p:sp>
+      <p:sp>
+        <p:nvSpPr>
+          <p:cNvPr id="56" name="Rectangle 55">
+            <a:extLst>
+              <a:ext uri="{FF2B5EF4-FFF2-40B4-BE49-F238E27FC236}">
+                <a16:creationId xmlns:a16="http://schemas.microsoft.com/office/drawing/2014/main" id="{3D9697BF-9906-3CB3-A727-6A6C83E2C570}"/>
+              </a:ext>
+            </a:extLst>
+          </p:cNvPr>
+          <p:cNvSpPr/>
+          <p:nvPr/>
+        </p:nvSpPr>
+        <p:spPr>
+          <a:xfrm>
+            <a:off x="2879784" y="5664774"/>
+            <a:ext cx="4081734" cy="241541"/>
+          </a:xfrm>
+          <a:prstGeom prst="rect">
+            <a:avLst/>
+          </a:prstGeom>
+        </p:spPr>
+        <p:style>
+          <a:lnRef idx="2">
+            <a:schemeClr val="accent1">
+              <a:shade val="15000"/>
+            </a:schemeClr>
+          </a:lnRef>
+          <a:fillRef idx="1">
+            <a:schemeClr val="accent1"/>
+          </a:fillRef>
+          <a:effectRef idx="0">
+            <a:schemeClr val="accent1"/>
+          </a:effectRef>
+          <a:fontRef idx="minor">
+            <a:schemeClr val="lt1"/>
+          </a:fontRef>
+        </p:style>
+        <p:txBody>
+          <a:bodyPr rtlCol="0" anchor="ctr"/>
+          <a:lstStyle/>
+          <a:p>
+            <a:pPr algn="ctr"/>
+            <a:endParaRPr lang="en-DE" dirty="0"/>
+          </a:p>
+        </p:txBody>
+      </p:sp>
+      <p:sp>
+        <p:nvSpPr>
+          <p:cNvPr id="57" name="TextBox 56">
+            <a:extLst>
+              <a:ext uri="{FF2B5EF4-FFF2-40B4-BE49-F238E27FC236}">
+                <a16:creationId xmlns:a16="http://schemas.microsoft.com/office/drawing/2014/main" id="{9128D92A-5D1E-653C-DA27-381FE1402956}"/>
+              </a:ext>
+            </a:extLst>
+          </p:cNvPr>
+          <p:cNvSpPr txBox="1"/>
+          <p:nvPr/>
+        </p:nvSpPr>
+        <p:spPr>
+          <a:xfrm>
+            <a:off x="4205806" y="5362417"/>
+            <a:ext cx="2063542" cy="253916"/>
+          </a:xfrm>
+          <a:prstGeom prst="rect">
+            <a:avLst/>
+          </a:prstGeom>
+          <a:noFill/>
+        </p:spPr>
+        <p:txBody>
+          <a:bodyPr wrap="square" rtlCol="0">
+            <a:spAutoFit/>
+          </a:bodyPr>
+          <a:lstStyle/>
+          <a:p>
+            <a:r>
+              <a:rPr lang="en-US" sz="1050" dirty="0"/>
+              <a:t>training</a:t>
+            </a:r>
+            <a:endParaRPr lang="en-DE" sz="1050" dirty="0"/>
+          </a:p>
+        </p:txBody>
+      </p:sp>
+      <p:sp>
+        <p:nvSpPr>
+          <p:cNvPr id="58" name="TextBox 57">
+            <a:extLst>
+              <a:ext uri="{FF2B5EF4-FFF2-40B4-BE49-F238E27FC236}">
+                <a16:creationId xmlns:a16="http://schemas.microsoft.com/office/drawing/2014/main" id="{C2328E0C-77D6-7929-FF09-6BD8FD2F9085}"/>
+              </a:ext>
+            </a:extLst>
+          </p:cNvPr>
+          <p:cNvSpPr txBox="1"/>
+          <p:nvPr/>
+        </p:nvSpPr>
+        <p:spPr>
+          <a:xfrm>
+            <a:off x="1984391" y="4862214"/>
+            <a:ext cx="8892586" cy="923330"/>
+          </a:xfrm>
+          <a:prstGeom prst="rect">
+            <a:avLst/>
+          </a:prstGeom>
+          <a:noFill/>
+        </p:spPr>
+        <p:txBody>
+          <a:bodyPr wrap="square" rtlCol="0">
+            <a:spAutoFit/>
+          </a:bodyPr>
+          <a:lstStyle/>
+          <a:p>
+            <a:pPr marL="285750" indent="-285750">
+              <a:buFont typeface="Arial" panose="020B0604020202020204" pitchFamily="34" charset="0"/>
+              <a:buChar char="•"/>
+            </a:pPr>
+            <a:r>
+              <a:rPr lang="en-US" dirty="0"/>
+              <a:t>Split 20/20/60%</a:t>
+            </a:r>
+          </a:p>
+          <a:p>
+            <a:endParaRPr lang="en-US" dirty="0"/>
+          </a:p>
+          <a:p>
+            <a:r>
+              <a:rPr lang="en-US" dirty="0"/>
+              <a:t> </a:t>
+            </a:r>
+            <a:endParaRPr lang="en-DE" dirty="0"/>
+          </a:p>
+        </p:txBody>
+      </p:sp>
+    </p:spTree>
+    <p:extLst>
+      <p:ext uri="{BB962C8B-B14F-4D97-AF65-F5344CB8AC3E}">
+        <p14:creationId xmlns:p14="http://schemas.microsoft.com/office/powerpoint/2010/main" val="4259746015"/>
+      </p:ext>
+    </p:extLst>
+  </p:cSld>
+  <p:clrMapOvr>
+    <a:masterClrMapping/>
+  </p:clrMapOvr>
+</p:sld>
+</file>
+
+<file path=ppt/slides/slide17.xml><?xml version="1.0" encoding="utf-8"?>
+<p:sld xmlns:a="http://schemas.openxmlformats.org/drawingml/2006/main" xmlns:r="http://schemas.openxmlformats.org/officeDocument/2006/relationships" xmlns:p="http://schemas.openxmlformats.org/presentationml/2006/main">
+  <p:cSld>
+    <p:spTree>
+      <p:nvGrpSpPr>
+        <p:cNvPr id="1" name=""/>
+        <p:cNvGrpSpPr/>
+        <p:nvPr/>
+      </p:nvGrpSpPr>
+      <p:grpSpPr>
+        <a:xfrm>
+          <a:off x="0" y="0"/>
+          <a:ext cx="0" cy="0"/>
+          <a:chOff x="0" y="0"/>
+          <a:chExt cx="0" cy="0"/>
+        </a:xfrm>
+      </p:grpSpPr>
+      <p:sp>
+        <p:nvSpPr>
+          <p:cNvPr id="4" name="TextBox 3">
+            <a:extLst>
+              <a:ext uri="{FF2B5EF4-FFF2-40B4-BE49-F238E27FC236}">
+                <a16:creationId xmlns:a16="http://schemas.microsoft.com/office/drawing/2014/main" id="{F0CDDAFA-E6FF-AD5B-FC69-69C4B4E68806}"/>
+              </a:ext>
+            </a:extLst>
+          </p:cNvPr>
+          <p:cNvSpPr txBox="1"/>
+          <p:nvPr/>
+        </p:nvSpPr>
+        <p:spPr>
+          <a:xfrm>
+            <a:off x="5525574" y="164863"/>
+            <a:ext cx="4562772" cy="646331"/>
+          </a:xfrm>
+          <a:prstGeom prst="rect">
+            <a:avLst/>
+          </a:prstGeom>
+          <a:noFill/>
+        </p:spPr>
+        <p:txBody>
+          <a:bodyPr wrap="square" rtlCol="0">
+            <a:spAutoFit/>
+          </a:bodyPr>
+          <a:lstStyle/>
+          <a:p>
+            <a:r>
+              <a:rPr lang="en-DE" dirty="0"/>
+              <a:t>Model</a:t>
+            </a:r>
+          </a:p>
+          <a:p>
+            <a:endParaRPr lang="en-DE" dirty="0"/>
+          </a:p>
+        </p:txBody>
+      </p:sp>
+      <p:sp>
+        <p:nvSpPr>
+          <p:cNvPr id="5" name="TextBox 4">
+            <a:extLst>
+              <a:ext uri="{FF2B5EF4-FFF2-40B4-BE49-F238E27FC236}">
+                <a16:creationId xmlns:a16="http://schemas.microsoft.com/office/drawing/2014/main" id="{80D2C272-2235-54D0-4BA2-9417643C7292}"/>
+              </a:ext>
+            </a:extLst>
+          </p:cNvPr>
+          <p:cNvSpPr txBox="1"/>
+          <p:nvPr/>
+        </p:nvSpPr>
+        <p:spPr>
+          <a:xfrm>
+            <a:off x="190422" y="2028002"/>
+            <a:ext cx="2555895" cy="369332"/>
+          </a:xfrm>
+          <a:prstGeom prst="rect">
+            <a:avLst/>
+          </a:prstGeom>
+          <a:noFill/>
+        </p:spPr>
+        <p:txBody>
+          <a:bodyPr wrap="square" rtlCol="0">
+            <a:spAutoFit/>
+          </a:bodyPr>
+          <a:lstStyle/>
+          <a:p>
+            <a:r>
+              <a:rPr lang="en-DE" dirty="0"/>
+              <a:t>Sequence</a:t>
+            </a:r>
+          </a:p>
+        </p:txBody>
+      </p:sp>
+      <p:sp>
+        <p:nvSpPr>
+          <p:cNvPr id="10" name="Cube 9">
+            <a:extLst>
+              <a:ext uri="{FF2B5EF4-FFF2-40B4-BE49-F238E27FC236}">
+                <a16:creationId xmlns:a16="http://schemas.microsoft.com/office/drawing/2014/main" id="{7E182724-5EFB-1689-32BA-DE66E77EE034}"/>
+              </a:ext>
+            </a:extLst>
+          </p:cNvPr>
+          <p:cNvSpPr/>
+          <p:nvPr/>
+        </p:nvSpPr>
+        <p:spPr>
+          <a:xfrm>
+            <a:off x="1825289" y="2462166"/>
+            <a:ext cx="454447" cy="1102066"/>
+          </a:xfrm>
+          <a:prstGeom prst="cube">
+            <a:avLst/>
+          </a:prstGeom>
+        </p:spPr>
+        <p:style>
+          <a:lnRef idx="2">
+            <a:schemeClr val="accent1">
+              <a:shade val="15000"/>
+            </a:schemeClr>
+          </a:lnRef>
+          <a:fillRef idx="1">
+            <a:schemeClr val="accent1"/>
+          </a:fillRef>
+          <a:effectRef idx="0">
+            <a:schemeClr val="accent1"/>
+          </a:effectRef>
+          <a:fontRef idx="minor">
+            <a:schemeClr val="lt1"/>
+          </a:fontRef>
+        </p:style>
+        <p:txBody>
+          <a:bodyPr rtlCol="0" anchor="ctr"/>
+          <a:lstStyle/>
+          <a:p>
+            <a:pPr algn="ctr"/>
+            <a:endParaRPr lang="en-DE"/>
+          </a:p>
+        </p:txBody>
+      </p:sp>
+      <mc:AlternateContent xmlns:mc="http://schemas.openxmlformats.org/markup-compatibility/2006">
+        <mc:Choice xmlns:a14="http://schemas.microsoft.com/office/drawing/2010/main" Requires="a14">
+          <p:sp>
+            <p:nvSpPr>
+              <p:cNvPr id="14" name="TextBox 13">
+                <a:extLst>
+                  <a:ext uri="{FF2B5EF4-FFF2-40B4-BE49-F238E27FC236}">
+                    <a16:creationId xmlns:a16="http://schemas.microsoft.com/office/drawing/2014/main" id="{785C52F4-7808-0F6B-D4BA-DC979C62352F}"/>
+                  </a:ext>
+                </a:extLst>
+              </p:cNvPr>
+              <p:cNvSpPr txBox="1"/>
+              <p:nvPr/>
+            </p:nvSpPr>
+            <p:spPr>
+              <a:xfrm>
+                <a:off x="103719" y="2462166"/>
+                <a:ext cx="1311722" cy="963662"/>
+              </a:xfrm>
+              <a:prstGeom prst="rect">
+                <a:avLst/>
+              </a:prstGeom>
+              <a:noFill/>
+            </p:spPr>
+            <p:txBody>
+              <a:bodyPr wrap="square" lIns="0" tIns="0" rIns="0" bIns="0" rtlCol="0">
+                <a:spAutoFit/>
+              </a:bodyPr>
+              <a:lstStyle/>
+              <a:p>
+                <a:pPr/>
+                <a14:m>
+                  <m:oMathPara xmlns:m="http://schemas.openxmlformats.org/officeDocument/2006/math">
+                    <m:oMathParaPr>
+                      <m:jc m:val="centerGroup"/>
+                    </m:oMathParaPr>
+                    <m:oMath xmlns:m="http://schemas.openxmlformats.org/officeDocument/2006/math">
+                      <m:m>
+                        <m:mPr>
+                          <m:mcs>
+                            <m:mc>
+                              <m:mcPr>
+                                <m:count m:val="3"/>
+                                <m:mcJc m:val="center"/>
+                              </m:mcPr>
+                            </m:mc>
+                          </m:mcs>
+                          <m:ctrlPr>
+                            <a:rPr lang="en-DE" i="1" smtClean="0">
+                              <a:latin typeface="Cambria Math" panose="02040503050406030204" pitchFamily="18" charset="0"/>
+                            </a:rPr>
+                          </m:ctrlPr>
+                        </m:mPr>
+                        <m:mr>
+                          <m:e>
+                            <m:r>
+                              <m:rPr>
+                                <m:brk m:alnAt="7"/>
+                              </m:rPr>
+                              <a:rPr lang="en-US" b="0" i="1" smtClean="0">
+                                <a:latin typeface="Cambria Math" panose="02040503050406030204" pitchFamily="18" charset="0"/>
+                              </a:rPr>
+                              <m:t>1</m:t>
+                            </m:r>
+                          </m:e>
+                          <m:e>
+                            <m:r>
+                              <a:rPr lang="en-US" b="0" i="1" smtClean="0">
+                                <a:latin typeface="Cambria Math" panose="02040503050406030204" pitchFamily="18" charset="0"/>
+                              </a:rPr>
+                              <m:t>0</m:t>
+                            </m:r>
+                          </m:e>
+                          <m:e>
+                            <m:r>
+                              <a:rPr lang="en-US" b="0" i="1" smtClean="0">
+                                <a:latin typeface="Cambria Math" panose="02040503050406030204" pitchFamily="18" charset="0"/>
+                              </a:rPr>
+                              <m:t>1</m:t>
+                            </m:r>
+                          </m:e>
+                        </m:mr>
+                        <m:mr>
+                          <m:e>
+                            <m:r>
+                              <a:rPr lang="en-US" b="0" i="1" smtClean="0">
+                                <a:latin typeface="Cambria Math" panose="02040503050406030204" pitchFamily="18" charset="0"/>
+                              </a:rPr>
+                              <m:t>0</m:t>
+                            </m:r>
+                          </m:e>
+                          <m:e>
+                            <m:r>
+                              <a:rPr lang="en-US" b="0" i="1" smtClean="0">
+                                <a:latin typeface="Cambria Math" panose="02040503050406030204" pitchFamily="18" charset="0"/>
+                              </a:rPr>
+                              <m:t>0</m:t>
+                            </m:r>
+                          </m:e>
+                          <m:e>
+                            <m:r>
+                              <a:rPr lang="en-US" b="0" i="1" smtClean="0">
+                                <a:latin typeface="Cambria Math" panose="02040503050406030204" pitchFamily="18" charset="0"/>
+                              </a:rPr>
+                              <m:t>0</m:t>
+                            </m:r>
+                          </m:e>
+                        </m:mr>
+                        <m:mr>
+                          <m:e>
+                            <m:eqArr>
+                              <m:eqArrPr>
+                                <m:ctrlPr>
+                                  <a:rPr lang="en-DE" i="1" smtClean="0">
+                                    <a:latin typeface="Cambria Math" panose="02040503050406030204" pitchFamily="18" charset="0"/>
+                                  </a:rPr>
+                                </m:ctrlPr>
+                              </m:eqArrPr>
+                              <m:e>
+                                <m:r>
+                                  <a:rPr lang="en-US" b="0" i="1" smtClean="0">
+                                    <a:latin typeface="Cambria Math" panose="02040503050406030204" pitchFamily="18" charset="0"/>
+                                  </a:rPr>
+                                  <m:t>0</m:t>
+                                </m:r>
+                              </m:e>
+                              <m:e>
+                                <m:r>
+                                  <a:rPr lang="en-US" b="0" i="1" smtClean="0">
+                                    <a:latin typeface="Cambria Math" panose="02040503050406030204" pitchFamily="18" charset="0"/>
+                                  </a:rPr>
+                                  <m:t>0</m:t>
+                                </m:r>
+                              </m:e>
+                            </m:eqArr>
+                          </m:e>
+                          <m:e>
+                            <m:eqArr>
+                              <m:eqArrPr>
+                                <m:ctrlPr>
+                                  <a:rPr lang="en-DE" i="1" smtClean="0">
+                                    <a:latin typeface="Cambria Math" panose="02040503050406030204" pitchFamily="18" charset="0"/>
+                                  </a:rPr>
+                                </m:ctrlPr>
+                              </m:eqArrPr>
+                              <m:e>
+                                <m:r>
+                                  <a:rPr lang="en-US" b="0" i="1" smtClean="0">
+                                    <a:latin typeface="Cambria Math" panose="02040503050406030204" pitchFamily="18" charset="0"/>
+                                  </a:rPr>
+                                  <m:t>1</m:t>
+                                </m:r>
+                              </m:e>
+                              <m:e>
+                                <m:r>
+                                  <a:rPr lang="en-US" b="0" i="1" smtClean="0">
+                                    <a:latin typeface="Cambria Math" panose="02040503050406030204" pitchFamily="18" charset="0"/>
+                                  </a:rPr>
+                                  <m:t>0</m:t>
+                                </m:r>
+                              </m:e>
+                            </m:eqArr>
+                          </m:e>
+                          <m:e>
+                            <m:eqArr>
+                              <m:eqArrPr>
+                                <m:ctrlPr>
+                                  <a:rPr lang="en-DE" i="1" smtClean="0">
+                                    <a:latin typeface="Cambria Math" panose="02040503050406030204" pitchFamily="18" charset="0"/>
+                                  </a:rPr>
+                                </m:ctrlPr>
+                              </m:eqArrPr>
+                              <m:e>
+                                <m:r>
+                                  <a:rPr lang="en-US" b="0" i="1" smtClean="0">
+                                    <a:latin typeface="Cambria Math" panose="02040503050406030204" pitchFamily="18" charset="0"/>
+                                  </a:rPr>
+                                  <m:t>0</m:t>
+                                </m:r>
+                              </m:e>
+                              <m:e>
+                                <m:r>
+                                  <a:rPr lang="en-US" b="0" i="1" smtClean="0">
+                                    <a:latin typeface="Cambria Math" panose="02040503050406030204" pitchFamily="18" charset="0"/>
+                                  </a:rPr>
+                                  <m:t>0</m:t>
+                                </m:r>
+                              </m:e>
+                            </m:eqArr>
+                          </m:e>
+                        </m:mr>
+                      </m:m>
+                    </m:oMath>
+                  </m:oMathPara>
+                </a14:m>
+                <a:endParaRPr lang="en-DE" dirty="0"/>
+              </a:p>
+            </p:txBody>
+          </p:sp>
+        </mc:Choice>
+        <mc:Fallback>
+          <p:sp>
+            <p:nvSpPr>
+              <p:cNvPr id="14" name="TextBox 13">
+                <a:extLst>
+                  <a:ext uri="{FF2B5EF4-FFF2-40B4-BE49-F238E27FC236}">
+                    <a16:creationId xmlns:a16="http://schemas.microsoft.com/office/drawing/2014/main" id="{785C52F4-7808-0F6B-D4BA-DC979C62352F}"/>
+                  </a:ext>
+                </a:extLst>
+              </p:cNvPr>
+              <p:cNvSpPr txBox="1">
+                <a:spLocks noRot="1" noChangeAspect="1" noMove="1" noResize="1" noEditPoints="1" noAdjustHandles="1" noChangeArrowheads="1" noChangeShapeType="1" noTextEdit="1"/>
+              </p:cNvSpPr>
+              <p:nvPr/>
+            </p:nvSpPr>
+            <p:spPr>
+              <a:xfrm>
+                <a:off x="103719" y="2462166"/>
+                <a:ext cx="1311722" cy="963662"/>
+              </a:xfrm>
+              <a:prstGeom prst="rect">
+                <a:avLst/>
+              </a:prstGeom>
+              <a:blipFill>
+                <a:blip r:embed="rId3"/>
+                <a:stretch>
+                  <a:fillRect b="-7792"/>
+                </a:stretch>
+              </a:blipFill>
+            </p:spPr>
+            <p:txBody>
+              <a:bodyPr/>
+              <a:lstStyle/>
+              <a:p>
+                <a:r>
+                  <a:rPr lang="en-DE">
+                    <a:noFill/>
+                  </a:rPr>
+                  <a:t> </a:t>
+                </a:r>
+              </a:p>
+            </p:txBody>
+          </p:sp>
+        </mc:Fallback>
+      </mc:AlternateContent>
+      <p:sp>
+        <p:nvSpPr>
+          <p:cNvPr id="16" name="Cube 15">
+            <a:extLst>
+              <a:ext uri="{FF2B5EF4-FFF2-40B4-BE49-F238E27FC236}">
+                <a16:creationId xmlns:a16="http://schemas.microsoft.com/office/drawing/2014/main" id="{A1FBC901-4E8E-E380-EAA3-CBC2990FB0A3}"/>
+              </a:ext>
+            </a:extLst>
+          </p:cNvPr>
+          <p:cNvSpPr/>
+          <p:nvPr/>
+        </p:nvSpPr>
+        <p:spPr>
+          <a:xfrm>
+            <a:off x="2746317" y="2462166"/>
+            <a:ext cx="454447" cy="1102066"/>
+          </a:xfrm>
+          <a:prstGeom prst="cube">
+            <a:avLst/>
+          </a:prstGeom>
+        </p:spPr>
+        <p:style>
+          <a:lnRef idx="2">
+            <a:schemeClr val="accent1">
+              <a:shade val="15000"/>
+            </a:schemeClr>
+          </a:lnRef>
+          <a:fillRef idx="1">
+            <a:schemeClr val="accent1"/>
+          </a:fillRef>
+          <a:effectRef idx="0">
+            <a:schemeClr val="accent1"/>
+          </a:effectRef>
+          <a:fontRef idx="minor">
+            <a:schemeClr val="lt1"/>
+          </a:fontRef>
+        </p:style>
+        <p:txBody>
+          <a:bodyPr rtlCol="0" anchor="ctr"/>
+          <a:lstStyle/>
+          <a:p>
+            <a:pPr algn="ctr"/>
+            <a:endParaRPr lang="en-DE"/>
+          </a:p>
+        </p:txBody>
+      </p:sp>
+      <p:sp>
+        <p:nvSpPr>
+          <p:cNvPr id="17" name="Cube 16">
+            <a:extLst>
+              <a:ext uri="{FF2B5EF4-FFF2-40B4-BE49-F238E27FC236}">
+                <a16:creationId xmlns:a16="http://schemas.microsoft.com/office/drawing/2014/main" id="{D3B9E69C-F0C2-B0A8-D117-3AD698E39154}"/>
+              </a:ext>
+            </a:extLst>
+          </p:cNvPr>
+          <p:cNvSpPr/>
+          <p:nvPr/>
+        </p:nvSpPr>
+        <p:spPr>
+          <a:xfrm>
+            <a:off x="3610612" y="2462166"/>
+            <a:ext cx="454447" cy="1102066"/>
+          </a:xfrm>
+          <a:prstGeom prst="cube">
+            <a:avLst/>
+          </a:prstGeom>
+        </p:spPr>
+        <p:style>
+          <a:lnRef idx="2">
+            <a:schemeClr val="accent1">
+              <a:shade val="15000"/>
+            </a:schemeClr>
+          </a:lnRef>
+          <a:fillRef idx="1">
+            <a:schemeClr val="accent1"/>
+          </a:fillRef>
+          <a:effectRef idx="0">
+            <a:schemeClr val="accent1"/>
+          </a:effectRef>
+          <a:fontRef idx="minor">
+            <a:schemeClr val="lt1"/>
+          </a:fontRef>
+        </p:style>
+        <p:txBody>
+          <a:bodyPr rtlCol="0" anchor="ctr"/>
+          <a:lstStyle/>
+          <a:p>
+            <a:pPr algn="ctr"/>
+            <a:endParaRPr lang="en-DE"/>
+          </a:p>
+        </p:txBody>
+      </p:sp>
+      <p:sp>
+        <p:nvSpPr>
+          <p:cNvPr id="19" name="TextBox 18">
+            <a:extLst>
+              <a:ext uri="{FF2B5EF4-FFF2-40B4-BE49-F238E27FC236}">
+                <a16:creationId xmlns:a16="http://schemas.microsoft.com/office/drawing/2014/main" id="{49250FB1-76A2-F3AF-6869-42C51F437004}"/>
+              </a:ext>
+            </a:extLst>
+          </p:cNvPr>
+          <p:cNvSpPr txBox="1"/>
+          <p:nvPr/>
+        </p:nvSpPr>
+        <p:spPr>
+          <a:xfrm>
+            <a:off x="1866355" y="1433284"/>
+            <a:ext cx="2555895" cy="369332"/>
+          </a:xfrm>
+          <a:prstGeom prst="rect">
+            <a:avLst/>
+          </a:prstGeom>
+          <a:noFill/>
+        </p:spPr>
+        <p:txBody>
+          <a:bodyPr wrap="square" rtlCol="0">
+            <a:spAutoFit/>
+          </a:bodyPr>
+          <a:lstStyle/>
+          <a:p>
+            <a:r>
+              <a:rPr lang="en-DE" dirty="0"/>
+              <a:t>Convolutional layers</a:t>
+            </a:r>
+          </a:p>
+        </p:txBody>
+      </p:sp>
+      <p:cxnSp>
+        <p:nvCxnSpPr>
+          <p:cNvPr id="22" name="Straight Arrow Connector 21">
+            <a:extLst>
+              <a:ext uri="{FF2B5EF4-FFF2-40B4-BE49-F238E27FC236}">
+                <a16:creationId xmlns:a16="http://schemas.microsoft.com/office/drawing/2014/main" id="{8E276EF7-A88C-0CE4-7240-34829F0C0A10}"/>
+              </a:ext>
+            </a:extLst>
+          </p:cNvPr>
+          <p:cNvCxnSpPr>
+            <a:cxnSpLocks/>
+          </p:cNvCxnSpPr>
+          <p:nvPr/>
+        </p:nvCxnSpPr>
+        <p:spPr>
+          <a:xfrm>
+            <a:off x="2279736" y="2943997"/>
+            <a:ext cx="316125" cy="0"/>
+          </a:xfrm>
+          <a:prstGeom prst="straightConnector1">
+            <a:avLst/>
+          </a:prstGeom>
+          <a:ln>
+            <a:tailEnd type="triangle"/>
+          </a:ln>
+        </p:spPr>
+        <p:style>
+          <a:lnRef idx="1">
+            <a:schemeClr val="accent1"/>
+          </a:lnRef>
+          <a:fillRef idx="0">
+            <a:schemeClr val="accent1"/>
+          </a:fillRef>
+          <a:effectRef idx="0">
+            <a:schemeClr val="accent1"/>
+          </a:effectRef>
+          <a:fontRef idx="minor">
+            <a:schemeClr val="tx1"/>
+          </a:fontRef>
+        </p:style>
+      </p:cxnSp>
+      <p:cxnSp>
+        <p:nvCxnSpPr>
+          <p:cNvPr id="24" name="Straight Arrow Connector 23">
+            <a:extLst>
+              <a:ext uri="{FF2B5EF4-FFF2-40B4-BE49-F238E27FC236}">
+                <a16:creationId xmlns:a16="http://schemas.microsoft.com/office/drawing/2014/main" id="{516D1FFD-61E0-FBFE-1B3E-54DAF1B9CC2E}"/>
+              </a:ext>
+            </a:extLst>
+          </p:cNvPr>
+          <p:cNvCxnSpPr>
+            <a:cxnSpLocks/>
+          </p:cNvCxnSpPr>
+          <p:nvPr/>
+        </p:nvCxnSpPr>
+        <p:spPr>
+          <a:xfrm>
+            <a:off x="3214033" y="2943997"/>
+            <a:ext cx="316125" cy="0"/>
+          </a:xfrm>
+          <a:prstGeom prst="straightConnector1">
+            <a:avLst/>
+          </a:prstGeom>
+          <a:ln>
+            <a:tailEnd type="triangle"/>
+          </a:ln>
+        </p:spPr>
+        <p:style>
+          <a:lnRef idx="1">
+            <a:schemeClr val="accent1"/>
+          </a:lnRef>
+          <a:fillRef idx="0">
+            <a:schemeClr val="accent1"/>
+          </a:fillRef>
+          <a:effectRef idx="0">
+            <a:schemeClr val="accent1"/>
+          </a:effectRef>
+          <a:fontRef idx="minor">
+            <a:schemeClr val="tx1"/>
+          </a:fontRef>
+        </p:style>
+      </p:cxnSp>
+      <p:cxnSp>
+        <p:nvCxnSpPr>
+          <p:cNvPr id="25" name="Straight Arrow Connector 24">
+            <a:extLst>
+              <a:ext uri="{FF2B5EF4-FFF2-40B4-BE49-F238E27FC236}">
+                <a16:creationId xmlns:a16="http://schemas.microsoft.com/office/drawing/2014/main" id="{E369E920-24CB-45E0-FB52-AB2089B74725}"/>
+              </a:ext>
+            </a:extLst>
+          </p:cNvPr>
+          <p:cNvCxnSpPr>
+            <a:cxnSpLocks/>
+          </p:cNvCxnSpPr>
+          <p:nvPr/>
+        </p:nvCxnSpPr>
+        <p:spPr>
+          <a:xfrm>
+            <a:off x="4121792" y="2943997"/>
+            <a:ext cx="316125" cy="0"/>
+          </a:xfrm>
+          <a:prstGeom prst="straightConnector1">
+            <a:avLst/>
+          </a:prstGeom>
+          <a:ln>
+            <a:tailEnd type="triangle"/>
+          </a:ln>
+        </p:spPr>
+        <p:style>
+          <a:lnRef idx="1">
+            <a:schemeClr val="accent1"/>
+          </a:lnRef>
+          <a:fillRef idx="0">
+            <a:schemeClr val="accent1"/>
+          </a:fillRef>
+          <a:effectRef idx="0">
+            <a:schemeClr val="accent1"/>
+          </a:effectRef>
+          <a:fontRef idx="minor">
+            <a:schemeClr val="tx1"/>
+          </a:fontRef>
+        </p:style>
+      </p:cxnSp>
+      <p:cxnSp>
+        <p:nvCxnSpPr>
+          <p:cNvPr id="27" name="Elbow Connector 26">
+            <a:extLst>
+              <a:ext uri="{FF2B5EF4-FFF2-40B4-BE49-F238E27FC236}">
+                <a16:creationId xmlns:a16="http://schemas.microsoft.com/office/drawing/2014/main" id="{2839DA2D-29D1-DA90-BE13-707AF89651E6}"/>
+              </a:ext>
+            </a:extLst>
+          </p:cNvPr>
+          <p:cNvCxnSpPr>
+            <a:cxnSpLocks/>
+          </p:cNvCxnSpPr>
+          <p:nvPr/>
+        </p:nvCxnSpPr>
+        <p:spPr>
+          <a:xfrm flipV="1">
+            <a:off x="3336959" y="3268898"/>
+            <a:ext cx="1212024" cy="495669"/>
+          </a:xfrm>
+          <a:prstGeom prst="bentConnector3">
+            <a:avLst>
+              <a:gd name="adj1" fmla="val 99607"/>
+            </a:avLst>
+          </a:prstGeom>
+          <a:ln>
+            <a:tailEnd type="triangle"/>
+          </a:ln>
+        </p:spPr>
+        <p:style>
+          <a:lnRef idx="1">
+            <a:schemeClr val="accent1"/>
+          </a:lnRef>
+          <a:fillRef idx="0">
+            <a:schemeClr val="accent1"/>
+          </a:fillRef>
+          <a:effectRef idx="0">
+            <a:schemeClr val="accent1"/>
+          </a:effectRef>
+          <a:fontRef idx="minor">
+            <a:schemeClr val="tx1"/>
+          </a:fontRef>
+        </p:style>
+      </p:cxnSp>
+      <p:sp>
+        <p:nvSpPr>
+          <p:cNvPr id="36" name="TextBox 35">
+            <a:extLst>
+              <a:ext uri="{FF2B5EF4-FFF2-40B4-BE49-F238E27FC236}">
+                <a16:creationId xmlns:a16="http://schemas.microsoft.com/office/drawing/2014/main" id="{F52742C2-BDDC-248B-1CA0-42EA7EB8BF90}"/>
+              </a:ext>
+            </a:extLst>
+          </p:cNvPr>
+          <p:cNvSpPr txBox="1"/>
+          <p:nvPr/>
+        </p:nvSpPr>
+        <p:spPr>
+          <a:xfrm>
+            <a:off x="2595861" y="1815835"/>
+            <a:ext cx="2555895" cy="646331"/>
+          </a:xfrm>
+          <a:prstGeom prst="rect">
+            <a:avLst/>
+          </a:prstGeom>
+          <a:noFill/>
+        </p:spPr>
+        <p:txBody>
+          <a:bodyPr wrap="square" rtlCol="0">
+            <a:spAutoFit/>
+          </a:bodyPr>
+          <a:lstStyle/>
+          <a:p>
+            <a:r>
+              <a:rPr lang="en-DE" dirty="0"/>
+              <a:t>Skipped connections + dilated </a:t>
+            </a:r>
+          </a:p>
+        </p:txBody>
+      </p:sp>
+      <p:sp>
+        <p:nvSpPr>
+          <p:cNvPr id="2" name="Cube 1">
+            <a:extLst>
+              <a:ext uri="{FF2B5EF4-FFF2-40B4-BE49-F238E27FC236}">
+                <a16:creationId xmlns:a16="http://schemas.microsoft.com/office/drawing/2014/main" id="{CB1B13BA-9D78-C4F7-BC18-17E20F0742CF}"/>
+              </a:ext>
+            </a:extLst>
+          </p:cNvPr>
+          <p:cNvSpPr/>
+          <p:nvPr/>
+        </p:nvSpPr>
+        <p:spPr>
+          <a:xfrm>
+            <a:off x="4755383" y="2462166"/>
+            <a:ext cx="454447" cy="1102066"/>
+          </a:xfrm>
+          <a:prstGeom prst="cube">
+            <a:avLst/>
+          </a:prstGeom>
+        </p:spPr>
+        <p:style>
+          <a:lnRef idx="2">
+            <a:schemeClr val="accent1">
+              <a:shade val="15000"/>
+            </a:schemeClr>
+          </a:lnRef>
+          <a:fillRef idx="1">
+            <a:schemeClr val="accent1"/>
+          </a:fillRef>
+          <a:effectRef idx="0">
+            <a:schemeClr val="accent1"/>
+          </a:effectRef>
+          <a:fontRef idx="minor">
+            <a:schemeClr val="lt1"/>
+          </a:fontRef>
+        </p:style>
+        <p:txBody>
+          <a:bodyPr rtlCol="0" anchor="ctr"/>
+          <a:lstStyle/>
+          <a:p>
+            <a:pPr algn="ctr"/>
+            <a:endParaRPr lang="en-DE"/>
+          </a:p>
+        </p:txBody>
+      </p:sp>
+      <p:sp>
+        <p:nvSpPr>
+          <p:cNvPr id="3" name="Rectangle 2">
+            <a:extLst>
+              <a:ext uri="{FF2B5EF4-FFF2-40B4-BE49-F238E27FC236}">
+                <a16:creationId xmlns:a16="http://schemas.microsoft.com/office/drawing/2014/main" id="{FDE3C065-CF84-D1F5-7C9B-DBFB465B534C}"/>
+              </a:ext>
+            </a:extLst>
+          </p:cNvPr>
+          <p:cNvSpPr/>
+          <p:nvPr/>
+        </p:nvSpPr>
+        <p:spPr>
+          <a:xfrm>
+            <a:off x="4957606" y="4224389"/>
+            <a:ext cx="1113394" cy="355506"/>
+          </a:xfrm>
+          <a:prstGeom prst="rect">
+            <a:avLst/>
+          </a:prstGeom>
+          <a:solidFill>
+            <a:schemeClr val="accent6"/>
+          </a:solidFill>
+        </p:spPr>
+        <p:style>
+          <a:lnRef idx="2">
+            <a:schemeClr val="accent1">
+              <a:shade val="15000"/>
+            </a:schemeClr>
+          </a:lnRef>
+          <a:fillRef idx="1">
+            <a:schemeClr val="accent1"/>
+          </a:fillRef>
+          <a:effectRef idx="0">
+            <a:schemeClr val="accent1"/>
+          </a:effectRef>
+          <a:fontRef idx="minor">
+            <a:schemeClr val="lt1"/>
+          </a:fontRef>
+        </p:style>
+        <p:txBody>
+          <a:bodyPr rtlCol="0" anchor="ctr"/>
+          <a:lstStyle/>
+          <a:p>
+            <a:pPr algn="ctr"/>
+            <a:r>
+              <a:rPr lang="en-GB" dirty="0"/>
+              <a:t>C</a:t>
+            </a:r>
+            <a:r>
+              <a:rPr lang="en-DE" dirty="0"/>
+              <a:t>ell type</a:t>
+            </a:r>
+          </a:p>
+        </p:txBody>
+      </p:sp>
+      <p:cxnSp>
+        <p:nvCxnSpPr>
+          <p:cNvPr id="6" name="Straight Arrow Connector 5">
+            <a:extLst>
+              <a:ext uri="{FF2B5EF4-FFF2-40B4-BE49-F238E27FC236}">
+                <a16:creationId xmlns:a16="http://schemas.microsoft.com/office/drawing/2014/main" id="{0B64F196-831B-54E7-4C42-F83199ABA9FE}"/>
+              </a:ext>
+            </a:extLst>
+          </p:cNvPr>
+          <p:cNvCxnSpPr>
+            <a:cxnSpLocks/>
+          </p:cNvCxnSpPr>
+          <p:nvPr/>
+        </p:nvCxnSpPr>
+        <p:spPr>
+          <a:xfrm>
+            <a:off x="5358395" y="2943997"/>
+            <a:ext cx="316125" cy="0"/>
+          </a:xfrm>
+          <a:prstGeom prst="straightConnector1">
+            <a:avLst/>
+          </a:prstGeom>
+          <a:ln>
+            <a:tailEnd type="triangle"/>
+          </a:ln>
+        </p:spPr>
+        <p:style>
+          <a:lnRef idx="1">
+            <a:schemeClr val="accent1"/>
+          </a:lnRef>
+          <a:fillRef idx="0">
+            <a:schemeClr val="accent1"/>
+          </a:fillRef>
+          <a:effectRef idx="0">
+            <a:schemeClr val="accent1"/>
+          </a:effectRef>
+          <a:fontRef idx="minor">
+            <a:schemeClr val="tx1"/>
+          </a:fontRef>
+        </p:style>
+      </p:cxnSp>
+      <p:cxnSp>
+        <p:nvCxnSpPr>
+          <p:cNvPr id="7" name="Elbow Connector 6">
+            <a:extLst>
+              <a:ext uri="{FF2B5EF4-FFF2-40B4-BE49-F238E27FC236}">
+                <a16:creationId xmlns:a16="http://schemas.microsoft.com/office/drawing/2014/main" id="{D9BA6394-B740-FEB5-0B6C-5D19E4069FE1}"/>
+              </a:ext>
+            </a:extLst>
+          </p:cNvPr>
+          <p:cNvCxnSpPr>
+            <a:cxnSpLocks/>
+          </p:cNvCxnSpPr>
+          <p:nvPr/>
+        </p:nvCxnSpPr>
+        <p:spPr>
+          <a:xfrm rot="5400000" flipH="1" flipV="1">
+            <a:off x="5325171" y="3458031"/>
+            <a:ext cx="797608" cy="419343"/>
+          </a:xfrm>
+          <a:prstGeom prst="bentConnector3">
+            <a:avLst>
+              <a:gd name="adj1" fmla="val 50000"/>
+            </a:avLst>
+          </a:prstGeom>
+          <a:ln>
+            <a:tailEnd type="triangle"/>
+          </a:ln>
+        </p:spPr>
+        <p:style>
+          <a:lnRef idx="1">
+            <a:schemeClr val="accent1"/>
+          </a:lnRef>
+          <a:fillRef idx="0">
+            <a:schemeClr val="accent1"/>
+          </a:fillRef>
+          <a:effectRef idx="0">
+            <a:schemeClr val="accent1"/>
+          </a:effectRef>
+          <a:fontRef idx="minor">
+            <a:schemeClr val="tx1"/>
+          </a:fontRef>
+        </p:style>
+      </p:cxnSp>
+      <p:sp>
+        <p:nvSpPr>
+          <p:cNvPr id="9" name="Cube 8">
+            <a:extLst>
+              <a:ext uri="{FF2B5EF4-FFF2-40B4-BE49-F238E27FC236}">
+                <a16:creationId xmlns:a16="http://schemas.microsoft.com/office/drawing/2014/main" id="{68086C44-9083-34DF-35B6-C8AD2470917E}"/>
+              </a:ext>
+            </a:extLst>
+          </p:cNvPr>
+          <p:cNvSpPr/>
+          <p:nvPr/>
+        </p:nvSpPr>
+        <p:spPr>
+          <a:xfrm>
+            <a:off x="6140047" y="2462166"/>
+            <a:ext cx="454447" cy="1102066"/>
+          </a:xfrm>
+          <a:prstGeom prst="cube">
+            <a:avLst/>
+          </a:prstGeom>
+        </p:spPr>
+        <p:style>
+          <a:lnRef idx="2">
+            <a:schemeClr val="accent1">
+              <a:shade val="15000"/>
+            </a:schemeClr>
+          </a:lnRef>
+          <a:fillRef idx="1">
+            <a:schemeClr val="accent1"/>
+          </a:fillRef>
+          <a:effectRef idx="0">
+            <a:schemeClr val="accent1"/>
+          </a:effectRef>
+          <a:fontRef idx="minor">
+            <a:schemeClr val="lt1"/>
+          </a:fontRef>
+        </p:style>
+        <p:txBody>
+          <a:bodyPr rtlCol="0" anchor="ctr"/>
+          <a:lstStyle/>
+          <a:p>
+            <a:pPr algn="ctr"/>
+            <a:endParaRPr lang="en-DE"/>
+          </a:p>
+        </p:txBody>
+      </p:sp>
+      <p:sp>
+        <p:nvSpPr>
+          <p:cNvPr id="11" name="TextBox 10">
+            <a:extLst>
+              <a:ext uri="{FF2B5EF4-FFF2-40B4-BE49-F238E27FC236}">
+                <a16:creationId xmlns:a16="http://schemas.microsoft.com/office/drawing/2014/main" id="{029D1175-728E-8465-5ECF-F7F945045A6D}"/>
+              </a:ext>
+            </a:extLst>
+          </p:cNvPr>
+          <p:cNvSpPr txBox="1"/>
+          <p:nvPr/>
+        </p:nvSpPr>
+        <p:spPr>
+          <a:xfrm>
+            <a:off x="257103" y="3667702"/>
+            <a:ext cx="2180695" cy="307777"/>
+          </a:xfrm>
+          <a:prstGeom prst="rect">
+            <a:avLst/>
+          </a:prstGeom>
+          <a:noFill/>
+        </p:spPr>
+        <p:txBody>
+          <a:bodyPr wrap="square" rtlCol="0">
+            <a:spAutoFit/>
+          </a:bodyPr>
+          <a:lstStyle/>
+          <a:p>
+            <a:r>
+              <a:rPr lang="en-GB" sz="1400" dirty="0"/>
+              <a:t>B</a:t>
+            </a:r>
+            <a:r>
+              <a:rPr lang="en-DE" sz="1400" dirty="0"/>
+              <a:t>atch, seq-len,4</a:t>
+            </a:r>
+          </a:p>
+        </p:txBody>
+      </p:sp>
+      <p:sp>
+        <p:nvSpPr>
+          <p:cNvPr id="12" name="TextBox 11">
+            <a:extLst>
+              <a:ext uri="{FF2B5EF4-FFF2-40B4-BE49-F238E27FC236}">
+                <a16:creationId xmlns:a16="http://schemas.microsoft.com/office/drawing/2014/main" id="{07BE8A94-7D29-14DA-5490-E34DCA767424}"/>
+              </a:ext>
+            </a:extLst>
+          </p:cNvPr>
+          <p:cNvSpPr txBox="1"/>
+          <p:nvPr/>
+        </p:nvSpPr>
+        <p:spPr>
+          <a:xfrm>
+            <a:off x="2000426" y="3837671"/>
+            <a:ext cx="3163084" cy="307777"/>
+          </a:xfrm>
+          <a:prstGeom prst="rect">
+            <a:avLst/>
+          </a:prstGeom>
+          <a:noFill/>
+        </p:spPr>
+        <p:txBody>
+          <a:bodyPr wrap="square" rtlCol="0">
+            <a:spAutoFit/>
+          </a:bodyPr>
+          <a:lstStyle/>
+          <a:p>
+            <a:r>
+              <a:rPr lang="en-GB" sz="1400" dirty="0"/>
+              <a:t>B</a:t>
+            </a:r>
+            <a:r>
+              <a:rPr lang="en-DE" sz="1400" dirty="0"/>
+              <a:t>atch, seq-len_crop, nb_filters</a:t>
+            </a:r>
+          </a:p>
+        </p:txBody>
+      </p:sp>
+      <p:sp>
+        <p:nvSpPr>
+          <p:cNvPr id="13" name="TextBox 12">
+            <a:extLst>
+              <a:ext uri="{FF2B5EF4-FFF2-40B4-BE49-F238E27FC236}">
+                <a16:creationId xmlns:a16="http://schemas.microsoft.com/office/drawing/2014/main" id="{BF856960-5CB1-9D00-4E23-35C779F9B3E0}"/>
+              </a:ext>
+            </a:extLst>
+          </p:cNvPr>
+          <p:cNvSpPr txBox="1"/>
+          <p:nvPr/>
+        </p:nvSpPr>
+        <p:spPr>
+          <a:xfrm>
+            <a:off x="4785728" y="4658836"/>
+            <a:ext cx="3163084" cy="307777"/>
+          </a:xfrm>
+          <a:prstGeom prst="rect">
+            <a:avLst/>
+          </a:prstGeom>
+          <a:noFill/>
+        </p:spPr>
+        <p:txBody>
+          <a:bodyPr wrap="square" rtlCol="0">
+            <a:spAutoFit/>
+          </a:bodyPr>
+          <a:lstStyle/>
+          <a:p>
+            <a:r>
+              <a:rPr lang="en-GB" sz="1400" dirty="0"/>
+              <a:t>B</a:t>
+            </a:r>
+            <a:r>
+              <a:rPr lang="en-DE" sz="1400" dirty="0"/>
+              <a:t>atch, nb_cell_type</a:t>
+            </a:r>
+          </a:p>
+        </p:txBody>
+      </p:sp>
+      <p:sp>
+        <p:nvSpPr>
+          <p:cNvPr id="15" name="TextBox 14">
+            <a:extLst>
+              <a:ext uri="{FF2B5EF4-FFF2-40B4-BE49-F238E27FC236}">
+                <a16:creationId xmlns:a16="http://schemas.microsoft.com/office/drawing/2014/main" id="{26D6BB1E-64A3-7B12-6396-4DF6F01CA870}"/>
+              </a:ext>
+            </a:extLst>
+          </p:cNvPr>
+          <p:cNvSpPr txBox="1"/>
+          <p:nvPr/>
+        </p:nvSpPr>
+        <p:spPr>
+          <a:xfrm>
+            <a:off x="7574421" y="2333980"/>
+            <a:ext cx="2555895" cy="1200329"/>
+          </a:xfrm>
+          <a:prstGeom prst="rect">
+            <a:avLst/>
+          </a:prstGeom>
+          <a:noFill/>
+        </p:spPr>
+        <p:txBody>
+          <a:bodyPr wrap="square" rtlCol="0">
+            <a:spAutoFit/>
+          </a:bodyPr>
+          <a:lstStyle/>
+          <a:p>
+            <a:r>
+              <a:rPr lang="en-DE" dirty="0">
+                <a:solidFill>
+                  <a:srgbClr val="FF0000"/>
+                </a:solidFill>
+              </a:rPr>
+              <a:t>Dense layer or CNN here? Need covolution if we want to predic tATAC track as BPNet</a:t>
+            </a:r>
+          </a:p>
+        </p:txBody>
+      </p:sp>
+      <p:cxnSp>
+        <p:nvCxnSpPr>
+          <p:cNvPr id="18" name="Straight Arrow Connector 17">
+            <a:extLst>
+              <a:ext uri="{FF2B5EF4-FFF2-40B4-BE49-F238E27FC236}">
+                <a16:creationId xmlns:a16="http://schemas.microsoft.com/office/drawing/2014/main" id="{901C41E9-7A3C-BCC9-635E-BB4D58A0C10D}"/>
+              </a:ext>
+            </a:extLst>
+          </p:cNvPr>
+          <p:cNvCxnSpPr>
+            <a:cxnSpLocks/>
+          </p:cNvCxnSpPr>
+          <p:nvPr/>
+        </p:nvCxnSpPr>
+        <p:spPr>
+          <a:xfrm>
+            <a:off x="6882395" y="2916194"/>
+            <a:ext cx="316125" cy="0"/>
+          </a:xfrm>
+          <a:prstGeom prst="straightConnector1">
+            <a:avLst/>
+          </a:prstGeom>
+          <a:ln>
+            <a:tailEnd type="triangle"/>
+          </a:ln>
+        </p:spPr>
+        <p:style>
+          <a:lnRef idx="1">
+            <a:schemeClr val="accent1"/>
+          </a:lnRef>
+          <a:fillRef idx="0">
+            <a:schemeClr val="accent1"/>
+          </a:fillRef>
+          <a:effectRef idx="0">
+            <a:schemeClr val="accent1"/>
+          </a:effectRef>
+          <a:fontRef idx="minor">
+            <a:schemeClr val="tx1"/>
+          </a:fontRef>
+        </p:style>
+      </p:cxnSp>
+      <p:sp>
+        <p:nvSpPr>
+          <p:cNvPr id="20" name="TextBox 19">
+            <a:extLst>
+              <a:ext uri="{FF2B5EF4-FFF2-40B4-BE49-F238E27FC236}">
+                <a16:creationId xmlns:a16="http://schemas.microsoft.com/office/drawing/2014/main" id="{F7F6837C-D0F4-A09D-6DA1-5F7D074A0C68}"/>
+              </a:ext>
+            </a:extLst>
+          </p:cNvPr>
+          <p:cNvSpPr txBox="1"/>
+          <p:nvPr/>
+        </p:nvSpPr>
+        <p:spPr>
+          <a:xfrm>
+            <a:off x="5366257" y="1411058"/>
+            <a:ext cx="2555895" cy="923330"/>
+          </a:xfrm>
+          <a:prstGeom prst="rect">
+            <a:avLst/>
+          </a:prstGeom>
+          <a:noFill/>
+        </p:spPr>
+        <p:txBody>
+          <a:bodyPr wrap="square" rtlCol="0">
+            <a:spAutoFit/>
+          </a:bodyPr>
+          <a:lstStyle/>
+          <a:p>
+            <a:r>
+              <a:rPr lang="en-DE" dirty="0">
+                <a:solidFill>
+                  <a:srgbClr val="FF0000"/>
+                </a:solidFill>
+              </a:rPr>
+              <a:t>How to merge representation + encoded cell type?</a:t>
+            </a:r>
+          </a:p>
+        </p:txBody>
+      </p:sp>
+    </p:spTree>
+    <p:extLst>
+      <p:ext uri="{BB962C8B-B14F-4D97-AF65-F5344CB8AC3E}">
+        <p14:creationId xmlns:p14="http://schemas.microsoft.com/office/powerpoint/2010/main" val="4246763885"/>
+      </p:ext>
+    </p:extLst>
+  </p:cSld>
+  <p:clrMapOvr>
+    <a:masterClrMapping/>
+  </p:clrMapOvr>
+</p:sld>
+</file>
+
+<file path=ppt/slides/slide18.xml><?xml version="1.0" encoding="utf-8"?>
+<p:sld xmlns:a="http://schemas.openxmlformats.org/drawingml/2006/main" xmlns:r="http://schemas.openxmlformats.org/officeDocument/2006/relationships" xmlns:p="http://schemas.openxmlformats.org/presentationml/2006/main">
+  <p:cSld>
+    <p:spTree>
+      <p:nvGrpSpPr>
+        <p:cNvPr id="1" name=""/>
+        <p:cNvGrpSpPr/>
+        <p:nvPr/>
+      </p:nvGrpSpPr>
+      <p:grpSpPr>
+        <a:xfrm>
+          <a:off x="0" y="0"/>
+          <a:ext cx="0" cy="0"/>
+          <a:chOff x="0" y="0"/>
+          <a:chExt cx="0" cy="0"/>
+        </a:xfrm>
+      </p:grpSpPr>
+      <p:sp>
+        <p:nvSpPr>
+          <p:cNvPr id="4" name="TextBox 3">
+            <a:extLst>
+              <a:ext uri="{FF2B5EF4-FFF2-40B4-BE49-F238E27FC236}">
+                <a16:creationId xmlns:a16="http://schemas.microsoft.com/office/drawing/2014/main" id="{F0CDDAFA-E6FF-AD5B-FC69-69C4B4E68806}"/>
+              </a:ext>
+            </a:extLst>
+          </p:cNvPr>
+          <p:cNvSpPr txBox="1"/>
+          <p:nvPr/>
+        </p:nvSpPr>
+        <p:spPr>
+          <a:xfrm>
+            <a:off x="5525574" y="164863"/>
+            <a:ext cx="4562772" cy="646331"/>
+          </a:xfrm>
+          <a:prstGeom prst="rect">
+            <a:avLst/>
+          </a:prstGeom>
+          <a:noFill/>
+        </p:spPr>
+        <p:txBody>
+          <a:bodyPr wrap="square" rtlCol="0">
+            <a:spAutoFit/>
+          </a:bodyPr>
+          <a:lstStyle/>
+          <a:p>
+            <a:r>
+              <a:rPr lang="en-DE" dirty="0"/>
+              <a:t>Model</a:t>
+            </a:r>
+          </a:p>
+          <a:p>
+            <a:endParaRPr lang="en-DE" dirty="0"/>
+          </a:p>
+        </p:txBody>
+      </p:sp>
+      <p:sp>
+        <p:nvSpPr>
+          <p:cNvPr id="5" name="TextBox 4">
+            <a:extLst>
+              <a:ext uri="{FF2B5EF4-FFF2-40B4-BE49-F238E27FC236}">
+                <a16:creationId xmlns:a16="http://schemas.microsoft.com/office/drawing/2014/main" id="{80D2C272-2235-54D0-4BA2-9417643C7292}"/>
+              </a:ext>
+            </a:extLst>
+          </p:cNvPr>
+          <p:cNvSpPr txBox="1"/>
+          <p:nvPr/>
+        </p:nvSpPr>
+        <p:spPr>
+          <a:xfrm>
+            <a:off x="267189" y="3564232"/>
+            <a:ext cx="2555895" cy="369332"/>
+          </a:xfrm>
+          <a:prstGeom prst="rect">
+            <a:avLst/>
+          </a:prstGeom>
+          <a:noFill/>
+        </p:spPr>
+        <p:txBody>
+          <a:bodyPr wrap="square" rtlCol="0">
+            <a:spAutoFit/>
+          </a:bodyPr>
+          <a:lstStyle/>
+          <a:p>
+            <a:r>
+              <a:rPr lang="en-DE" dirty="0"/>
+              <a:t>Sequence</a:t>
+            </a:r>
+          </a:p>
+        </p:txBody>
+      </p:sp>
+      <p:sp>
+        <p:nvSpPr>
+          <p:cNvPr id="10" name="Cube 9">
+            <a:extLst>
+              <a:ext uri="{FF2B5EF4-FFF2-40B4-BE49-F238E27FC236}">
+                <a16:creationId xmlns:a16="http://schemas.microsoft.com/office/drawing/2014/main" id="{7E182724-5EFB-1689-32BA-DE66E77EE034}"/>
+              </a:ext>
+            </a:extLst>
+          </p:cNvPr>
+          <p:cNvSpPr/>
+          <p:nvPr/>
+        </p:nvSpPr>
+        <p:spPr>
+          <a:xfrm>
+            <a:off x="1825289" y="2462166"/>
+            <a:ext cx="454447" cy="1102066"/>
+          </a:xfrm>
+          <a:prstGeom prst="cube">
+            <a:avLst/>
+          </a:prstGeom>
+        </p:spPr>
+        <p:style>
+          <a:lnRef idx="2">
+            <a:schemeClr val="accent1">
+              <a:shade val="15000"/>
+            </a:schemeClr>
+          </a:lnRef>
+          <a:fillRef idx="1">
+            <a:schemeClr val="accent1"/>
+          </a:fillRef>
+          <a:effectRef idx="0">
+            <a:schemeClr val="accent1"/>
+          </a:effectRef>
+          <a:fontRef idx="minor">
+            <a:schemeClr val="lt1"/>
+          </a:fontRef>
+        </p:style>
+        <p:txBody>
+          <a:bodyPr rtlCol="0" anchor="ctr"/>
+          <a:lstStyle/>
+          <a:p>
+            <a:pPr algn="ctr"/>
+            <a:endParaRPr lang="en-DE"/>
+          </a:p>
+        </p:txBody>
+      </p:sp>
+      <mc:AlternateContent xmlns:mc="http://schemas.openxmlformats.org/markup-compatibility/2006">
+        <mc:Choice xmlns:a14="http://schemas.microsoft.com/office/drawing/2010/main" Requires="a14">
+          <p:sp>
+            <p:nvSpPr>
+              <p:cNvPr id="14" name="TextBox 13">
+                <a:extLst>
+                  <a:ext uri="{FF2B5EF4-FFF2-40B4-BE49-F238E27FC236}">
+                    <a16:creationId xmlns:a16="http://schemas.microsoft.com/office/drawing/2014/main" id="{785C52F4-7808-0F6B-D4BA-DC979C62352F}"/>
+                  </a:ext>
+                </a:extLst>
+              </p:cNvPr>
+              <p:cNvSpPr txBox="1"/>
+              <p:nvPr/>
+            </p:nvSpPr>
+            <p:spPr>
+              <a:xfrm>
+                <a:off x="103719" y="2462166"/>
+                <a:ext cx="1311722" cy="963662"/>
+              </a:xfrm>
+              <a:prstGeom prst="rect">
+                <a:avLst/>
+              </a:prstGeom>
+              <a:noFill/>
+            </p:spPr>
+            <p:txBody>
+              <a:bodyPr wrap="square" lIns="0" tIns="0" rIns="0" bIns="0" rtlCol="0">
+                <a:spAutoFit/>
+              </a:bodyPr>
+              <a:lstStyle/>
+              <a:p>
+                <a:pPr/>
+                <a14:m>
+                  <m:oMathPara xmlns:m="http://schemas.openxmlformats.org/officeDocument/2006/math">
+                    <m:oMathParaPr>
+                      <m:jc m:val="centerGroup"/>
+                    </m:oMathParaPr>
+                    <m:oMath xmlns:m="http://schemas.openxmlformats.org/officeDocument/2006/math">
+                      <m:m>
+                        <m:mPr>
+                          <m:mcs>
+                            <m:mc>
+                              <m:mcPr>
+                                <m:count m:val="3"/>
+                                <m:mcJc m:val="center"/>
+                              </m:mcPr>
+                            </m:mc>
+                          </m:mcs>
+                          <m:ctrlPr>
+                            <a:rPr lang="en-DE" i="1" smtClean="0">
+                              <a:latin typeface="Cambria Math" panose="02040503050406030204" pitchFamily="18" charset="0"/>
+                            </a:rPr>
+                          </m:ctrlPr>
+                        </m:mPr>
+                        <m:mr>
+                          <m:e>
+                            <m:r>
+                              <m:rPr>
+                                <m:brk m:alnAt="7"/>
+                              </m:rPr>
+                              <a:rPr lang="en-US" b="0" i="1" smtClean="0">
+                                <a:latin typeface="Cambria Math" panose="02040503050406030204" pitchFamily="18" charset="0"/>
+                              </a:rPr>
+                              <m:t>1</m:t>
+                            </m:r>
+                          </m:e>
+                          <m:e>
+                            <m:r>
+                              <a:rPr lang="en-US" b="0" i="1" smtClean="0">
+                                <a:latin typeface="Cambria Math" panose="02040503050406030204" pitchFamily="18" charset="0"/>
+                              </a:rPr>
+                              <m:t>0</m:t>
+                            </m:r>
+                          </m:e>
+                          <m:e>
+                            <m:r>
+                              <a:rPr lang="en-US" b="0" i="1" smtClean="0">
+                                <a:latin typeface="Cambria Math" panose="02040503050406030204" pitchFamily="18" charset="0"/>
+                              </a:rPr>
+                              <m:t>1</m:t>
+                            </m:r>
+                          </m:e>
+                        </m:mr>
+                        <m:mr>
+                          <m:e>
+                            <m:r>
+                              <a:rPr lang="en-US" b="0" i="1" smtClean="0">
+                                <a:latin typeface="Cambria Math" panose="02040503050406030204" pitchFamily="18" charset="0"/>
+                              </a:rPr>
+                              <m:t>0</m:t>
+                            </m:r>
+                          </m:e>
+                          <m:e>
+                            <m:r>
+                              <a:rPr lang="en-US" b="0" i="1" smtClean="0">
+                                <a:latin typeface="Cambria Math" panose="02040503050406030204" pitchFamily="18" charset="0"/>
+                              </a:rPr>
+                              <m:t>0</m:t>
+                            </m:r>
+                          </m:e>
+                          <m:e>
+                            <m:r>
+                              <a:rPr lang="en-US" b="0" i="1" smtClean="0">
+                                <a:latin typeface="Cambria Math" panose="02040503050406030204" pitchFamily="18" charset="0"/>
+                              </a:rPr>
+                              <m:t>0</m:t>
+                            </m:r>
+                          </m:e>
+                        </m:mr>
+                        <m:mr>
+                          <m:e>
+                            <m:eqArr>
+                              <m:eqArrPr>
+                                <m:ctrlPr>
+                                  <a:rPr lang="en-DE" i="1" smtClean="0">
+                                    <a:latin typeface="Cambria Math" panose="02040503050406030204" pitchFamily="18" charset="0"/>
+                                  </a:rPr>
+                                </m:ctrlPr>
+                              </m:eqArrPr>
+                              <m:e>
+                                <m:r>
+                                  <a:rPr lang="en-US" b="0" i="1" smtClean="0">
+                                    <a:latin typeface="Cambria Math" panose="02040503050406030204" pitchFamily="18" charset="0"/>
+                                  </a:rPr>
+                                  <m:t>0</m:t>
+                                </m:r>
+                              </m:e>
+                              <m:e>
+                                <m:r>
+                                  <a:rPr lang="en-US" b="0" i="1" smtClean="0">
+                                    <a:latin typeface="Cambria Math" panose="02040503050406030204" pitchFamily="18" charset="0"/>
+                                  </a:rPr>
+                                  <m:t>0</m:t>
+                                </m:r>
+                              </m:e>
+                            </m:eqArr>
+                          </m:e>
+                          <m:e>
+                            <m:eqArr>
+                              <m:eqArrPr>
+                                <m:ctrlPr>
+                                  <a:rPr lang="en-DE" i="1" smtClean="0">
+                                    <a:latin typeface="Cambria Math" panose="02040503050406030204" pitchFamily="18" charset="0"/>
+                                  </a:rPr>
+                                </m:ctrlPr>
+                              </m:eqArrPr>
+                              <m:e>
+                                <m:r>
+                                  <a:rPr lang="en-US" b="0" i="1" smtClean="0">
+                                    <a:latin typeface="Cambria Math" panose="02040503050406030204" pitchFamily="18" charset="0"/>
+                                  </a:rPr>
+                                  <m:t>1</m:t>
+                                </m:r>
+                              </m:e>
+                              <m:e>
+                                <m:r>
+                                  <a:rPr lang="en-US" b="0" i="1" smtClean="0">
+                                    <a:latin typeface="Cambria Math" panose="02040503050406030204" pitchFamily="18" charset="0"/>
+                                  </a:rPr>
+                                  <m:t>0</m:t>
+                                </m:r>
+                              </m:e>
+                            </m:eqArr>
+                          </m:e>
+                          <m:e>
+                            <m:eqArr>
+                              <m:eqArrPr>
+                                <m:ctrlPr>
+                                  <a:rPr lang="en-DE" i="1" smtClean="0">
+                                    <a:latin typeface="Cambria Math" panose="02040503050406030204" pitchFamily="18" charset="0"/>
+                                  </a:rPr>
+                                </m:ctrlPr>
+                              </m:eqArrPr>
+                              <m:e>
+                                <m:r>
+                                  <a:rPr lang="en-US" b="0" i="1" smtClean="0">
+                                    <a:latin typeface="Cambria Math" panose="02040503050406030204" pitchFamily="18" charset="0"/>
+                                  </a:rPr>
+                                  <m:t>0</m:t>
+                                </m:r>
+                              </m:e>
+                              <m:e>
+                                <m:r>
+                                  <a:rPr lang="en-US" b="0" i="1" smtClean="0">
+                                    <a:latin typeface="Cambria Math" panose="02040503050406030204" pitchFamily="18" charset="0"/>
+                                  </a:rPr>
+                                  <m:t>0</m:t>
+                                </m:r>
+                              </m:e>
+                            </m:eqArr>
+                          </m:e>
+                        </m:mr>
+                      </m:m>
+                    </m:oMath>
+                  </m:oMathPara>
+                </a14:m>
+                <a:endParaRPr lang="en-DE" dirty="0"/>
+              </a:p>
+            </p:txBody>
+          </p:sp>
+        </mc:Choice>
+        <mc:Fallback>
+          <p:sp>
+            <p:nvSpPr>
+              <p:cNvPr id="14" name="TextBox 13">
+                <a:extLst>
+                  <a:ext uri="{FF2B5EF4-FFF2-40B4-BE49-F238E27FC236}">
+                    <a16:creationId xmlns:a16="http://schemas.microsoft.com/office/drawing/2014/main" id="{785C52F4-7808-0F6B-D4BA-DC979C62352F}"/>
+                  </a:ext>
+                </a:extLst>
+              </p:cNvPr>
+              <p:cNvSpPr txBox="1">
+                <a:spLocks noRot="1" noChangeAspect="1" noMove="1" noResize="1" noEditPoints="1" noAdjustHandles="1" noChangeArrowheads="1" noChangeShapeType="1" noTextEdit="1"/>
+              </p:cNvSpPr>
+              <p:nvPr/>
+            </p:nvSpPr>
+            <p:spPr>
+              <a:xfrm>
+                <a:off x="103719" y="2462166"/>
+                <a:ext cx="1311722" cy="963662"/>
+              </a:xfrm>
+              <a:prstGeom prst="rect">
+                <a:avLst/>
+              </a:prstGeom>
+              <a:blipFill>
+                <a:blip r:embed="rId3"/>
+                <a:stretch>
+                  <a:fillRect b="-7792"/>
+                </a:stretch>
+              </a:blipFill>
+            </p:spPr>
+            <p:txBody>
+              <a:bodyPr/>
+              <a:lstStyle/>
+              <a:p>
+                <a:r>
+                  <a:rPr lang="en-DE">
+                    <a:noFill/>
+                  </a:rPr>
+                  <a:t> </a:t>
+                </a:r>
+              </a:p>
+            </p:txBody>
+          </p:sp>
+        </mc:Fallback>
+      </mc:AlternateContent>
+      <p:sp>
+        <p:nvSpPr>
+          <p:cNvPr id="16" name="Cube 15">
+            <a:extLst>
+              <a:ext uri="{FF2B5EF4-FFF2-40B4-BE49-F238E27FC236}">
+                <a16:creationId xmlns:a16="http://schemas.microsoft.com/office/drawing/2014/main" id="{A1FBC901-4E8E-E380-EAA3-CBC2990FB0A3}"/>
+              </a:ext>
+            </a:extLst>
+          </p:cNvPr>
+          <p:cNvSpPr/>
+          <p:nvPr/>
+        </p:nvSpPr>
+        <p:spPr>
+          <a:xfrm>
+            <a:off x="2746317" y="2462166"/>
+            <a:ext cx="454447" cy="1102066"/>
+          </a:xfrm>
+          <a:prstGeom prst="cube">
+            <a:avLst/>
+          </a:prstGeom>
+        </p:spPr>
+        <p:style>
+          <a:lnRef idx="2">
+            <a:schemeClr val="accent1">
+              <a:shade val="15000"/>
+            </a:schemeClr>
+          </a:lnRef>
+          <a:fillRef idx="1">
+            <a:schemeClr val="accent1"/>
+          </a:fillRef>
+          <a:effectRef idx="0">
+            <a:schemeClr val="accent1"/>
+          </a:effectRef>
+          <a:fontRef idx="minor">
+            <a:schemeClr val="lt1"/>
+          </a:fontRef>
+        </p:style>
+        <p:txBody>
+          <a:bodyPr rtlCol="0" anchor="ctr"/>
+          <a:lstStyle/>
+          <a:p>
+            <a:pPr algn="ctr"/>
+            <a:endParaRPr lang="en-DE"/>
+          </a:p>
+        </p:txBody>
+      </p:sp>
+      <p:sp>
+        <p:nvSpPr>
+          <p:cNvPr id="17" name="Cube 16">
+            <a:extLst>
+              <a:ext uri="{FF2B5EF4-FFF2-40B4-BE49-F238E27FC236}">
+                <a16:creationId xmlns:a16="http://schemas.microsoft.com/office/drawing/2014/main" id="{D3B9E69C-F0C2-B0A8-D117-3AD698E39154}"/>
+              </a:ext>
+            </a:extLst>
+          </p:cNvPr>
+          <p:cNvSpPr/>
+          <p:nvPr/>
+        </p:nvSpPr>
+        <p:spPr>
+          <a:xfrm>
+            <a:off x="3610612" y="2462166"/>
+            <a:ext cx="454447" cy="1102066"/>
+          </a:xfrm>
+          <a:prstGeom prst="cube">
+            <a:avLst/>
+          </a:prstGeom>
+        </p:spPr>
+        <p:style>
+          <a:lnRef idx="2">
+            <a:schemeClr val="accent1">
+              <a:shade val="15000"/>
+            </a:schemeClr>
+          </a:lnRef>
+          <a:fillRef idx="1">
+            <a:schemeClr val="accent1"/>
+          </a:fillRef>
+          <a:effectRef idx="0">
+            <a:schemeClr val="accent1"/>
+          </a:effectRef>
+          <a:fontRef idx="minor">
+            <a:schemeClr val="lt1"/>
+          </a:fontRef>
+        </p:style>
+        <p:txBody>
+          <a:bodyPr rtlCol="0" anchor="ctr"/>
+          <a:lstStyle/>
+          <a:p>
+            <a:pPr algn="ctr"/>
+            <a:endParaRPr lang="en-DE"/>
+          </a:p>
+        </p:txBody>
+      </p:sp>
+      <p:sp>
+        <p:nvSpPr>
+          <p:cNvPr id="19" name="TextBox 18">
+            <a:extLst>
+              <a:ext uri="{FF2B5EF4-FFF2-40B4-BE49-F238E27FC236}">
+                <a16:creationId xmlns:a16="http://schemas.microsoft.com/office/drawing/2014/main" id="{49250FB1-76A2-F3AF-6869-42C51F437004}"/>
+              </a:ext>
+            </a:extLst>
+          </p:cNvPr>
+          <p:cNvSpPr txBox="1"/>
+          <p:nvPr/>
+        </p:nvSpPr>
+        <p:spPr>
+          <a:xfrm>
+            <a:off x="1825289" y="1847686"/>
+            <a:ext cx="2555895" cy="369332"/>
+          </a:xfrm>
+          <a:prstGeom prst="rect">
+            <a:avLst/>
+          </a:prstGeom>
+          <a:noFill/>
+        </p:spPr>
+        <p:txBody>
+          <a:bodyPr wrap="square" rtlCol="0">
+            <a:spAutoFit/>
+          </a:bodyPr>
+          <a:lstStyle/>
+          <a:p>
+            <a:r>
+              <a:rPr lang="en-DE" dirty="0"/>
+              <a:t>Convolutional layers</a:t>
+            </a:r>
+          </a:p>
+        </p:txBody>
+      </p:sp>
+      <p:cxnSp>
+        <p:nvCxnSpPr>
+          <p:cNvPr id="22" name="Straight Arrow Connector 21">
+            <a:extLst>
+              <a:ext uri="{FF2B5EF4-FFF2-40B4-BE49-F238E27FC236}">
+                <a16:creationId xmlns:a16="http://schemas.microsoft.com/office/drawing/2014/main" id="{8E276EF7-A88C-0CE4-7240-34829F0C0A10}"/>
+              </a:ext>
+            </a:extLst>
+          </p:cNvPr>
+          <p:cNvCxnSpPr>
+            <a:cxnSpLocks/>
+          </p:cNvCxnSpPr>
+          <p:nvPr/>
+        </p:nvCxnSpPr>
+        <p:spPr>
+          <a:xfrm>
+            <a:off x="2279736" y="2943997"/>
+            <a:ext cx="316125" cy="0"/>
+          </a:xfrm>
+          <a:prstGeom prst="straightConnector1">
+            <a:avLst/>
+          </a:prstGeom>
+          <a:ln>
+            <a:tailEnd type="triangle"/>
+          </a:ln>
+        </p:spPr>
+        <p:style>
+          <a:lnRef idx="1">
+            <a:schemeClr val="accent1"/>
+          </a:lnRef>
+          <a:fillRef idx="0">
+            <a:schemeClr val="accent1"/>
+          </a:fillRef>
+          <a:effectRef idx="0">
+            <a:schemeClr val="accent1"/>
+          </a:effectRef>
+          <a:fontRef idx="minor">
+            <a:schemeClr val="tx1"/>
+          </a:fontRef>
+        </p:style>
+      </p:cxnSp>
+      <p:cxnSp>
+        <p:nvCxnSpPr>
+          <p:cNvPr id="24" name="Straight Arrow Connector 23">
+            <a:extLst>
+              <a:ext uri="{FF2B5EF4-FFF2-40B4-BE49-F238E27FC236}">
+                <a16:creationId xmlns:a16="http://schemas.microsoft.com/office/drawing/2014/main" id="{516D1FFD-61E0-FBFE-1B3E-54DAF1B9CC2E}"/>
+              </a:ext>
+            </a:extLst>
+          </p:cNvPr>
+          <p:cNvCxnSpPr>
+            <a:cxnSpLocks/>
+          </p:cNvCxnSpPr>
+          <p:nvPr/>
+        </p:nvCxnSpPr>
+        <p:spPr>
+          <a:xfrm>
+            <a:off x="3214033" y="2943997"/>
+            <a:ext cx="316125" cy="0"/>
+          </a:xfrm>
+          <a:prstGeom prst="straightConnector1">
+            <a:avLst/>
+          </a:prstGeom>
+          <a:ln>
+            <a:tailEnd type="triangle"/>
+          </a:ln>
+        </p:spPr>
+        <p:style>
+          <a:lnRef idx="1">
+            <a:schemeClr val="accent1"/>
+          </a:lnRef>
+          <a:fillRef idx="0">
+            <a:schemeClr val="accent1"/>
+          </a:fillRef>
+          <a:effectRef idx="0">
+            <a:schemeClr val="accent1"/>
+          </a:effectRef>
+          <a:fontRef idx="minor">
+            <a:schemeClr val="tx1"/>
+          </a:fontRef>
+        </p:style>
+      </p:cxnSp>
+      <p:cxnSp>
+        <p:nvCxnSpPr>
+          <p:cNvPr id="25" name="Straight Arrow Connector 24">
+            <a:extLst>
+              <a:ext uri="{FF2B5EF4-FFF2-40B4-BE49-F238E27FC236}">
+                <a16:creationId xmlns:a16="http://schemas.microsoft.com/office/drawing/2014/main" id="{E369E920-24CB-45E0-FB52-AB2089B74725}"/>
+              </a:ext>
+            </a:extLst>
+          </p:cNvPr>
+          <p:cNvCxnSpPr>
+            <a:cxnSpLocks/>
+          </p:cNvCxnSpPr>
+          <p:nvPr/>
+        </p:nvCxnSpPr>
+        <p:spPr>
+          <a:xfrm>
+            <a:off x="4121792" y="2943997"/>
+            <a:ext cx="316125" cy="0"/>
+          </a:xfrm>
+          <a:prstGeom prst="straightConnector1">
+            <a:avLst/>
+          </a:prstGeom>
+          <a:ln>
+            <a:tailEnd type="triangle"/>
+          </a:ln>
+        </p:spPr>
+        <p:style>
+          <a:lnRef idx="1">
+            <a:schemeClr val="accent1"/>
+          </a:lnRef>
+          <a:fillRef idx="0">
+            <a:schemeClr val="accent1"/>
+          </a:fillRef>
+          <a:effectRef idx="0">
+            <a:schemeClr val="accent1"/>
+          </a:effectRef>
+          <a:fontRef idx="minor">
+            <a:schemeClr val="tx1"/>
+          </a:fontRef>
+        </p:style>
+      </p:cxnSp>
+      <p:cxnSp>
+        <p:nvCxnSpPr>
+          <p:cNvPr id="27" name="Elbow Connector 26">
+            <a:extLst>
+              <a:ext uri="{FF2B5EF4-FFF2-40B4-BE49-F238E27FC236}">
+                <a16:creationId xmlns:a16="http://schemas.microsoft.com/office/drawing/2014/main" id="{2839DA2D-29D1-DA90-BE13-707AF89651E6}"/>
+              </a:ext>
+            </a:extLst>
+          </p:cNvPr>
+          <p:cNvCxnSpPr>
+            <a:cxnSpLocks/>
+          </p:cNvCxnSpPr>
+          <p:nvPr/>
+        </p:nvCxnSpPr>
+        <p:spPr>
+          <a:xfrm flipV="1">
+            <a:off x="3144838" y="3172034"/>
+            <a:ext cx="1212024" cy="495669"/>
+          </a:xfrm>
+          <a:prstGeom prst="bentConnector3">
+            <a:avLst>
+              <a:gd name="adj1" fmla="val 99607"/>
+            </a:avLst>
+          </a:prstGeom>
+          <a:ln>
+            <a:tailEnd type="triangle"/>
+          </a:ln>
+        </p:spPr>
+        <p:style>
+          <a:lnRef idx="1">
+            <a:schemeClr val="accent1"/>
+          </a:lnRef>
+          <a:fillRef idx="0">
+            <a:schemeClr val="accent1"/>
+          </a:fillRef>
+          <a:effectRef idx="0">
+            <a:schemeClr val="accent1"/>
+          </a:effectRef>
+          <a:fontRef idx="minor">
+            <a:schemeClr val="tx1"/>
+          </a:fontRef>
+        </p:style>
+      </p:cxnSp>
+      <p:sp>
+        <p:nvSpPr>
+          <p:cNvPr id="36" name="TextBox 35">
+            <a:extLst>
+              <a:ext uri="{FF2B5EF4-FFF2-40B4-BE49-F238E27FC236}">
+                <a16:creationId xmlns:a16="http://schemas.microsoft.com/office/drawing/2014/main" id="{F52742C2-BDDC-248B-1CA0-42EA7EB8BF90}"/>
+              </a:ext>
+            </a:extLst>
+          </p:cNvPr>
+          <p:cNvSpPr txBox="1"/>
+          <p:nvPr/>
+        </p:nvSpPr>
+        <p:spPr>
+          <a:xfrm>
+            <a:off x="2559887" y="3748898"/>
+            <a:ext cx="2555895" cy="646331"/>
+          </a:xfrm>
+          <a:prstGeom prst="rect">
+            <a:avLst/>
+          </a:prstGeom>
+          <a:noFill/>
+        </p:spPr>
+        <p:txBody>
+          <a:bodyPr wrap="square" rtlCol="0">
+            <a:spAutoFit/>
+          </a:bodyPr>
+          <a:lstStyle/>
+          <a:p>
+            <a:r>
+              <a:rPr lang="en-DE" dirty="0"/>
+              <a:t>Skipped connections + dilated </a:t>
+            </a:r>
+          </a:p>
+        </p:txBody>
+      </p:sp>
+      <p:sp>
+        <p:nvSpPr>
+          <p:cNvPr id="37" name="Cube 36">
+            <a:extLst>
+              <a:ext uri="{FF2B5EF4-FFF2-40B4-BE49-F238E27FC236}">
+                <a16:creationId xmlns:a16="http://schemas.microsoft.com/office/drawing/2014/main" id="{626F4AB8-F8E7-804F-E7B1-B1E27DBC2216}"/>
+              </a:ext>
+            </a:extLst>
+          </p:cNvPr>
+          <p:cNvSpPr/>
+          <p:nvPr/>
+        </p:nvSpPr>
+        <p:spPr>
+          <a:xfrm>
+            <a:off x="4888558" y="1884525"/>
+            <a:ext cx="454447" cy="796181"/>
+          </a:xfrm>
+          <a:prstGeom prst="cube">
+            <a:avLst/>
+          </a:prstGeom>
+        </p:spPr>
+        <p:style>
+          <a:lnRef idx="2">
+            <a:schemeClr val="accent4">
+              <a:shade val="15000"/>
+            </a:schemeClr>
+          </a:lnRef>
+          <a:fillRef idx="1">
+            <a:schemeClr val="accent4"/>
+          </a:fillRef>
+          <a:effectRef idx="0">
+            <a:schemeClr val="accent4"/>
+          </a:effectRef>
+          <a:fontRef idx="minor">
+            <a:schemeClr val="lt1"/>
+          </a:fontRef>
+        </p:style>
+        <p:txBody>
+          <a:bodyPr rtlCol="0" anchor="ctr"/>
+          <a:lstStyle/>
+          <a:p>
+            <a:pPr algn="ctr"/>
+            <a:endParaRPr lang="en-DE" dirty="0"/>
+          </a:p>
+        </p:txBody>
+      </p:sp>
+      <p:sp>
+        <p:nvSpPr>
+          <p:cNvPr id="38" name="TextBox 37">
+            <a:extLst>
+              <a:ext uri="{FF2B5EF4-FFF2-40B4-BE49-F238E27FC236}">
+                <a16:creationId xmlns:a16="http://schemas.microsoft.com/office/drawing/2014/main" id="{3E931447-3F34-B54C-496A-EE8881886AD1}"/>
+              </a:ext>
+            </a:extLst>
+          </p:cNvPr>
+          <p:cNvSpPr txBox="1"/>
+          <p:nvPr/>
+        </p:nvSpPr>
+        <p:spPr>
+          <a:xfrm>
+            <a:off x="4381184" y="1471823"/>
+            <a:ext cx="2555895" cy="369332"/>
+          </a:xfrm>
+          <a:prstGeom prst="rect">
+            <a:avLst/>
+          </a:prstGeom>
+          <a:noFill/>
+        </p:spPr>
+        <p:txBody>
+          <a:bodyPr wrap="square" rtlCol="0">
+            <a:spAutoFit/>
+          </a:bodyPr>
+          <a:lstStyle/>
+          <a:p>
+            <a:r>
+              <a:rPr lang="en-DE" dirty="0"/>
+              <a:t>Convolution</a:t>
+            </a:r>
+          </a:p>
+        </p:txBody>
+      </p:sp>
+      <p:cxnSp>
+        <p:nvCxnSpPr>
+          <p:cNvPr id="39" name="Straight Arrow Connector 38">
+            <a:extLst>
+              <a:ext uri="{FF2B5EF4-FFF2-40B4-BE49-F238E27FC236}">
+                <a16:creationId xmlns:a16="http://schemas.microsoft.com/office/drawing/2014/main" id="{748BD635-89D4-1EA5-0B8D-5A6A61C1C9DD}"/>
+              </a:ext>
+            </a:extLst>
+          </p:cNvPr>
+          <p:cNvCxnSpPr>
+            <a:cxnSpLocks/>
+          </p:cNvCxnSpPr>
+          <p:nvPr/>
+        </p:nvCxnSpPr>
+        <p:spPr>
+          <a:xfrm>
+            <a:off x="5501068" y="2250224"/>
+            <a:ext cx="316125" cy="0"/>
+          </a:xfrm>
+          <a:prstGeom prst="straightConnector1">
+            <a:avLst/>
+          </a:prstGeom>
+          <a:ln>
+            <a:tailEnd type="triangle"/>
+          </a:ln>
+        </p:spPr>
+        <p:style>
+          <a:lnRef idx="1">
+            <a:schemeClr val="accent1"/>
+          </a:lnRef>
+          <a:fillRef idx="0">
+            <a:schemeClr val="accent1"/>
+          </a:fillRef>
+          <a:effectRef idx="0">
+            <a:schemeClr val="accent1"/>
+          </a:effectRef>
+          <a:fontRef idx="minor">
+            <a:schemeClr val="tx1"/>
+          </a:fontRef>
+        </p:style>
+      </p:cxnSp>
+      <p:sp>
+        <p:nvSpPr>
+          <p:cNvPr id="40" name="TextBox 39">
+            <a:extLst>
+              <a:ext uri="{FF2B5EF4-FFF2-40B4-BE49-F238E27FC236}">
+                <a16:creationId xmlns:a16="http://schemas.microsoft.com/office/drawing/2014/main" id="{1313F36B-A90A-E12A-D895-CAEEF926E347}"/>
+              </a:ext>
+            </a:extLst>
+          </p:cNvPr>
+          <p:cNvSpPr txBox="1"/>
+          <p:nvPr/>
+        </p:nvSpPr>
+        <p:spPr>
+          <a:xfrm>
+            <a:off x="6099248" y="3389332"/>
+            <a:ext cx="2747144" cy="923330"/>
+          </a:xfrm>
+          <a:prstGeom prst="rect">
+            <a:avLst/>
+          </a:prstGeom>
+          <a:noFill/>
+        </p:spPr>
+        <p:txBody>
+          <a:bodyPr wrap="square" rtlCol="0">
+            <a:spAutoFit/>
+          </a:bodyPr>
+          <a:lstStyle/>
+          <a:p>
+            <a:r>
+              <a:rPr lang="en-DE" dirty="0"/>
+              <a:t>Total count prediction: total Tn5 insertion  over input region</a:t>
+            </a:r>
+          </a:p>
+        </p:txBody>
+      </p:sp>
+      <p:sp>
+        <p:nvSpPr>
+          <p:cNvPr id="41" name="Cube 40">
+            <a:extLst>
+              <a:ext uri="{FF2B5EF4-FFF2-40B4-BE49-F238E27FC236}">
+                <a16:creationId xmlns:a16="http://schemas.microsoft.com/office/drawing/2014/main" id="{B237E18C-6FBF-C941-3D0B-6D503BB6F123}"/>
+              </a:ext>
+            </a:extLst>
+          </p:cNvPr>
+          <p:cNvSpPr/>
+          <p:nvPr/>
+        </p:nvSpPr>
+        <p:spPr>
+          <a:xfrm>
+            <a:off x="4916925" y="3419868"/>
+            <a:ext cx="454447" cy="796181"/>
+          </a:xfrm>
+          <a:prstGeom prst="cube">
+            <a:avLst/>
+          </a:prstGeom>
+        </p:spPr>
+        <p:style>
+          <a:lnRef idx="2">
+            <a:schemeClr val="accent6">
+              <a:shade val="15000"/>
+            </a:schemeClr>
+          </a:lnRef>
+          <a:fillRef idx="1">
+            <a:schemeClr val="accent6"/>
+          </a:fillRef>
+          <a:effectRef idx="0">
+            <a:schemeClr val="accent6"/>
+          </a:effectRef>
+          <a:fontRef idx="minor">
+            <a:schemeClr val="lt1"/>
+          </a:fontRef>
+        </p:style>
+        <p:txBody>
+          <a:bodyPr rtlCol="0" anchor="ctr"/>
+          <a:lstStyle/>
+          <a:p>
+            <a:pPr algn="ctr"/>
+            <a:endParaRPr lang="en-DE" dirty="0"/>
+          </a:p>
+        </p:txBody>
+      </p:sp>
+      <p:sp>
+        <p:nvSpPr>
+          <p:cNvPr id="42" name="TextBox 41">
+            <a:extLst>
+              <a:ext uri="{FF2B5EF4-FFF2-40B4-BE49-F238E27FC236}">
+                <a16:creationId xmlns:a16="http://schemas.microsoft.com/office/drawing/2014/main" id="{84A20B0B-19B6-8EC4-D644-91911CA051A5}"/>
+              </a:ext>
+            </a:extLst>
+          </p:cNvPr>
+          <p:cNvSpPr txBox="1"/>
+          <p:nvPr/>
+        </p:nvSpPr>
+        <p:spPr>
+          <a:xfrm>
+            <a:off x="4437917" y="4312662"/>
+            <a:ext cx="2555895" cy="369332"/>
+          </a:xfrm>
+          <a:prstGeom prst="rect">
+            <a:avLst/>
+          </a:prstGeom>
+          <a:noFill/>
+        </p:spPr>
+        <p:txBody>
+          <a:bodyPr wrap="square" rtlCol="0">
+            <a:spAutoFit/>
+          </a:bodyPr>
+          <a:lstStyle/>
+          <a:p>
+            <a:r>
+              <a:rPr lang="en-DE" dirty="0"/>
+              <a:t>Global pool + linear layer</a:t>
+            </a:r>
+          </a:p>
+        </p:txBody>
+      </p:sp>
+      <p:cxnSp>
+        <p:nvCxnSpPr>
+          <p:cNvPr id="44" name="Straight Arrow Connector 43">
+            <a:extLst>
+              <a:ext uri="{FF2B5EF4-FFF2-40B4-BE49-F238E27FC236}">
+                <a16:creationId xmlns:a16="http://schemas.microsoft.com/office/drawing/2014/main" id="{7AA496A2-7B3E-6EE4-0CA3-7D04175C4170}"/>
+              </a:ext>
+            </a:extLst>
+          </p:cNvPr>
+          <p:cNvCxnSpPr>
+            <a:cxnSpLocks/>
+          </p:cNvCxnSpPr>
+          <p:nvPr/>
+        </p:nvCxnSpPr>
+        <p:spPr>
+          <a:xfrm>
+            <a:off x="5525574" y="3808745"/>
+            <a:ext cx="316125" cy="0"/>
+          </a:xfrm>
+          <a:prstGeom prst="straightConnector1">
+            <a:avLst/>
+          </a:prstGeom>
+          <a:ln>
+            <a:tailEnd type="triangle"/>
+          </a:ln>
+        </p:spPr>
+        <p:style>
+          <a:lnRef idx="1">
+            <a:schemeClr val="accent1"/>
+          </a:lnRef>
+          <a:fillRef idx="0">
+            <a:schemeClr val="accent1"/>
+          </a:fillRef>
+          <a:effectRef idx="0">
+            <a:schemeClr val="accent1"/>
+          </a:effectRef>
+          <a:fontRef idx="minor">
+            <a:schemeClr val="tx1"/>
+          </a:fontRef>
+        </p:style>
+      </p:cxnSp>
+      <p:sp>
+        <p:nvSpPr>
+          <p:cNvPr id="45" name="TextBox 44">
+            <a:extLst>
+              <a:ext uri="{FF2B5EF4-FFF2-40B4-BE49-F238E27FC236}">
+                <a16:creationId xmlns:a16="http://schemas.microsoft.com/office/drawing/2014/main" id="{B9CB4023-FCE0-8FEA-4332-F2BE9818BF37}"/>
+              </a:ext>
+            </a:extLst>
+          </p:cNvPr>
+          <p:cNvSpPr txBox="1"/>
+          <p:nvPr/>
+        </p:nvSpPr>
+        <p:spPr>
+          <a:xfrm>
+            <a:off x="6127656" y="1984284"/>
+            <a:ext cx="2747144" cy="923330"/>
+          </a:xfrm>
+          <a:prstGeom prst="rect">
+            <a:avLst/>
+          </a:prstGeom>
+          <a:noFill/>
+        </p:spPr>
+        <p:txBody>
+          <a:bodyPr wrap="square" rtlCol="0">
+            <a:spAutoFit/>
+          </a:bodyPr>
+          <a:lstStyle/>
+          <a:p>
+            <a:r>
+              <a:rPr lang="en-DE" dirty="0"/>
+              <a:t>Profile prediction head: probability of Tn5 insertion at each position sequence</a:t>
+            </a:r>
+          </a:p>
+        </p:txBody>
+      </p:sp>
+      <p:sp>
+        <p:nvSpPr>
+          <p:cNvPr id="46" name="TextBox 45">
+            <a:extLst>
+              <a:ext uri="{FF2B5EF4-FFF2-40B4-BE49-F238E27FC236}">
+                <a16:creationId xmlns:a16="http://schemas.microsoft.com/office/drawing/2014/main" id="{91D9C1AA-52C1-AB50-B715-90FC3B8C8546}"/>
+              </a:ext>
+            </a:extLst>
+          </p:cNvPr>
+          <p:cNvSpPr txBox="1"/>
+          <p:nvPr/>
+        </p:nvSpPr>
+        <p:spPr>
+          <a:xfrm>
+            <a:off x="8927314" y="2640902"/>
+            <a:ext cx="3264686" cy="923330"/>
+          </a:xfrm>
+          <a:prstGeom prst="rect">
+            <a:avLst/>
+          </a:prstGeom>
+          <a:noFill/>
+        </p:spPr>
+        <p:txBody>
+          <a:bodyPr wrap="square" rtlCol="0">
+            <a:spAutoFit/>
+          </a:bodyPr>
+          <a:lstStyle/>
+          <a:p>
+            <a:r>
+              <a:rPr lang="en-DE" dirty="0"/>
+              <a:t>Multiply total count by probability each base to get predicted at position</a:t>
+            </a:r>
+          </a:p>
+        </p:txBody>
+      </p:sp>
+      <p:cxnSp>
+        <p:nvCxnSpPr>
+          <p:cNvPr id="47" name="Straight Arrow Connector 46">
+            <a:extLst>
+              <a:ext uri="{FF2B5EF4-FFF2-40B4-BE49-F238E27FC236}">
+                <a16:creationId xmlns:a16="http://schemas.microsoft.com/office/drawing/2014/main" id="{FDF7F2B5-666A-D47F-EE0C-0C67C799944D}"/>
+              </a:ext>
+            </a:extLst>
+          </p:cNvPr>
+          <p:cNvCxnSpPr>
+            <a:cxnSpLocks/>
+          </p:cNvCxnSpPr>
+          <p:nvPr/>
+        </p:nvCxnSpPr>
+        <p:spPr>
+          <a:xfrm>
+            <a:off x="8530267" y="3102567"/>
+            <a:ext cx="316125" cy="0"/>
+          </a:xfrm>
+          <a:prstGeom prst="straightConnector1">
+            <a:avLst/>
+          </a:prstGeom>
+          <a:ln>
+            <a:tailEnd type="triangle"/>
+          </a:ln>
+        </p:spPr>
+        <p:style>
+          <a:lnRef idx="1">
+            <a:schemeClr val="accent1"/>
+          </a:lnRef>
+          <a:fillRef idx="0">
+            <a:schemeClr val="accent1"/>
+          </a:fillRef>
+          <a:effectRef idx="0">
+            <a:schemeClr val="accent1"/>
+          </a:effectRef>
+          <a:fontRef idx="minor">
+            <a:schemeClr val="tx1"/>
+          </a:fontRef>
+        </p:style>
+      </p:cxnSp>
+    </p:spTree>
+    <p:extLst>
+      <p:ext uri="{BB962C8B-B14F-4D97-AF65-F5344CB8AC3E}">
+        <p14:creationId xmlns:p14="http://schemas.microsoft.com/office/powerpoint/2010/main" val="2426153505"/>
       </p:ext>
     </p:extLst>
   </p:cSld>
